--- a/WebDynamique.pptx
+++ b/WebDynamique.pptx
@@ -9,11 +9,13 @@
     <p:sldId id="257" r:id="rId3"/>
     <p:sldId id="262" r:id="rId4"/>
     <p:sldId id="263" r:id="rId5"/>
-    <p:sldId id="264" r:id="rId6"/>
-    <p:sldId id="258" r:id="rId7"/>
-    <p:sldId id="259" r:id="rId8"/>
-    <p:sldId id="261" r:id="rId9"/>
-    <p:sldId id="260" r:id="rId10"/>
+    <p:sldId id="266" r:id="rId6"/>
+    <p:sldId id="264" r:id="rId7"/>
+    <p:sldId id="268" r:id="rId8"/>
+    <p:sldId id="258" r:id="rId9"/>
+    <p:sldId id="259" r:id="rId10"/>
+    <p:sldId id="261" r:id="rId11"/>
+    <p:sldId id="260" r:id="rId12"/>
   </p:sldIdLst>
   <p:sldSz cx="12192000" cy="6858000"/>
   <p:notesSz cx="6858000" cy="9144000"/>
@@ -112,6 +114,11 @@
       </a:defRPr>
     </a:lvl9pPr>
   </p:defaultTextStyle>
+  <p:extLst>
+    <p:ext uri="{EFAFB233-063F-42B5-8137-9DF3F51BA10A}">
+      <p15:sldGuideLst xmlns:p15="http://schemas.microsoft.com/office/powerpoint/2012/main"/>
+    </p:ext>
+  </p:extLst>
 </p:presentation>
 </file>
 
@@ -304,7 +311,7 @@
             <a:fld id="{B61BEF0D-F0BB-DE4B-95CE-6DB70DBA9567}" type="datetimeFigureOut">
               <a:rPr lang="en-US" dirty="0"/>
               <a:pPr/>
-              <a:t>5/2/2019</a:t>
+              <a:t>5/4/2019</a:t>
             </a:fld>
             <a:endParaRPr lang="en-US" dirty="0"/>
           </a:p>
@@ -639,7 +646,7 @@
             <a:fld id="{B61BEF0D-F0BB-DE4B-95CE-6DB70DBA9567}" type="datetimeFigureOut">
               <a:rPr lang="en-US" dirty="0"/>
               <a:pPr/>
-              <a:t>5/2/2019</a:t>
+              <a:t>5/4/2019</a:t>
             </a:fld>
             <a:endParaRPr lang="en-US" dirty="0"/>
           </a:p>
@@ -1037,7 +1044,7 @@
             <a:fld id="{B61BEF0D-F0BB-DE4B-95CE-6DB70DBA9567}" type="datetimeFigureOut">
               <a:rPr lang="en-US" dirty="0"/>
               <a:pPr/>
-              <a:t>5/2/2019</a:t>
+              <a:t>5/4/2019</a:t>
             </a:fld>
             <a:endParaRPr lang="en-US" dirty="0"/>
           </a:p>
@@ -1369,7 +1376,7 @@
             <a:fld id="{B61BEF0D-F0BB-DE4B-95CE-6DB70DBA9567}" type="datetimeFigureOut">
               <a:rPr lang="en-US" dirty="0"/>
               <a:pPr/>
-              <a:t>5/2/2019</a:t>
+              <a:t>5/4/2019</a:t>
             </a:fld>
             <a:endParaRPr lang="en-US" dirty="0"/>
           </a:p>
@@ -1686,7 +1693,7 @@
             <a:fld id="{B61BEF0D-F0BB-DE4B-95CE-6DB70DBA9567}" type="datetimeFigureOut">
               <a:rPr lang="en-US" dirty="0"/>
               <a:pPr/>
-              <a:t>5/2/2019</a:t>
+              <a:t>5/4/2019</a:t>
             </a:fld>
             <a:endParaRPr lang="en-US" dirty="0"/>
           </a:p>
@@ -2079,7 +2086,7 @@
             <a:fld id="{B61BEF0D-F0BB-DE4B-95CE-6DB70DBA9567}" type="datetimeFigureOut">
               <a:rPr lang="en-US" dirty="0"/>
               <a:pPr/>
-              <a:t>5/2/2019</a:t>
+              <a:t>5/4/2019</a:t>
             </a:fld>
             <a:endParaRPr lang="en-US" dirty="0"/>
           </a:p>
@@ -2333,7 +2340,7 @@
             <a:fld id="{B61BEF0D-F0BB-DE4B-95CE-6DB70DBA9567}" type="datetimeFigureOut">
               <a:rPr lang="en-US" dirty="0"/>
               <a:pPr/>
-              <a:t>5/2/2019</a:t>
+              <a:t>5/4/2019</a:t>
             </a:fld>
             <a:endParaRPr lang="en-US" dirty="0"/>
           </a:p>
@@ -2592,7 +2599,7 @@
             <a:fld id="{B61BEF0D-F0BB-DE4B-95CE-6DB70DBA9567}" type="datetimeFigureOut">
               <a:rPr lang="en-US" dirty="0"/>
               <a:pPr/>
-              <a:t>5/2/2019</a:t>
+              <a:t>5/4/2019</a:t>
             </a:fld>
             <a:endParaRPr lang="en-US" dirty="0"/>
           </a:p>
@@ -2851,7 +2858,7 @@
             <a:fld id="{B61BEF0D-F0BB-DE4B-95CE-6DB70DBA9567}" type="datetimeFigureOut">
               <a:rPr lang="en-US" dirty="0"/>
               <a:pPr/>
-              <a:t>5/2/2019</a:t>
+              <a:t>5/4/2019</a:t>
             </a:fld>
             <a:endParaRPr lang="en-US" dirty="0"/>
           </a:p>
@@ -3177,7 +3184,7 @@
             <a:fld id="{B61BEF0D-F0BB-DE4B-95CE-6DB70DBA9567}" type="datetimeFigureOut">
               <a:rPr lang="en-US" dirty="0"/>
               <a:pPr/>
-              <a:t>5/2/2019</a:t>
+              <a:t>5/4/2019</a:t>
             </a:fld>
             <a:endParaRPr lang="en-US" dirty="0"/>
           </a:p>
@@ -3497,7 +3504,7 @@
             <a:fld id="{B61BEF0D-F0BB-DE4B-95CE-6DB70DBA9567}" type="datetimeFigureOut">
               <a:rPr lang="en-US" dirty="0"/>
               <a:pPr/>
-              <a:t>5/2/2019</a:t>
+              <a:t>5/4/2019</a:t>
             </a:fld>
             <a:endParaRPr lang="en-US" dirty="0"/>
           </a:p>
@@ -3951,7 +3958,7 @@
             <a:fld id="{B61BEF0D-F0BB-DE4B-95CE-6DB70DBA9567}" type="datetimeFigureOut">
               <a:rPr lang="en-US" dirty="0"/>
               <a:pPr/>
-              <a:t>5/2/2019</a:t>
+              <a:t>5/4/2019</a:t>
             </a:fld>
             <a:endParaRPr lang="en-US" dirty="0"/>
           </a:p>
@@ -4153,7 +4160,7 @@
             <a:fld id="{B61BEF0D-F0BB-DE4B-95CE-6DB70DBA9567}" type="datetimeFigureOut">
               <a:rPr lang="en-US" dirty="0"/>
               <a:pPr/>
-              <a:t>5/2/2019</a:t>
+              <a:t>5/4/2019</a:t>
             </a:fld>
             <a:endParaRPr lang="en-US" dirty="0"/>
           </a:p>
@@ -4327,7 +4334,7 @@
             <a:fld id="{B61BEF0D-F0BB-DE4B-95CE-6DB70DBA9567}" type="datetimeFigureOut">
               <a:rPr lang="en-US" dirty="0"/>
               <a:pPr/>
-              <a:t>5/2/2019</a:t>
+              <a:t>5/4/2019</a:t>
             </a:fld>
             <a:endParaRPr lang="en-US" dirty="0"/>
           </a:p>
@@ -4657,7 +4664,7 @@
             <a:fld id="{B61BEF0D-F0BB-DE4B-95CE-6DB70DBA9567}" type="datetimeFigureOut">
               <a:rPr lang="en-US" dirty="0"/>
               <a:pPr/>
-              <a:t>5/2/2019</a:t>
+              <a:t>5/4/2019</a:t>
             </a:fld>
             <a:endParaRPr lang="en-US" dirty="0"/>
           </a:p>
@@ -4999,7 +5006,7 @@
             <a:fld id="{B61BEF0D-F0BB-DE4B-95CE-6DB70DBA9567}" type="datetimeFigureOut">
               <a:rPr lang="en-US" dirty="0"/>
               <a:pPr/>
-              <a:t>5/2/2019</a:t>
+              <a:t>5/4/2019</a:t>
             </a:fld>
             <a:endParaRPr lang="en-US" dirty="0"/>
           </a:p>
@@ -7113,7 +7120,7 @@
             <a:fld id="{B61BEF0D-F0BB-DE4B-95CE-6DB70DBA9567}" type="datetimeFigureOut">
               <a:rPr lang="en-US" dirty="0"/>
               <a:pPr/>
-              <a:t>5/2/2019</a:t>
+              <a:t>5/4/2019</a:t>
             </a:fld>
             <a:endParaRPr lang="en-US" dirty="0"/>
           </a:p>
@@ -7836,6 +7843,259 @@
 </p:sld>
 </file>
 
+<file path=ppt/slides/slide10.xml><?xml version="1.0" encoding="utf-8"?>
+<p:sld xmlns:a="http://schemas.openxmlformats.org/drawingml/2006/main" xmlns:r="http://schemas.openxmlformats.org/officeDocument/2006/relationships" xmlns:p="http://schemas.openxmlformats.org/presentationml/2006/main">
+  <p:cSld>
+    <p:spTree>
+      <p:nvGrpSpPr>
+        <p:cNvPr id="1" name=""/>
+        <p:cNvGrpSpPr/>
+        <p:nvPr/>
+      </p:nvGrpSpPr>
+      <p:grpSpPr>
+        <a:xfrm>
+          <a:off x="0" y="0"/>
+          <a:ext cx="0" cy="0"/>
+          <a:chOff x="0" y="0"/>
+          <a:chExt cx="0" cy="0"/>
+        </a:xfrm>
+      </p:grpSpPr>
+      <p:sp>
+        <p:nvSpPr>
+          <p:cNvPr id="2" name="Titre 1">
+            <a:extLst>
+              <a:ext uri="{FF2B5EF4-FFF2-40B4-BE49-F238E27FC236}">
+                <a16:creationId xmlns:a16="http://schemas.microsoft.com/office/drawing/2014/main" id="{9DAA8700-EFAB-4DEA-84F5-6AF44642AAF6}"/>
+              </a:ext>
+            </a:extLst>
+          </p:cNvPr>
+          <p:cNvSpPr>
+            <a:spLocks noGrp="1"/>
+          </p:cNvSpPr>
+          <p:nvPr>
+            <p:ph type="title"/>
+          </p:nvPr>
+        </p:nvSpPr>
+        <p:spPr/>
+        <p:txBody>
+          <a:bodyPr/>
+          <a:lstStyle/>
+          <a:p>
+            <a:r>
+              <a:rPr lang="fr-FR" dirty="0"/>
+              <a:t>Bilan: l’état du travail réalisé</a:t>
+            </a:r>
+          </a:p>
+        </p:txBody>
+      </p:sp>
+      <p:sp>
+        <p:nvSpPr>
+          <p:cNvPr id="3" name="Espace réservé du contenu 2">
+            <a:extLst>
+              <a:ext uri="{FF2B5EF4-FFF2-40B4-BE49-F238E27FC236}">
+                <a16:creationId xmlns:a16="http://schemas.microsoft.com/office/drawing/2014/main" id="{9127CFD1-748A-4BB2-BE46-4CF580374D63}"/>
+              </a:ext>
+            </a:extLst>
+          </p:cNvPr>
+          <p:cNvSpPr>
+            <a:spLocks noGrp="1"/>
+          </p:cNvSpPr>
+          <p:nvPr>
+            <p:ph idx="1"/>
+          </p:nvPr>
+        </p:nvSpPr>
+        <p:spPr>
+          <a:xfrm>
+            <a:off x="1638300" y="1540189"/>
+            <a:ext cx="8915400" cy="3777622"/>
+          </a:xfrm>
+        </p:spPr>
+        <p:txBody>
+          <a:bodyPr/>
+          <a:lstStyle/>
+          <a:p>
+            <a:r>
+              <a:rPr lang="fr-FR" dirty="0"/>
+              <a:t>Page d’accueil </a:t>
+            </a:r>
+          </a:p>
+          <a:p>
+            <a:r>
+              <a:rPr lang="fr-FR" dirty="0"/>
+              <a:t>S’</a:t>
+            </a:r>
+            <a:r>
+              <a:rPr lang="fr-FR" dirty="0" err="1"/>
+              <a:t>idendifier</a:t>
+            </a:r>
+            <a:r>
+              <a:rPr lang="fr-FR" dirty="0"/>
+              <a:t> en tant que admin ou acheteur</a:t>
+            </a:r>
+          </a:p>
+          <a:p>
+            <a:r>
+              <a:rPr lang="fr-FR" dirty="0"/>
+              <a:t>Ajouter des articles selon la catégorie au panier</a:t>
+            </a:r>
+          </a:p>
+          <a:p>
+            <a:r>
+              <a:rPr lang="fr-FR" dirty="0"/>
+              <a:t>Acheter des articles</a:t>
+            </a:r>
+          </a:p>
+          <a:p>
+            <a:r>
+              <a:rPr lang="fr-FR" dirty="0"/>
+              <a:t>Ajouter ou supprimer des vendeurs ou acheteurs (admin)</a:t>
+            </a:r>
+          </a:p>
+          <a:p>
+            <a:endParaRPr lang="fr-FR" dirty="0"/>
+          </a:p>
+        </p:txBody>
+      </p:sp>
+    </p:spTree>
+    <p:extLst>
+      <p:ext uri="{BB962C8B-B14F-4D97-AF65-F5344CB8AC3E}">
+        <p14:creationId xmlns:p14="http://schemas.microsoft.com/office/powerpoint/2010/main" val="1811071866"/>
+      </p:ext>
+    </p:extLst>
+  </p:cSld>
+  <p:clrMapOvr>
+    <a:masterClrMapping/>
+  </p:clrMapOvr>
+</p:sld>
+</file>
+
+<file path=ppt/slides/slide11.xml><?xml version="1.0" encoding="utf-8"?>
+<p:sld xmlns:a="http://schemas.openxmlformats.org/drawingml/2006/main" xmlns:r="http://schemas.openxmlformats.org/officeDocument/2006/relationships" xmlns:p="http://schemas.openxmlformats.org/presentationml/2006/main">
+  <p:cSld>
+    <p:spTree>
+      <p:nvGrpSpPr>
+        <p:cNvPr id="1" name=""/>
+        <p:cNvGrpSpPr/>
+        <p:nvPr/>
+      </p:nvGrpSpPr>
+      <p:grpSpPr>
+        <a:xfrm>
+          <a:off x="0" y="0"/>
+          <a:ext cx="0" cy="0"/>
+          <a:chOff x="0" y="0"/>
+          <a:chExt cx="0" cy="0"/>
+        </a:xfrm>
+      </p:grpSpPr>
+      <p:sp>
+        <p:nvSpPr>
+          <p:cNvPr id="2" name="Titre 1">
+            <a:extLst>
+              <a:ext uri="{FF2B5EF4-FFF2-40B4-BE49-F238E27FC236}">
+                <a16:creationId xmlns:a16="http://schemas.microsoft.com/office/drawing/2014/main" id="{52784523-7F7F-4B49-8C19-CA714705DAB5}"/>
+              </a:ext>
+            </a:extLst>
+          </p:cNvPr>
+          <p:cNvSpPr>
+            <a:spLocks noGrp="1"/>
+          </p:cNvSpPr>
+          <p:nvPr>
+            <p:ph type="title"/>
+          </p:nvPr>
+        </p:nvSpPr>
+        <p:spPr/>
+        <p:txBody>
+          <a:bodyPr/>
+          <a:lstStyle/>
+          <a:p>
+            <a:r>
+              <a:rPr lang="fr-FR" dirty="0"/>
+              <a:t>Sitographie</a:t>
+            </a:r>
+          </a:p>
+        </p:txBody>
+      </p:sp>
+      <p:sp>
+        <p:nvSpPr>
+          <p:cNvPr id="3" name="Espace réservé du contenu 2">
+            <a:extLst>
+              <a:ext uri="{FF2B5EF4-FFF2-40B4-BE49-F238E27FC236}">
+                <a16:creationId xmlns:a16="http://schemas.microsoft.com/office/drawing/2014/main" id="{9E993E3F-17DA-444F-90C8-0E73C03DF1CA}"/>
+              </a:ext>
+            </a:extLst>
+          </p:cNvPr>
+          <p:cNvSpPr>
+            <a:spLocks noGrp="1"/>
+          </p:cNvSpPr>
+          <p:nvPr>
+            <p:ph idx="1"/>
+          </p:nvPr>
+        </p:nvSpPr>
+        <p:spPr>
+          <a:xfrm>
+            <a:off x="2075504" y="1455506"/>
+            <a:ext cx="8915400" cy="3777622"/>
+          </a:xfrm>
+        </p:spPr>
+        <p:txBody>
+          <a:bodyPr/>
+          <a:lstStyle/>
+          <a:p>
+            <a:r>
+              <a:rPr lang="fr-FR" dirty="0">
+                <a:hlinkClick r:id="rId2"/>
+              </a:rPr>
+              <a:t>https://www.youtube.com/watch?v=s7qtAnH5YkY&amp;t=144s&amp;fbclid=IwAR3As-rX7MemMGXM5xLNxISs_uTEeWhLO98hBx5FtobIjiw__FUw7MaCITk</a:t>
+            </a:r>
+            <a:endParaRPr lang="fr-FR" dirty="0"/>
+          </a:p>
+          <a:p>
+            <a:r>
+              <a:rPr lang="fr-FR" dirty="0">
+                <a:hlinkClick r:id="rId3"/>
+              </a:rPr>
+              <a:t>https://www.youtube.com/watch?v=vHs9sPIA61k</a:t>
+            </a:r>
+            <a:endParaRPr lang="fr-FR" dirty="0"/>
+          </a:p>
+          <a:p>
+            <a:r>
+              <a:rPr lang="fr-FR" dirty="0">
+                <a:hlinkClick r:id="rId4"/>
+              </a:rPr>
+              <a:t>https://www.youtube.com/watch?v=fM5ZV2AaIjE</a:t>
+            </a:r>
+            <a:endParaRPr lang="fr-FR" dirty="0"/>
+          </a:p>
+          <a:p>
+            <a:r>
+              <a:rPr lang="fr-FR" dirty="0">
+                <a:hlinkClick r:id="rId5"/>
+              </a:rPr>
+              <a:t>https://www.youtube.com/playlist?list=PLHdjLtO7x0fVCRKlIsQVM0aec2kzwn5RC&amp;fbclid=IwAR3gfGzkbF-DX-7ZG4w7tH1e103v9ef9nP4fmLhvjLx_8BjFigV_Q_kr4i0</a:t>
+            </a:r>
+            <a:endParaRPr lang="fr-FR" dirty="0"/>
+          </a:p>
+          <a:p>
+            <a:endParaRPr lang="fr-FR" dirty="0"/>
+          </a:p>
+          <a:p>
+            <a:endParaRPr lang="fr-FR" dirty="0"/>
+          </a:p>
+        </p:txBody>
+      </p:sp>
+    </p:spTree>
+    <p:extLst>
+      <p:ext uri="{BB962C8B-B14F-4D97-AF65-F5344CB8AC3E}">
+        <p14:creationId xmlns:p14="http://schemas.microsoft.com/office/powerpoint/2010/main" val="2387952999"/>
+      </p:ext>
+    </p:extLst>
+  </p:cSld>
+  <p:clrMapOvr>
+    <a:masterClrMapping/>
+  </p:clrMapOvr>
+</p:sld>
+</file>
+
 <file path=ppt/slides/slide2.xml><?xml version="1.0" encoding="utf-8"?>
 <p:sld xmlns:a="http://schemas.openxmlformats.org/drawingml/2006/main" xmlns:r="http://schemas.openxmlformats.org/officeDocument/2006/relationships" xmlns:p="http://schemas.openxmlformats.org/presentationml/2006/main">
   <p:cSld>
@@ -8040,31 +8300,35 @@
           </a:p>
         </p:txBody>
       </p:sp>
-      <p:sp>
-        <p:nvSpPr>
-          <p:cNvPr id="3" name="Espace réservé du contenu 2">
+      <p:pic>
+        <p:nvPicPr>
+          <p:cNvPr id="6" name="Espace réservé du contenu 5" descr="Une image contenant texte, carte&#10;&#10;Description générée automatiquement">
             <a:extLst>
               <a:ext uri="{FF2B5EF4-FFF2-40B4-BE49-F238E27FC236}">
-                <a16:creationId xmlns:a16="http://schemas.microsoft.com/office/drawing/2014/main" id="{CD186B0D-FC61-4F42-83A0-9E3F3ACD7A59}"/>
+                <a16:creationId xmlns:a16="http://schemas.microsoft.com/office/drawing/2014/main" id="{E66617CC-BB8F-4E13-AED8-7CD23B335A89}"/>
               </a:ext>
             </a:extLst>
           </p:cNvPr>
-          <p:cNvSpPr>
-            <a:spLocks noGrp="1"/>
-          </p:cNvSpPr>
+          <p:cNvPicPr>
+            <a:picLocks noGrp="1" noChangeAspect="1"/>
+          </p:cNvPicPr>
           <p:nvPr>
             <p:ph idx="1"/>
           </p:nvPr>
-        </p:nvSpPr>
-        <p:spPr/>
-        <p:txBody>
-          <a:bodyPr/>
-          <a:lstStyle/>
-          <a:p>
-            <a:endParaRPr lang="fr-FR"/>
-          </a:p>
-        </p:txBody>
-      </p:sp>
+        </p:nvPicPr>
+        <p:blipFill>
+          <a:blip r:embed="rId2"/>
+          <a:stretch>
+            <a:fillRect/>
+          </a:stretch>
+        </p:blipFill>
+        <p:spPr>
+          <a:xfrm>
+            <a:off x="3016234" y="1092720"/>
+            <a:ext cx="7594616" cy="5282021"/>
+          </a:xfrm>
+        </p:spPr>
+      </p:pic>
     </p:spTree>
     <p:extLst>
       <p:ext uri="{BB962C8B-B14F-4D97-AF65-F5344CB8AC3E}">
@@ -8159,6 +8423,69 @@
           </a:p>
         </p:txBody>
       </p:sp>
+      <p:graphicFrame>
+        <p:nvGraphicFramePr>
+          <p:cNvPr id="4" name="Objet 3">
+            <a:extLst>
+              <a:ext uri="{FF2B5EF4-FFF2-40B4-BE49-F238E27FC236}">
+                <a16:creationId xmlns:a16="http://schemas.microsoft.com/office/drawing/2014/main" id="{E51014FB-CC02-463B-8AB7-67F4D5DFC897}"/>
+              </a:ext>
+            </a:extLst>
+          </p:cNvPr>
+          <p:cNvGraphicFramePr>
+            <a:graphicFrameLocks noChangeAspect="1"/>
+          </p:cNvGraphicFramePr>
+          <p:nvPr>
+            <p:extLst>
+              <p:ext uri="{D42A27DB-BD31-4B8C-83A1-F6EECF244321}">
+                <p14:modId xmlns:p14="http://schemas.microsoft.com/office/powerpoint/2010/main" val="469737866"/>
+              </p:ext>
+            </p:extLst>
+          </p:nvPr>
+        </p:nvGraphicFramePr>
+        <p:xfrm>
+          <a:off x="1504950" y="795290"/>
+          <a:ext cx="10534650" cy="5768013"/>
+        </p:xfrm>
+        <a:graphic>
+          <a:graphicData uri="http://schemas.openxmlformats.org/presentationml/2006/ole">
+            <mc:AlternateContent xmlns:mc="http://schemas.openxmlformats.org/markup-compatibility/2006">
+              <mc:Choice xmlns:v="urn:schemas-microsoft-com:vml" Requires="v">
+                <p:oleObj spid="_x0000_s1028" name="Acrobat Document" r:id="rId3" imgW="11191783" imgH="7448264" progId="AcroExch.Document.DC">
+                  <p:embed/>
+                </p:oleObj>
+              </mc:Choice>
+              <mc:Fallback>
+                <p:oleObj name="Acrobat Document" r:id="rId3" imgW="11191783" imgH="7448264" progId="AcroExch.Document.DC">
+                  <p:embed/>
+                  <p:pic>
+                    <p:nvPicPr>
+                      <p:cNvPr id="0" name=""/>
+                      <p:cNvPicPr/>
+                      <p:nvPr/>
+                    </p:nvPicPr>
+                    <p:blipFill>
+                      <a:blip r:embed="rId4"/>
+                      <a:stretch>
+                        <a:fillRect/>
+                      </a:stretch>
+                    </p:blipFill>
+                    <p:spPr>
+                      <a:xfrm>
+                        <a:off x="1504950" y="795290"/>
+                        <a:ext cx="10534650" cy="5768013"/>
+                      </a:xfrm>
+                      <a:prstGeom prst="rect">
+                        <a:avLst/>
+                      </a:prstGeom>
+                    </p:spPr>
+                  </p:pic>
+                </p:oleObj>
+              </mc:Fallback>
+            </mc:AlternateContent>
+          </a:graphicData>
+        </a:graphic>
+      </p:graphicFrame>
     </p:spTree>
     <p:extLst>
       <p:ext uri="{BB962C8B-B14F-4D97-AF65-F5344CB8AC3E}">
@@ -8189,25 +8516,84 @@
           <a:chExt cx="0" cy="0"/>
         </a:xfrm>
       </p:grpSpPr>
-      <p:sp>
-        <p:nvSpPr>
-          <p:cNvPr id="2" name="Titre 1">
+      <p:pic>
+        <p:nvPicPr>
+          <p:cNvPr id="5" name="Espace réservé du contenu 4" descr="Une image contenant capture d’écran&#10;&#10;Description générée automatiquement">
             <a:extLst>
               <a:ext uri="{FF2B5EF4-FFF2-40B4-BE49-F238E27FC236}">
-                <a16:creationId xmlns:a16="http://schemas.microsoft.com/office/drawing/2014/main" id="{C9153668-1B90-4C7E-A4A1-CE70B9F62080}"/>
+                <a16:creationId xmlns:a16="http://schemas.microsoft.com/office/drawing/2014/main" id="{8EA8453C-AC63-4E8E-BC3B-2BC89ACD934C}"/>
               </a:ext>
             </a:extLst>
           </p:cNvPr>
-          <p:cNvSpPr>
-            <a:spLocks noGrp="1"/>
-          </p:cNvSpPr>
-          <p:nvPr>
-            <p:ph type="title"/>
-          </p:nvPr>
-        </p:nvSpPr>
+          <p:cNvPicPr>
+            <a:picLocks noGrp="1" noChangeAspect="1"/>
+          </p:cNvPicPr>
+          <p:nvPr>
+            <p:ph idx="1"/>
+          </p:nvPr>
+        </p:nvPicPr>
+        <p:blipFill>
+          <a:blip r:embed="rId2"/>
+          <a:stretch>
+            <a:fillRect/>
+          </a:stretch>
+        </p:blipFill>
         <p:spPr>
           <a:xfrm>
-            <a:off x="2589212" y="235248"/>
+            <a:off x="6800850" y="1539875"/>
+            <a:ext cx="4849998" cy="3778250"/>
+          </a:xfrm>
+        </p:spPr>
+      </p:pic>
+      <p:pic>
+        <p:nvPicPr>
+          <p:cNvPr id="6" name="Espace réservé du contenu 4" descr="Une image contenant capture d’écran&#10;&#10;Description générée automatiquement">
+            <a:extLst>
+              <a:ext uri="{FF2B5EF4-FFF2-40B4-BE49-F238E27FC236}">
+                <a16:creationId xmlns:a16="http://schemas.microsoft.com/office/drawing/2014/main" id="{EA11DE38-E72F-4B98-975A-518EA088D00D}"/>
+              </a:ext>
+            </a:extLst>
+          </p:cNvPr>
+          <p:cNvPicPr>
+            <a:picLocks noChangeAspect="1"/>
+          </p:cNvPicPr>
+          <p:nvPr/>
+        </p:nvPicPr>
+        <p:blipFill>
+          <a:blip r:embed="rId3"/>
+          <a:stretch>
+            <a:fillRect/>
+          </a:stretch>
+        </p:blipFill>
+        <p:spPr>
+          <a:xfrm>
+            <a:off x="1409700" y="1539875"/>
+            <a:ext cx="4974981" cy="3778250"/>
+          </a:xfrm>
+          <a:prstGeom prst="rect">
+            <a:avLst/>
+          </a:prstGeom>
+        </p:spPr>
+      </p:pic>
+      <p:sp>
+        <p:nvSpPr>
+          <p:cNvPr id="7" name="Titre 1">
+            <a:extLst>
+              <a:ext uri="{FF2B5EF4-FFF2-40B4-BE49-F238E27FC236}">
+                <a16:creationId xmlns:a16="http://schemas.microsoft.com/office/drawing/2014/main" id="{90C6AAE4-B2F2-4601-B6AB-AE4B57D2F568}"/>
+              </a:ext>
+            </a:extLst>
+          </p:cNvPr>
+          <p:cNvSpPr>
+            <a:spLocks noGrp="1"/>
+          </p:cNvSpPr>
+          <p:nvPr>
+            <p:ph type="title"/>
+          </p:nvPr>
+        </p:nvSpPr>
+        <p:spPr>
+          <a:xfrm>
+            <a:off x="2322512" y="387648"/>
             <a:ext cx="8420972" cy="711530"/>
           </a:xfrm>
         </p:spPr>
@@ -8222,35 +8608,10 @@
           </a:p>
         </p:txBody>
       </p:sp>
-      <p:sp>
-        <p:nvSpPr>
-          <p:cNvPr id="3" name="Espace réservé du contenu 2">
-            <a:extLst>
-              <a:ext uri="{FF2B5EF4-FFF2-40B4-BE49-F238E27FC236}">
-                <a16:creationId xmlns:a16="http://schemas.microsoft.com/office/drawing/2014/main" id="{7E967E86-5B72-4D1D-87B7-F0A7EAC98C39}"/>
-              </a:ext>
-            </a:extLst>
-          </p:cNvPr>
-          <p:cNvSpPr>
-            <a:spLocks noGrp="1"/>
-          </p:cNvSpPr>
-          <p:nvPr>
-            <p:ph idx="1"/>
-          </p:nvPr>
-        </p:nvSpPr>
-        <p:spPr/>
-        <p:txBody>
-          <a:bodyPr/>
-          <a:lstStyle/>
-          <a:p>
-            <a:endParaRPr lang="fr-FR"/>
-          </a:p>
-        </p:txBody>
-      </p:sp>
     </p:spTree>
     <p:extLst>
       <p:ext uri="{BB962C8B-B14F-4D97-AF65-F5344CB8AC3E}">
-        <p14:creationId xmlns:p14="http://schemas.microsoft.com/office/powerpoint/2010/main" val="43785643"/>
+        <p14:creationId xmlns:p14="http://schemas.microsoft.com/office/powerpoint/2010/main" val="3741675197"/>
       </p:ext>
     </p:extLst>
   </p:cSld>
@@ -8282,7 +8643,7 @@
           <p:cNvPr id="2" name="Titre 1">
             <a:extLst>
               <a:ext uri="{FF2B5EF4-FFF2-40B4-BE49-F238E27FC236}">
-                <a16:creationId xmlns:a16="http://schemas.microsoft.com/office/drawing/2014/main" id="{09F734C5-F394-4B9D-B086-42DB4311BB8E}"/>
+                <a16:creationId xmlns:a16="http://schemas.microsoft.com/office/drawing/2014/main" id="{C9153668-1B90-4C7E-A4A1-CE70B9F62080}"/>
               </a:ext>
             </a:extLst>
           </p:cNvPr>
@@ -8295,8 +8656,8 @@
         </p:nvSpPr>
         <p:spPr>
           <a:xfrm>
-            <a:off x="2589212" y="306333"/>
-            <a:ext cx="8911687" cy="1280890"/>
+            <a:off x="2589212" y="235248"/>
+            <a:ext cx="8420972" cy="711530"/>
           </a:xfrm>
         </p:spPr>
         <p:txBody>
@@ -8305,40 +8666,74 @@
           <a:p>
             <a:r>
               <a:rPr lang="fr-FR" dirty="0"/>
-              <a:t>Spécifications fonctionnelles des pages web</a:t>
-            </a:r>
-          </a:p>
-        </p:txBody>
-      </p:sp>
-      <p:sp>
-        <p:nvSpPr>
-          <p:cNvPr id="3" name="Espace réservé du contenu 2">
+              <a:t>Design du front: les wireframes</a:t>
+            </a:r>
+          </a:p>
+        </p:txBody>
+      </p:sp>
+      <p:pic>
+        <p:nvPicPr>
+          <p:cNvPr id="5" name="Espace réservé du contenu 4" descr="Une image contenant capture d’écran&#10;&#10;Description générée automatiquement">
             <a:extLst>
               <a:ext uri="{FF2B5EF4-FFF2-40B4-BE49-F238E27FC236}">
-                <a16:creationId xmlns:a16="http://schemas.microsoft.com/office/drawing/2014/main" id="{AE518728-9F5F-4AA4-8A0D-FE9687A2F8A8}"/>
+                <a16:creationId xmlns:a16="http://schemas.microsoft.com/office/drawing/2014/main" id="{4285FFBF-7307-4511-B375-5DBB60AB0105}"/>
               </a:ext>
             </a:extLst>
           </p:cNvPr>
-          <p:cNvSpPr>
-            <a:spLocks noGrp="1"/>
-          </p:cNvSpPr>
+          <p:cNvPicPr>
+            <a:picLocks noGrp="1" noChangeAspect="1"/>
+          </p:cNvPicPr>
           <p:nvPr>
             <p:ph idx="1"/>
           </p:nvPr>
-        </p:nvSpPr>
-        <p:spPr/>
-        <p:txBody>
-          <a:bodyPr/>
-          <a:lstStyle/>
-          <a:p>
-            <a:endParaRPr lang="fr-FR" dirty="0"/>
-          </a:p>
-        </p:txBody>
-      </p:sp>
+        </p:nvPicPr>
+        <p:blipFill>
+          <a:blip r:embed="rId2"/>
+          <a:stretch>
+            <a:fillRect/>
+          </a:stretch>
+        </p:blipFill>
+        <p:spPr>
+          <a:xfrm>
+            <a:off x="1742636" y="1539875"/>
+            <a:ext cx="4893553" cy="3778250"/>
+          </a:xfrm>
+        </p:spPr>
+      </p:pic>
+      <p:pic>
+        <p:nvPicPr>
+          <p:cNvPr id="7" name="Espace réservé du contenu 4" descr="Une image contenant capture d’écran&#10;&#10;Description générée automatiquement">
+            <a:extLst>
+              <a:ext uri="{FF2B5EF4-FFF2-40B4-BE49-F238E27FC236}">
+                <a16:creationId xmlns:a16="http://schemas.microsoft.com/office/drawing/2014/main" id="{BC6839C9-06B3-47E5-8CAE-C14ADFDDDD3C}"/>
+              </a:ext>
+            </a:extLst>
+          </p:cNvPr>
+          <p:cNvPicPr>
+            <a:picLocks noChangeAspect="1"/>
+          </p:cNvPicPr>
+          <p:nvPr/>
+        </p:nvPicPr>
+        <p:blipFill>
+          <a:blip r:embed="rId3"/>
+          <a:stretch>
+            <a:fillRect/>
+          </a:stretch>
+        </p:blipFill>
+        <p:spPr>
+          <a:xfrm>
+            <a:off x="6943494" y="1539875"/>
+            <a:ext cx="4934412" cy="3778250"/>
+          </a:xfrm>
+          <a:prstGeom prst="rect">
+            <a:avLst/>
+          </a:prstGeom>
+        </p:spPr>
+      </p:pic>
     </p:spTree>
     <p:extLst>
       <p:ext uri="{BB962C8B-B14F-4D97-AF65-F5344CB8AC3E}">
-        <p14:creationId xmlns:p14="http://schemas.microsoft.com/office/powerpoint/2010/main" val="2667857783"/>
+        <p14:creationId xmlns:p14="http://schemas.microsoft.com/office/powerpoint/2010/main" val="43785643"/>
       </p:ext>
     </p:extLst>
   </p:cSld>
@@ -8367,10 +8762,10 @@
       </p:grpSpPr>
       <p:sp>
         <p:nvSpPr>
-          <p:cNvPr id="2" name="Titre 1">
+          <p:cNvPr id="6" name="Titre 1">
             <a:extLst>
               <a:ext uri="{FF2B5EF4-FFF2-40B4-BE49-F238E27FC236}">
-                <a16:creationId xmlns:a16="http://schemas.microsoft.com/office/drawing/2014/main" id="{6DC07446-73CE-4C0E-A116-C423D4B75778}"/>
+                <a16:creationId xmlns:a16="http://schemas.microsoft.com/office/drawing/2014/main" id="{3CA8EE5A-6D41-4561-907B-90687A82F1A9}"/>
               </a:ext>
             </a:extLst>
           </p:cNvPr>
@@ -8381,116 +8776,57 @@
             <p:ph type="title"/>
           </p:nvPr>
         </p:nvSpPr>
-        <p:spPr/>
+        <p:spPr>
+          <a:xfrm>
+            <a:off x="2570162" y="590385"/>
+            <a:ext cx="8420972" cy="711530"/>
+          </a:xfrm>
+        </p:spPr>
         <p:txBody>
           <a:bodyPr/>
           <a:lstStyle/>
           <a:p>
             <a:r>
               <a:rPr lang="fr-FR" dirty="0"/>
-              <a:t>L’utilisation de GIT</a:t>
-            </a:r>
-          </a:p>
-        </p:txBody>
-      </p:sp>
-      <p:sp>
-        <p:nvSpPr>
-          <p:cNvPr id="4" name="Espace réservé du contenu 2">
+              <a:t>Design du front: les wireframes</a:t>
+            </a:r>
+          </a:p>
+        </p:txBody>
+      </p:sp>
+      <p:pic>
+        <p:nvPicPr>
+          <p:cNvPr id="7" name="Espace réservé du contenu 4" descr="Une image contenant capture d’écran&#10;&#10;Description générée automatiquement">
             <a:extLst>
               <a:ext uri="{FF2B5EF4-FFF2-40B4-BE49-F238E27FC236}">
-                <a16:creationId xmlns:a16="http://schemas.microsoft.com/office/drawing/2014/main" id="{339A49C4-AA55-46F3-8221-400751040AC5}"/>
+                <a16:creationId xmlns:a16="http://schemas.microsoft.com/office/drawing/2014/main" id="{992AF099-C89C-4C3D-992E-A47EBFA45A21}"/>
               </a:ext>
             </a:extLst>
           </p:cNvPr>
-          <p:cNvSpPr>
-            <a:spLocks noGrp="1"/>
-          </p:cNvSpPr>
-          <p:nvPr>
-            <p:ph idx="1"/>
-          </p:nvPr>
-        </p:nvSpPr>
+          <p:cNvPicPr>
+            <a:picLocks noChangeAspect="1"/>
+          </p:cNvPicPr>
+          <p:nvPr/>
+        </p:nvPicPr>
+        <p:blipFill>
+          <a:blip r:embed="rId2"/>
+          <a:stretch>
+            <a:fillRect/>
+          </a:stretch>
+        </p:blipFill>
         <p:spPr>
           <a:xfrm>
-            <a:off x="842606" y="1681538"/>
-            <a:ext cx="8915400" cy="3777622"/>
+            <a:off x="3410607" y="1499227"/>
+            <a:ext cx="5942943" cy="4608475"/>
           </a:xfrm>
+          <a:prstGeom prst="rect">
+            <a:avLst/>
+          </a:prstGeom>
         </p:spPr>
-        <p:txBody>
-          <a:bodyPr/>
-          <a:lstStyle/>
-          <a:p>
-            <a:r>
-              <a:rPr lang="fr-FR" dirty="0">
-                <a:hlinkClick r:id="rId2"/>
-              </a:rPr>
-              <a:t>https://github.com/CocoNoireaux/Projet-Web</a:t>
-            </a:r>
-            <a:endParaRPr lang="fr-FR" dirty="0"/>
-          </a:p>
-          <a:p>
-            <a:endParaRPr lang="fr-FR" dirty="0"/>
-          </a:p>
-          <a:p>
-            <a:pPr marL="0" indent="0">
-              <a:buNone/>
-            </a:pPr>
-            <a:r>
-              <a:rPr lang="fr-FR" dirty="0"/>
-              <a:t>4 branches: </a:t>
-            </a:r>
-          </a:p>
-          <a:p>
-            <a:pPr>
-              <a:buFont typeface="+mj-lt"/>
-              <a:buAutoNum type="arabicPeriod"/>
-            </a:pPr>
-            <a:r>
-              <a:rPr lang="fr-FR" dirty="0"/>
-              <a:t>Master</a:t>
-            </a:r>
-          </a:p>
-          <a:p>
-            <a:pPr>
-              <a:buFont typeface="+mj-lt"/>
-              <a:buAutoNum type="arabicPeriod"/>
-            </a:pPr>
-            <a:r>
-              <a:rPr lang="fr-FR" dirty="0"/>
-              <a:t>Coline</a:t>
-            </a:r>
-          </a:p>
-          <a:p>
-            <a:pPr>
-              <a:buFont typeface="+mj-lt"/>
-              <a:buAutoNum type="arabicPeriod"/>
-            </a:pPr>
-            <a:r>
-              <a:rPr lang="fr-FR" dirty="0"/>
-              <a:t>Mathilde</a:t>
-            </a:r>
-          </a:p>
-          <a:p>
-            <a:pPr>
-              <a:buFont typeface="+mj-lt"/>
-              <a:buAutoNum type="arabicPeriod"/>
-            </a:pPr>
-            <a:r>
-              <a:rPr lang="fr-FR" dirty="0"/>
-              <a:t>Alexandre</a:t>
-            </a:r>
-          </a:p>
-          <a:p>
-            <a:pPr marL="0" indent="0">
-              <a:buNone/>
-            </a:pPr>
-            <a:endParaRPr lang="fr-FR" dirty="0"/>
-          </a:p>
-        </p:txBody>
-      </p:sp>
+      </p:pic>
     </p:spTree>
     <p:extLst>
       <p:ext uri="{BB962C8B-B14F-4D97-AF65-F5344CB8AC3E}">
-        <p14:creationId xmlns:p14="http://schemas.microsoft.com/office/powerpoint/2010/main" val="1273759548"/>
+        <p14:creationId xmlns:p14="http://schemas.microsoft.com/office/powerpoint/2010/main" val="1287319928"/>
       </p:ext>
     </p:extLst>
   </p:cSld>
@@ -8522,7 +8858,7 @@
           <p:cNvPr id="2" name="Titre 1">
             <a:extLst>
               <a:ext uri="{FF2B5EF4-FFF2-40B4-BE49-F238E27FC236}">
-                <a16:creationId xmlns:a16="http://schemas.microsoft.com/office/drawing/2014/main" id="{9DAA8700-EFAB-4DEA-84F5-6AF44642AAF6}"/>
+                <a16:creationId xmlns:a16="http://schemas.microsoft.com/office/drawing/2014/main" id="{09F734C5-F394-4B9D-B086-42DB4311BB8E}"/>
               </a:ext>
             </a:extLst>
           </p:cNvPr>
@@ -8533,14 +8869,19 @@
             <p:ph type="title"/>
           </p:nvPr>
         </p:nvSpPr>
-        <p:spPr/>
+        <p:spPr>
+          <a:xfrm>
+            <a:off x="2589212" y="306333"/>
+            <a:ext cx="8911687" cy="1280890"/>
+          </a:xfrm>
+        </p:spPr>
         <p:txBody>
           <a:bodyPr/>
           <a:lstStyle/>
           <a:p>
             <a:r>
               <a:rPr lang="fr-FR" dirty="0"/>
-              <a:t>Bilans:</a:t>
+              <a:t>Spécifications fonctionnelles des pages web</a:t>
             </a:r>
           </a:p>
         </p:txBody>
@@ -8550,7 +8891,7 @@
           <p:cNvPr id="3" name="Espace réservé du contenu 2">
             <a:extLst>
               <a:ext uri="{FF2B5EF4-FFF2-40B4-BE49-F238E27FC236}">
-                <a16:creationId xmlns:a16="http://schemas.microsoft.com/office/drawing/2014/main" id="{9127CFD1-748A-4BB2-BE46-4CF580374D63}"/>
+                <a16:creationId xmlns:a16="http://schemas.microsoft.com/office/drawing/2014/main" id="{AE518728-9F5F-4AA4-8A0D-FE9687A2F8A8}"/>
               </a:ext>
             </a:extLst>
           </p:cNvPr>
@@ -8566,14 +8907,49 @@
           <a:bodyPr/>
           <a:lstStyle/>
           <a:p>
-            <a:endParaRPr lang="fr-FR" dirty="0"/>
+            <a:r>
+              <a:rPr lang="fr-FR" dirty="0"/>
+              <a:t>Utilisation de PHP et SQL pour gérer les bases de données (récupérer les informations ou en ajouter)</a:t>
+            </a:r>
+          </a:p>
+          <a:p>
+            <a:r>
+              <a:rPr lang="fr-FR" dirty="0"/>
+              <a:t>Utilisation de HTML</a:t>
+            </a:r>
+          </a:p>
+          <a:p>
+            <a:r>
+              <a:rPr lang="fr-FR" dirty="0"/>
+              <a:t>Utilisation de CSS, </a:t>
+            </a:r>
+            <a:r>
+              <a:rPr lang="fr-FR" dirty="0" err="1"/>
+              <a:t>bootstrap</a:t>
+            </a:r>
+            <a:r>
+              <a:rPr lang="fr-FR" dirty="0"/>
+              <a:t> et </a:t>
+            </a:r>
+            <a:r>
+              <a:rPr lang="fr-FR" dirty="0" err="1"/>
+              <a:t>Jquery</a:t>
+            </a:r>
+            <a:r>
+              <a:rPr lang="fr-FR"/>
+              <a:t> pour </a:t>
+            </a:r>
+            <a:r>
+              <a:rPr lang="fr-FR" dirty="0"/>
+              <a:t>le style</a:t>
+            </a:r>
           </a:p>
         </p:txBody>
       </p:sp>
     </p:spTree>
     <p:extLst>
       <p:ext uri="{BB962C8B-B14F-4D97-AF65-F5344CB8AC3E}">
-        <p14:creationId xmlns:p14="http://schemas.microsoft.com/office/powerpoint/2010/main" val="1811071866"/>
+        <p14:creationId xmlns:p14="http://schemas.microsoft.com/office/powerpoint/2010/main" val="2667857783"/>
       </p:ext>
     </p:extLst>
   </p:cSld>
@@ -8605,7 +8981,7 @@
           <p:cNvPr id="2" name="Titre 1">
             <a:extLst>
               <a:ext uri="{FF2B5EF4-FFF2-40B4-BE49-F238E27FC236}">
-                <a16:creationId xmlns:a16="http://schemas.microsoft.com/office/drawing/2014/main" id="{52784523-7F7F-4B49-8C19-CA714705DAB5}"/>
+                <a16:creationId xmlns:a16="http://schemas.microsoft.com/office/drawing/2014/main" id="{6DC07446-73CE-4C0E-A116-C423D4B75778}"/>
               </a:ext>
             </a:extLst>
           </p:cNvPr>
@@ -8623,17 +8999,17 @@
           <a:p>
             <a:r>
               <a:rPr lang="fr-FR" dirty="0"/>
-              <a:t>Sitographie</a:t>
-            </a:r>
-          </a:p>
-        </p:txBody>
-      </p:sp>
-      <p:sp>
-        <p:nvSpPr>
-          <p:cNvPr id="3" name="Espace réservé du contenu 2">
+              <a:t>L’utilisation de GIT</a:t>
+            </a:r>
+          </a:p>
+        </p:txBody>
+      </p:sp>
+      <p:sp>
+        <p:nvSpPr>
+          <p:cNvPr id="4" name="Espace réservé du contenu 2">
             <a:extLst>
               <a:ext uri="{FF2B5EF4-FFF2-40B4-BE49-F238E27FC236}">
-                <a16:creationId xmlns:a16="http://schemas.microsoft.com/office/drawing/2014/main" id="{9E993E3F-17DA-444F-90C8-0E73C03DF1CA}"/>
+                <a16:creationId xmlns:a16="http://schemas.microsoft.com/office/drawing/2014/main" id="{339A49C4-AA55-46F3-8221-400751040AC5}"/>
               </a:ext>
             </a:extLst>
           </p:cNvPr>
@@ -8646,7 +9022,7 @@
         </p:nvSpPr>
         <p:spPr>
           <a:xfrm>
-            <a:off x="2075504" y="1455506"/>
+            <a:off x="842606" y="1681538"/>
             <a:ext cx="8915400" cy="3777622"/>
           </a:xfrm>
         </p:spPr>
@@ -8658,41 +9034,66 @@
               <a:rPr lang="fr-FR" dirty="0">
                 <a:hlinkClick r:id="rId2"/>
               </a:rPr>
-              <a:t>https://www.youtube.com/watch?v=s7qtAnH5YkY&amp;t=144s&amp;fbclid=IwAR3As-rX7MemMGXM5xLNxISs_uTEeWhLO98hBx5FtobIjiw__FUw7MaCITk</a:t>
+              <a:t>https://github.com/CocoNoireaux/Projet-Web</a:t>
             </a:r>
             <a:endParaRPr lang="fr-FR" dirty="0"/>
           </a:p>
           <a:p>
-            <a:r>
-              <a:rPr lang="fr-FR" dirty="0">
-                <a:hlinkClick r:id="rId3"/>
-              </a:rPr>
-              <a:t>https://www.youtube.com/watch?v=vHs9sPIA61k</a:t>
-            </a:r>
             <a:endParaRPr lang="fr-FR" dirty="0"/>
           </a:p>
           <a:p>
-            <a:r>
-              <a:rPr lang="fr-FR" dirty="0">
-                <a:hlinkClick r:id="rId4"/>
-              </a:rPr>
-              <a:t>https://www.youtube.com/watch?v=fM5ZV2AaIjE</a:t>
-            </a:r>
-            <a:endParaRPr lang="fr-FR" dirty="0"/>
-          </a:p>
-          <a:p>
-            <a:r>
-              <a:rPr lang="fr-FR" dirty="0">
-                <a:hlinkClick r:id="rId5"/>
-              </a:rPr>
-              <a:t>https://www.youtube.com/playlist?list=PLHdjLtO7x0fVCRKlIsQVM0aec2kzwn5RC&amp;fbclid=IwAR3gfGzkbF-DX-7ZG4w7tH1e103v9ef9nP4fmLhvjLx_8BjFigV_Q_kr4i0</a:t>
-            </a:r>
-            <a:endParaRPr lang="fr-FR" dirty="0"/>
-          </a:p>
-          <a:p>
-            <a:endParaRPr lang="fr-FR" dirty="0"/>
-          </a:p>
-          <a:p>
+            <a:pPr marL="0" indent="0">
+              <a:buNone/>
+            </a:pPr>
+            <a:r>
+              <a:rPr lang="fr-FR" dirty="0"/>
+              <a:t>4 branches: </a:t>
+            </a:r>
+          </a:p>
+          <a:p>
+            <a:pPr>
+              <a:buFont typeface="+mj-lt"/>
+              <a:buAutoNum type="arabicPeriod"/>
+            </a:pPr>
+            <a:r>
+              <a:rPr lang="fr-FR" dirty="0"/>
+              <a:t>Master</a:t>
+            </a:r>
+          </a:p>
+          <a:p>
+            <a:pPr>
+              <a:buFont typeface="+mj-lt"/>
+              <a:buAutoNum type="arabicPeriod"/>
+            </a:pPr>
+            <a:r>
+              <a:rPr lang="fr-FR" dirty="0"/>
+              <a:t>Coline</a:t>
+            </a:r>
+          </a:p>
+          <a:p>
+            <a:pPr>
+              <a:buFont typeface="+mj-lt"/>
+              <a:buAutoNum type="arabicPeriod"/>
+            </a:pPr>
+            <a:r>
+              <a:rPr lang="fr-FR" dirty="0"/>
+              <a:t>Mathilde</a:t>
+            </a:r>
+          </a:p>
+          <a:p>
+            <a:pPr>
+              <a:buFont typeface="+mj-lt"/>
+              <a:buAutoNum type="arabicPeriod"/>
+            </a:pPr>
+            <a:r>
+              <a:rPr lang="fr-FR" dirty="0"/>
+              <a:t>Alexandre</a:t>
+            </a:r>
+          </a:p>
+          <a:p>
+            <a:pPr marL="0" indent="0">
+              <a:buNone/>
+            </a:pPr>
             <a:endParaRPr lang="fr-FR" dirty="0"/>
           </a:p>
         </p:txBody>
@@ -8700,7 +9101,7 @@
     </p:spTree>
     <p:extLst>
       <p:ext uri="{BB962C8B-B14F-4D97-AF65-F5344CB8AC3E}">
-        <p14:creationId xmlns:p14="http://schemas.microsoft.com/office/powerpoint/2010/main" val="2387952999"/>
+        <p14:creationId xmlns:p14="http://schemas.microsoft.com/office/powerpoint/2010/main" val="1273759548"/>
       </p:ext>
     </p:extLst>
   </p:cSld>

--- a/WebDynamique.pptx
+++ b/WebDynamique.pptx
@@ -122,6 +122,6584 @@
 </p:presentation>
 </file>
 
+<file path=ppt/diagrams/colors1.xml><?xml version="1.0" encoding="utf-8"?>
+<dgm:colorsDef xmlns:dgm="http://schemas.openxmlformats.org/drawingml/2006/diagram" xmlns:a="http://schemas.openxmlformats.org/drawingml/2006/main" uniqueId="urn:microsoft.com/office/officeart/2018/5/colors/Iconchunking_neutralicontext_colorful1">
+  <dgm:title val=""/>
+  <dgm:desc val=""/>
+  <dgm:catLst>
+    <dgm:cat type="colorful" pri="10100"/>
+  </dgm:catLst>
+  <dgm:styleLbl name="node0">
+    <dgm:fillClrLst meth="repeat">
+      <a:schemeClr val="accent1"/>
+    </dgm:fillClrLst>
+    <dgm:linClrLst meth="repeat">
+      <a:schemeClr val="lt1"/>
+    </dgm:linClrLst>
+    <dgm:effectClrLst/>
+    <dgm:txLinClrLst/>
+    <dgm:txFillClrLst/>
+    <dgm:txEffectClrLst/>
+  </dgm:styleLbl>
+  <dgm:styleLbl name="node1">
+    <dgm:fillClrLst meth="repeat">
+      <a:schemeClr val="bg1"/>
+    </dgm:fillClrLst>
+    <dgm:linClrLst meth="repeat">
+      <a:schemeClr val="lt1">
+        <a:alpha val="0"/>
+      </a:schemeClr>
+    </dgm:linClrLst>
+    <dgm:effectClrLst/>
+    <dgm:txLinClrLst/>
+    <dgm:txFillClrLst meth="repeat">
+      <a:schemeClr val="dk1"/>
+    </dgm:txFillClrLst>
+    <dgm:txEffectClrLst/>
+  </dgm:styleLbl>
+  <dgm:styleLbl name="alignNode1">
+    <dgm:fillClrLst meth="repeat">
+      <a:schemeClr val="accent2"/>
+      <a:schemeClr val="accent3"/>
+      <a:schemeClr val="accent4"/>
+      <a:schemeClr val="accent5"/>
+      <a:schemeClr val="accent6"/>
+    </dgm:fillClrLst>
+    <dgm:linClrLst meth="repeat">
+      <a:schemeClr val="accent2"/>
+      <a:schemeClr val="accent3"/>
+      <a:schemeClr val="accent4"/>
+      <a:schemeClr val="accent5"/>
+      <a:schemeClr val="accent6"/>
+    </dgm:linClrLst>
+    <dgm:effectClrLst/>
+    <dgm:txLinClrLst/>
+    <dgm:txFillClrLst/>
+    <dgm:txEffectClrLst/>
+  </dgm:styleLbl>
+  <dgm:styleLbl name="lnNode1">
+    <dgm:fillClrLst meth="repeat">
+      <a:schemeClr val="accent2"/>
+      <a:schemeClr val="accent3"/>
+      <a:schemeClr val="accent4"/>
+      <a:schemeClr val="accent5"/>
+      <a:schemeClr val="accent6"/>
+    </dgm:fillClrLst>
+    <dgm:linClrLst meth="repeat">
+      <a:schemeClr val="lt1"/>
+    </dgm:linClrLst>
+    <dgm:effectClrLst/>
+    <dgm:txLinClrLst/>
+    <dgm:txFillClrLst/>
+    <dgm:txEffectClrLst/>
+  </dgm:styleLbl>
+  <dgm:styleLbl name="vennNode1">
+    <dgm:fillClrLst meth="repeat">
+      <a:schemeClr val="accent2">
+        <a:alpha val="50000"/>
+      </a:schemeClr>
+      <a:schemeClr val="accent3">
+        <a:alpha val="50000"/>
+      </a:schemeClr>
+      <a:schemeClr val="accent4">
+        <a:alpha val="50000"/>
+      </a:schemeClr>
+      <a:schemeClr val="accent5">
+        <a:alpha val="50000"/>
+      </a:schemeClr>
+      <a:schemeClr val="accent6">
+        <a:alpha val="50000"/>
+      </a:schemeClr>
+    </dgm:fillClrLst>
+    <dgm:linClrLst meth="repeat">
+      <a:schemeClr val="lt1"/>
+    </dgm:linClrLst>
+    <dgm:effectClrLst/>
+    <dgm:txLinClrLst/>
+    <dgm:txFillClrLst/>
+    <dgm:txEffectClrLst/>
+  </dgm:styleLbl>
+  <dgm:styleLbl name="node2">
+    <dgm:fillClrLst>
+      <a:schemeClr val="accent2"/>
+    </dgm:fillClrLst>
+    <dgm:linClrLst meth="repeat">
+      <a:schemeClr val="lt1"/>
+    </dgm:linClrLst>
+    <dgm:effectClrLst/>
+    <dgm:txLinClrLst/>
+    <dgm:txFillClrLst/>
+    <dgm:txEffectClrLst/>
+  </dgm:styleLbl>
+  <dgm:styleLbl name="node3">
+    <dgm:fillClrLst>
+      <a:schemeClr val="accent3"/>
+    </dgm:fillClrLst>
+    <dgm:linClrLst meth="repeat">
+      <a:schemeClr val="lt1"/>
+    </dgm:linClrLst>
+    <dgm:effectClrLst/>
+    <dgm:txLinClrLst/>
+    <dgm:txFillClrLst/>
+    <dgm:txEffectClrLst/>
+  </dgm:styleLbl>
+  <dgm:styleLbl name="node4">
+    <dgm:fillClrLst>
+      <a:schemeClr val="accent4"/>
+    </dgm:fillClrLst>
+    <dgm:linClrLst meth="repeat">
+      <a:schemeClr val="lt1"/>
+    </dgm:linClrLst>
+    <dgm:effectClrLst/>
+    <dgm:txLinClrLst/>
+    <dgm:txFillClrLst/>
+    <dgm:txEffectClrLst/>
+  </dgm:styleLbl>
+  <dgm:styleLbl name="fgImgPlace1">
+    <dgm:fillClrLst meth="repeat">
+      <a:schemeClr val="accent2">
+        <a:tint val="50000"/>
+      </a:schemeClr>
+      <a:schemeClr val="accent3">
+        <a:tint val="50000"/>
+      </a:schemeClr>
+      <a:schemeClr val="accent4">
+        <a:tint val="50000"/>
+      </a:schemeClr>
+      <a:schemeClr val="accent5">
+        <a:tint val="50000"/>
+      </a:schemeClr>
+      <a:schemeClr val="accent6">
+        <a:tint val="50000"/>
+      </a:schemeClr>
+    </dgm:fillClrLst>
+    <dgm:linClrLst meth="repeat">
+      <a:schemeClr val="lt1"/>
+    </dgm:linClrLst>
+    <dgm:effectClrLst/>
+    <dgm:txLinClrLst/>
+    <dgm:txFillClrLst meth="repeat">
+      <a:schemeClr val="lt1"/>
+    </dgm:txFillClrLst>
+    <dgm:txEffectClrLst/>
+  </dgm:styleLbl>
+  <dgm:styleLbl name="alignImgPlace1">
+    <dgm:fillClrLst>
+      <a:schemeClr val="accent1">
+        <a:tint val="50000"/>
+      </a:schemeClr>
+      <a:schemeClr val="accent2">
+        <a:tint val="20000"/>
+      </a:schemeClr>
+    </dgm:fillClrLst>
+    <dgm:linClrLst meth="repeat">
+      <a:schemeClr val="lt1"/>
+    </dgm:linClrLst>
+    <dgm:effectClrLst/>
+    <dgm:txLinClrLst/>
+    <dgm:txFillClrLst meth="repeat">
+      <a:schemeClr val="lt1"/>
+    </dgm:txFillClrLst>
+    <dgm:txEffectClrLst/>
+  </dgm:styleLbl>
+  <dgm:styleLbl name="bgImgPlace1">
+    <dgm:fillClrLst>
+      <a:schemeClr val="accent1">
+        <a:tint val="50000"/>
+      </a:schemeClr>
+      <a:schemeClr val="accent2">
+        <a:tint val="20000"/>
+      </a:schemeClr>
+    </dgm:fillClrLst>
+    <dgm:linClrLst meth="repeat">
+      <a:schemeClr val="lt1"/>
+    </dgm:linClrLst>
+    <dgm:effectClrLst/>
+    <dgm:txLinClrLst/>
+    <dgm:txFillClrLst meth="repeat">
+      <a:schemeClr val="lt1"/>
+    </dgm:txFillClrLst>
+    <dgm:txEffectClrLst/>
+  </dgm:styleLbl>
+  <dgm:styleLbl name="sibTrans2D1">
+    <dgm:fillClrLst meth="repeat">
+      <a:schemeClr val="accent2"/>
+      <a:schemeClr val="accent3"/>
+      <a:schemeClr val="accent4"/>
+      <a:schemeClr val="accent5"/>
+      <a:schemeClr val="accent6"/>
+    </dgm:fillClrLst>
+    <dgm:linClrLst meth="cycle">
+      <a:schemeClr val="lt1"/>
+    </dgm:linClrLst>
+    <dgm:effectClrLst/>
+    <dgm:txLinClrLst/>
+    <dgm:txFillClrLst/>
+    <dgm:txEffectClrLst/>
+  </dgm:styleLbl>
+  <dgm:styleLbl name="fgSibTrans2D1">
+    <dgm:fillClrLst meth="repeat">
+      <a:schemeClr val="accent2"/>
+      <a:schemeClr val="accent3"/>
+      <a:schemeClr val="accent4"/>
+      <a:schemeClr val="accent5"/>
+      <a:schemeClr val="accent6"/>
+    </dgm:fillClrLst>
+    <dgm:linClrLst meth="cycle">
+      <a:schemeClr val="lt1"/>
+    </dgm:linClrLst>
+    <dgm:effectClrLst/>
+    <dgm:txLinClrLst/>
+    <dgm:txFillClrLst meth="repeat">
+      <a:schemeClr val="lt1"/>
+    </dgm:txFillClrLst>
+    <dgm:txEffectClrLst/>
+  </dgm:styleLbl>
+  <dgm:styleLbl name="bgSibTrans2D1">
+    <dgm:fillClrLst meth="repeat">
+      <a:schemeClr val="accent2"/>
+      <a:schemeClr val="accent3"/>
+      <a:schemeClr val="accent4"/>
+      <a:schemeClr val="accent5"/>
+      <a:schemeClr val="accent6"/>
+    </dgm:fillClrLst>
+    <dgm:linClrLst meth="cycle">
+      <a:schemeClr val="lt1"/>
+    </dgm:linClrLst>
+    <dgm:effectClrLst/>
+    <dgm:txLinClrLst/>
+    <dgm:txFillClrLst meth="repeat">
+      <a:schemeClr val="lt1"/>
+    </dgm:txFillClrLst>
+    <dgm:txEffectClrLst/>
+  </dgm:styleLbl>
+  <dgm:styleLbl name="sibTrans1D1">
+    <dgm:fillClrLst meth="repeat">
+      <a:schemeClr val="accent2"/>
+      <a:schemeClr val="accent3"/>
+      <a:schemeClr val="accent4"/>
+      <a:schemeClr val="accent5"/>
+      <a:schemeClr val="accent6"/>
+    </dgm:fillClrLst>
+    <dgm:linClrLst meth="repeat">
+      <a:schemeClr val="accent2"/>
+      <a:schemeClr val="accent3"/>
+      <a:schemeClr val="accent4"/>
+      <a:schemeClr val="accent5"/>
+      <a:schemeClr val="accent6"/>
+    </dgm:linClrLst>
+    <dgm:effectClrLst/>
+    <dgm:txLinClrLst/>
+    <dgm:txFillClrLst meth="repeat">
+      <a:schemeClr val="tx1"/>
+    </dgm:txFillClrLst>
+    <dgm:txEffectClrLst/>
+  </dgm:styleLbl>
+  <dgm:styleLbl name="callout">
+    <dgm:fillClrLst meth="repeat">
+      <a:schemeClr val="accent2"/>
+    </dgm:fillClrLst>
+    <dgm:linClrLst meth="repeat">
+      <a:schemeClr val="accent2">
+        <a:tint val="50000"/>
+      </a:schemeClr>
+    </dgm:linClrLst>
+    <dgm:effectClrLst/>
+    <dgm:txLinClrLst/>
+    <dgm:txFillClrLst meth="repeat">
+      <a:schemeClr val="tx1"/>
+    </dgm:txFillClrLst>
+    <dgm:txEffectClrLst/>
+  </dgm:styleLbl>
+  <dgm:styleLbl name="asst0">
+    <dgm:fillClrLst meth="repeat">
+      <a:schemeClr val="accent1"/>
+    </dgm:fillClrLst>
+    <dgm:linClrLst meth="repeat">
+      <a:schemeClr val="lt1"/>
+    </dgm:linClrLst>
+    <dgm:effectClrLst/>
+    <dgm:txLinClrLst/>
+    <dgm:txFillClrLst/>
+    <dgm:txEffectClrLst/>
+  </dgm:styleLbl>
+  <dgm:styleLbl name="asst1">
+    <dgm:fillClrLst meth="repeat">
+      <a:schemeClr val="accent2"/>
+    </dgm:fillClrLst>
+    <dgm:linClrLst meth="repeat">
+      <a:schemeClr val="lt1"/>
+    </dgm:linClrLst>
+    <dgm:effectClrLst/>
+    <dgm:txLinClrLst/>
+    <dgm:txFillClrLst/>
+    <dgm:txEffectClrLst/>
+  </dgm:styleLbl>
+  <dgm:styleLbl name="asst2">
+    <dgm:fillClrLst>
+      <a:schemeClr val="accent3"/>
+    </dgm:fillClrLst>
+    <dgm:linClrLst meth="repeat">
+      <a:schemeClr val="lt1"/>
+    </dgm:linClrLst>
+    <dgm:effectClrLst/>
+    <dgm:txLinClrLst/>
+    <dgm:txFillClrLst/>
+    <dgm:txEffectClrLst/>
+  </dgm:styleLbl>
+  <dgm:styleLbl name="asst3">
+    <dgm:fillClrLst>
+      <a:schemeClr val="accent4"/>
+    </dgm:fillClrLst>
+    <dgm:linClrLst meth="repeat">
+      <a:schemeClr val="lt1"/>
+    </dgm:linClrLst>
+    <dgm:effectClrLst/>
+    <dgm:txLinClrLst/>
+    <dgm:txFillClrLst/>
+    <dgm:txEffectClrLst/>
+  </dgm:styleLbl>
+  <dgm:styleLbl name="asst4">
+    <dgm:fillClrLst>
+      <a:schemeClr val="accent5"/>
+    </dgm:fillClrLst>
+    <dgm:linClrLst meth="repeat">
+      <a:schemeClr val="lt1"/>
+    </dgm:linClrLst>
+    <dgm:effectClrLst/>
+    <dgm:txLinClrLst/>
+    <dgm:txFillClrLst/>
+    <dgm:txEffectClrLst/>
+  </dgm:styleLbl>
+  <dgm:styleLbl name="parChTrans2D1">
+    <dgm:fillClrLst meth="repeat">
+      <a:schemeClr val="accent2"/>
+    </dgm:fillClrLst>
+    <dgm:linClrLst meth="repeat">
+      <a:schemeClr val="lt1"/>
+    </dgm:linClrLst>
+    <dgm:effectClrLst/>
+    <dgm:txLinClrLst/>
+    <dgm:txFillClrLst meth="repeat">
+      <a:schemeClr val="lt1"/>
+    </dgm:txFillClrLst>
+    <dgm:txEffectClrLst/>
+  </dgm:styleLbl>
+  <dgm:styleLbl name="parChTrans2D2">
+    <dgm:fillClrLst meth="repeat">
+      <a:schemeClr val="accent3"/>
+    </dgm:fillClrLst>
+    <dgm:linClrLst meth="repeat">
+      <a:schemeClr val="lt1"/>
+    </dgm:linClrLst>
+    <dgm:effectClrLst/>
+    <dgm:txLinClrLst/>
+    <dgm:txFillClrLst/>
+    <dgm:txEffectClrLst/>
+  </dgm:styleLbl>
+  <dgm:styleLbl name="parChTrans2D3">
+    <dgm:fillClrLst meth="repeat">
+      <a:schemeClr val="accent4"/>
+    </dgm:fillClrLst>
+    <dgm:linClrLst meth="repeat">
+      <a:schemeClr val="lt1"/>
+    </dgm:linClrLst>
+    <dgm:effectClrLst/>
+    <dgm:txLinClrLst/>
+    <dgm:txFillClrLst/>
+    <dgm:txEffectClrLst/>
+  </dgm:styleLbl>
+  <dgm:styleLbl name="parChTrans2D4">
+    <dgm:fillClrLst meth="repeat">
+      <a:schemeClr val="accent5"/>
+    </dgm:fillClrLst>
+    <dgm:linClrLst meth="repeat">
+      <a:schemeClr val="lt1"/>
+    </dgm:linClrLst>
+    <dgm:effectClrLst/>
+    <dgm:txLinClrLst/>
+    <dgm:txFillClrLst meth="repeat">
+      <a:schemeClr val="lt1"/>
+    </dgm:txFillClrLst>
+    <dgm:txEffectClrLst/>
+  </dgm:styleLbl>
+  <dgm:styleLbl name="parChTrans1D1">
+    <dgm:fillClrLst meth="repeat">
+      <a:schemeClr val="accent2"/>
+    </dgm:fillClrLst>
+    <dgm:linClrLst meth="repeat">
+      <a:schemeClr val="accent1"/>
+    </dgm:linClrLst>
+    <dgm:effectClrLst/>
+    <dgm:txLinClrLst/>
+    <dgm:txFillClrLst meth="repeat">
+      <a:schemeClr val="tx1"/>
+    </dgm:txFillClrLst>
+    <dgm:txEffectClrLst/>
+  </dgm:styleLbl>
+  <dgm:styleLbl name="parChTrans1D2">
+    <dgm:fillClrLst meth="repeat">
+      <a:schemeClr val="accent3">
+        <a:tint val="90000"/>
+      </a:schemeClr>
+    </dgm:fillClrLst>
+    <dgm:linClrLst meth="repeat">
+      <a:schemeClr val="accent2"/>
+    </dgm:linClrLst>
+    <dgm:effectClrLst/>
+    <dgm:txLinClrLst/>
+    <dgm:txFillClrLst meth="repeat">
+      <a:schemeClr val="tx1"/>
+    </dgm:txFillClrLst>
+    <dgm:txEffectClrLst/>
+  </dgm:styleLbl>
+  <dgm:styleLbl name="parChTrans1D3">
+    <dgm:fillClrLst meth="repeat">
+      <a:schemeClr val="accent4">
+        <a:tint val="70000"/>
+      </a:schemeClr>
+    </dgm:fillClrLst>
+    <dgm:linClrLst meth="repeat">
+      <a:schemeClr val="accent3"/>
+    </dgm:linClrLst>
+    <dgm:effectClrLst/>
+    <dgm:txLinClrLst/>
+    <dgm:txFillClrLst meth="repeat">
+      <a:schemeClr val="tx1"/>
+    </dgm:txFillClrLst>
+    <dgm:txEffectClrLst/>
+  </dgm:styleLbl>
+  <dgm:styleLbl name="parChTrans1D4">
+    <dgm:fillClrLst meth="repeat">
+      <a:schemeClr val="accent5">
+        <a:tint val="50000"/>
+      </a:schemeClr>
+    </dgm:fillClrLst>
+    <dgm:linClrLst meth="repeat">
+      <a:schemeClr val="accent4"/>
+    </dgm:linClrLst>
+    <dgm:effectClrLst/>
+    <dgm:txLinClrLst/>
+    <dgm:txFillClrLst meth="repeat">
+      <a:schemeClr val="tx1"/>
+    </dgm:txFillClrLst>
+    <dgm:txEffectClrLst/>
+  </dgm:styleLbl>
+  <dgm:styleLbl name="fgAcc1">
+    <dgm:fillClrLst meth="repeat">
+      <a:schemeClr val="lt1">
+        <a:alpha val="90000"/>
+      </a:schemeClr>
+    </dgm:fillClrLst>
+    <dgm:linClrLst meth="repeat">
+      <a:schemeClr val="accent2"/>
+      <a:schemeClr val="accent3"/>
+      <a:schemeClr val="accent4"/>
+      <a:schemeClr val="accent5"/>
+      <a:schemeClr val="accent6"/>
+    </dgm:linClrLst>
+    <dgm:effectClrLst/>
+    <dgm:txLinClrLst/>
+    <dgm:txFillClrLst meth="repeat">
+      <a:schemeClr val="dk1"/>
+    </dgm:txFillClrLst>
+    <dgm:txEffectClrLst/>
+  </dgm:styleLbl>
+  <dgm:styleLbl name="conFgAcc1">
+    <dgm:fillClrLst meth="repeat">
+      <a:schemeClr val="lt1">
+        <a:alpha val="90000"/>
+      </a:schemeClr>
+    </dgm:fillClrLst>
+    <dgm:linClrLst meth="repeat">
+      <a:schemeClr val="accent2"/>
+      <a:schemeClr val="accent3"/>
+      <a:schemeClr val="accent4"/>
+      <a:schemeClr val="accent5"/>
+      <a:schemeClr val="accent6"/>
+    </dgm:linClrLst>
+    <dgm:effectClrLst/>
+    <dgm:txLinClrLst/>
+    <dgm:txFillClrLst meth="repeat">
+      <a:schemeClr val="dk1"/>
+    </dgm:txFillClrLst>
+    <dgm:txEffectClrLst/>
+  </dgm:styleLbl>
+  <dgm:styleLbl name="alignAcc1">
+    <dgm:fillClrLst meth="repeat">
+      <a:schemeClr val="lt1">
+        <a:alpha val="90000"/>
+      </a:schemeClr>
+    </dgm:fillClrLst>
+    <dgm:linClrLst meth="repeat">
+      <a:schemeClr val="accent2"/>
+      <a:schemeClr val="accent3"/>
+      <a:schemeClr val="accent4"/>
+      <a:schemeClr val="accent5"/>
+      <a:schemeClr val="accent6"/>
+    </dgm:linClrLst>
+    <dgm:effectClrLst/>
+    <dgm:txLinClrLst/>
+    <dgm:txFillClrLst meth="repeat">
+      <a:schemeClr val="dk1"/>
+    </dgm:txFillClrLst>
+    <dgm:txEffectClrLst/>
+  </dgm:styleLbl>
+  <dgm:styleLbl name="trAlignAcc1">
+    <dgm:fillClrLst meth="repeat">
+      <a:schemeClr val="lt1">
+        <a:alpha val="40000"/>
+      </a:schemeClr>
+    </dgm:fillClrLst>
+    <dgm:linClrLst meth="repeat">
+      <a:schemeClr val="accent1"/>
+    </dgm:linClrLst>
+    <dgm:effectClrLst/>
+    <dgm:txLinClrLst/>
+    <dgm:txFillClrLst meth="repeat">
+      <a:schemeClr val="dk1"/>
+    </dgm:txFillClrLst>
+    <dgm:txEffectClrLst/>
+  </dgm:styleLbl>
+  <dgm:styleLbl name="bgAcc1">
+    <dgm:fillClrLst meth="repeat">
+      <a:schemeClr val="lt1">
+        <a:alpha val="90000"/>
+      </a:schemeClr>
+    </dgm:fillClrLst>
+    <dgm:linClrLst meth="repeat">
+      <a:schemeClr val="accent2"/>
+      <a:schemeClr val="accent3"/>
+      <a:schemeClr val="accent4"/>
+      <a:schemeClr val="accent5"/>
+      <a:schemeClr val="accent6"/>
+    </dgm:linClrLst>
+    <dgm:effectClrLst/>
+    <dgm:txLinClrLst/>
+    <dgm:txFillClrLst meth="repeat">
+      <a:schemeClr val="dk1"/>
+    </dgm:txFillClrLst>
+    <dgm:txEffectClrLst/>
+  </dgm:styleLbl>
+  <dgm:styleLbl name="solidFgAcc1">
+    <dgm:fillClrLst meth="repeat">
+      <a:schemeClr val="lt1"/>
+    </dgm:fillClrLst>
+    <dgm:linClrLst meth="repeat">
+      <a:schemeClr val="accent2"/>
+      <a:schemeClr val="accent3"/>
+      <a:schemeClr val="accent4"/>
+      <a:schemeClr val="accent5"/>
+      <a:schemeClr val="accent6"/>
+    </dgm:linClrLst>
+    <dgm:effectClrLst/>
+    <dgm:txLinClrLst/>
+    <dgm:txFillClrLst meth="repeat">
+      <a:schemeClr val="dk1"/>
+    </dgm:txFillClrLst>
+    <dgm:txEffectClrLst/>
+  </dgm:styleLbl>
+  <dgm:styleLbl name="solidAlignAcc1">
+    <dgm:fillClrLst meth="repeat">
+      <a:schemeClr val="lt1"/>
+    </dgm:fillClrLst>
+    <dgm:linClrLst meth="repeat">
+      <a:schemeClr val="accent2"/>
+      <a:schemeClr val="accent3"/>
+      <a:schemeClr val="accent4"/>
+      <a:schemeClr val="accent5"/>
+      <a:schemeClr val="accent6"/>
+    </dgm:linClrLst>
+    <dgm:effectClrLst/>
+    <dgm:txLinClrLst/>
+    <dgm:txFillClrLst meth="repeat">
+      <a:schemeClr val="dk1"/>
+    </dgm:txFillClrLst>
+    <dgm:txEffectClrLst/>
+  </dgm:styleLbl>
+  <dgm:styleLbl name="solidBgAcc1">
+    <dgm:fillClrLst meth="repeat">
+      <a:schemeClr val="lt1"/>
+    </dgm:fillClrLst>
+    <dgm:linClrLst meth="repeat">
+      <a:schemeClr val="accent2"/>
+      <a:schemeClr val="accent3"/>
+      <a:schemeClr val="accent4"/>
+      <a:schemeClr val="accent5"/>
+      <a:schemeClr val="accent6"/>
+    </dgm:linClrLst>
+    <dgm:effectClrLst/>
+    <dgm:txLinClrLst/>
+    <dgm:txFillClrLst meth="repeat">
+      <a:schemeClr val="dk1"/>
+    </dgm:txFillClrLst>
+    <dgm:txEffectClrLst/>
+  </dgm:styleLbl>
+  <dgm:styleLbl name="fgAccFollowNode1">
+    <dgm:fillClrLst meth="repeat">
+      <a:schemeClr val="accent2">
+        <a:tint val="40000"/>
+        <a:alpha val="90000"/>
+      </a:schemeClr>
+      <a:schemeClr val="accent3">
+        <a:tint val="40000"/>
+        <a:alpha val="90000"/>
+      </a:schemeClr>
+      <a:schemeClr val="accent4">
+        <a:tint val="40000"/>
+        <a:alpha val="90000"/>
+      </a:schemeClr>
+      <a:schemeClr val="accent5">
+        <a:tint val="40000"/>
+        <a:alpha val="90000"/>
+      </a:schemeClr>
+      <a:schemeClr val="accent6">
+        <a:tint val="40000"/>
+        <a:alpha val="90000"/>
+      </a:schemeClr>
+    </dgm:fillClrLst>
+    <dgm:linClrLst meth="repeat">
+      <a:schemeClr val="accent2">
+        <a:tint val="40000"/>
+        <a:alpha val="90000"/>
+      </a:schemeClr>
+      <a:schemeClr val="accent3">
+        <a:tint val="40000"/>
+        <a:alpha val="90000"/>
+      </a:schemeClr>
+      <a:schemeClr val="accent4">
+        <a:tint val="40000"/>
+        <a:alpha val="90000"/>
+      </a:schemeClr>
+      <a:schemeClr val="accent5">
+        <a:tint val="40000"/>
+        <a:alpha val="90000"/>
+      </a:schemeClr>
+      <a:schemeClr val="accent6">
+        <a:tint val="40000"/>
+        <a:alpha val="90000"/>
+      </a:schemeClr>
+    </dgm:linClrLst>
+    <dgm:effectClrLst/>
+    <dgm:txLinClrLst/>
+    <dgm:txFillClrLst meth="repeat">
+      <a:schemeClr val="dk1"/>
+    </dgm:txFillClrLst>
+    <dgm:txEffectClrLst/>
+  </dgm:styleLbl>
+  <dgm:styleLbl name="alignAccFollowNode1">
+    <dgm:fillClrLst meth="repeat">
+      <a:schemeClr val="accent2">
+        <a:tint val="40000"/>
+        <a:alpha val="90000"/>
+      </a:schemeClr>
+      <a:schemeClr val="accent3">
+        <a:tint val="40000"/>
+        <a:alpha val="90000"/>
+      </a:schemeClr>
+      <a:schemeClr val="accent4">
+        <a:tint val="40000"/>
+        <a:alpha val="90000"/>
+      </a:schemeClr>
+      <a:schemeClr val="accent5">
+        <a:tint val="40000"/>
+        <a:alpha val="90000"/>
+      </a:schemeClr>
+      <a:schemeClr val="accent6">
+        <a:tint val="40000"/>
+        <a:alpha val="90000"/>
+      </a:schemeClr>
+    </dgm:fillClrLst>
+    <dgm:linClrLst meth="repeat">
+      <a:schemeClr val="accent2">
+        <a:tint val="40000"/>
+        <a:alpha val="90000"/>
+      </a:schemeClr>
+      <a:schemeClr val="accent3">
+        <a:tint val="40000"/>
+        <a:alpha val="90000"/>
+      </a:schemeClr>
+      <a:schemeClr val="accent4">
+        <a:tint val="40000"/>
+        <a:alpha val="90000"/>
+      </a:schemeClr>
+      <a:schemeClr val="accent5">
+        <a:tint val="40000"/>
+        <a:alpha val="90000"/>
+      </a:schemeClr>
+      <a:schemeClr val="accent6">
+        <a:tint val="40000"/>
+        <a:alpha val="90000"/>
+      </a:schemeClr>
+    </dgm:linClrLst>
+    <dgm:effectClrLst/>
+    <dgm:txLinClrLst/>
+    <dgm:txFillClrLst meth="repeat">
+      <a:schemeClr val="dk1"/>
+    </dgm:txFillClrLst>
+    <dgm:txEffectClrLst/>
+  </dgm:styleLbl>
+  <dgm:styleLbl name="bgAccFollowNode1">
+    <dgm:fillClrLst meth="repeat">
+      <a:schemeClr val="accent2">
+        <a:tint val="40000"/>
+        <a:alpha val="90000"/>
+      </a:schemeClr>
+      <a:schemeClr val="accent3">
+        <a:tint val="40000"/>
+        <a:alpha val="90000"/>
+      </a:schemeClr>
+      <a:schemeClr val="accent4">
+        <a:tint val="40000"/>
+        <a:alpha val="90000"/>
+      </a:schemeClr>
+      <a:schemeClr val="accent5">
+        <a:tint val="40000"/>
+        <a:alpha val="90000"/>
+      </a:schemeClr>
+      <a:schemeClr val="accent6">
+        <a:tint val="40000"/>
+        <a:alpha val="90000"/>
+      </a:schemeClr>
+    </dgm:fillClrLst>
+    <dgm:linClrLst meth="repeat">
+      <a:schemeClr val="accent2">
+        <a:tint val="40000"/>
+        <a:alpha val="90000"/>
+      </a:schemeClr>
+      <a:schemeClr val="accent3">
+        <a:tint val="40000"/>
+        <a:alpha val="90000"/>
+      </a:schemeClr>
+      <a:schemeClr val="accent4">
+        <a:tint val="40000"/>
+        <a:alpha val="90000"/>
+      </a:schemeClr>
+      <a:schemeClr val="accent5">
+        <a:tint val="40000"/>
+        <a:alpha val="90000"/>
+      </a:schemeClr>
+      <a:schemeClr val="accent6">
+        <a:tint val="40000"/>
+        <a:alpha val="90000"/>
+      </a:schemeClr>
+    </dgm:linClrLst>
+    <dgm:effectClrLst/>
+    <dgm:txLinClrLst/>
+    <dgm:txFillClrLst meth="repeat">
+      <a:schemeClr val="dk1"/>
+    </dgm:txFillClrLst>
+    <dgm:txEffectClrLst/>
+  </dgm:styleLbl>
+  <dgm:styleLbl name="fgAcc0">
+    <dgm:fillClrLst meth="repeat">
+      <a:schemeClr val="lt1">
+        <a:alpha val="90000"/>
+      </a:schemeClr>
+    </dgm:fillClrLst>
+    <dgm:linClrLst>
+      <a:schemeClr val="accent1"/>
+    </dgm:linClrLst>
+    <dgm:effectClrLst/>
+    <dgm:txLinClrLst/>
+    <dgm:txFillClrLst meth="repeat">
+      <a:schemeClr val="dk1"/>
+    </dgm:txFillClrLst>
+    <dgm:txEffectClrLst/>
+  </dgm:styleLbl>
+  <dgm:styleLbl name="fgAcc2">
+    <dgm:fillClrLst meth="repeat">
+      <a:schemeClr val="lt1">
+        <a:alpha val="90000"/>
+      </a:schemeClr>
+    </dgm:fillClrLst>
+    <dgm:linClrLst>
+      <a:schemeClr val="accent2"/>
+    </dgm:linClrLst>
+    <dgm:effectClrLst/>
+    <dgm:txLinClrLst/>
+    <dgm:txFillClrLst meth="repeat">
+      <a:schemeClr val="dk1"/>
+    </dgm:txFillClrLst>
+    <dgm:txEffectClrLst/>
+  </dgm:styleLbl>
+  <dgm:styleLbl name="fgAcc3">
+    <dgm:fillClrLst meth="repeat">
+      <a:schemeClr val="lt1">
+        <a:alpha val="90000"/>
+      </a:schemeClr>
+    </dgm:fillClrLst>
+    <dgm:linClrLst>
+      <a:schemeClr val="accent3"/>
+    </dgm:linClrLst>
+    <dgm:effectClrLst/>
+    <dgm:txLinClrLst/>
+    <dgm:txFillClrLst meth="repeat">
+      <a:schemeClr val="dk1"/>
+    </dgm:txFillClrLst>
+    <dgm:txEffectClrLst/>
+  </dgm:styleLbl>
+  <dgm:styleLbl name="fgAcc4">
+    <dgm:fillClrLst meth="repeat">
+      <a:schemeClr val="lt1">
+        <a:alpha val="90000"/>
+      </a:schemeClr>
+    </dgm:fillClrLst>
+    <dgm:linClrLst>
+      <a:schemeClr val="accent4"/>
+    </dgm:linClrLst>
+    <dgm:effectClrLst/>
+    <dgm:txLinClrLst/>
+    <dgm:txFillClrLst meth="repeat">
+      <a:schemeClr val="dk1"/>
+    </dgm:txFillClrLst>
+    <dgm:txEffectClrLst/>
+  </dgm:styleLbl>
+  <dgm:styleLbl name="bgShp">
+    <dgm:fillClrLst meth="repeat">
+      <a:schemeClr val="accent2"/>
+      <a:schemeClr val="accent3"/>
+      <a:schemeClr val="accent4"/>
+      <a:schemeClr val="accent5"/>
+      <a:schemeClr val="accent6"/>
+    </dgm:fillClrLst>
+    <dgm:linClrLst meth="repeat">
+      <a:schemeClr val="lt1">
+        <a:alpha val="0"/>
+      </a:schemeClr>
+    </dgm:linClrLst>
+    <dgm:effectClrLst/>
+    <dgm:txLinClrLst/>
+    <dgm:txFillClrLst/>
+    <dgm:txEffectClrLst/>
+  </dgm:styleLbl>
+  <dgm:styleLbl name="dkBgShp">
+    <dgm:fillClrLst meth="repeat">
+      <a:schemeClr val="accent2">
+        <a:shade val="90000"/>
+      </a:schemeClr>
+    </dgm:fillClrLst>
+    <dgm:linClrLst meth="repeat">
+      <a:schemeClr val="dk1"/>
+    </dgm:linClrLst>
+    <dgm:effectClrLst/>
+    <dgm:txLinClrLst/>
+    <dgm:txFillClrLst meth="repeat">
+      <a:schemeClr val="lt1"/>
+    </dgm:txFillClrLst>
+    <dgm:txEffectClrLst/>
+  </dgm:styleLbl>
+  <dgm:styleLbl name="trBgShp">
+    <dgm:fillClrLst meth="repeat">
+      <a:schemeClr val="accent1">
+        <a:tint val="50000"/>
+        <a:alpha val="40000"/>
+      </a:schemeClr>
+    </dgm:fillClrLst>
+    <dgm:linClrLst meth="repeat">
+      <a:schemeClr val="accent2"/>
+    </dgm:linClrLst>
+    <dgm:effectClrLst/>
+    <dgm:txLinClrLst/>
+    <dgm:txFillClrLst meth="repeat">
+      <a:schemeClr val="lt1"/>
+    </dgm:txFillClrLst>
+    <dgm:txEffectClrLst/>
+  </dgm:styleLbl>
+  <dgm:styleLbl name="fgShp">
+    <dgm:fillClrLst meth="repeat">
+      <a:schemeClr val="accent2">
+        <a:tint val="40000"/>
+      </a:schemeClr>
+    </dgm:fillClrLst>
+    <dgm:linClrLst meth="repeat">
+      <a:schemeClr val="lt1"/>
+    </dgm:linClrLst>
+    <dgm:effectClrLst/>
+    <dgm:txLinClrLst/>
+    <dgm:txFillClrLst meth="repeat">
+      <a:schemeClr val="dk1"/>
+    </dgm:txFillClrLst>
+    <dgm:txEffectClrLst/>
+  </dgm:styleLbl>
+  <dgm:styleLbl name="revTx">
+    <dgm:fillClrLst meth="repeat">
+      <a:schemeClr val="lt1">
+        <a:alpha val="0"/>
+      </a:schemeClr>
+    </dgm:fillClrLst>
+    <dgm:linClrLst meth="repeat">
+      <a:schemeClr val="dk1">
+        <a:alpha val="0"/>
+      </a:schemeClr>
+    </dgm:linClrLst>
+    <dgm:effectClrLst/>
+    <dgm:txLinClrLst/>
+    <dgm:txFillClrLst meth="repeat">
+      <a:schemeClr val="bg1"/>
+    </dgm:txFillClrLst>
+    <dgm:txEffectClrLst/>
+  </dgm:styleLbl>
+</dgm:colorsDef>
+</file>
+
+<file path=ppt/diagrams/colors2.xml><?xml version="1.0" encoding="utf-8"?>
+<dgm:colorsDef xmlns:dgm="http://schemas.openxmlformats.org/drawingml/2006/diagram" xmlns:a="http://schemas.openxmlformats.org/drawingml/2006/main" uniqueId="urn:microsoft.com/office/officeart/2018/5/colors/Iconchunking_neutralicontext_colorful1">
+  <dgm:title val=""/>
+  <dgm:desc val=""/>
+  <dgm:catLst>
+    <dgm:cat type="colorful" pri="10100"/>
+  </dgm:catLst>
+  <dgm:styleLbl name="node0">
+    <dgm:fillClrLst meth="repeat">
+      <a:schemeClr val="accent1"/>
+    </dgm:fillClrLst>
+    <dgm:linClrLst meth="repeat">
+      <a:schemeClr val="lt1"/>
+    </dgm:linClrLst>
+    <dgm:effectClrLst/>
+    <dgm:txLinClrLst/>
+    <dgm:txFillClrLst/>
+    <dgm:txEffectClrLst/>
+  </dgm:styleLbl>
+  <dgm:styleLbl name="node1">
+    <dgm:fillClrLst meth="repeat">
+      <a:schemeClr val="bg1"/>
+    </dgm:fillClrLst>
+    <dgm:linClrLst meth="repeat">
+      <a:schemeClr val="lt1">
+        <a:alpha val="0"/>
+      </a:schemeClr>
+    </dgm:linClrLst>
+    <dgm:effectClrLst/>
+    <dgm:txLinClrLst/>
+    <dgm:txFillClrLst meth="repeat">
+      <a:schemeClr val="dk1"/>
+    </dgm:txFillClrLst>
+    <dgm:txEffectClrLst/>
+  </dgm:styleLbl>
+  <dgm:styleLbl name="alignNode1">
+    <dgm:fillClrLst meth="repeat">
+      <a:schemeClr val="accent2"/>
+      <a:schemeClr val="accent3"/>
+      <a:schemeClr val="accent4"/>
+      <a:schemeClr val="accent5"/>
+      <a:schemeClr val="accent6"/>
+    </dgm:fillClrLst>
+    <dgm:linClrLst meth="repeat">
+      <a:schemeClr val="accent2"/>
+      <a:schemeClr val="accent3"/>
+      <a:schemeClr val="accent4"/>
+      <a:schemeClr val="accent5"/>
+      <a:schemeClr val="accent6"/>
+    </dgm:linClrLst>
+    <dgm:effectClrLst/>
+    <dgm:txLinClrLst/>
+    <dgm:txFillClrLst/>
+    <dgm:txEffectClrLst/>
+  </dgm:styleLbl>
+  <dgm:styleLbl name="lnNode1">
+    <dgm:fillClrLst meth="repeat">
+      <a:schemeClr val="accent2"/>
+      <a:schemeClr val="accent3"/>
+      <a:schemeClr val="accent4"/>
+      <a:schemeClr val="accent5"/>
+      <a:schemeClr val="accent6"/>
+    </dgm:fillClrLst>
+    <dgm:linClrLst meth="repeat">
+      <a:schemeClr val="lt1"/>
+    </dgm:linClrLst>
+    <dgm:effectClrLst/>
+    <dgm:txLinClrLst/>
+    <dgm:txFillClrLst/>
+    <dgm:txEffectClrLst/>
+  </dgm:styleLbl>
+  <dgm:styleLbl name="vennNode1">
+    <dgm:fillClrLst meth="repeat">
+      <a:schemeClr val="accent2">
+        <a:alpha val="50000"/>
+      </a:schemeClr>
+      <a:schemeClr val="accent3">
+        <a:alpha val="50000"/>
+      </a:schemeClr>
+      <a:schemeClr val="accent4">
+        <a:alpha val="50000"/>
+      </a:schemeClr>
+      <a:schemeClr val="accent5">
+        <a:alpha val="50000"/>
+      </a:schemeClr>
+      <a:schemeClr val="accent6">
+        <a:alpha val="50000"/>
+      </a:schemeClr>
+    </dgm:fillClrLst>
+    <dgm:linClrLst meth="repeat">
+      <a:schemeClr val="lt1"/>
+    </dgm:linClrLst>
+    <dgm:effectClrLst/>
+    <dgm:txLinClrLst/>
+    <dgm:txFillClrLst/>
+    <dgm:txEffectClrLst/>
+  </dgm:styleLbl>
+  <dgm:styleLbl name="node2">
+    <dgm:fillClrLst>
+      <a:schemeClr val="accent2"/>
+    </dgm:fillClrLst>
+    <dgm:linClrLst meth="repeat">
+      <a:schemeClr val="lt1"/>
+    </dgm:linClrLst>
+    <dgm:effectClrLst/>
+    <dgm:txLinClrLst/>
+    <dgm:txFillClrLst/>
+    <dgm:txEffectClrLst/>
+  </dgm:styleLbl>
+  <dgm:styleLbl name="node3">
+    <dgm:fillClrLst>
+      <a:schemeClr val="accent3"/>
+    </dgm:fillClrLst>
+    <dgm:linClrLst meth="repeat">
+      <a:schemeClr val="lt1"/>
+    </dgm:linClrLst>
+    <dgm:effectClrLst/>
+    <dgm:txLinClrLst/>
+    <dgm:txFillClrLst/>
+    <dgm:txEffectClrLst/>
+  </dgm:styleLbl>
+  <dgm:styleLbl name="node4">
+    <dgm:fillClrLst>
+      <a:schemeClr val="accent4"/>
+    </dgm:fillClrLst>
+    <dgm:linClrLst meth="repeat">
+      <a:schemeClr val="lt1"/>
+    </dgm:linClrLst>
+    <dgm:effectClrLst/>
+    <dgm:txLinClrLst/>
+    <dgm:txFillClrLst/>
+    <dgm:txEffectClrLst/>
+  </dgm:styleLbl>
+  <dgm:styleLbl name="fgImgPlace1">
+    <dgm:fillClrLst meth="repeat">
+      <a:schemeClr val="accent2">
+        <a:tint val="50000"/>
+      </a:schemeClr>
+      <a:schemeClr val="accent3">
+        <a:tint val="50000"/>
+      </a:schemeClr>
+      <a:schemeClr val="accent4">
+        <a:tint val="50000"/>
+      </a:schemeClr>
+      <a:schemeClr val="accent5">
+        <a:tint val="50000"/>
+      </a:schemeClr>
+      <a:schemeClr val="accent6">
+        <a:tint val="50000"/>
+      </a:schemeClr>
+    </dgm:fillClrLst>
+    <dgm:linClrLst meth="repeat">
+      <a:schemeClr val="lt1"/>
+    </dgm:linClrLst>
+    <dgm:effectClrLst/>
+    <dgm:txLinClrLst/>
+    <dgm:txFillClrLst meth="repeat">
+      <a:schemeClr val="lt1"/>
+    </dgm:txFillClrLst>
+    <dgm:txEffectClrLst/>
+  </dgm:styleLbl>
+  <dgm:styleLbl name="alignImgPlace1">
+    <dgm:fillClrLst>
+      <a:schemeClr val="accent1">
+        <a:tint val="50000"/>
+      </a:schemeClr>
+      <a:schemeClr val="accent2">
+        <a:tint val="20000"/>
+      </a:schemeClr>
+    </dgm:fillClrLst>
+    <dgm:linClrLst meth="repeat">
+      <a:schemeClr val="lt1"/>
+    </dgm:linClrLst>
+    <dgm:effectClrLst/>
+    <dgm:txLinClrLst/>
+    <dgm:txFillClrLst meth="repeat">
+      <a:schemeClr val="lt1"/>
+    </dgm:txFillClrLst>
+    <dgm:txEffectClrLst/>
+  </dgm:styleLbl>
+  <dgm:styleLbl name="bgImgPlace1">
+    <dgm:fillClrLst>
+      <a:schemeClr val="accent1">
+        <a:tint val="50000"/>
+      </a:schemeClr>
+      <a:schemeClr val="accent2">
+        <a:tint val="20000"/>
+      </a:schemeClr>
+    </dgm:fillClrLst>
+    <dgm:linClrLst meth="repeat">
+      <a:schemeClr val="lt1"/>
+    </dgm:linClrLst>
+    <dgm:effectClrLst/>
+    <dgm:txLinClrLst/>
+    <dgm:txFillClrLst meth="repeat">
+      <a:schemeClr val="lt1"/>
+    </dgm:txFillClrLst>
+    <dgm:txEffectClrLst/>
+  </dgm:styleLbl>
+  <dgm:styleLbl name="sibTrans2D1">
+    <dgm:fillClrLst meth="repeat">
+      <a:schemeClr val="accent2"/>
+      <a:schemeClr val="accent3"/>
+      <a:schemeClr val="accent4"/>
+      <a:schemeClr val="accent5"/>
+      <a:schemeClr val="accent6"/>
+    </dgm:fillClrLst>
+    <dgm:linClrLst meth="cycle">
+      <a:schemeClr val="lt1"/>
+    </dgm:linClrLst>
+    <dgm:effectClrLst/>
+    <dgm:txLinClrLst/>
+    <dgm:txFillClrLst/>
+    <dgm:txEffectClrLst/>
+  </dgm:styleLbl>
+  <dgm:styleLbl name="fgSibTrans2D1">
+    <dgm:fillClrLst meth="repeat">
+      <a:schemeClr val="accent2"/>
+      <a:schemeClr val="accent3"/>
+      <a:schemeClr val="accent4"/>
+      <a:schemeClr val="accent5"/>
+      <a:schemeClr val="accent6"/>
+    </dgm:fillClrLst>
+    <dgm:linClrLst meth="cycle">
+      <a:schemeClr val="lt1"/>
+    </dgm:linClrLst>
+    <dgm:effectClrLst/>
+    <dgm:txLinClrLst/>
+    <dgm:txFillClrLst meth="repeat">
+      <a:schemeClr val="lt1"/>
+    </dgm:txFillClrLst>
+    <dgm:txEffectClrLst/>
+  </dgm:styleLbl>
+  <dgm:styleLbl name="bgSibTrans2D1">
+    <dgm:fillClrLst meth="repeat">
+      <a:schemeClr val="accent2"/>
+      <a:schemeClr val="accent3"/>
+      <a:schemeClr val="accent4"/>
+      <a:schemeClr val="accent5"/>
+      <a:schemeClr val="accent6"/>
+    </dgm:fillClrLst>
+    <dgm:linClrLst meth="cycle">
+      <a:schemeClr val="lt1"/>
+    </dgm:linClrLst>
+    <dgm:effectClrLst/>
+    <dgm:txLinClrLst/>
+    <dgm:txFillClrLst meth="repeat">
+      <a:schemeClr val="lt1"/>
+    </dgm:txFillClrLst>
+    <dgm:txEffectClrLst/>
+  </dgm:styleLbl>
+  <dgm:styleLbl name="sibTrans1D1">
+    <dgm:fillClrLst meth="repeat">
+      <a:schemeClr val="accent2"/>
+      <a:schemeClr val="accent3"/>
+      <a:schemeClr val="accent4"/>
+      <a:schemeClr val="accent5"/>
+      <a:schemeClr val="accent6"/>
+    </dgm:fillClrLst>
+    <dgm:linClrLst meth="repeat">
+      <a:schemeClr val="accent2"/>
+      <a:schemeClr val="accent3"/>
+      <a:schemeClr val="accent4"/>
+      <a:schemeClr val="accent5"/>
+      <a:schemeClr val="accent6"/>
+    </dgm:linClrLst>
+    <dgm:effectClrLst/>
+    <dgm:txLinClrLst/>
+    <dgm:txFillClrLst meth="repeat">
+      <a:schemeClr val="tx1"/>
+    </dgm:txFillClrLst>
+    <dgm:txEffectClrLst/>
+  </dgm:styleLbl>
+  <dgm:styleLbl name="callout">
+    <dgm:fillClrLst meth="repeat">
+      <a:schemeClr val="accent2"/>
+    </dgm:fillClrLst>
+    <dgm:linClrLst meth="repeat">
+      <a:schemeClr val="accent2">
+        <a:tint val="50000"/>
+      </a:schemeClr>
+    </dgm:linClrLst>
+    <dgm:effectClrLst/>
+    <dgm:txLinClrLst/>
+    <dgm:txFillClrLst meth="repeat">
+      <a:schemeClr val="tx1"/>
+    </dgm:txFillClrLst>
+    <dgm:txEffectClrLst/>
+  </dgm:styleLbl>
+  <dgm:styleLbl name="asst0">
+    <dgm:fillClrLst meth="repeat">
+      <a:schemeClr val="accent1"/>
+    </dgm:fillClrLst>
+    <dgm:linClrLst meth="repeat">
+      <a:schemeClr val="lt1"/>
+    </dgm:linClrLst>
+    <dgm:effectClrLst/>
+    <dgm:txLinClrLst/>
+    <dgm:txFillClrLst/>
+    <dgm:txEffectClrLst/>
+  </dgm:styleLbl>
+  <dgm:styleLbl name="asst1">
+    <dgm:fillClrLst meth="repeat">
+      <a:schemeClr val="accent2"/>
+    </dgm:fillClrLst>
+    <dgm:linClrLst meth="repeat">
+      <a:schemeClr val="lt1"/>
+    </dgm:linClrLst>
+    <dgm:effectClrLst/>
+    <dgm:txLinClrLst/>
+    <dgm:txFillClrLst/>
+    <dgm:txEffectClrLst/>
+  </dgm:styleLbl>
+  <dgm:styleLbl name="asst2">
+    <dgm:fillClrLst>
+      <a:schemeClr val="accent3"/>
+    </dgm:fillClrLst>
+    <dgm:linClrLst meth="repeat">
+      <a:schemeClr val="lt1"/>
+    </dgm:linClrLst>
+    <dgm:effectClrLst/>
+    <dgm:txLinClrLst/>
+    <dgm:txFillClrLst/>
+    <dgm:txEffectClrLst/>
+  </dgm:styleLbl>
+  <dgm:styleLbl name="asst3">
+    <dgm:fillClrLst>
+      <a:schemeClr val="accent4"/>
+    </dgm:fillClrLst>
+    <dgm:linClrLst meth="repeat">
+      <a:schemeClr val="lt1"/>
+    </dgm:linClrLst>
+    <dgm:effectClrLst/>
+    <dgm:txLinClrLst/>
+    <dgm:txFillClrLst/>
+    <dgm:txEffectClrLst/>
+  </dgm:styleLbl>
+  <dgm:styleLbl name="asst4">
+    <dgm:fillClrLst>
+      <a:schemeClr val="accent5"/>
+    </dgm:fillClrLst>
+    <dgm:linClrLst meth="repeat">
+      <a:schemeClr val="lt1"/>
+    </dgm:linClrLst>
+    <dgm:effectClrLst/>
+    <dgm:txLinClrLst/>
+    <dgm:txFillClrLst/>
+    <dgm:txEffectClrLst/>
+  </dgm:styleLbl>
+  <dgm:styleLbl name="parChTrans2D1">
+    <dgm:fillClrLst meth="repeat">
+      <a:schemeClr val="accent2"/>
+    </dgm:fillClrLst>
+    <dgm:linClrLst meth="repeat">
+      <a:schemeClr val="lt1"/>
+    </dgm:linClrLst>
+    <dgm:effectClrLst/>
+    <dgm:txLinClrLst/>
+    <dgm:txFillClrLst meth="repeat">
+      <a:schemeClr val="lt1"/>
+    </dgm:txFillClrLst>
+    <dgm:txEffectClrLst/>
+  </dgm:styleLbl>
+  <dgm:styleLbl name="parChTrans2D2">
+    <dgm:fillClrLst meth="repeat">
+      <a:schemeClr val="accent3"/>
+    </dgm:fillClrLst>
+    <dgm:linClrLst meth="repeat">
+      <a:schemeClr val="lt1"/>
+    </dgm:linClrLst>
+    <dgm:effectClrLst/>
+    <dgm:txLinClrLst/>
+    <dgm:txFillClrLst/>
+    <dgm:txEffectClrLst/>
+  </dgm:styleLbl>
+  <dgm:styleLbl name="parChTrans2D3">
+    <dgm:fillClrLst meth="repeat">
+      <a:schemeClr val="accent4"/>
+    </dgm:fillClrLst>
+    <dgm:linClrLst meth="repeat">
+      <a:schemeClr val="lt1"/>
+    </dgm:linClrLst>
+    <dgm:effectClrLst/>
+    <dgm:txLinClrLst/>
+    <dgm:txFillClrLst/>
+    <dgm:txEffectClrLst/>
+  </dgm:styleLbl>
+  <dgm:styleLbl name="parChTrans2D4">
+    <dgm:fillClrLst meth="repeat">
+      <a:schemeClr val="accent5"/>
+    </dgm:fillClrLst>
+    <dgm:linClrLst meth="repeat">
+      <a:schemeClr val="lt1"/>
+    </dgm:linClrLst>
+    <dgm:effectClrLst/>
+    <dgm:txLinClrLst/>
+    <dgm:txFillClrLst meth="repeat">
+      <a:schemeClr val="lt1"/>
+    </dgm:txFillClrLst>
+    <dgm:txEffectClrLst/>
+  </dgm:styleLbl>
+  <dgm:styleLbl name="parChTrans1D1">
+    <dgm:fillClrLst meth="repeat">
+      <a:schemeClr val="accent2"/>
+    </dgm:fillClrLst>
+    <dgm:linClrLst meth="repeat">
+      <a:schemeClr val="accent1"/>
+    </dgm:linClrLst>
+    <dgm:effectClrLst/>
+    <dgm:txLinClrLst/>
+    <dgm:txFillClrLst meth="repeat">
+      <a:schemeClr val="tx1"/>
+    </dgm:txFillClrLst>
+    <dgm:txEffectClrLst/>
+  </dgm:styleLbl>
+  <dgm:styleLbl name="parChTrans1D2">
+    <dgm:fillClrLst meth="repeat">
+      <a:schemeClr val="accent3">
+        <a:tint val="90000"/>
+      </a:schemeClr>
+    </dgm:fillClrLst>
+    <dgm:linClrLst meth="repeat">
+      <a:schemeClr val="accent2"/>
+    </dgm:linClrLst>
+    <dgm:effectClrLst/>
+    <dgm:txLinClrLst/>
+    <dgm:txFillClrLst meth="repeat">
+      <a:schemeClr val="tx1"/>
+    </dgm:txFillClrLst>
+    <dgm:txEffectClrLst/>
+  </dgm:styleLbl>
+  <dgm:styleLbl name="parChTrans1D3">
+    <dgm:fillClrLst meth="repeat">
+      <a:schemeClr val="accent4">
+        <a:tint val="70000"/>
+      </a:schemeClr>
+    </dgm:fillClrLst>
+    <dgm:linClrLst meth="repeat">
+      <a:schemeClr val="accent3"/>
+    </dgm:linClrLst>
+    <dgm:effectClrLst/>
+    <dgm:txLinClrLst/>
+    <dgm:txFillClrLst meth="repeat">
+      <a:schemeClr val="tx1"/>
+    </dgm:txFillClrLst>
+    <dgm:txEffectClrLst/>
+  </dgm:styleLbl>
+  <dgm:styleLbl name="parChTrans1D4">
+    <dgm:fillClrLst meth="repeat">
+      <a:schemeClr val="accent5">
+        <a:tint val="50000"/>
+      </a:schemeClr>
+    </dgm:fillClrLst>
+    <dgm:linClrLst meth="repeat">
+      <a:schemeClr val="accent4"/>
+    </dgm:linClrLst>
+    <dgm:effectClrLst/>
+    <dgm:txLinClrLst/>
+    <dgm:txFillClrLst meth="repeat">
+      <a:schemeClr val="tx1"/>
+    </dgm:txFillClrLst>
+    <dgm:txEffectClrLst/>
+  </dgm:styleLbl>
+  <dgm:styleLbl name="fgAcc1">
+    <dgm:fillClrLst meth="repeat">
+      <a:schemeClr val="lt1">
+        <a:alpha val="90000"/>
+      </a:schemeClr>
+    </dgm:fillClrLst>
+    <dgm:linClrLst meth="repeat">
+      <a:schemeClr val="accent2"/>
+      <a:schemeClr val="accent3"/>
+      <a:schemeClr val="accent4"/>
+      <a:schemeClr val="accent5"/>
+      <a:schemeClr val="accent6"/>
+    </dgm:linClrLst>
+    <dgm:effectClrLst/>
+    <dgm:txLinClrLst/>
+    <dgm:txFillClrLst meth="repeat">
+      <a:schemeClr val="dk1"/>
+    </dgm:txFillClrLst>
+    <dgm:txEffectClrLst/>
+  </dgm:styleLbl>
+  <dgm:styleLbl name="conFgAcc1">
+    <dgm:fillClrLst meth="repeat">
+      <a:schemeClr val="lt1">
+        <a:alpha val="90000"/>
+      </a:schemeClr>
+    </dgm:fillClrLst>
+    <dgm:linClrLst meth="repeat">
+      <a:schemeClr val="accent2"/>
+      <a:schemeClr val="accent3"/>
+      <a:schemeClr val="accent4"/>
+      <a:schemeClr val="accent5"/>
+      <a:schemeClr val="accent6"/>
+    </dgm:linClrLst>
+    <dgm:effectClrLst/>
+    <dgm:txLinClrLst/>
+    <dgm:txFillClrLst meth="repeat">
+      <a:schemeClr val="dk1"/>
+    </dgm:txFillClrLst>
+    <dgm:txEffectClrLst/>
+  </dgm:styleLbl>
+  <dgm:styleLbl name="alignAcc1">
+    <dgm:fillClrLst meth="repeat">
+      <a:schemeClr val="lt1">
+        <a:alpha val="90000"/>
+      </a:schemeClr>
+    </dgm:fillClrLst>
+    <dgm:linClrLst meth="repeat">
+      <a:schemeClr val="accent2"/>
+      <a:schemeClr val="accent3"/>
+      <a:schemeClr val="accent4"/>
+      <a:schemeClr val="accent5"/>
+      <a:schemeClr val="accent6"/>
+    </dgm:linClrLst>
+    <dgm:effectClrLst/>
+    <dgm:txLinClrLst/>
+    <dgm:txFillClrLst meth="repeat">
+      <a:schemeClr val="dk1"/>
+    </dgm:txFillClrLst>
+    <dgm:txEffectClrLst/>
+  </dgm:styleLbl>
+  <dgm:styleLbl name="trAlignAcc1">
+    <dgm:fillClrLst meth="repeat">
+      <a:schemeClr val="lt1">
+        <a:alpha val="40000"/>
+      </a:schemeClr>
+    </dgm:fillClrLst>
+    <dgm:linClrLst meth="repeat">
+      <a:schemeClr val="accent1"/>
+    </dgm:linClrLst>
+    <dgm:effectClrLst/>
+    <dgm:txLinClrLst/>
+    <dgm:txFillClrLst meth="repeat">
+      <a:schemeClr val="dk1"/>
+    </dgm:txFillClrLst>
+    <dgm:txEffectClrLst/>
+  </dgm:styleLbl>
+  <dgm:styleLbl name="bgAcc1">
+    <dgm:fillClrLst meth="repeat">
+      <a:schemeClr val="lt1">
+        <a:alpha val="90000"/>
+      </a:schemeClr>
+    </dgm:fillClrLst>
+    <dgm:linClrLst meth="repeat">
+      <a:schemeClr val="accent2"/>
+      <a:schemeClr val="accent3"/>
+      <a:schemeClr val="accent4"/>
+      <a:schemeClr val="accent5"/>
+      <a:schemeClr val="accent6"/>
+    </dgm:linClrLst>
+    <dgm:effectClrLst/>
+    <dgm:txLinClrLst/>
+    <dgm:txFillClrLst meth="repeat">
+      <a:schemeClr val="dk1"/>
+    </dgm:txFillClrLst>
+    <dgm:txEffectClrLst/>
+  </dgm:styleLbl>
+  <dgm:styleLbl name="solidFgAcc1">
+    <dgm:fillClrLst meth="repeat">
+      <a:schemeClr val="lt1"/>
+    </dgm:fillClrLst>
+    <dgm:linClrLst meth="repeat">
+      <a:schemeClr val="accent2"/>
+      <a:schemeClr val="accent3"/>
+      <a:schemeClr val="accent4"/>
+      <a:schemeClr val="accent5"/>
+      <a:schemeClr val="accent6"/>
+    </dgm:linClrLst>
+    <dgm:effectClrLst/>
+    <dgm:txLinClrLst/>
+    <dgm:txFillClrLst meth="repeat">
+      <a:schemeClr val="dk1"/>
+    </dgm:txFillClrLst>
+    <dgm:txEffectClrLst/>
+  </dgm:styleLbl>
+  <dgm:styleLbl name="solidAlignAcc1">
+    <dgm:fillClrLst meth="repeat">
+      <a:schemeClr val="lt1"/>
+    </dgm:fillClrLst>
+    <dgm:linClrLst meth="repeat">
+      <a:schemeClr val="accent2"/>
+      <a:schemeClr val="accent3"/>
+      <a:schemeClr val="accent4"/>
+      <a:schemeClr val="accent5"/>
+      <a:schemeClr val="accent6"/>
+    </dgm:linClrLst>
+    <dgm:effectClrLst/>
+    <dgm:txLinClrLst/>
+    <dgm:txFillClrLst meth="repeat">
+      <a:schemeClr val="dk1"/>
+    </dgm:txFillClrLst>
+    <dgm:txEffectClrLst/>
+  </dgm:styleLbl>
+  <dgm:styleLbl name="solidBgAcc1">
+    <dgm:fillClrLst meth="repeat">
+      <a:schemeClr val="lt1"/>
+    </dgm:fillClrLst>
+    <dgm:linClrLst meth="repeat">
+      <a:schemeClr val="accent2"/>
+      <a:schemeClr val="accent3"/>
+      <a:schemeClr val="accent4"/>
+      <a:schemeClr val="accent5"/>
+      <a:schemeClr val="accent6"/>
+    </dgm:linClrLst>
+    <dgm:effectClrLst/>
+    <dgm:txLinClrLst/>
+    <dgm:txFillClrLst meth="repeat">
+      <a:schemeClr val="dk1"/>
+    </dgm:txFillClrLst>
+    <dgm:txEffectClrLst/>
+  </dgm:styleLbl>
+  <dgm:styleLbl name="fgAccFollowNode1">
+    <dgm:fillClrLst meth="repeat">
+      <a:schemeClr val="accent2">
+        <a:tint val="40000"/>
+        <a:alpha val="90000"/>
+      </a:schemeClr>
+      <a:schemeClr val="accent3">
+        <a:tint val="40000"/>
+        <a:alpha val="90000"/>
+      </a:schemeClr>
+      <a:schemeClr val="accent4">
+        <a:tint val="40000"/>
+        <a:alpha val="90000"/>
+      </a:schemeClr>
+      <a:schemeClr val="accent5">
+        <a:tint val="40000"/>
+        <a:alpha val="90000"/>
+      </a:schemeClr>
+      <a:schemeClr val="accent6">
+        <a:tint val="40000"/>
+        <a:alpha val="90000"/>
+      </a:schemeClr>
+    </dgm:fillClrLst>
+    <dgm:linClrLst meth="repeat">
+      <a:schemeClr val="accent2">
+        <a:tint val="40000"/>
+        <a:alpha val="90000"/>
+      </a:schemeClr>
+      <a:schemeClr val="accent3">
+        <a:tint val="40000"/>
+        <a:alpha val="90000"/>
+      </a:schemeClr>
+      <a:schemeClr val="accent4">
+        <a:tint val="40000"/>
+        <a:alpha val="90000"/>
+      </a:schemeClr>
+      <a:schemeClr val="accent5">
+        <a:tint val="40000"/>
+        <a:alpha val="90000"/>
+      </a:schemeClr>
+      <a:schemeClr val="accent6">
+        <a:tint val="40000"/>
+        <a:alpha val="90000"/>
+      </a:schemeClr>
+    </dgm:linClrLst>
+    <dgm:effectClrLst/>
+    <dgm:txLinClrLst/>
+    <dgm:txFillClrLst meth="repeat">
+      <a:schemeClr val="dk1"/>
+    </dgm:txFillClrLst>
+    <dgm:txEffectClrLst/>
+  </dgm:styleLbl>
+  <dgm:styleLbl name="alignAccFollowNode1">
+    <dgm:fillClrLst meth="repeat">
+      <a:schemeClr val="accent2">
+        <a:tint val="40000"/>
+        <a:alpha val="90000"/>
+      </a:schemeClr>
+      <a:schemeClr val="accent3">
+        <a:tint val="40000"/>
+        <a:alpha val="90000"/>
+      </a:schemeClr>
+      <a:schemeClr val="accent4">
+        <a:tint val="40000"/>
+        <a:alpha val="90000"/>
+      </a:schemeClr>
+      <a:schemeClr val="accent5">
+        <a:tint val="40000"/>
+        <a:alpha val="90000"/>
+      </a:schemeClr>
+      <a:schemeClr val="accent6">
+        <a:tint val="40000"/>
+        <a:alpha val="90000"/>
+      </a:schemeClr>
+    </dgm:fillClrLst>
+    <dgm:linClrLst meth="repeat">
+      <a:schemeClr val="accent2">
+        <a:tint val="40000"/>
+        <a:alpha val="90000"/>
+      </a:schemeClr>
+      <a:schemeClr val="accent3">
+        <a:tint val="40000"/>
+        <a:alpha val="90000"/>
+      </a:schemeClr>
+      <a:schemeClr val="accent4">
+        <a:tint val="40000"/>
+        <a:alpha val="90000"/>
+      </a:schemeClr>
+      <a:schemeClr val="accent5">
+        <a:tint val="40000"/>
+        <a:alpha val="90000"/>
+      </a:schemeClr>
+      <a:schemeClr val="accent6">
+        <a:tint val="40000"/>
+        <a:alpha val="90000"/>
+      </a:schemeClr>
+    </dgm:linClrLst>
+    <dgm:effectClrLst/>
+    <dgm:txLinClrLst/>
+    <dgm:txFillClrLst meth="repeat">
+      <a:schemeClr val="dk1"/>
+    </dgm:txFillClrLst>
+    <dgm:txEffectClrLst/>
+  </dgm:styleLbl>
+  <dgm:styleLbl name="bgAccFollowNode1">
+    <dgm:fillClrLst meth="repeat">
+      <a:schemeClr val="accent2">
+        <a:tint val="40000"/>
+        <a:alpha val="90000"/>
+      </a:schemeClr>
+      <a:schemeClr val="accent3">
+        <a:tint val="40000"/>
+        <a:alpha val="90000"/>
+      </a:schemeClr>
+      <a:schemeClr val="accent4">
+        <a:tint val="40000"/>
+        <a:alpha val="90000"/>
+      </a:schemeClr>
+      <a:schemeClr val="accent5">
+        <a:tint val="40000"/>
+        <a:alpha val="90000"/>
+      </a:schemeClr>
+      <a:schemeClr val="accent6">
+        <a:tint val="40000"/>
+        <a:alpha val="90000"/>
+      </a:schemeClr>
+    </dgm:fillClrLst>
+    <dgm:linClrLst meth="repeat">
+      <a:schemeClr val="accent2">
+        <a:tint val="40000"/>
+        <a:alpha val="90000"/>
+      </a:schemeClr>
+      <a:schemeClr val="accent3">
+        <a:tint val="40000"/>
+        <a:alpha val="90000"/>
+      </a:schemeClr>
+      <a:schemeClr val="accent4">
+        <a:tint val="40000"/>
+        <a:alpha val="90000"/>
+      </a:schemeClr>
+      <a:schemeClr val="accent5">
+        <a:tint val="40000"/>
+        <a:alpha val="90000"/>
+      </a:schemeClr>
+      <a:schemeClr val="accent6">
+        <a:tint val="40000"/>
+        <a:alpha val="90000"/>
+      </a:schemeClr>
+    </dgm:linClrLst>
+    <dgm:effectClrLst/>
+    <dgm:txLinClrLst/>
+    <dgm:txFillClrLst meth="repeat">
+      <a:schemeClr val="dk1"/>
+    </dgm:txFillClrLst>
+    <dgm:txEffectClrLst/>
+  </dgm:styleLbl>
+  <dgm:styleLbl name="fgAcc0">
+    <dgm:fillClrLst meth="repeat">
+      <a:schemeClr val="lt1">
+        <a:alpha val="90000"/>
+      </a:schemeClr>
+    </dgm:fillClrLst>
+    <dgm:linClrLst>
+      <a:schemeClr val="accent1"/>
+    </dgm:linClrLst>
+    <dgm:effectClrLst/>
+    <dgm:txLinClrLst/>
+    <dgm:txFillClrLst meth="repeat">
+      <a:schemeClr val="dk1"/>
+    </dgm:txFillClrLst>
+    <dgm:txEffectClrLst/>
+  </dgm:styleLbl>
+  <dgm:styleLbl name="fgAcc2">
+    <dgm:fillClrLst meth="repeat">
+      <a:schemeClr val="lt1">
+        <a:alpha val="90000"/>
+      </a:schemeClr>
+    </dgm:fillClrLst>
+    <dgm:linClrLst>
+      <a:schemeClr val="accent2"/>
+    </dgm:linClrLst>
+    <dgm:effectClrLst/>
+    <dgm:txLinClrLst/>
+    <dgm:txFillClrLst meth="repeat">
+      <a:schemeClr val="dk1"/>
+    </dgm:txFillClrLst>
+    <dgm:txEffectClrLst/>
+  </dgm:styleLbl>
+  <dgm:styleLbl name="fgAcc3">
+    <dgm:fillClrLst meth="repeat">
+      <a:schemeClr val="lt1">
+        <a:alpha val="90000"/>
+      </a:schemeClr>
+    </dgm:fillClrLst>
+    <dgm:linClrLst>
+      <a:schemeClr val="accent3"/>
+    </dgm:linClrLst>
+    <dgm:effectClrLst/>
+    <dgm:txLinClrLst/>
+    <dgm:txFillClrLst meth="repeat">
+      <a:schemeClr val="dk1"/>
+    </dgm:txFillClrLst>
+    <dgm:txEffectClrLst/>
+  </dgm:styleLbl>
+  <dgm:styleLbl name="fgAcc4">
+    <dgm:fillClrLst meth="repeat">
+      <a:schemeClr val="lt1">
+        <a:alpha val="90000"/>
+      </a:schemeClr>
+    </dgm:fillClrLst>
+    <dgm:linClrLst>
+      <a:schemeClr val="accent4"/>
+    </dgm:linClrLst>
+    <dgm:effectClrLst/>
+    <dgm:txLinClrLst/>
+    <dgm:txFillClrLst meth="repeat">
+      <a:schemeClr val="dk1"/>
+    </dgm:txFillClrLst>
+    <dgm:txEffectClrLst/>
+  </dgm:styleLbl>
+  <dgm:styleLbl name="bgShp">
+    <dgm:fillClrLst meth="repeat">
+      <a:schemeClr val="accent2"/>
+      <a:schemeClr val="accent3"/>
+      <a:schemeClr val="accent4"/>
+      <a:schemeClr val="accent5"/>
+      <a:schemeClr val="accent6"/>
+    </dgm:fillClrLst>
+    <dgm:linClrLst meth="repeat">
+      <a:schemeClr val="lt1">
+        <a:alpha val="0"/>
+      </a:schemeClr>
+    </dgm:linClrLst>
+    <dgm:effectClrLst/>
+    <dgm:txLinClrLst/>
+    <dgm:txFillClrLst/>
+    <dgm:txEffectClrLst/>
+  </dgm:styleLbl>
+  <dgm:styleLbl name="dkBgShp">
+    <dgm:fillClrLst meth="repeat">
+      <a:schemeClr val="accent2">
+        <a:shade val="90000"/>
+      </a:schemeClr>
+    </dgm:fillClrLst>
+    <dgm:linClrLst meth="repeat">
+      <a:schemeClr val="dk1"/>
+    </dgm:linClrLst>
+    <dgm:effectClrLst/>
+    <dgm:txLinClrLst/>
+    <dgm:txFillClrLst meth="repeat">
+      <a:schemeClr val="lt1"/>
+    </dgm:txFillClrLst>
+    <dgm:txEffectClrLst/>
+  </dgm:styleLbl>
+  <dgm:styleLbl name="trBgShp">
+    <dgm:fillClrLst meth="repeat">
+      <a:schemeClr val="accent1">
+        <a:tint val="50000"/>
+        <a:alpha val="40000"/>
+      </a:schemeClr>
+    </dgm:fillClrLst>
+    <dgm:linClrLst meth="repeat">
+      <a:schemeClr val="accent2"/>
+    </dgm:linClrLst>
+    <dgm:effectClrLst/>
+    <dgm:txLinClrLst/>
+    <dgm:txFillClrLst meth="repeat">
+      <a:schemeClr val="lt1"/>
+    </dgm:txFillClrLst>
+    <dgm:txEffectClrLst/>
+  </dgm:styleLbl>
+  <dgm:styleLbl name="fgShp">
+    <dgm:fillClrLst meth="repeat">
+      <a:schemeClr val="accent2">
+        <a:tint val="40000"/>
+      </a:schemeClr>
+    </dgm:fillClrLst>
+    <dgm:linClrLst meth="repeat">
+      <a:schemeClr val="lt1"/>
+    </dgm:linClrLst>
+    <dgm:effectClrLst/>
+    <dgm:txLinClrLst/>
+    <dgm:txFillClrLst meth="repeat">
+      <a:schemeClr val="dk1"/>
+    </dgm:txFillClrLst>
+    <dgm:txEffectClrLst/>
+  </dgm:styleLbl>
+  <dgm:styleLbl name="revTx">
+    <dgm:fillClrLst meth="repeat">
+      <a:schemeClr val="lt1">
+        <a:alpha val="0"/>
+      </a:schemeClr>
+    </dgm:fillClrLst>
+    <dgm:linClrLst meth="repeat">
+      <a:schemeClr val="dk1">
+        <a:alpha val="0"/>
+      </a:schemeClr>
+    </dgm:linClrLst>
+    <dgm:effectClrLst/>
+    <dgm:txLinClrLst/>
+    <dgm:txFillClrLst meth="repeat">
+      <a:schemeClr val="bg1"/>
+    </dgm:txFillClrLst>
+    <dgm:txEffectClrLst/>
+  </dgm:styleLbl>
+</dgm:colorsDef>
+</file>
+
+<file path=ppt/diagrams/data1.xml><?xml version="1.0" encoding="utf-8"?>
+<dgm:dataModel xmlns:dgm="http://schemas.openxmlformats.org/drawingml/2006/diagram" xmlns:a="http://schemas.openxmlformats.org/drawingml/2006/main">
+  <dgm:ptLst>
+    <dgm:pt modelId="{A10F848A-27F5-4A7D-9268-BC79FCDC2232}" type="doc">
+      <dgm:prSet loTypeId="urn:microsoft.com/office/officeart/2018/2/layout/IconVerticalSolidList" loCatId="icon" qsTypeId="urn:microsoft.com/office/officeart/2005/8/quickstyle/simple1" qsCatId="simple" csTypeId="urn:microsoft.com/office/officeart/2018/5/colors/Iconchunking_neutralicontext_colorful1" csCatId="colorful" phldr="1"/>
+      <dgm:spPr/>
+      <dgm:t>
+        <a:bodyPr/>
+        <a:lstStyle/>
+        <a:p>
+          <a:endParaRPr lang="en-US"/>
+        </a:p>
+      </dgm:t>
+    </dgm:pt>
+    <dgm:pt modelId="{9AB066C6-637E-41F7-99A9-D72407BD7439}">
+      <dgm:prSet/>
+      <dgm:spPr/>
+      <dgm:t>
+        <a:bodyPr/>
+        <a:lstStyle/>
+        <a:p>
+          <a:r>
+            <a:rPr lang="fr-FR"/>
+            <a:t>Utilisation de PHP et SQL pour gérer les bases de données (récupérer les informations ou en ajouter)</a:t>
+          </a:r>
+          <a:endParaRPr lang="en-US"/>
+        </a:p>
+      </dgm:t>
+    </dgm:pt>
+    <dgm:pt modelId="{EC728C38-84A5-47A4-B520-73DA4B8DBC4F}" type="parTrans" cxnId="{BD7EC4E0-2D2D-4B6E-A4B2-A86B90C05B04}">
+      <dgm:prSet/>
+      <dgm:spPr/>
+      <dgm:t>
+        <a:bodyPr/>
+        <a:lstStyle/>
+        <a:p>
+          <a:endParaRPr lang="en-US"/>
+        </a:p>
+      </dgm:t>
+    </dgm:pt>
+    <dgm:pt modelId="{6475B0D8-88BE-4FE8-9BA0-CA745CD29106}" type="sibTrans" cxnId="{BD7EC4E0-2D2D-4B6E-A4B2-A86B90C05B04}">
+      <dgm:prSet/>
+      <dgm:spPr/>
+      <dgm:t>
+        <a:bodyPr/>
+        <a:lstStyle/>
+        <a:p>
+          <a:endParaRPr lang="en-US"/>
+        </a:p>
+      </dgm:t>
+    </dgm:pt>
+    <dgm:pt modelId="{B5F7845E-1B57-4A04-9DB3-78D01A0BDFBB}">
+      <dgm:prSet/>
+      <dgm:spPr/>
+      <dgm:t>
+        <a:bodyPr/>
+        <a:lstStyle/>
+        <a:p>
+          <a:r>
+            <a:rPr lang="fr-FR"/>
+            <a:t>Utilisation de HTML</a:t>
+          </a:r>
+          <a:endParaRPr lang="en-US"/>
+        </a:p>
+      </dgm:t>
+    </dgm:pt>
+    <dgm:pt modelId="{1992B1E9-5D33-49AF-A86B-2D08024F8E30}" type="parTrans" cxnId="{B67D067C-ECE1-4C0F-A0ED-93D5092D8DEA}">
+      <dgm:prSet/>
+      <dgm:spPr/>
+      <dgm:t>
+        <a:bodyPr/>
+        <a:lstStyle/>
+        <a:p>
+          <a:endParaRPr lang="en-US"/>
+        </a:p>
+      </dgm:t>
+    </dgm:pt>
+    <dgm:pt modelId="{4E32EA8C-F830-4995-BB4F-2DE2B0C64819}" type="sibTrans" cxnId="{B67D067C-ECE1-4C0F-A0ED-93D5092D8DEA}">
+      <dgm:prSet/>
+      <dgm:spPr/>
+      <dgm:t>
+        <a:bodyPr/>
+        <a:lstStyle/>
+        <a:p>
+          <a:endParaRPr lang="en-US"/>
+        </a:p>
+      </dgm:t>
+    </dgm:pt>
+    <dgm:pt modelId="{D26C0DB4-50D7-4628-A9CD-D3BAFDA7871E}">
+      <dgm:prSet/>
+      <dgm:spPr/>
+      <dgm:t>
+        <a:bodyPr/>
+        <a:lstStyle/>
+        <a:p>
+          <a:r>
+            <a:rPr lang="fr-FR"/>
+            <a:t>Utilisation de CSS, bootstrap et Jquery pour le style</a:t>
+          </a:r>
+          <a:endParaRPr lang="en-US"/>
+        </a:p>
+      </dgm:t>
+    </dgm:pt>
+    <dgm:pt modelId="{C7F976FE-19BA-4741-BCCE-8B12C1CFC4BC}" type="parTrans" cxnId="{1C1DDFA6-6643-49D4-9703-74951373A4E9}">
+      <dgm:prSet/>
+      <dgm:spPr/>
+      <dgm:t>
+        <a:bodyPr/>
+        <a:lstStyle/>
+        <a:p>
+          <a:endParaRPr lang="en-US"/>
+        </a:p>
+      </dgm:t>
+    </dgm:pt>
+    <dgm:pt modelId="{785055DA-40D0-466F-8DBD-6F33EAD8AAE6}" type="sibTrans" cxnId="{1C1DDFA6-6643-49D4-9703-74951373A4E9}">
+      <dgm:prSet/>
+      <dgm:spPr/>
+      <dgm:t>
+        <a:bodyPr/>
+        <a:lstStyle/>
+        <a:p>
+          <a:endParaRPr lang="en-US"/>
+        </a:p>
+      </dgm:t>
+    </dgm:pt>
+    <dgm:pt modelId="{27D713A2-B36F-4D03-9A24-3EDB0419FC6C}" type="pres">
+      <dgm:prSet presAssocID="{A10F848A-27F5-4A7D-9268-BC79FCDC2232}" presName="root" presStyleCnt="0">
+        <dgm:presLayoutVars>
+          <dgm:dir/>
+          <dgm:resizeHandles val="exact"/>
+        </dgm:presLayoutVars>
+      </dgm:prSet>
+      <dgm:spPr/>
+    </dgm:pt>
+    <dgm:pt modelId="{34658BED-27E9-4B5C-8B55-FBCC96407225}" type="pres">
+      <dgm:prSet presAssocID="{9AB066C6-637E-41F7-99A9-D72407BD7439}" presName="compNode" presStyleCnt="0"/>
+      <dgm:spPr/>
+    </dgm:pt>
+    <dgm:pt modelId="{1E024714-B562-4D1B-B545-673957C4F4B3}" type="pres">
+      <dgm:prSet presAssocID="{9AB066C6-637E-41F7-99A9-D72407BD7439}" presName="bgRect" presStyleLbl="bgShp" presStyleIdx="0" presStyleCnt="3"/>
+      <dgm:spPr/>
+    </dgm:pt>
+    <dgm:pt modelId="{D3D811B3-8529-46C3-AF49-078AF3AC1E78}" type="pres">
+      <dgm:prSet presAssocID="{9AB066C6-637E-41F7-99A9-D72407BD7439}" presName="iconRect" presStyleLbl="node1" presStyleIdx="0" presStyleCnt="3"/>
+      <dgm:spPr>
+        <a:blipFill>
+          <a:blip xmlns:r="http://schemas.openxmlformats.org/officeDocument/2006/relationships" r:embed="rId1">
+            <a:extLst>
+              <a:ext uri="{28A0092B-C50C-407E-A947-70E740481C1C}">
+                <a14:useLocalDpi xmlns:a14="http://schemas.microsoft.com/office/drawing/2010/main" val="0"/>
+              </a:ext>
+              <a:ext uri="{96DAC541-7B7A-43D3-8B79-37D633B846F1}">
+                <asvg:svgBlip xmlns:asvg="http://schemas.microsoft.com/office/drawing/2016/SVG/main" r:embed="rId2"/>
+              </a:ext>
+            </a:extLst>
+          </a:blip>
+          <a:stretch>
+            <a:fillRect/>
+          </a:stretch>
+        </a:blipFill>
+        <a:ln>
+          <a:noFill/>
+        </a:ln>
+      </dgm:spPr>
+      <dgm:extLst>
+        <a:ext uri="{E40237B7-FDA0-4F09-8148-C483321AD2D9}">
+          <dgm14:cNvPr xmlns:dgm14="http://schemas.microsoft.com/office/drawing/2010/diagram" id="0" name="" descr="Database"/>
+        </a:ext>
+      </dgm:extLst>
+    </dgm:pt>
+    <dgm:pt modelId="{9AAF6642-3EEE-425A-9CE7-909D1C6B7611}" type="pres">
+      <dgm:prSet presAssocID="{9AB066C6-637E-41F7-99A9-D72407BD7439}" presName="spaceRect" presStyleCnt="0"/>
+      <dgm:spPr/>
+    </dgm:pt>
+    <dgm:pt modelId="{C1F26EFE-0EF6-42E1-A1A6-BAA828572EB7}" type="pres">
+      <dgm:prSet presAssocID="{9AB066C6-637E-41F7-99A9-D72407BD7439}" presName="parTx" presStyleLbl="revTx" presStyleIdx="0" presStyleCnt="3">
+        <dgm:presLayoutVars>
+          <dgm:chMax val="0"/>
+          <dgm:chPref val="0"/>
+        </dgm:presLayoutVars>
+      </dgm:prSet>
+      <dgm:spPr/>
+    </dgm:pt>
+    <dgm:pt modelId="{9534189B-9D9A-49DA-875D-0717F9638E08}" type="pres">
+      <dgm:prSet presAssocID="{6475B0D8-88BE-4FE8-9BA0-CA745CD29106}" presName="sibTrans" presStyleCnt="0"/>
+      <dgm:spPr/>
+    </dgm:pt>
+    <dgm:pt modelId="{FCAEF64D-161D-4C96-875D-0B8878400AB4}" type="pres">
+      <dgm:prSet presAssocID="{B5F7845E-1B57-4A04-9DB3-78D01A0BDFBB}" presName="compNode" presStyleCnt="0"/>
+      <dgm:spPr/>
+    </dgm:pt>
+    <dgm:pt modelId="{B3AE950E-2C53-464B-90F6-FB471B4949D0}" type="pres">
+      <dgm:prSet presAssocID="{B5F7845E-1B57-4A04-9DB3-78D01A0BDFBB}" presName="bgRect" presStyleLbl="bgShp" presStyleIdx="1" presStyleCnt="3"/>
+      <dgm:spPr/>
+    </dgm:pt>
+    <dgm:pt modelId="{A15FF3B1-C65B-4900-9885-28BF35CB5CC0}" type="pres">
+      <dgm:prSet presAssocID="{B5F7845E-1B57-4A04-9DB3-78D01A0BDFBB}" presName="iconRect" presStyleLbl="node1" presStyleIdx="1" presStyleCnt="3"/>
+      <dgm:spPr>
+        <a:blipFill>
+          <a:blip xmlns:r="http://schemas.openxmlformats.org/officeDocument/2006/relationships" r:embed="rId3">
+            <a:extLst>
+              <a:ext uri="{28A0092B-C50C-407E-A947-70E740481C1C}">
+                <a14:useLocalDpi xmlns:a14="http://schemas.microsoft.com/office/drawing/2010/main" val="0"/>
+              </a:ext>
+              <a:ext uri="{96DAC541-7B7A-43D3-8B79-37D633B846F1}">
+                <asvg:svgBlip xmlns:asvg="http://schemas.microsoft.com/office/drawing/2016/SVG/main" r:embed="rId4"/>
+              </a:ext>
+            </a:extLst>
+          </a:blip>
+          <a:stretch>
+            <a:fillRect/>
+          </a:stretch>
+        </a:blipFill>
+        <a:ln>
+          <a:noFill/>
+        </a:ln>
+      </dgm:spPr>
+      <dgm:extLst>
+        <a:ext uri="{E40237B7-FDA0-4F09-8148-C483321AD2D9}">
+          <dgm14:cNvPr xmlns:dgm14="http://schemas.microsoft.com/office/drawing/2010/diagram" id="0" name="" descr="Web Design"/>
+        </a:ext>
+      </dgm:extLst>
+    </dgm:pt>
+    <dgm:pt modelId="{7C007C67-61A7-4153-8B61-277E7213D391}" type="pres">
+      <dgm:prSet presAssocID="{B5F7845E-1B57-4A04-9DB3-78D01A0BDFBB}" presName="spaceRect" presStyleCnt="0"/>
+      <dgm:spPr/>
+    </dgm:pt>
+    <dgm:pt modelId="{DD6BCAA6-3BE9-4B60-A010-78846F262C93}" type="pres">
+      <dgm:prSet presAssocID="{B5F7845E-1B57-4A04-9DB3-78D01A0BDFBB}" presName="parTx" presStyleLbl="revTx" presStyleIdx="1" presStyleCnt="3">
+        <dgm:presLayoutVars>
+          <dgm:chMax val="0"/>
+          <dgm:chPref val="0"/>
+        </dgm:presLayoutVars>
+      </dgm:prSet>
+      <dgm:spPr/>
+    </dgm:pt>
+    <dgm:pt modelId="{08F3A56C-8D0F-43E9-9D4C-CEBE3EC3B342}" type="pres">
+      <dgm:prSet presAssocID="{4E32EA8C-F830-4995-BB4F-2DE2B0C64819}" presName="sibTrans" presStyleCnt="0"/>
+      <dgm:spPr/>
+    </dgm:pt>
+    <dgm:pt modelId="{1DA3609E-C3FC-4A89-9353-7717EBB1FCBD}" type="pres">
+      <dgm:prSet presAssocID="{D26C0DB4-50D7-4628-A9CD-D3BAFDA7871E}" presName="compNode" presStyleCnt="0"/>
+      <dgm:spPr/>
+    </dgm:pt>
+    <dgm:pt modelId="{ABF42433-1110-4FE3-B6E3-53C9BD714D13}" type="pres">
+      <dgm:prSet presAssocID="{D26C0DB4-50D7-4628-A9CD-D3BAFDA7871E}" presName="bgRect" presStyleLbl="bgShp" presStyleIdx="2" presStyleCnt="3"/>
+      <dgm:spPr/>
+    </dgm:pt>
+    <dgm:pt modelId="{957EEC00-7E44-4FE7-A762-CF23527C8F9A}" type="pres">
+      <dgm:prSet presAssocID="{D26C0DB4-50D7-4628-A9CD-D3BAFDA7871E}" presName="iconRect" presStyleLbl="node1" presStyleIdx="2" presStyleCnt="3"/>
+      <dgm:spPr>
+        <a:blipFill>
+          <a:blip xmlns:r="http://schemas.openxmlformats.org/officeDocument/2006/relationships" r:embed="rId5">
+            <a:extLst>
+              <a:ext uri="{28A0092B-C50C-407E-A947-70E740481C1C}">
+                <a14:useLocalDpi xmlns:a14="http://schemas.microsoft.com/office/drawing/2010/main" val="0"/>
+              </a:ext>
+              <a:ext uri="{96DAC541-7B7A-43D3-8B79-37D633B846F1}">
+                <asvg:svgBlip xmlns:asvg="http://schemas.microsoft.com/office/drawing/2016/SVG/main" r:embed="rId6"/>
+              </a:ext>
+            </a:extLst>
+          </a:blip>
+          <a:stretch>
+            <a:fillRect/>
+          </a:stretch>
+        </a:blipFill>
+        <a:ln>
+          <a:noFill/>
+        </a:ln>
+      </dgm:spPr>
+      <dgm:extLst>
+        <a:ext uri="{E40237B7-FDA0-4F09-8148-C483321AD2D9}">
+          <dgm14:cNvPr xmlns:dgm14="http://schemas.microsoft.com/office/drawing/2010/diagram" id="0" name="" descr="Gears"/>
+        </a:ext>
+      </dgm:extLst>
+    </dgm:pt>
+    <dgm:pt modelId="{2B6D838E-38A2-4F88-866A-66BE162053FD}" type="pres">
+      <dgm:prSet presAssocID="{D26C0DB4-50D7-4628-A9CD-D3BAFDA7871E}" presName="spaceRect" presStyleCnt="0"/>
+      <dgm:spPr/>
+    </dgm:pt>
+    <dgm:pt modelId="{A50C8A9E-C22B-4AF1-8021-A93C279ED0E6}" type="pres">
+      <dgm:prSet presAssocID="{D26C0DB4-50D7-4628-A9CD-D3BAFDA7871E}" presName="parTx" presStyleLbl="revTx" presStyleIdx="2" presStyleCnt="3">
+        <dgm:presLayoutVars>
+          <dgm:chMax val="0"/>
+          <dgm:chPref val="0"/>
+        </dgm:presLayoutVars>
+      </dgm:prSet>
+      <dgm:spPr/>
+    </dgm:pt>
+  </dgm:ptLst>
+  <dgm:cxnLst>
+    <dgm:cxn modelId="{802B3E2F-7971-49E5-AEBF-4FF841C229D3}" type="presOf" srcId="{D26C0DB4-50D7-4628-A9CD-D3BAFDA7871E}" destId="{A50C8A9E-C22B-4AF1-8021-A93C279ED0E6}" srcOrd="0" destOrd="0" presId="urn:microsoft.com/office/officeart/2018/2/layout/IconVerticalSolidList"/>
+    <dgm:cxn modelId="{3A9A9362-4D8E-460C-AB87-CC0A4F7C75C4}" type="presOf" srcId="{9AB066C6-637E-41F7-99A9-D72407BD7439}" destId="{C1F26EFE-0EF6-42E1-A1A6-BAA828572EB7}" srcOrd="0" destOrd="0" presId="urn:microsoft.com/office/officeart/2018/2/layout/IconVerticalSolidList"/>
+    <dgm:cxn modelId="{B67D067C-ECE1-4C0F-A0ED-93D5092D8DEA}" srcId="{A10F848A-27F5-4A7D-9268-BC79FCDC2232}" destId="{B5F7845E-1B57-4A04-9DB3-78D01A0BDFBB}" srcOrd="1" destOrd="0" parTransId="{1992B1E9-5D33-49AF-A86B-2D08024F8E30}" sibTransId="{4E32EA8C-F830-4995-BB4F-2DE2B0C64819}"/>
+    <dgm:cxn modelId="{1C1DDFA6-6643-49D4-9703-74951373A4E9}" srcId="{A10F848A-27F5-4A7D-9268-BC79FCDC2232}" destId="{D26C0DB4-50D7-4628-A9CD-D3BAFDA7871E}" srcOrd="2" destOrd="0" parTransId="{C7F976FE-19BA-4741-BCCE-8B12C1CFC4BC}" sibTransId="{785055DA-40D0-466F-8DBD-6F33EAD8AAE6}"/>
+    <dgm:cxn modelId="{544664C7-3D74-4CF2-80F7-47D2E2688DB4}" type="presOf" srcId="{B5F7845E-1B57-4A04-9DB3-78D01A0BDFBB}" destId="{DD6BCAA6-3BE9-4B60-A010-78846F262C93}" srcOrd="0" destOrd="0" presId="urn:microsoft.com/office/officeart/2018/2/layout/IconVerticalSolidList"/>
+    <dgm:cxn modelId="{6E7289DA-F60B-409F-AAA4-5F4BB1D4F854}" type="presOf" srcId="{A10F848A-27F5-4A7D-9268-BC79FCDC2232}" destId="{27D713A2-B36F-4D03-9A24-3EDB0419FC6C}" srcOrd="0" destOrd="0" presId="urn:microsoft.com/office/officeart/2018/2/layout/IconVerticalSolidList"/>
+    <dgm:cxn modelId="{BD7EC4E0-2D2D-4B6E-A4B2-A86B90C05B04}" srcId="{A10F848A-27F5-4A7D-9268-BC79FCDC2232}" destId="{9AB066C6-637E-41F7-99A9-D72407BD7439}" srcOrd="0" destOrd="0" parTransId="{EC728C38-84A5-47A4-B520-73DA4B8DBC4F}" sibTransId="{6475B0D8-88BE-4FE8-9BA0-CA745CD29106}"/>
+    <dgm:cxn modelId="{F59CD263-FB1E-407E-8EEB-3500C90DC394}" type="presParOf" srcId="{27D713A2-B36F-4D03-9A24-3EDB0419FC6C}" destId="{34658BED-27E9-4B5C-8B55-FBCC96407225}" srcOrd="0" destOrd="0" presId="urn:microsoft.com/office/officeart/2018/2/layout/IconVerticalSolidList"/>
+    <dgm:cxn modelId="{0DE93496-0168-481F-83E0-41E8B7E0260D}" type="presParOf" srcId="{34658BED-27E9-4B5C-8B55-FBCC96407225}" destId="{1E024714-B562-4D1B-B545-673957C4F4B3}" srcOrd="0" destOrd="0" presId="urn:microsoft.com/office/officeart/2018/2/layout/IconVerticalSolidList"/>
+    <dgm:cxn modelId="{7B26E554-3536-45C3-83C9-9B973E549970}" type="presParOf" srcId="{34658BED-27E9-4B5C-8B55-FBCC96407225}" destId="{D3D811B3-8529-46C3-AF49-078AF3AC1E78}" srcOrd="1" destOrd="0" presId="urn:microsoft.com/office/officeart/2018/2/layout/IconVerticalSolidList"/>
+    <dgm:cxn modelId="{7152C130-DA2A-4AE9-A048-C0BA3BFC471C}" type="presParOf" srcId="{34658BED-27E9-4B5C-8B55-FBCC96407225}" destId="{9AAF6642-3EEE-425A-9CE7-909D1C6B7611}" srcOrd="2" destOrd="0" presId="urn:microsoft.com/office/officeart/2018/2/layout/IconVerticalSolidList"/>
+    <dgm:cxn modelId="{CF8B37C7-DA3A-4A10-9C63-03CB2F2FC7F8}" type="presParOf" srcId="{34658BED-27E9-4B5C-8B55-FBCC96407225}" destId="{C1F26EFE-0EF6-42E1-A1A6-BAA828572EB7}" srcOrd="3" destOrd="0" presId="urn:microsoft.com/office/officeart/2018/2/layout/IconVerticalSolidList"/>
+    <dgm:cxn modelId="{8B8A8D74-0FF4-4742-8841-C3AE7BF25F4E}" type="presParOf" srcId="{27D713A2-B36F-4D03-9A24-3EDB0419FC6C}" destId="{9534189B-9D9A-49DA-875D-0717F9638E08}" srcOrd="1" destOrd="0" presId="urn:microsoft.com/office/officeart/2018/2/layout/IconVerticalSolidList"/>
+    <dgm:cxn modelId="{C14AEBF5-FBC7-475F-8FA4-6FA168C329FF}" type="presParOf" srcId="{27D713A2-B36F-4D03-9A24-3EDB0419FC6C}" destId="{FCAEF64D-161D-4C96-875D-0B8878400AB4}" srcOrd="2" destOrd="0" presId="urn:microsoft.com/office/officeart/2018/2/layout/IconVerticalSolidList"/>
+    <dgm:cxn modelId="{872C67AB-8F6C-4817-B9D0-F61A3F79BAAC}" type="presParOf" srcId="{FCAEF64D-161D-4C96-875D-0B8878400AB4}" destId="{B3AE950E-2C53-464B-90F6-FB471B4949D0}" srcOrd="0" destOrd="0" presId="urn:microsoft.com/office/officeart/2018/2/layout/IconVerticalSolidList"/>
+    <dgm:cxn modelId="{411908C6-6C09-4484-AFD2-755952A80BBA}" type="presParOf" srcId="{FCAEF64D-161D-4C96-875D-0B8878400AB4}" destId="{A15FF3B1-C65B-4900-9885-28BF35CB5CC0}" srcOrd="1" destOrd="0" presId="urn:microsoft.com/office/officeart/2018/2/layout/IconVerticalSolidList"/>
+    <dgm:cxn modelId="{8AA84340-1F9A-4A5D-9DAF-0E3CAF36BC69}" type="presParOf" srcId="{FCAEF64D-161D-4C96-875D-0B8878400AB4}" destId="{7C007C67-61A7-4153-8B61-277E7213D391}" srcOrd="2" destOrd="0" presId="urn:microsoft.com/office/officeart/2018/2/layout/IconVerticalSolidList"/>
+    <dgm:cxn modelId="{51E71923-2822-4E79-B320-3DA04EA67AAF}" type="presParOf" srcId="{FCAEF64D-161D-4C96-875D-0B8878400AB4}" destId="{DD6BCAA6-3BE9-4B60-A010-78846F262C93}" srcOrd="3" destOrd="0" presId="urn:microsoft.com/office/officeart/2018/2/layout/IconVerticalSolidList"/>
+    <dgm:cxn modelId="{A408E071-5641-4026-A9BC-FFE695270E4F}" type="presParOf" srcId="{27D713A2-B36F-4D03-9A24-3EDB0419FC6C}" destId="{08F3A56C-8D0F-43E9-9D4C-CEBE3EC3B342}" srcOrd="3" destOrd="0" presId="urn:microsoft.com/office/officeart/2018/2/layout/IconVerticalSolidList"/>
+    <dgm:cxn modelId="{A8046F63-4AF7-415A-BE7E-06AFB18829BB}" type="presParOf" srcId="{27D713A2-B36F-4D03-9A24-3EDB0419FC6C}" destId="{1DA3609E-C3FC-4A89-9353-7717EBB1FCBD}" srcOrd="4" destOrd="0" presId="urn:microsoft.com/office/officeart/2018/2/layout/IconVerticalSolidList"/>
+    <dgm:cxn modelId="{E6503C1A-212A-4CEC-B7FA-DE34CBDD668F}" type="presParOf" srcId="{1DA3609E-C3FC-4A89-9353-7717EBB1FCBD}" destId="{ABF42433-1110-4FE3-B6E3-53C9BD714D13}" srcOrd="0" destOrd="0" presId="urn:microsoft.com/office/officeart/2018/2/layout/IconVerticalSolidList"/>
+    <dgm:cxn modelId="{E9C94E90-5E81-444C-832E-60FF0E924927}" type="presParOf" srcId="{1DA3609E-C3FC-4A89-9353-7717EBB1FCBD}" destId="{957EEC00-7E44-4FE7-A762-CF23527C8F9A}" srcOrd="1" destOrd="0" presId="urn:microsoft.com/office/officeart/2018/2/layout/IconVerticalSolidList"/>
+    <dgm:cxn modelId="{6774D0D4-AB0C-4F39-BCF8-DF6995255EB9}" type="presParOf" srcId="{1DA3609E-C3FC-4A89-9353-7717EBB1FCBD}" destId="{2B6D838E-38A2-4F88-866A-66BE162053FD}" srcOrd="2" destOrd="0" presId="urn:microsoft.com/office/officeart/2018/2/layout/IconVerticalSolidList"/>
+    <dgm:cxn modelId="{42C7A306-810C-4EE9-857A-386FC569E077}" type="presParOf" srcId="{1DA3609E-C3FC-4A89-9353-7717EBB1FCBD}" destId="{A50C8A9E-C22B-4AF1-8021-A93C279ED0E6}" srcOrd="3" destOrd="0" presId="urn:microsoft.com/office/officeart/2018/2/layout/IconVerticalSolidList"/>
+  </dgm:cxnLst>
+  <dgm:bg/>
+  <dgm:whole/>
+  <dgm:extLst>
+    <a:ext uri="http://schemas.microsoft.com/office/drawing/2008/diagram">
+      <dsp:dataModelExt xmlns:dsp="http://schemas.microsoft.com/office/drawing/2008/diagram" relId="rId6" minVer="http://schemas.openxmlformats.org/drawingml/2006/diagram"/>
+    </a:ext>
+  </dgm:extLst>
+</dgm:dataModel>
+</file>
+
+<file path=ppt/diagrams/data2.xml><?xml version="1.0" encoding="utf-8"?>
+<dgm:dataModel xmlns:dgm="http://schemas.openxmlformats.org/drawingml/2006/diagram" xmlns:a="http://schemas.openxmlformats.org/drawingml/2006/main">
+  <dgm:ptLst>
+    <dgm:pt modelId="{166A9602-4906-4618-9713-9EDF965FC919}" type="doc">
+      <dgm:prSet loTypeId="urn:microsoft.com/office/officeart/2018/2/layout/IconVerticalSolidList" loCatId="icon" qsTypeId="urn:microsoft.com/office/officeart/2005/8/quickstyle/simple1" qsCatId="simple" csTypeId="urn:microsoft.com/office/officeart/2018/5/colors/Iconchunking_neutralicontext_colorful1" csCatId="colorful" phldr="1"/>
+      <dgm:spPr/>
+      <dgm:t>
+        <a:bodyPr/>
+        <a:lstStyle/>
+        <a:p>
+          <a:endParaRPr lang="en-US"/>
+        </a:p>
+      </dgm:t>
+    </dgm:pt>
+    <dgm:pt modelId="{77BB216B-4F93-499B-BD78-42B960CB5ECA}">
+      <dgm:prSet/>
+      <dgm:spPr/>
+      <dgm:t>
+        <a:bodyPr/>
+        <a:lstStyle/>
+        <a:p>
+          <a:r>
+            <a:rPr lang="fr-FR"/>
+            <a:t>Page d’accueil </a:t>
+          </a:r>
+          <a:endParaRPr lang="en-US"/>
+        </a:p>
+      </dgm:t>
+    </dgm:pt>
+    <dgm:pt modelId="{4C48BA0E-93DB-42E1-8F4F-5D213E58EA85}" type="parTrans" cxnId="{F77C34B2-3FC5-4DB8-A5BC-54DF2B4BF4DC}">
+      <dgm:prSet/>
+      <dgm:spPr/>
+      <dgm:t>
+        <a:bodyPr/>
+        <a:lstStyle/>
+        <a:p>
+          <a:endParaRPr lang="en-US"/>
+        </a:p>
+      </dgm:t>
+    </dgm:pt>
+    <dgm:pt modelId="{38A0DC2C-DB74-4F7A-A31B-17B05D25295A}" type="sibTrans" cxnId="{F77C34B2-3FC5-4DB8-A5BC-54DF2B4BF4DC}">
+      <dgm:prSet/>
+      <dgm:spPr/>
+      <dgm:t>
+        <a:bodyPr/>
+        <a:lstStyle/>
+        <a:p>
+          <a:endParaRPr lang="en-US"/>
+        </a:p>
+      </dgm:t>
+    </dgm:pt>
+    <dgm:pt modelId="{71E70F8C-4C58-4934-8F9F-C6BD8CB9DA64}">
+      <dgm:prSet/>
+      <dgm:spPr/>
+      <dgm:t>
+        <a:bodyPr/>
+        <a:lstStyle/>
+        <a:p>
+          <a:r>
+            <a:rPr lang="fr-FR"/>
+            <a:t>S’idendifier en tant que admin ou acheteur</a:t>
+          </a:r>
+          <a:endParaRPr lang="en-US"/>
+        </a:p>
+      </dgm:t>
+    </dgm:pt>
+    <dgm:pt modelId="{973790D7-CDFD-48D6-B8C7-ECA276A9A90C}" type="parTrans" cxnId="{41824821-2638-496E-93C7-D1AEE7B0B068}">
+      <dgm:prSet/>
+      <dgm:spPr/>
+      <dgm:t>
+        <a:bodyPr/>
+        <a:lstStyle/>
+        <a:p>
+          <a:endParaRPr lang="en-US"/>
+        </a:p>
+      </dgm:t>
+    </dgm:pt>
+    <dgm:pt modelId="{448F14DA-00AB-478A-A6AF-AA1A65D23FB0}" type="sibTrans" cxnId="{41824821-2638-496E-93C7-D1AEE7B0B068}">
+      <dgm:prSet/>
+      <dgm:spPr/>
+      <dgm:t>
+        <a:bodyPr/>
+        <a:lstStyle/>
+        <a:p>
+          <a:endParaRPr lang="en-US"/>
+        </a:p>
+      </dgm:t>
+    </dgm:pt>
+    <dgm:pt modelId="{0CE05E90-5103-4511-946A-CF07706F4A1E}">
+      <dgm:prSet/>
+      <dgm:spPr/>
+      <dgm:t>
+        <a:bodyPr/>
+        <a:lstStyle/>
+        <a:p>
+          <a:r>
+            <a:rPr lang="fr-FR"/>
+            <a:t>Ajouter des articles selon la catégorie au panier</a:t>
+          </a:r>
+          <a:endParaRPr lang="en-US"/>
+        </a:p>
+      </dgm:t>
+    </dgm:pt>
+    <dgm:pt modelId="{3A31487D-135A-4233-9E98-7AAA2B676893}" type="parTrans" cxnId="{3D235174-7518-4D1F-9F3A-626222681A39}">
+      <dgm:prSet/>
+      <dgm:spPr/>
+      <dgm:t>
+        <a:bodyPr/>
+        <a:lstStyle/>
+        <a:p>
+          <a:endParaRPr lang="en-US"/>
+        </a:p>
+      </dgm:t>
+    </dgm:pt>
+    <dgm:pt modelId="{3C39E7F7-DC79-41FE-9B22-53E2CD003B58}" type="sibTrans" cxnId="{3D235174-7518-4D1F-9F3A-626222681A39}">
+      <dgm:prSet/>
+      <dgm:spPr/>
+      <dgm:t>
+        <a:bodyPr/>
+        <a:lstStyle/>
+        <a:p>
+          <a:endParaRPr lang="en-US"/>
+        </a:p>
+      </dgm:t>
+    </dgm:pt>
+    <dgm:pt modelId="{C800D444-2563-43E3-B5C0-9310DCFF1448}">
+      <dgm:prSet/>
+      <dgm:spPr/>
+      <dgm:t>
+        <a:bodyPr/>
+        <a:lstStyle/>
+        <a:p>
+          <a:r>
+            <a:rPr lang="fr-FR"/>
+            <a:t>Acheter des articles</a:t>
+          </a:r>
+          <a:endParaRPr lang="en-US"/>
+        </a:p>
+      </dgm:t>
+    </dgm:pt>
+    <dgm:pt modelId="{01DDC2D5-D454-4444-9665-2388765D28D6}" type="parTrans" cxnId="{718EA058-FB8D-4C15-9913-65779AA3E22F}">
+      <dgm:prSet/>
+      <dgm:spPr/>
+      <dgm:t>
+        <a:bodyPr/>
+        <a:lstStyle/>
+        <a:p>
+          <a:endParaRPr lang="en-US"/>
+        </a:p>
+      </dgm:t>
+    </dgm:pt>
+    <dgm:pt modelId="{BB8307CA-2117-4978-8294-AC2D2AFC8107}" type="sibTrans" cxnId="{718EA058-FB8D-4C15-9913-65779AA3E22F}">
+      <dgm:prSet/>
+      <dgm:spPr/>
+      <dgm:t>
+        <a:bodyPr/>
+        <a:lstStyle/>
+        <a:p>
+          <a:endParaRPr lang="en-US"/>
+        </a:p>
+      </dgm:t>
+    </dgm:pt>
+    <dgm:pt modelId="{22F831C8-BBE3-4002-B85B-65123D97E7EB}">
+      <dgm:prSet/>
+      <dgm:spPr/>
+      <dgm:t>
+        <a:bodyPr/>
+        <a:lstStyle/>
+        <a:p>
+          <a:r>
+            <a:rPr lang="fr-FR"/>
+            <a:t>Ajouter ou supprimer des vendeurs ou acheteurs (admin)</a:t>
+          </a:r>
+          <a:endParaRPr lang="en-US"/>
+        </a:p>
+      </dgm:t>
+    </dgm:pt>
+    <dgm:pt modelId="{525CC70A-0AB2-4412-8385-6660A18D383B}" type="parTrans" cxnId="{F15E12BE-8C64-480E-90CC-537C91BEF788}">
+      <dgm:prSet/>
+      <dgm:spPr/>
+      <dgm:t>
+        <a:bodyPr/>
+        <a:lstStyle/>
+        <a:p>
+          <a:endParaRPr lang="en-US"/>
+        </a:p>
+      </dgm:t>
+    </dgm:pt>
+    <dgm:pt modelId="{1ADE4ACE-8642-4654-B22B-F5FE6812927F}" type="sibTrans" cxnId="{F15E12BE-8C64-480E-90CC-537C91BEF788}">
+      <dgm:prSet/>
+      <dgm:spPr/>
+      <dgm:t>
+        <a:bodyPr/>
+        <a:lstStyle/>
+        <a:p>
+          <a:endParaRPr lang="en-US"/>
+        </a:p>
+      </dgm:t>
+    </dgm:pt>
+    <dgm:pt modelId="{653B66CF-3AE4-45AB-804D-07D86B92ADC1}" type="pres">
+      <dgm:prSet presAssocID="{166A9602-4906-4618-9713-9EDF965FC919}" presName="root" presStyleCnt="0">
+        <dgm:presLayoutVars>
+          <dgm:dir/>
+          <dgm:resizeHandles val="exact"/>
+        </dgm:presLayoutVars>
+      </dgm:prSet>
+      <dgm:spPr/>
+    </dgm:pt>
+    <dgm:pt modelId="{0E9E79CC-102B-47CF-9CFD-010127B41E9C}" type="pres">
+      <dgm:prSet presAssocID="{77BB216B-4F93-499B-BD78-42B960CB5ECA}" presName="compNode" presStyleCnt="0"/>
+      <dgm:spPr/>
+    </dgm:pt>
+    <dgm:pt modelId="{5048B06A-AB0F-4D5A-886A-FBD525FF0C76}" type="pres">
+      <dgm:prSet presAssocID="{77BB216B-4F93-499B-BD78-42B960CB5ECA}" presName="bgRect" presStyleLbl="bgShp" presStyleIdx="0" presStyleCnt="5"/>
+      <dgm:spPr/>
+    </dgm:pt>
+    <dgm:pt modelId="{86CA32E7-D30D-4EDD-90F4-107305C05E1B}" type="pres">
+      <dgm:prSet presAssocID="{77BB216B-4F93-499B-BD78-42B960CB5ECA}" presName="iconRect" presStyleLbl="node1" presStyleIdx="0" presStyleCnt="5"/>
+      <dgm:spPr>
+        <a:blipFill>
+          <a:blip xmlns:r="http://schemas.openxmlformats.org/officeDocument/2006/relationships" r:embed="rId1">
+            <a:extLst>
+              <a:ext uri="{28A0092B-C50C-407E-A947-70E740481C1C}">
+                <a14:useLocalDpi xmlns:a14="http://schemas.microsoft.com/office/drawing/2010/main" val="0"/>
+              </a:ext>
+              <a:ext uri="{96DAC541-7B7A-43D3-8B79-37D633B846F1}">
+                <asvg:svgBlip xmlns:asvg="http://schemas.microsoft.com/office/drawing/2016/SVG/main" r:embed="rId2"/>
+              </a:ext>
+            </a:extLst>
+          </a:blip>
+          <a:stretch>
+            <a:fillRect/>
+          </a:stretch>
+        </a:blipFill>
+        <a:ln>
+          <a:noFill/>
+        </a:ln>
+      </dgm:spPr>
+      <dgm:extLst>
+        <a:ext uri="{E40237B7-FDA0-4F09-8148-C483321AD2D9}">
+          <dgm14:cNvPr xmlns:dgm14="http://schemas.microsoft.com/office/drawing/2010/diagram" id="0" name="" descr="Closed Book"/>
+        </a:ext>
+      </dgm:extLst>
+    </dgm:pt>
+    <dgm:pt modelId="{5BEDB154-33EE-49BC-A681-26DAC9A61994}" type="pres">
+      <dgm:prSet presAssocID="{77BB216B-4F93-499B-BD78-42B960CB5ECA}" presName="spaceRect" presStyleCnt="0"/>
+      <dgm:spPr/>
+    </dgm:pt>
+    <dgm:pt modelId="{C9CD7DE5-9AA3-4565-A88A-5CC53C6411D0}" type="pres">
+      <dgm:prSet presAssocID="{77BB216B-4F93-499B-BD78-42B960CB5ECA}" presName="parTx" presStyleLbl="revTx" presStyleIdx="0" presStyleCnt="5">
+        <dgm:presLayoutVars>
+          <dgm:chMax val="0"/>
+          <dgm:chPref val="0"/>
+        </dgm:presLayoutVars>
+      </dgm:prSet>
+      <dgm:spPr/>
+    </dgm:pt>
+    <dgm:pt modelId="{91B40925-7CA4-44A4-88D6-C7A998EB36C5}" type="pres">
+      <dgm:prSet presAssocID="{38A0DC2C-DB74-4F7A-A31B-17B05D25295A}" presName="sibTrans" presStyleCnt="0"/>
+      <dgm:spPr/>
+    </dgm:pt>
+    <dgm:pt modelId="{831128A4-99CE-4F7C-938B-A0309B5D5CC1}" type="pres">
+      <dgm:prSet presAssocID="{71E70F8C-4C58-4934-8F9F-C6BD8CB9DA64}" presName="compNode" presStyleCnt="0"/>
+      <dgm:spPr/>
+    </dgm:pt>
+    <dgm:pt modelId="{717F9EB8-8598-4B19-B36C-6D6297694348}" type="pres">
+      <dgm:prSet presAssocID="{71E70F8C-4C58-4934-8F9F-C6BD8CB9DA64}" presName="bgRect" presStyleLbl="bgShp" presStyleIdx="1" presStyleCnt="5"/>
+      <dgm:spPr/>
+    </dgm:pt>
+    <dgm:pt modelId="{54AC2ECB-BCF9-4F34-996C-A8F1DD750FAF}" type="pres">
+      <dgm:prSet presAssocID="{71E70F8C-4C58-4934-8F9F-C6BD8CB9DA64}" presName="iconRect" presStyleLbl="node1" presStyleIdx="1" presStyleCnt="5"/>
+      <dgm:spPr>
+        <a:blipFill>
+          <a:blip xmlns:r="http://schemas.openxmlformats.org/officeDocument/2006/relationships" r:embed="rId3">
+            <a:extLst>
+              <a:ext uri="{28A0092B-C50C-407E-A947-70E740481C1C}">
+                <a14:useLocalDpi xmlns:a14="http://schemas.microsoft.com/office/drawing/2010/main" val="0"/>
+              </a:ext>
+              <a:ext uri="{96DAC541-7B7A-43D3-8B79-37D633B846F1}">
+                <asvg:svgBlip xmlns:asvg="http://schemas.microsoft.com/office/drawing/2016/SVG/main" r:embed="rId4"/>
+              </a:ext>
+            </a:extLst>
+          </a:blip>
+          <a:stretch>
+            <a:fillRect/>
+          </a:stretch>
+        </a:blipFill>
+        <a:ln>
+          <a:noFill/>
+        </a:ln>
+      </dgm:spPr>
+      <dgm:extLst>
+        <a:ext uri="{E40237B7-FDA0-4F09-8148-C483321AD2D9}">
+          <dgm14:cNvPr xmlns:dgm14="http://schemas.microsoft.com/office/drawing/2010/diagram" id="0" name="" descr="Office Worker"/>
+        </a:ext>
+      </dgm:extLst>
+    </dgm:pt>
+    <dgm:pt modelId="{1E0A6274-A6B6-4394-B6B9-817366485B91}" type="pres">
+      <dgm:prSet presAssocID="{71E70F8C-4C58-4934-8F9F-C6BD8CB9DA64}" presName="spaceRect" presStyleCnt="0"/>
+      <dgm:spPr/>
+    </dgm:pt>
+    <dgm:pt modelId="{1623BC70-48A1-4199-8171-EDC592C22BDA}" type="pres">
+      <dgm:prSet presAssocID="{71E70F8C-4C58-4934-8F9F-C6BD8CB9DA64}" presName="parTx" presStyleLbl="revTx" presStyleIdx="1" presStyleCnt="5">
+        <dgm:presLayoutVars>
+          <dgm:chMax val="0"/>
+          <dgm:chPref val="0"/>
+        </dgm:presLayoutVars>
+      </dgm:prSet>
+      <dgm:spPr/>
+    </dgm:pt>
+    <dgm:pt modelId="{09C3139A-E229-4000-BD6A-09A996901073}" type="pres">
+      <dgm:prSet presAssocID="{448F14DA-00AB-478A-A6AF-AA1A65D23FB0}" presName="sibTrans" presStyleCnt="0"/>
+      <dgm:spPr/>
+    </dgm:pt>
+    <dgm:pt modelId="{79FD25A1-BE1C-46B8-8DE6-B26589EDD4C1}" type="pres">
+      <dgm:prSet presAssocID="{0CE05E90-5103-4511-946A-CF07706F4A1E}" presName="compNode" presStyleCnt="0"/>
+      <dgm:spPr/>
+    </dgm:pt>
+    <dgm:pt modelId="{2270EA6C-EB07-479A-9BD5-F5AAFEF331C3}" type="pres">
+      <dgm:prSet presAssocID="{0CE05E90-5103-4511-946A-CF07706F4A1E}" presName="bgRect" presStyleLbl="bgShp" presStyleIdx="2" presStyleCnt="5"/>
+      <dgm:spPr/>
+    </dgm:pt>
+    <dgm:pt modelId="{E7AE64F4-EBAA-4AFA-A9CB-1E3828559A07}" type="pres">
+      <dgm:prSet presAssocID="{0CE05E90-5103-4511-946A-CF07706F4A1E}" presName="iconRect" presStyleLbl="node1" presStyleIdx="2" presStyleCnt="5"/>
+      <dgm:spPr>
+        <a:blipFill>
+          <a:blip xmlns:r="http://schemas.openxmlformats.org/officeDocument/2006/relationships" r:embed="rId5">
+            <a:extLst>
+              <a:ext uri="{28A0092B-C50C-407E-A947-70E740481C1C}">
+                <a14:useLocalDpi xmlns:a14="http://schemas.microsoft.com/office/drawing/2010/main" val="0"/>
+              </a:ext>
+              <a:ext uri="{96DAC541-7B7A-43D3-8B79-37D633B846F1}">
+                <asvg:svgBlip xmlns:asvg="http://schemas.microsoft.com/office/drawing/2016/SVG/main" r:embed="rId6"/>
+              </a:ext>
+            </a:extLst>
+          </a:blip>
+          <a:stretch>
+            <a:fillRect/>
+          </a:stretch>
+        </a:blipFill>
+        <a:ln>
+          <a:noFill/>
+        </a:ln>
+      </dgm:spPr>
+      <dgm:extLst>
+        <a:ext uri="{E40237B7-FDA0-4F09-8148-C483321AD2D9}">
+          <dgm14:cNvPr xmlns:dgm14="http://schemas.microsoft.com/office/drawing/2010/diagram" id="0" name="" descr="Shopping basket"/>
+        </a:ext>
+      </dgm:extLst>
+    </dgm:pt>
+    <dgm:pt modelId="{D6C1556F-2442-4894-A270-F416B120854E}" type="pres">
+      <dgm:prSet presAssocID="{0CE05E90-5103-4511-946A-CF07706F4A1E}" presName="spaceRect" presStyleCnt="0"/>
+      <dgm:spPr/>
+    </dgm:pt>
+    <dgm:pt modelId="{62B15886-C922-45FA-8C69-8A2C65385708}" type="pres">
+      <dgm:prSet presAssocID="{0CE05E90-5103-4511-946A-CF07706F4A1E}" presName="parTx" presStyleLbl="revTx" presStyleIdx="2" presStyleCnt="5">
+        <dgm:presLayoutVars>
+          <dgm:chMax val="0"/>
+          <dgm:chPref val="0"/>
+        </dgm:presLayoutVars>
+      </dgm:prSet>
+      <dgm:spPr/>
+    </dgm:pt>
+    <dgm:pt modelId="{31BB364F-CD55-40F6-BB6B-C474FB6CE2E3}" type="pres">
+      <dgm:prSet presAssocID="{3C39E7F7-DC79-41FE-9B22-53E2CD003B58}" presName="sibTrans" presStyleCnt="0"/>
+      <dgm:spPr/>
+    </dgm:pt>
+    <dgm:pt modelId="{70F8EF31-5EBB-4E69-B4B8-3B7BB99FAD81}" type="pres">
+      <dgm:prSet presAssocID="{C800D444-2563-43E3-B5C0-9310DCFF1448}" presName="compNode" presStyleCnt="0"/>
+      <dgm:spPr/>
+    </dgm:pt>
+    <dgm:pt modelId="{EC90AE49-8233-4AB1-8B6E-AF77BF83A3CE}" type="pres">
+      <dgm:prSet presAssocID="{C800D444-2563-43E3-B5C0-9310DCFF1448}" presName="bgRect" presStyleLbl="bgShp" presStyleIdx="3" presStyleCnt="5"/>
+      <dgm:spPr/>
+    </dgm:pt>
+    <dgm:pt modelId="{A715CD0D-9FC6-43D8-9501-5395F2DB3ABE}" type="pres">
+      <dgm:prSet presAssocID="{C800D444-2563-43E3-B5C0-9310DCFF1448}" presName="iconRect" presStyleLbl="node1" presStyleIdx="3" presStyleCnt="5"/>
+      <dgm:spPr>
+        <a:blipFill>
+          <a:blip xmlns:r="http://schemas.openxmlformats.org/officeDocument/2006/relationships" r:embed="rId7">
+            <a:extLst>
+              <a:ext uri="{28A0092B-C50C-407E-A947-70E740481C1C}">
+                <a14:useLocalDpi xmlns:a14="http://schemas.microsoft.com/office/drawing/2010/main" val="0"/>
+              </a:ext>
+              <a:ext uri="{96DAC541-7B7A-43D3-8B79-37D633B846F1}">
+                <asvg:svgBlip xmlns:asvg="http://schemas.microsoft.com/office/drawing/2016/SVG/main" r:embed="rId8"/>
+              </a:ext>
+            </a:extLst>
+          </a:blip>
+          <a:stretch>
+            <a:fillRect/>
+          </a:stretch>
+        </a:blipFill>
+        <a:ln>
+          <a:noFill/>
+        </a:ln>
+      </dgm:spPr>
+      <dgm:extLst>
+        <a:ext uri="{E40237B7-FDA0-4F09-8148-C483321AD2D9}">
+          <dgm14:cNvPr xmlns:dgm14="http://schemas.microsoft.com/office/drawing/2010/diagram" id="0" name="" descr="Shopping cart"/>
+        </a:ext>
+      </dgm:extLst>
+    </dgm:pt>
+    <dgm:pt modelId="{6A95FFB5-6394-403C-AA92-2CEFF176EAA5}" type="pres">
+      <dgm:prSet presAssocID="{C800D444-2563-43E3-B5C0-9310DCFF1448}" presName="spaceRect" presStyleCnt="0"/>
+      <dgm:spPr/>
+    </dgm:pt>
+    <dgm:pt modelId="{72449409-C953-48E1-87B4-6B98C7AF71F3}" type="pres">
+      <dgm:prSet presAssocID="{C800D444-2563-43E3-B5C0-9310DCFF1448}" presName="parTx" presStyleLbl="revTx" presStyleIdx="3" presStyleCnt="5">
+        <dgm:presLayoutVars>
+          <dgm:chMax val="0"/>
+          <dgm:chPref val="0"/>
+        </dgm:presLayoutVars>
+      </dgm:prSet>
+      <dgm:spPr/>
+    </dgm:pt>
+    <dgm:pt modelId="{050AB12E-D482-487D-8397-964EE6FE6549}" type="pres">
+      <dgm:prSet presAssocID="{BB8307CA-2117-4978-8294-AC2D2AFC8107}" presName="sibTrans" presStyleCnt="0"/>
+      <dgm:spPr/>
+    </dgm:pt>
+    <dgm:pt modelId="{C9C87165-23DC-4D8A-B8EC-A4BAB341D317}" type="pres">
+      <dgm:prSet presAssocID="{22F831C8-BBE3-4002-B85B-65123D97E7EB}" presName="compNode" presStyleCnt="0"/>
+      <dgm:spPr/>
+    </dgm:pt>
+    <dgm:pt modelId="{DA8433F4-F680-4142-A962-D37DE41A4E20}" type="pres">
+      <dgm:prSet presAssocID="{22F831C8-BBE3-4002-B85B-65123D97E7EB}" presName="bgRect" presStyleLbl="bgShp" presStyleIdx="4" presStyleCnt="5"/>
+      <dgm:spPr/>
+    </dgm:pt>
+    <dgm:pt modelId="{562515B0-6E24-4661-8197-F32FE92FADEE}" type="pres">
+      <dgm:prSet presAssocID="{22F831C8-BBE3-4002-B85B-65123D97E7EB}" presName="iconRect" presStyleLbl="node1" presStyleIdx="4" presStyleCnt="5"/>
+      <dgm:spPr>
+        <a:blipFill>
+          <a:blip xmlns:r="http://schemas.openxmlformats.org/officeDocument/2006/relationships" r:embed="rId9">
+            <a:extLst>
+              <a:ext uri="{28A0092B-C50C-407E-A947-70E740481C1C}">
+                <a14:useLocalDpi xmlns:a14="http://schemas.microsoft.com/office/drawing/2010/main" val="0"/>
+              </a:ext>
+              <a:ext uri="{96DAC541-7B7A-43D3-8B79-37D633B846F1}">
+                <asvg:svgBlip xmlns:asvg="http://schemas.microsoft.com/office/drawing/2016/SVG/main" r:embed="rId10"/>
+              </a:ext>
+            </a:extLst>
+          </a:blip>
+          <a:stretch>
+            <a:fillRect/>
+          </a:stretch>
+        </a:blipFill>
+        <a:ln>
+          <a:noFill/>
+        </a:ln>
+      </dgm:spPr>
+      <dgm:extLst>
+        <a:ext uri="{E40237B7-FDA0-4F09-8148-C483321AD2D9}">
+          <dgm14:cNvPr xmlns:dgm14="http://schemas.microsoft.com/office/drawing/2010/diagram" id="0" name="" descr="Checkmark"/>
+        </a:ext>
+      </dgm:extLst>
+    </dgm:pt>
+    <dgm:pt modelId="{71DD1C19-7CA9-4735-A447-8F8EB3D2BD04}" type="pres">
+      <dgm:prSet presAssocID="{22F831C8-BBE3-4002-B85B-65123D97E7EB}" presName="spaceRect" presStyleCnt="0"/>
+      <dgm:spPr/>
+    </dgm:pt>
+    <dgm:pt modelId="{87636F8A-E25D-49BD-9038-1D7792EDCACA}" type="pres">
+      <dgm:prSet presAssocID="{22F831C8-BBE3-4002-B85B-65123D97E7EB}" presName="parTx" presStyleLbl="revTx" presStyleIdx="4" presStyleCnt="5">
+        <dgm:presLayoutVars>
+          <dgm:chMax val="0"/>
+          <dgm:chPref val="0"/>
+        </dgm:presLayoutVars>
+      </dgm:prSet>
+      <dgm:spPr/>
+    </dgm:pt>
+  </dgm:ptLst>
+  <dgm:cxnLst>
+    <dgm:cxn modelId="{1E944C05-2C12-4E50-AFF7-B8D4CC3C04B3}" type="presOf" srcId="{71E70F8C-4C58-4934-8F9F-C6BD8CB9DA64}" destId="{1623BC70-48A1-4199-8171-EDC592C22BDA}" srcOrd="0" destOrd="0" presId="urn:microsoft.com/office/officeart/2018/2/layout/IconVerticalSolidList"/>
+    <dgm:cxn modelId="{41824821-2638-496E-93C7-D1AEE7B0B068}" srcId="{166A9602-4906-4618-9713-9EDF965FC919}" destId="{71E70F8C-4C58-4934-8F9F-C6BD8CB9DA64}" srcOrd="1" destOrd="0" parTransId="{973790D7-CDFD-48D6-B8C7-ECA276A9A90C}" sibTransId="{448F14DA-00AB-478A-A6AF-AA1A65D23FB0}"/>
+    <dgm:cxn modelId="{34751051-95F3-4B30-B2A2-2FB70B92903D}" type="presOf" srcId="{C800D444-2563-43E3-B5C0-9310DCFF1448}" destId="{72449409-C953-48E1-87B4-6B98C7AF71F3}" srcOrd="0" destOrd="0" presId="urn:microsoft.com/office/officeart/2018/2/layout/IconVerticalSolidList"/>
+    <dgm:cxn modelId="{3D235174-7518-4D1F-9F3A-626222681A39}" srcId="{166A9602-4906-4618-9713-9EDF965FC919}" destId="{0CE05E90-5103-4511-946A-CF07706F4A1E}" srcOrd="2" destOrd="0" parTransId="{3A31487D-135A-4233-9E98-7AAA2B676893}" sibTransId="{3C39E7F7-DC79-41FE-9B22-53E2CD003B58}"/>
+    <dgm:cxn modelId="{718EA058-FB8D-4C15-9913-65779AA3E22F}" srcId="{166A9602-4906-4618-9713-9EDF965FC919}" destId="{C800D444-2563-43E3-B5C0-9310DCFF1448}" srcOrd="3" destOrd="0" parTransId="{01DDC2D5-D454-4444-9665-2388765D28D6}" sibTransId="{BB8307CA-2117-4978-8294-AC2D2AFC8107}"/>
+    <dgm:cxn modelId="{A6F1A8A8-FA70-46D0-A5D1-0242C527E199}" type="presOf" srcId="{166A9602-4906-4618-9713-9EDF965FC919}" destId="{653B66CF-3AE4-45AB-804D-07D86B92ADC1}" srcOrd="0" destOrd="0" presId="urn:microsoft.com/office/officeart/2018/2/layout/IconVerticalSolidList"/>
+    <dgm:cxn modelId="{43252EAA-3C33-4DD7-B274-9F78B818BDD8}" type="presOf" srcId="{22F831C8-BBE3-4002-B85B-65123D97E7EB}" destId="{87636F8A-E25D-49BD-9038-1D7792EDCACA}" srcOrd="0" destOrd="0" presId="urn:microsoft.com/office/officeart/2018/2/layout/IconVerticalSolidList"/>
+    <dgm:cxn modelId="{F77C34B2-3FC5-4DB8-A5BC-54DF2B4BF4DC}" srcId="{166A9602-4906-4618-9713-9EDF965FC919}" destId="{77BB216B-4F93-499B-BD78-42B960CB5ECA}" srcOrd="0" destOrd="0" parTransId="{4C48BA0E-93DB-42E1-8F4F-5D213E58EA85}" sibTransId="{38A0DC2C-DB74-4F7A-A31B-17B05D25295A}"/>
+    <dgm:cxn modelId="{F15E12BE-8C64-480E-90CC-537C91BEF788}" srcId="{166A9602-4906-4618-9713-9EDF965FC919}" destId="{22F831C8-BBE3-4002-B85B-65123D97E7EB}" srcOrd="4" destOrd="0" parTransId="{525CC70A-0AB2-4412-8385-6660A18D383B}" sibTransId="{1ADE4ACE-8642-4654-B22B-F5FE6812927F}"/>
+    <dgm:cxn modelId="{1965E6E2-BB88-435A-BC1E-60DDFF425C56}" type="presOf" srcId="{0CE05E90-5103-4511-946A-CF07706F4A1E}" destId="{62B15886-C922-45FA-8C69-8A2C65385708}" srcOrd="0" destOrd="0" presId="urn:microsoft.com/office/officeart/2018/2/layout/IconVerticalSolidList"/>
+    <dgm:cxn modelId="{F2296BFF-F35D-4FED-A5DB-C44D8C046430}" type="presOf" srcId="{77BB216B-4F93-499B-BD78-42B960CB5ECA}" destId="{C9CD7DE5-9AA3-4565-A88A-5CC53C6411D0}" srcOrd="0" destOrd="0" presId="urn:microsoft.com/office/officeart/2018/2/layout/IconVerticalSolidList"/>
+    <dgm:cxn modelId="{7F2ADAF9-612E-46C8-9494-0CF1A555E3EF}" type="presParOf" srcId="{653B66CF-3AE4-45AB-804D-07D86B92ADC1}" destId="{0E9E79CC-102B-47CF-9CFD-010127B41E9C}" srcOrd="0" destOrd="0" presId="urn:microsoft.com/office/officeart/2018/2/layout/IconVerticalSolidList"/>
+    <dgm:cxn modelId="{95061108-C715-4C82-BB46-0C5FDBCB2689}" type="presParOf" srcId="{0E9E79CC-102B-47CF-9CFD-010127B41E9C}" destId="{5048B06A-AB0F-4D5A-886A-FBD525FF0C76}" srcOrd="0" destOrd="0" presId="urn:microsoft.com/office/officeart/2018/2/layout/IconVerticalSolidList"/>
+    <dgm:cxn modelId="{2A9B62AF-DD4C-4B44-B925-FBB511244C01}" type="presParOf" srcId="{0E9E79CC-102B-47CF-9CFD-010127B41E9C}" destId="{86CA32E7-D30D-4EDD-90F4-107305C05E1B}" srcOrd="1" destOrd="0" presId="urn:microsoft.com/office/officeart/2018/2/layout/IconVerticalSolidList"/>
+    <dgm:cxn modelId="{CDFCA5A4-E4E5-4B92-AA60-66EF0703B217}" type="presParOf" srcId="{0E9E79CC-102B-47CF-9CFD-010127B41E9C}" destId="{5BEDB154-33EE-49BC-A681-26DAC9A61994}" srcOrd="2" destOrd="0" presId="urn:microsoft.com/office/officeart/2018/2/layout/IconVerticalSolidList"/>
+    <dgm:cxn modelId="{DF06CD3E-359B-4960-90A9-8EA6EC859F6B}" type="presParOf" srcId="{0E9E79CC-102B-47CF-9CFD-010127B41E9C}" destId="{C9CD7DE5-9AA3-4565-A88A-5CC53C6411D0}" srcOrd="3" destOrd="0" presId="urn:microsoft.com/office/officeart/2018/2/layout/IconVerticalSolidList"/>
+    <dgm:cxn modelId="{031FEDF5-9081-495A-AE6F-1CE4E7CFB7E9}" type="presParOf" srcId="{653B66CF-3AE4-45AB-804D-07D86B92ADC1}" destId="{91B40925-7CA4-44A4-88D6-C7A998EB36C5}" srcOrd="1" destOrd="0" presId="urn:microsoft.com/office/officeart/2018/2/layout/IconVerticalSolidList"/>
+    <dgm:cxn modelId="{AE484805-0C7F-419A-B69A-150251D231EA}" type="presParOf" srcId="{653B66CF-3AE4-45AB-804D-07D86B92ADC1}" destId="{831128A4-99CE-4F7C-938B-A0309B5D5CC1}" srcOrd="2" destOrd="0" presId="urn:microsoft.com/office/officeart/2018/2/layout/IconVerticalSolidList"/>
+    <dgm:cxn modelId="{1D965DDB-B6D3-48CD-9412-800F0D98D1A6}" type="presParOf" srcId="{831128A4-99CE-4F7C-938B-A0309B5D5CC1}" destId="{717F9EB8-8598-4B19-B36C-6D6297694348}" srcOrd="0" destOrd="0" presId="urn:microsoft.com/office/officeart/2018/2/layout/IconVerticalSolidList"/>
+    <dgm:cxn modelId="{5BDFA9FC-0793-42AC-9E66-E9BE5D9B82B1}" type="presParOf" srcId="{831128A4-99CE-4F7C-938B-A0309B5D5CC1}" destId="{54AC2ECB-BCF9-4F34-996C-A8F1DD750FAF}" srcOrd="1" destOrd="0" presId="urn:microsoft.com/office/officeart/2018/2/layout/IconVerticalSolidList"/>
+    <dgm:cxn modelId="{256FD10C-74CB-49C1-BD0B-27E3744F09D3}" type="presParOf" srcId="{831128A4-99CE-4F7C-938B-A0309B5D5CC1}" destId="{1E0A6274-A6B6-4394-B6B9-817366485B91}" srcOrd="2" destOrd="0" presId="urn:microsoft.com/office/officeart/2018/2/layout/IconVerticalSolidList"/>
+    <dgm:cxn modelId="{8061150A-062C-47CC-9DF7-1B9141351E69}" type="presParOf" srcId="{831128A4-99CE-4F7C-938B-A0309B5D5CC1}" destId="{1623BC70-48A1-4199-8171-EDC592C22BDA}" srcOrd="3" destOrd="0" presId="urn:microsoft.com/office/officeart/2018/2/layout/IconVerticalSolidList"/>
+    <dgm:cxn modelId="{5D698A8E-7EBE-4EC8-B61F-5C180F9E151F}" type="presParOf" srcId="{653B66CF-3AE4-45AB-804D-07D86B92ADC1}" destId="{09C3139A-E229-4000-BD6A-09A996901073}" srcOrd="3" destOrd="0" presId="urn:microsoft.com/office/officeart/2018/2/layout/IconVerticalSolidList"/>
+    <dgm:cxn modelId="{FEA11292-F9F3-4E1C-9E75-97B85BC35B71}" type="presParOf" srcId="{653B66CF-3AE4-45AB-804D-07D86B92ADC1}" destId="{79FD25A1-BE1C-46B8-8DE6-B26589EDD4C1}" srcOrd="4" destOrd="0" presId="urn:microsoft.com/office/officeart/2018/2/layout/IconVerticalSolidList"/>
+    <dgm:cxn modelId="{816BFEB5-F3A7-474F-84FC-98ED77ED31A1}" type="presParOf" srcId="{79FD25A1-BE1C-46B8-8DE6-B26589EDD4C1}" destId="{2270EA6C-EB07-479A-9BD5-F5AAFEF331C3}" srcOrd="0" destOrd="0" presId="urn:microsoft.com/office/officeart/2018/2/layout/IconVerticalSolidList"/>
+    <dgm:cxn modelId="{D07C3D89-A01A-4A6C-B5D8-795B2A372946}" type="presParOf" srcId="{79FD25A1-BE1C-46B8-8DE6-B26589EDD4C1}" destId="{E7AE64F4-EBAA-4AFA-A9CB-1E3828559A07}" srcOrd="1" destOrd="0" presId="urn:microsoft.com/office/officeart/2018/2/layout/IconVerticalSolidList"/>
+    <dgm:cxn modelId="{B66F2185-B0CE-4DDE-96F2-758B1D7B71D7}" type="presParOf" srcId="{79FD25A1-BE1C-46B8-8DE6-B26589EDD4C1}" destId="{D6C1556F-2442-4894-A270-F416B120854E}" srcOrd="2" destOrd="0" presId="urn:microsoft.com/office/officeart/2018/2/layout/IconVerticalSolidList"/>
+    <dgm:cxn modelId="{47C3FC26-F7DD-4A6B-B95C-596203C10BDA}" type="presParOf" srcId="{79FD25A1-BE1C-46B8-8DE6-B26589EDD4C1}" destId="{62B15886-C922-45FA-8C69-8A2C65385708}" srcOrd="3" destOrd="0" presId="urn:microsoft.com/office/officeart/2018/2/layout/IconVerticalSolidList"/>
+    <dgm:cxn modelId="{318E8718-F773-4443-8DA5-F9AA9B916142}" type="presParOf" srcId="{653B66CF-3AE4-45AB-804D-07D86B92ADC1}" destId="{31BB364F-CD55-40F6-BB6B-C474FB6CE2E3}" srcOrd="5" destOrd="0" presId="urn:microsoft.com/office/officeart/2018/2/layout/IconVerticalSolidList"/>
+    <dgm:cxn modelId="{B2EAFBA7-3544-43B3-A99D-BCA4399B96E2}" type="presParOf" srcId="{653B66CF-3AE4-45AB-804D-07D86B92ADC1}" destId="{70F8EF31-5EBB-4E69-B4B8-3B7BB99FAD81}" srcOrd="6" destOrd="0" presId="urn:microsoft.com/office/officeart/2018/2/layout/IconVerticalSolidList"/>
+    <dgm:cxn modelId="{C86AC958-FEFE-4EF1-A0F3-FA4A20CB3324}" type="presParOf" srcId="{70F8EF31-5EBB-4E69-B4B8-3B7BB99FAD81}" destId="{EC90AE49-8233-4AB1-8B6E-AF77BF83A3CE}" srcOrd="0" destOrd="0" presId="urn:microsoft.com/office/officeart/2018/2/layout/IconVerticalSolidList"/>
+    <dgm:cxn modelId="{B24BB9FE-3CD5-4698-B430-7A348387D02E}" type="presParOf" srcId="{70F8EF31-5EBB-4E69-B4B8-3B7BB99FAD81}" destId="{A715CD0D-9FC6-43D8-9501-5395F2DB3ABE}" srcOrd="1" destOrd="0" presId="urn:microsoft.com/office/officeart/2018/2/layout/IconVerticalSolidList"/>
+    <dgm:cxn modelId="{2E2B31F7-77A0-43AA-A7F5-69D1EC854507}" type="presParOf" srcId="{70F8EF31-5EBB-4E69-B4B8-3B7BB99FAD81}" destId="{6A95FFB5-6394-403C-AA92-2CEFF176EAA5}" srcOrd="2" destOrd="0" presId="urn:microsoft.com/office/officeart/2018/2/layout/IconVerticalSolidList"/>
+    <dgm:cxn modelId="{82B1A9D1-7B3B-44C0-AC92-DC5B7EFF8BC6}" type="presParOf" srcId="{70F8EF31-5EBB-4E69-B4B8-3B7BB99FAD81}" destId="{72449409-C953-48E1-87B4-6B98C7AF71F3}" srcOrd="3" destOrd="0" presId="urn:microsoft.com/office/officeart/2018/2/layout/IconVerticalSolidList"/>
+    <dgm:cxn modelId="{3BBE75A3-9978-426C-9155-F969A6E4B522}" type="presParOf" srcId="{653B66CF-3AE4-45AB-804D-07D86B92ADC1}" destId="{050AB12E-D482-487D-8397-964EE6FE6549}" srcOrd="7" destOrd="0" presId="urn:microsoft.com/office/officeart/2018/2/layout/IconVerticalSolidList"/>
+    <dgm:cxn modelId="{0D7DFCE4-D7EE-48A3-8815-0F7977D9E54A}" type="presParOf" srcId="{653B66CF-3AE4-45AB-804D-07D86B92ADC1}" destId="{C9C87165-23DC-4D8A-B8EC-A4BAB341D317}" srcOrd="8" destOrd="0" presId="urn:microsoft.com/office/officeart/2018/2/layout/IconVerticalSolidList"/>
+    <dgm:cxn modelId="{DCF198CD-F067-44B5-A0BC-F2E262DFDD81}" type="presParOf" srcId="{C9C87165-23DC-4D8A-B8EC-A4BAB341D317}" destId="{DA8433F4-F680-4142-A962-D37DE41A4E20}" srcOrd="0" destOrd="0" presId="urn:microsoft.com/office/officeart/2018/2/layout/IconVerticalSolidList"/>
+    <dgm:cxn modelId="{938100A0-F91E-42C7-8397-9F16974829EC}" type="presParOf" srcId="{C9C87165-23DC-4D8A-B8EC-A4BAB341D317}" destId="{562515B0-6E24-4661-8197-F32FE92FADEE}" srcOrd="1" destOrd="0" presId="urn:microsoft.com/office/officeart/2018/2/layout/IconVerticalSolidList"/>
+    <dgm:cxn modelId="{58F752AE-92EB-4858-80C3-C2878462CB58}" type="presParOf" srcId="{C9C87165-23DC-4D8A-B8EC-A4BAB341D317}" destId="{71DD1C19-7CA9-4735-A447-8F8EB3D2BD04}" srcOrd="2" destOrd="0" presId="urn:microsoft.com/office/officeart/2018/2/layout/IconVerticalSolidList"/>
+    <dgm:cxn modelId="{5C7DA46C-C8C1-4AA3-8874-E50E5EA3A6B0}" type="presParOf" srcId="{C9C87165-23DC-4D8A-B8EC-A4BAB341D317}" destId="{87636F8A-E25D-49BD-9038-1D7792EDCACA}" srcOrd="3" destOrd="0" presId="urn:microsoft.com/office/officeart/2018/2/layout/IconVerticalSolidList"/>
+  </dgm:cxnLst>
+  <dgm:bg/>
+  <dgm:whole/>
+  <dgm:extLst>
+    <a:ext uri="http://schemas.microsoft.com/office/drawing/2008/diagram">
+      <dsp:dataModelExt xmlns:dsp="http://schemas.microsoft.com/office/drawing/2008/diagram" relId="rId6" minVer="http://schemas.openxmlformats.org/drawingml/2006/diagram"/>
+    </a:ext>
+  </dgm:extLst>
+</dgm:dataModel>
+</file>
+
+<file path=ppt/diagrams/drawing1.xml><?xml version="1.0" encoding="utf-8"?>
+<dsp:drawing xmlns:dgm="http://schemas.openxmlformats.org/drawingml/2006/diagram" xmlns:dsp="http://schemas.microsoft.com/office/drawing/2008/diagram" xmlns:a="http://schemas.openxmlformats.org/drawingml/2006/main">
+  <dsp:spTree>
+    <dsp:nvGrpSpPr>
+      <dsp:cNvPr id="0" name=""/>
+      <dsp:cNvGrpSpPr/>
+    </dsp:nvGrpSpPr>
+    <dsp:grpSpPr/>
+    <dsp:sp modelId="{1E024714-B562-4D1B-B545-673957C4F4B3}">
+      <dsp:nvSpPr>
+        <dsp:cNvPr id="0" name=""/>
+        <dsp:cNvSpPr/>
+      </dsp:nvSpPr>
+      <dsp:spPr>
+        <a:xfrm>
+          <a:off x="0" y="642"/>
+          <a:ext cx="6832212" cy="1503855"/>
+        </a:xfrm>
+        <a:prstGeom prst="roundRect">
+          <a:avLst>
+            <a:gd name="adj" fmla="val 10000"/>
+          </a:avLst>
+        </a:prstGeom>
+        <a:solidFill>
+          <a:schemeClr val="accent2">
+            <a:hueOff val="0"/>
+            <a:satOff val="0"/>
+            <a:lumOff val="0"/>
+            <a:alphaOff val="0"/>
+          </a:schemeClr>
+        </a:solidFill>
+        <a:ln>
+          <a:noFill/>
+        </a:ln>
+        <a:effectLst/>
+      </dsp:spPr>
+      <dsp:style>
+        <a:lnRef idx="0">
+          <a:scrgbClr r="0" g="0" b="0"/>
+        </a:lnRef>
+        <a:fillRef idx="1">
+          <a:scrgbClr r="0" g="0" b="0"/>
+        </a:fillRef>
+        <a:effectRef idx="0">
+          <a:scrgbClr r="0" g="0" b="0"/>
+        </a:effectRef>
+        <a:fontRef idx="minor"/>
+      </dsp:style>
+    </dsp:sp>
+    <dsp:sp modelId="{D3D811B3-8529-46C3-AF49-078AF3AC1E78}">
+      <dsp:nvSpPr>
+        <dsp:cNvPr id="0" name=""/>
+        <dsp:cNvSpPr/>
+      </dsp:nvSpPr>
+      <dsp:spPr>
+        <a:xfrm>
+          <a:off x="454916" y="339010"/>
+          <a:ext cx="827120" cy="827120"/>
+        </a:xfrm>
+        <a:prstGeom prst="rect">
+          <a:avLst/>
+        </a:prstGeom>
+        <a:blipFill>
+          <a:blip xmlns:r="http://schemas.openxmlformats.org/officeDocument/2006/relationships" r:embed="rId1">
+            <a:extLst>
+              <a:ext uri="{28A0092B-C50C-407E-A947-70E740481C1C}">
+                <a14:useLocalDpi xmlns:a14="http://schemas.microsoft.com/office/drawing/2010/main" val="0"/>
+              </a:ext>
+              <a:ext uri="{96DAC541-7B7A-43D3-8B79-37D633B846F1}">
+                <asvg:svgBlip xmlns:asvg="http://schemas.microsoft.com/office/drawing/2016/SVG/main" r:embed="rId2"/>
+              </a:ext>
+            </a:extLst>
+          </a:blip>
+          <a:stretch>
+            <a:fillRect/>
+          </a:stretch>
+        </a:blipFill>
+        <a:ln w="15875" cap="rnd" cmpd="sng" algn="ctr">
+          <a:noFill/>
+          <a:prstDash val="solid"/>
+        </a:ln>
+        <a:effectLst/>
+      </dsp:spPr>
+      <dsp:style>
+        <a:lnRef idx="2">
+          <a:scrgbClr r="0" g="0" b="0"/>
+        </a:lnRef>
+        <a:fillRef idx="1">
+          <a:scrgbClr r="0" g="0" b="0"/>
+        </a:fillRef>
+        <a:effectRef idx="0">
+          <a:scrgbClr r="0" g="0" b="0"/>
+        </a:effectRef>
+        <a:fontRef idx="minor">
+          <a:schemeClr val="lt1"/>
+        </a:fontRef>
+      </dsp:style>
+    </dsp:sp>
+    <dsp:sp modelId="{C1F26EFE-0EF6-42E1-A1A6-BAA828572EB7}">
+      <dsp:nvSpPr>
+        <dsp:cNvPr id="0" name=""/>
+        <dsp:cNvSpPr/>
+      </dsp:nvSpPr>
+      <dsp:spPr>
+        <a:xfrm>
+          <a:off x="1736952" y="642"/>
+          <a:ext cx="5095259" cy="1503855"/>
+        </a:xfrm>
+        <a:prstGeom prst="rect">
+          <a:avLst/>
+        </a:prstGeom>
+        <a:noFill/>
+        <a:ln>
+          <a:noFill/>
+        </a:ln>
+        <a:effectLst/>
+      </dsp:spPr>
+      <dsp:style>
+        <a:lnRef idx="0">
+          <a:scrgbClr r="0" g="0" b="0"/>
+        </a:lnRef>
+        <a:fillRef idx="0">
+          <a:scrgbClr r="0" g="0" b="0"/>
+        </a:fillRef>
+        <a:effectRef idx="0">
+          <a:scrgbClr r="0" g="0" b="0"/>
+        </a:effectRef>
+        <a:fontRef idx="minor"/>
+      </dsp:style>
+      <dsp:txBody>
+        <a:bodyPr spcFirstLastPara="0" vert="horz" wrap="square" lIns="159158" tIns="159158" rIns="159158" bIns="159158" numCol="1" spcCol="1270" anchor="ctr" anchorCtr="0">
+          <a:noAutofit/>
+        </a:bodyPr>
+        <a:lstStyle/>
+        <a:p>
+          <a:pPr marL="0" lvl="0" indent="0" algn="l" defTabSz="977900">
+            <a:lnSpc>
+              <a:spcPct val="90000"/>
+            </a:lnSpc>
+            <a:spcBef>
+              <a:spcPct val="0"/>
+            </a:spcBef>
+            <a:spcAft>
+              <a:spcPct val="35000"/>
+            </a:spcAft>
+            <a:buNone/>
+          </a:pPr>
+          <a:r>
+            <a:rPr lang="fr-FR" sz="2200" kern="1200"/>
+            <a:t>Utilisation de PHP et SQL pour gérer les bases de données (récupérer les informations ou en ajouter)</a:t>
+          </a:r>
+          <a:endParaRPr lang="en-US" sz="2200" kern="1200"/>
+        </a:p>
+      </dsp:txBody>
+      <dsp:txXfrm>
+        <a:off x="1736952" y="642"/>
+        <a:ext cx="5095259" cy="1503855"/>
+      </dsp:txXfrm>
+    </dsp:sp>
+    <dsp:sp modelId="{B3AE950E-2C53-464B-90F6-FB471B4949D0}">
+      <dsp:nvSpPr>
+        <dsp:cNvPr id="0" name=""/>
+        <dsp:cNvSpPr/>
+      </dsp:nvSpPr>
+      <dsp:spPr>
+        <a:xfrm>
+          <a:off x="0" y="1880461"/>
+          <a:ext cx="6832212" cy="1503855"/>
+        </a:xfrm>
+        <a:prstGeom prst="roundRect">
+          <a:avLst>
+            <a:gd name="adj" fmla="val 10000"/>
+          </a:avLst>
+        </a:prstGeom>
+        <a:solidFill>
+          <a:schemeClr val="accent3">
+            <a:hueOff val="0"/>
+            <a:satOff val="0"/>
+            <a:lumOff val="0"/>
+            <a:alphaOff val="0"/>
+          </a:schemeClr>
+        </a:solidFill>
+        <a:ln>
+          <a:noFill/>
+        </a:ln>
+        <a:effectLst/>
+      </dsp:spPr>
+      <dsp:style>
+        <a:lnRef idx="0">
+          <a:scrgbClr r="0" g="0" b="0"/>
+        </a:lnRef>
+        <a:fillRef idx="1">
+          <a:scrgbClr r="0" g="0" b="0"/>
+        </a:fillRef>
+        <a:effectRef idx="0">
+          <a:scrgbClr r="0" g="0" b="0"/>
+        </a:effectRef>
+        <a:fontRef idx="minor"/>
+      </dsp:style>
+    </dsp:sp>
+    <dsp:sp modelId="{A15FF3B1-C65B-4900-9885-28BF35CB5CC0}">
+      <dsp:nvSpPr>
+        <dsp:cNvPr id="0" name=""/>
+        <dsp:cNvSpPr/>
+      </dsp:nvSpPr>
+      <dsp:spPr>
+        <a:xfrm>
+          <a:off x="454916" y="2218829"/>
+          <a:ext cx="827120" cy="827120"/>
+        </a:xfrm>
+        <a:prstGeom prst="rect">
+          <a:avLst/>
+        </a:prstGeom>
+        <a:blipFill>
+          <a:blip xmlns:r="http://schemas.openxmlformats.org/officeDocument/2006/relationships" r:embed="rId3">
+            <a:extLst>
+              <a:ext uri="{28A0092B-C50C-407E-A947-70E740481C1C}">
+                <a14:useLocalDpi xmlns:a14="http://schemas.microsoft.com/office/drawing/2010/main" val="0"/>
+              </a:ext>
+              <a:ext uri="{96DAC541-7B7A-43D3-8B79-37D633B846F1}">
+                <asvg:svgBlip xmlns:asvg="http://schemas.microsoft.com/office/drawing/2016/SVG/main" r:embed="rId4"/>
+              </a:ext>
+            </a:extLst>
+          </a:blip>
+          <a:stretch>
+            <a:fillRect/>
+          </a:stretch>
+        </a:blipFill>
+        <a:ln w="15875" cap="rnd" cmpd="sng" algn="ctr">
+          <a:noFill/>
+          <a:prstDash val="solid"/>
+        </a:ln>
+        <a:effectLst/>
+      </dsp:spPr>
+      <dsp:style>
+        <a:lnRef idx="2">
+          <a:scrgbClr r="0" g="0" b="0"/>
+        </a:lnRef>
+        <a:fillRef idx="1">
+          <a:scrgbClr r="0" g="0" b="0"/>
+        </a:fillRef>
+        <a:effectRef idx="0">
+          <a:scrgbClr r="0" g="0" b="0"/>
+        </a:effectRef>
+        <a:fontRef idx="minor">
+          <a:schemeClr val="lt1"/>
+        </a:fontRef>
+      </dsp:style>
+    </dsp:sp>
+    <dsp:sp modelId="{DD6BCAA6-3BE9-4B60-A010-78846F262C93}">
+      <dsp:nvSpPr>
+        <dsp:cNvPr id="0" name=""/>
+        <dsp:cNvSpPr/>
+      </dsp:nvSpPr>
+      <dsp:spPr>
+        <a:xfrm>
+          <a:off x="1736952" y="1880461"/>
+          <a:ext cx="5095259" cy="1503855"/>
+        </a:xfrm>
+        <a:prstGeom prst="rect">
+          <a:avLst/>
+        </a:prstGeom>
+        <a:noFill/>
+        <a:ln>
+          <a:noFill/>
+        </a:ln>
+        <a:effectLst/>
+      </dsp:spPr>
+      <dsp:style>
+        <a:lnRef idx="0">
+          <a:scrgbClr r="0" g="0" b="0"/>
+        </a:lnRef>
+        <a:fillRef idx="0">
+          <a:scrgbClr r="0" g="0" b="0"/>
+        </a:fillRef>
+        <a:effectRef idx="0">
+          <a:scrgbClr r="0" g="0" b="0"/>
+        </a:effectRef>
+        <a:fontRef idx="minor"/>
+      </dsp:style>
+      <dsp:txBody>
+        <a:bodyPr spcFirstLastPara="0" vert="horz" wrap="square" lIns="159158" tIns="159158" rIns="159158" bIns="159158" numCol="1" spcCol="1270" anchor="ctr" anchorCtr="0">
+          <a:noAutofit/>
+        </a:bodyPr>
+        <a:lstStyle/>
+        <a:p>
+          <a:pPr marL="0" lvl="0" indent="0" algn="l" defTabSz="977900">
+            <a:lnSpc>
+              <a:spcPct val="90000"/>
+            </a:lnSpc>
+            <a:spcBef>
+              <a:spcPct val="0"/>
+            </a:spcBef>
+            <a:spcAft>
+              <a:spcPct val="35000"/>
+            </a:spcAft>
+            <a:buNone/>
+          </a:pPr>
+          <a:r>
+            <a:rPr lang="fr-FR" sz="2200" kern="1200"/>
+            <a:t>Utilisation de HTML</a:t>
+          </a:r>
+          <a:endParaRPr lang="en-US" sz="2200" kern="1200"/>
+        </a:p>
+      </dsp:txBody>
+      <dsp:txXfrm>
+        <a:off x="1736952" y="1880461"/>
+        <a:ext cx="5095259" cy="1503855"/>
+      </dsp:txXfrm>
+    </dsp:sp>
+    <dsp:sp modelId="{ABF42433-1110-4FE3-B6E3-53C9BD714D13}">
+      <dsp:nvSpPr>
+        <dsp:cNvPr id="0" name=""/>
+        <dsp:cNvSpPr/>
+      </dsp:nvSpPr>
+      <dsp:spPr>
+        <a:xfrm>
+          <a:off x="0" y="3760280"/>
+          <a:ext cx="6832212" cy="1503855"/>
+        </a:xfrm>
+        <a:prstGeom prst="roundRect">
+          <a:avLst>
+            <a:gd name="adj" fmla="val 10000"/>
+          </a:avLst>
+        </a:prstGeom>
+        <a:solidFill>
+          <a:schemeClr val="accent4">
+            <a:hueOff val="0"/>
+            <a:satOff val="0"/>
+            <a:lumOff val="0"/>
+            <a:alphaOff val="0"/>
+          </a:schemeClr>
+        </a:solidFill>
+        <a:ln>
+          <a:noFill/>
+        </a:ln>
+        <a:effectLst/>
+      </dsp:spPr>
+      <dsp:style>
+        <a:lnRef idx="0">
+          <a:scrgbClr r="0" g="0" b="0"/>
+        </a:lnRef>
+        <a:fillRef idx="1">
+          <a:scrgbClr r="0" g="0" b="0"/>
+        </a:fillRef>
+        <a:effectRef idx="0">
+          <a:scrgbClr r="0" g="0" b="0"/>
+        </a:effectRef>
+        <a:fontRef idx="minor"/>
+      </dsp:style>
+    </dsp:sp>
+    <dsp:sp modelId="{957EEC00-7E44-4FE7-A762-CF23527C8F9A}">
+      <dsp:nvSpPr>
+        <dsp:cNvPr id="0" name=""/>
+        <dsp:cNvSpPr/>
+      </dsp:nvSpPr>
+      <dsp:spPr>
+        <a:xfrm>
+          <a:off x="454916" y="4098648"/>
+          <a:ext cx="827120" cy="827120"/>
+        </a:xfrm>
+        <a:prstGeom prst="rect">
+          <a:avLst/>
+        </a:prstGeom>
+        <a:blipFill>
+          <a:blip xmlns:r="http://schemas.openxmlformats.org/officeDocument/2006/relationships" r:embed="rId5">
+            <a:extLst>
+              <a:ext uri="{28A0092B-C50C-407E-A947-70E740481C1C}">
+                <a14:useLocalDpi xmlns:a14="http://schemas.microsoft.com/office/drawing/2010/main" val="0"/>
+              </a:ext>
+              <a:ext uri="{96DAC541-7B7A-43D3-8B79-37D633B846F1}">
+                <asvg:svgBlip xmlns:asvg="http://schemas.microsoft.com/office/drawing/2016/SVG/main" r:embed="rId6"/>
+              </a:ext>
+            </a:extLst>
+          </a:blip>
+          <a:stretch>
+            <a:fillRect/>
+          </a:stretch>
+        </a:blipFill>
+        <a:ln w="15875" cap="rnd" cmpd="sng" algn="ctr">
+          <a:noFill/>
+          <a:prstDash val="solid"/>
+        </a:ln>
+        <a:effectLst/>
+      </dsp:spPr>
+      <dsp:style>
+        <a:lnRef idx="2">
+          <a:scrgbClr r="0" g="0" b="0"/>
+        </a:lnRef>
+        <a:fillRef idx="1">
+          <a:scrgbClr r="0" g="0" b="0"/>
+        </a:fillRef>
+        <a:effectRef idx="0">
+          <a:scrgbClr r="0" g="0" b="0"/>
+        </a:effectRef>
+        <a:fontRef idx="minor">
+          <a:schemeClr val="lt1"/>
+        </a:fontRef>
+      </dsp:style>
+    </dsp:sp>
+    <dsp:sp modelId="{A50C8A9E-C22B-4AF1-8021-A93C279ED0E6}">
+      <dsp:nvSpPr>
+        <dsp:cNvPr id="0" name=""/>
+        <dsp:cNvSpPr/>
+      </dsp:nvSpPr>
+      <dsp:spPr>
+        <a:xfrm>
+          <a:off x="1736952" y="3760280"/>
+          <a:ext cx="5095259" cy="1503855"/>
+        </a:xfrm>
+        <a:prstGeom prst="rect">
+          <a:avLst/>
+        </a:prstGeom>
+        <a:noFill/>
+        <a:ln>
+          <a:noFill/>
+        </a:ln>
+        <a:effectLst/>
+      </dsp:spPr>
+      <dsp:style>
+        <a:lnRef idx="0">
+          <a:scrgbClr r="0" g="0" b="0"/>
+        </a:lnRef>
+        <a:fillRef idx="0">
+          <a:scrgbClr r="0" g="0" b="0"/>
+        </a:fillRef>
+        <a:effectRef idx="0">
+          <a:scrgbClr r="0" g="0" b="0"/>
+        </a:effectRef>
+        <a:fontRef idx="minor"/>
+      </dsp:style>
+      <dsp:txBody>
+        <a:bodyPr spcFirstLastPara="0" vert="horz" wrap="square" lIns="159158" tIns="159158" rIns="159158" bIns="159158" numCol="1" spcCol="1270" anchor="ctr" anchorCtr="0">
+          <a:noAutofit/>
+        </a:bodyPr>
+        <a:lstStyle/>
+        <a:p>
+          <a:pPr marL="0" lvl="0" indent="0" algn="l" defTabSz="977900">
+            <a:lnSpc>
+              <a:spcPct val="90000"/>
+            </a:lnSpc>
+            <a:spcBef>
+              <a:spcPct val="0"/>
+            </a:spcBef>
+            <a:spcAft>
+              <a:spcPct val="35000"/>
+            </a:spcAft>
+            <a:buNone/>
+          </a:pPr>
+          <a:r>
+            <a:rPr lang="fr-FR" sz="2200" kern="1200"/>
+            <a:t>Utilisation de CSS, bootstrap et Jquery pour le style</a:t>
+          </a:r>
+          <a:endParaRPr lang="en-US" sz="2200" kern="1200"/>
+        </a:p>
+      </dsp:txBody>
+      <dsp:txXfrm>
+        <a:off x="1736952" y="3760280"/>
+        <a:ext cx="5095259" cy="1503855"/>
+      </dsp:txXfrm>
+    </dsp:sp>
+  </dsp:spTree>
+</dsp:drawing>
+</file>
+
+<file path=ppt/diagrams/drawing2.xml><?xml version="1.0" encoding="utf-8"?>
+<dsp:drawing xmlns:dgm="http://schemas.openxmlformats.org/drawingml/2006/diagram" xmlns:dsp="http://schemas.microsoft.com/office/drawing/2008/diagram" xmlns:a="http://schemas.openxmlformats.org/drawingml/2006/main">
+  <dsp:spTree>
+    <dsp:nvGrpSpPr>
+      <dsp:cNvPr id="0" name=""/>
+      <dsp:cNvGrpSpPr/>
+    </dsp:nvGrpSpPr>
+    <dsp:grpSpPr/>
+    <dsp:sp modelId="{5048B06A-AB0F-4D5A-886A-FBD525FF0C76}">
+      <dsp:nvSpPr>
+        <dsp:cNvPr id="0" name=""/>
+        <dsp:cNvSpPr/>
+      </dsp:nvSpPr>
+      <dsp:spPr>
+        <a:xfrm>
+          <a:off x="0" y="4113"/>
+          <a:ext cx="6832212" cy="876092"/>
+        </a:xfrm>
+        <a:prstGeom prst="roundRect">
+          <a:avLst>
+            <a:gd name="adj" fmla="val 10000"/>
+          </a:avLst>
+        </a:prstGeom>
+        <a:solidFill>
+          <a:schemeClr val="accent2">
+            <a:hueOff val="0"/>
+            <a:satOff val="0"/>
+            <a:lumOff val="0"/>
+            <a:alphaOff val="0"/>
+          </a:schemeClr>
+        </a:solidFill>
+        <a:ln>
+          <a:noFill/>
+        </a:ln>
+        <a:effectLst/>
+      </dsp:spPr>
+      <dsp:style>
+        <a:lnRef idx="0">
+          <a:scrgbClr r="0" g="0" b="0"/>
+        </a:lnRef>
+        <a:fillRef idx="1">
+          <a:scrgbClr r="0" g="0" b="0"/>
+        </a:fillRef>
+        <a:effectRef idx="0">
+          <a:scrgbClr r="0" g="0" b="0"/>
+        </a:effectRef>
+        <a:fontRef idx="minor"/>
+      </dsp:style>
+    </dsp:sp>
+    <dsp:sp modelId="{86CA32E7-D30D-4EDD-90F4-107305C05E1B}">
+      <dsp:nvSpPr>
+        <dsp:cNvPr id="0" name=""/>
+        <dsp:cNvSpPr/>
+      </dsp:nvSpPr>
+      <dsp:spPr>
+        <a:xfrm>
+          <a:off x="265017" y="201233"/>
+          <a:ext cx="481850" cy="481850"/>
+        </a:xfrm>
+        <a:prstGeom prst="rect">
+          <a:avLst/>
+        </a:prstGeom>
+        <a:blipFill>
+          <a:blip xmlns:r="http://schemas.openxmlformats.org/officeDocument/2006/relationships" r:embed="rId1">
+            <a:extLst>
+              <a:ext uri="{28A0092B-C50C-407E-A947-70E740481C1C}">
+                <a14:useLocalDpi xmlns:a14="http://schemas.microsoft.com/office/drawing/2010/main" val="0"/>
+              </a:ext>
+              <a:ext uri="{96DAC541-7B7A-43D3-8B79-37D633B846F1}">
+                <asvg:svgBlip xmlns:asvg="http://schemas.microsoft.com/office/drawing/2016/SVG/main" r:embed="rId2"/>
+              </a:ext>
+            </a:extLst>
+          </a:blip>
+          <a:stretch>
+            <a:fillRect/>
+          </a:stretch>
+        </a:blipFill>
+        <a:ln w="15875" cap="rnd" cmpd="sng" algn="ctr">
+          <a:noFill/>
+          <a:prstDash val="solid"/>
+        </a:ln>
+        <a:effectLst/>
+      </dsp:spPr>
+      <dsp:style>
+        <a:lnRef idx="2">
+          <a:scrgbClr r="0" g="0" b="0"/>
+        </a:lnRef>
+        <a:fillRef idx="1">
+          <a:scrgbClr r="0" g="0" b="0"/>
+        </a:fillRef>
+        <a:effectRef idx="0">
+          <a:scrgbClr r="0" g="0" b="0"/>
+        </a:effectRef>
+        <a:fontRef idx="minor">
+          <a:schemeClr val="lt1"/>
+        </a:fontRef>
+      </dsp:style>
+    </dsp:sp>
+    <dsp:sp modelId="{C9CD7DE5-9AA3-4565-A88A-5CC53C6411D0}">
+      <dsp:nvSpPr>
+        <dsp:cNvPr id="0" name=""/>
+        <dsp:cNvSpPr/>
+      </dsp:nvSpPr>
+      <dsp:spPr>
+        <a:xfrm>
+          <a:off x="1011886" y="4113"/>
+          <a:ext cx="5820325" cy="876092"/>
+        </a:xfrm>
+        <a:prstGeom prst="rect">
+          <a:avLst/>
+        </a:prstGeom>
+        <a:noFill/>
+        <a:ln>
+          <a:noFill/>
+        </a:ln>
+        <a:effectLst/>
+      </dsp:spPr>
+      <dsp:style>
+        <a:lnRef idx="0">
+          <a:scrgbClr r="0" g="0" b="0"/>
+        </a:lnRef>
+        <a:fillRef idx="0">
+          <a:scrgbClr r="0" g="0" b="0"/>
+        </a:fillRef>
+        <a:effectRef idx="0">
+          <a:scrgbClr r="0" g="0" b="0"/>
+        </a:effectRef>
+        <a:fontRef idx="minor"/>
+      </dsp:style>
+      <dsp:txBody>
+        <a:bodyPr spcFirstLastPara="0" vert="horz" wrap="square" lIns="92720" tIns="92720" rIns="92720" bIns="92720" numCol="1" spcCol="1270" anchor="ctr" anchorCtr="0">
+          <a:noAutofit/>
+        </a:bodyPr>
+        <a:lstStyle/>
+        <a:p>
+          <a:pPr marL="0" lvl="0" indent="0" algn="l" defTabSz="844550">
+            <a:lnSpc>
+              <a:spcPct val="90000"/>
+            </a:lnSpc>
+            <a:spcBef>
+              <a:spcPct val="0"/>
+            </a:spcBef>
+            <a:spcAft>
+              <a:spcPct val="35000"/>
+            </a:spcAft>
+            <a:buNone/>
+          </a:pPr>
+          <a:r>
+            <a:rPr lang="fr-FR" sz="1900" kern="1200"/>
+            <a:t>Page d’accueil </a:t>
+          </a:r>
+          <a:endParaRPr lang="en-US" sz="1900" kern="1200"/>
+        </a:p>
+      </dsp:txBody>
+      <dsp:txXfrm>
+        <a:off x="1011886" y="4113"/>
+        <a:ext cx="5820325" cy="876092"/>
+      </dsp:txXfrm>
+    </dsp:sp>
+    <dsp:sp modelId="{717F9EB8-8598-4B19-B36C-6D6297694348}">
+      <dsp:nvSpPr>
+        <dsp:cNvPr id="0" name=""/>
+        <dsp:cNvSpPr/>
+      </dsp:nvSpPr>
+      <dsp:spPr>
+        <a:xfrm>
+          <a:off x="0" y="1099228"/>
+          <a:ext cx="6832212" cy="876092"/>
+        </a:xfrm>
+        <a:prstGeom prst="roundRect">
+          <a:avLst>
+            <a:gd name="adj" fmla="val 10000"/>
+          </a:avLst>
+        </a:prstGeom>
+        <a:solidFill>
+          <a:schemeClr val="accent3">
+            <a:hueOff val="0"/>
+            <a:satOff val="0"/>
+            <a:lumOff val="0"/>
+            <a:alphaOff val="0"/>
+          </a:schemeClr>
+        </a:solidFill>
+        <a:ln>
+          <a:noFill/>
+        </a:ln>
+        <a:effectLst/>
+      </dsp:spPr>
+      <dsp:style>
+        <a:lnRef idx="0">
+          <a:scrgbClr r="0" g="0" b="0"/>
+        </a:lnRef>
+        <a:fillRef idx="1">
+          <a:scrgbClr r="0" g="0" b="0"/>
+        </a:fillRef>
+        <a:effectRef idx="0">
+          <a:scrgbClr r="0" g="0" b="0"/>
+        </a:effectRef>
+        <a:fontRef idx="minor"/>
+      </dsp:style>
+    </dsp:sp>
+    <dsp:sp modelId="{54AC2ECB-BCF9-4F34-996C-A8F1DD750FAF}">
+      <dsp:nvSpPr>
+        <dsp:cNvPr id="0" name=""/>
+        <dsp:cNvSpPr/>
+      </dsp:nvSpPr>
+      <dsp:spPr>
+        <a:xfrm>
+          <a:off x="265017" y="1296349"/>
+          <a:ext cx="481850" cy="481850"/>
+        </a:xfrm>
+        <a:prstGeom prst="rect">
+          <a:avLst/>
+        </a:prstGeom>
+        <a:blipFill>
+          <a:blip xmlns:r="http://schemas.openxmlformats.org/officeDocument/2006/relationships" r:embed="rId3">
+            <a:extLst>
+              <a:ext uri="{28A0092B-C50C-407E-A947-70E740481C1C}">
+                <a14:useLocalDpi xmlns:a14="http://schemas.microsoft.com/office/drawing/2010/main" val="0"/>
+              </a:ext>
+              <a:ext uri="{96DAC541-7B7A-43D3-8B79-37D633B846F1}">
+                <asvg:svgBlip xmlns:asvg="http://schemas.microsoft.com/office/drawing/2016/SVG/main" r:embed="rId4"/>
+              </a:ext>
+            </a:extLst>
+          </a:blip>
+          <a:stretch>
+            <a:fillRect/>
+          </a:stretch>
+        </a:blipFill>
+        <a:ln w="15875" cap="rnd" cmpd="sng" algn="ctr">
+          <a:noFill/>
+          <a:prstDash val="solid"/>
+        </a:ln>
+        <a:effectLst/>
+      </dsp:spPr>
+      <dsp:style>
+        <a:lnRef idx="2">
+          <a:scrgbClr r="0" g="0" b="0"/>
+        </a:lnRef>
+        <a:fillRef idx="1">
+          <a:scrgbClr r="0" g="0" b="0"/>
+        </a:fillRef>
+        <a:effectRef idx="0">
+          <a:scrgbClr r="0" g="0" b="0"/>
+        </a:effectRef>
+        <a:fontRef idx="minor">
+          <a:schemeClr val="lt1"/>
+        </a:fontRef>
+      </dsp:style>
+    </dsp:sp>
+    <dsp:sp modelId="{1623BC70-48A1-4199-8171-EDC592C22BDA}">
+      <dsp:nvSpPr>
+        <dsp:cNvPr id="0" name=""/>
+        <dsp:cNvSpPr/>
+      </dsp:nvSpPr>
+      <dsp:spPr>
+        <a:xfrm>
+          <a:off x="1011886" y="1099228"/>
+          <a:ext cx="5820325" cy="876092"/>
+        </a:xfrm>
+        <a:prstGeom prst="rect">
+          <a:avLst/>
+        </a:prstGeom>
+        <a:noFill/>
+        <a:ln>
+          <a:noFill/>
+        </a:ln>
+        <a:effectLst/>
+      </dsp:spPr>
+      <dsp:style>
+        <a:lnRef idx="0">
+          <a:scrgbClr r="0" g="0" b="0"/>
+        </a:lnRef>
+        <a:fillRef idx="0">
+          <a:scrgbClr r="0" g="0" b="0"/>
+        </a:fillRef>
+        <a:effectRef idx="0">
+          <a:scrgbClr r="0" g="0" b="0"/>
+        </a:effectRef>
+        <a:fontRef idx="minor"/>
+      </dsp:style>
+      <dsp:txBody>
+        <a:bodyPr spcFirstLastPara="0" vert="horz" wrap="square" lIns="92720" tIns="92720" rIns="92720" bIns="92720" numCol="1" spcCol="1270" anchor="ctr" anchorCtr="0">
+          <a:noAutofit/>
+        </a:bodyPr>
+        <a:lstStyle/>
+        <a:p>
+          <a:pPr marL="0" lvl="0" indent="0" algn="l" defTabSz="844550">
+            <a:lnSpc>
+              <a:spcPct val="90000"/>
+            </a:lnSpc>
+            <a:spcBef>
+              <a:spcPct val="0"/>
+            </a:spcBef>
+            <a:spcAft>
+              <a:spcPct val="35000"/>
+            </a:spcAft>
+            <a:buNone/>
+          </a:pPr>
+          <a:r>
+            <a:rPr lang="fr-FR" sz="1900" kern="1200"/>
+            <a:t>S’idendifier en tant que admin ou acheteur</a:t>
+          </a:r>
+          <a:endParaRPr lang="en-US" sz="1900" kern="1200"/>
+        </a:p>
+      </dsp:txBody>
+      <dsp:txXfrm>
+        <a:off x="1011886" y="1099228"/>
+        <a:ext cx="5820325" cy="876092"/>
+      </dsp:txXfrm>
+    </dsp:sp>
+    <dsp:sp modelId="{2270EA6C-EB07-479A-9BD5-F5AAFEF331C3}">
+      <dsp:nvSpPr>
+        <dsp:cNvPr id="0" name=""/>
+        <dsp:cNvSpPr/>
+      </dsp:nvSpPr>
+      <dsp:spPr>
+        <a:xfrm>
+          <a:off x="0" y="2194343"/>
+          <a:ext cx="6832212" cy="876092"/>
+        </a:xfrm>
+        <a:prstGeom prst="roundRect">
+          <a:avLst>
+            <a:gd name="adj" fmla="val 10000"/>
+          </a:avLst>
+        </a:prstGeom>
+        <a:solidFill>
+          <a:schemeClr val="accent4">
+            <a:hueOff val="0"/>
+            <a:satOff val="0"/>
+            <a:lumOff val="0"/>
+            <a:alphaOff val="0"/>
+          </a:schemeClr>
+        </a:solidFill>
+        <a:ln>
+          <a:noFill/>
+        </a:ln>
+        <a:effectLst/>
+      </dsp:spPr>
+      <dsp:style>
+        <a:lnRef idx="0">
+          <a:scrgbClr r="0" g="0" b="0"/>
+        </a:lnRef>
+        <a:fillRef idx="1">
+          <a:scrgbClr r="0" g="0" b="0"/>
+        </a:fillRef>
+        <a:effectRef idx="0">
+          <a:scrgbClr r="0" g="0" b="0"/>
+        </a:effectRef>
+        <a:fontRef idx="minor"/>
+      </dsp:style>
+    </dsp:sp>
+    <dsp:sp modelId="{E7AE64F4-EBAA-4AFA-A9CB-1E3828559A07}">
+      <dsp:nvSpPr>
+        <dsp:cNvPr id="0" name=""/>
+        <dsp:cNvSpPr/>
+      </dsp:nvSpPr>
+      <dsp:spPr>
+        <a:xfrm>
+          <a:off x="265017" y="2391464"/>
+          <a:ext cx="481850" cy="481850"/>
+        </a:xfrm>
+        <a:prstGeom prst="rect">
+          <a:avLst/>
+        </a:prstGeom>
+        <a:blipFill>
+          <a:blip xmlns:r="http://schemas.openxmlformats.org/officeDocument/2006/relationships" r:embed="rId5">
+            <a:extLst>
+              <a:ext uri="{28A0092B-C50C-407E-A947-70E740481C1C}">
+                <a14:useLocalDpi xmlns:a14="http://schemas.microsoft.com/office/drawing/2010/main" val="0"/>
+              </a:ext>
+              <a:ext uri="{96DAC541-7B7A-43D3-8B79-37D633B846F1}">
+                <asvg:svgBlip xmlns:asvg="http://schemas.microsoft.com/office/drawing/2016/SVG/main" r:embed="rId6"/>
+              </a:ext>
+            </a:extLst>
+          </a:blip>
+          <a:stretch>
+            <a:fillRect/>
+          </a:stretch>
+        </a:blipFill>
+        <a:ln w="15875" cap="rnd" cmpd="sng" algn="ctr">
+          <a:noFill/>
+          <a:prstDash val="solid"/>
+        </a:ln>
+        <a:effectLst/>
+      </dsp:spPr>
+      <dsp:style>
+        <a:lnRef idx="2">
+          <a:scrgbClr r="0" g="0" b="0"/>
+        </a:lnRef>
+        <a:fillRef idx="1">
+          <a:scrgbClr r="0" g="0" b="0"/>
+        </a:fillRef>
+        <a:effectRef idx="0">
+          <a:scrgbClr r="0" g="0" b="0"/>
+        </a:effectRef>
+        <a:fontRef idx="minor">
+          <a:schemeClr val="lt1"/>
+        </a:fontRef>
+      </dsp:style>
+    </dsp:sp>
+    <dsp:sp modelId="{62B15886-C922-45FA-8C69-8A2C65385708}">
+      <dsp:nvSpPr>
+        <dsp:cNvPr id="0" name=""/>
+        <dsp:cNvSpPr/>
+      </dsp:nvSpPr>
+      <dsp:spPr>
+        <a:xfrm>
+          <a:off x="1011886" y="2194343"/>
+          <a:ext cx="5820325" cy="876092"/>
+        </a:xfrm>
+        <a:prstGeom prst="rect">
+          <a:avLst/>
+        </a:prstGeom>
+        <a:noFill/>
+        <a:ln>
+          <a:noFill/>
+        </a:ln>
+        <a:effectLst/>
+      </dsp:spPr>
+      <dsp:style>
+        <a:lnRef idx="0">
+          <a:scrgbClr r="0" g="0" b="0"/>
+        </a:lnRef>
+        <a:fillRef idx="0">
+          <a:scrgbClr r="0" g="0" b="0"/>
+        </a:fillRef>
+        <a:effectRef idx="0">
+          <a:scrgbClr r="0" g="0" b="0"/>
+        </a:effectRef>
+        <a:fontRef idx="minor"/>
+      </dsp:style>
+      <dsp:txBody>
+        <a:bodyPr spcFirstLastPara="0" vert="horz" wrap="square" lIns="92720" tIns="92720" rIns="92720" bIns="92720" numCol="1" spcCol="1270" anchor="ctr" anchorCtr="0">
+          <a:noAutofit/>
+        </a:bodyPr>
+        <a:lstStyle/>
+        <a:p>
+          <a:pPr marL="0" lvl="0" indent="0" algn="l" defTabSz="844550">
+            <a:lnSpc>
+              <a:spcPct val="90000"/>
+            </a:lnSpc>
+            <a:spcBef>
+              <a:spcPct val="0"/>
+            </a:spcBef>
+            <a:spcAft>
+              <a:spcPct val="35000"/>
+            </a:spcAft>
+            <a:buNone/>
+          </a:pPr>
+          <a:r>
+            <a:rPr lang="fr-FR" sz="1900" kern="1200"/>
+            <a:t>Ajouter des articles selon la catégorie au panier</a:t>
+          </a:r>
+          <a:endParaRPr lang="en-US" sz="1900" kern="1200"/>
+        </a:p>
+      </dsp:txBody>
+      <dsp:txXfrm>
+        <a:off x="1011886" y="2194343"/>
+        <a:ext cx="5820325" cy="876092"/>
+      </dsp:txXfrm>
+    </dsp:sp>
+    <dsp:sp modelId="{EC90AE49-8233-4AB1-8B6E-AF77BF83A3CE}">
+      <dsp:nvSpPr>
+        <dsp:cNvPr id="0" name=""/>
+        <dsp:cNvSpPr/>
+      </dsp:nvSpPr>
+      <dsp:spPr>
+        <a:xfrm>
+          <a:off x="0" y="3289458"/>
+          <a:ext cx="6832212" cy="876092"/>
+        </a:xfrm>
+        <a:prstGeom prst="roundRect">
+          <a:avLst>
+            <a:gd name="adj" fmla="val 10000"/>
+          </a:avLst>
+        </a:prstGeom>
+        <a:solidFill>
+          <a:schemeClr val="accent5">
+            <a:hueOff val="0"/>
+            <a:satOff val="0"/>
+            <a:lumOff val="0"/>
+            <a:alphaOff val="0"/>
+          </a:schemeClr>
+        </a:solidFill>
+        <a:ln>
+          <a:noFill/>
+        </a:ln>
+        <a:effectLst/>
+      </dsp:spPr>
+      <dsp:style>
+        <a:lnRef idx="0">
+          <a:scrgbClr r="0" g="0" b="0"/>
+        </a:lnRef>
+        <a:fillRef idx="1">
+          <a:scrgbClr r="0" g="0" b="0"/>
+        </a:fillRef>
+        <a:effectRef idx="0">
+          <a:scrgbClr r="0" g="0" b="0"/>
+        </a:effectRef>
+        <a:fontRef idx="minor"/>
+      </dsp:style>
+    </dsp:sp>
+    <dsp:sp modelId="{A715CD0D-9FC6-43D8-9501-5395F2DB3ABE}">
+      <dsp:nvSpPr>
+        <dsp:cNvPr id="0" name=""/>
+        <dsp:cNvSpPr/>
+      </dsp:nvSpPr>
+      <dsp:spPr>
+        <a:xfrm>
+          <a:off x="265017" y="3486579"/>
+          <a:ext cx="481850" cy="481850"/>
+        </a:xfrm>
+        <a:prstGeom prst="rect">
+          <a:avLst/>
+        </a:prstGeom>
+        <a:blipFill>
+          <a:blip xmlns:r="http://schemas.openxmlformats.org/officeDocument/2006/relationships" r:embed="rId7">
+            <a:extLst>
+              <a:ext uri="{28A0092B-C50C-407E-A947-70E740481C1C}">
+                <a14:useLocalDpi xmlns:a14="http://schemas.microsoft.com/office/drawing/2010/main" val="0"/>
+              </a:ext>
+              <a:ext uri="{96DAC541-7B7A-43D3-8B79-37D633B846F1}">
+                <asvg:svgBlip xmlns:asvg="http://schemas.microsoft.com/office/drawing/2016/SVG/main" r:embed="rId8"/>
+              </a:ext>
+            </a:extLst>
+          </a:blip>
+          <a:stretch>
+            <a:fillRect/>
+          </a:stretch>
+        </a:blipFill>
+        <a:ln w="15875" cap="rnd" cmpd="sng" algn="ctr">
+          <a:noFill/>
+          <a:prstDash val="solid"/>
+        </a:ln>
+        <a:effectLst/>
+      </dsp:spPr>
+      <dsp:style>
+        <a:lnRef idx="2">
+          <a:scrgbClr r="0" g="0" b="0"/>
+        </a:lnRef>
+        <a:fillRef idx="1">
+          <a:scrgbClr r="0" g="0" b="0"/>
+        </a:fillRef>
+        <a:effectRef idx="0">
+          <a:scrgbClr r="0" g="0" b="0"/>
+        </a:effectRef>
+        <a:fontRef idx="minor">
+          <a:schemeClr val="lt1"/>
+        </a:fontRef>
+      </dsp:style>
+    </dsp:sp>
+    <dsp:sp modelId="{72449409-C953-48E1-87B4-6B98C7AF71F3}">
+      <dsp:nvSpPr>
+        <dsp:cNvPr id="0" name=""/>
+        <dsp:cNvSpPr/>
+      </dsp:nvSpPr>
+      <dsp:spPr>
+        <a:xfrm>
+          <a:off x="1011886" y="3289458"/>
+          <a:ext cx="5820325" cy="876092"/>
+        </a:xfrm>
+        <a:prstGeom prst="rect">
+          <a:avLst/>
+        </a:prstGeom>
+        <a:noFill/>
+        <a:ln>
+          <a:noFill/>
+        </a:ln>
+        <a:effectLst/>
+      </dsp:spPr>
+      <dsp:style>
+        <a:lnRef idx="0">
+          <a:scrgbClr r="0" g="0" b="0"/>
+        </a:lnRef>
+        <a:fillRef idx="0">
+          <a:scrgbClr r="0" g="0" b="0"/>
+        </a:fillRef>
+        <a:effectRef idx="0">
+          <a:scrgbClr r="0" g="0" b="0"/>
+        </a:effectRef>
+        <a:fontRef idx="minor"/>
+      </dsp:style>
+      <dsp:txBody>
+        <a:bodyPr spcFirstLastPara="0" vert="horz" wrap="square" lIns="92720" tIns="92720" rIns="92720" bIns="92720" numCol="1" spcCol="1270" anchor="ctr" anchorCtr="0">
+          <a:noAutofit/>
+        </a:bodyPr>
+        <a:lstStyle/>
+        <a:p>
+          <a:pPr marL="0" lvl="0" indent="0" algn="l" defTabSz="844550">
+            <a:lnSpc>
+              <a:spcPct val="90000"/>
+            </a:lnSpc>
+            <a:spcBef>
+              <a:spcPct val="0"/>
+            </a:spcBef>
+            <a:spcAft>
+              <a:spcPct val="35000"/>
+            </a:spcAft>
+            <a:buNone/>
+          </a:pPr>
+          <a:r>
+            <a:rPr lang="fr-FR" sz="1900" kern="1200"/>
+            <a:t>Acheter des articles</a:t>
+          </a:r>
+          <a:endParaRPr lang="en-US" sz="1900" kern="1200"/>
+        </a:p>
+      </dsp:txBody>
+      <dsp:txXfrm>
+        <a:off x="1011886" y="3289458"/>
+        <a:ext cx="5820325" cy="876092"/>
+      </dsp:txXfrm>
+    </dsp:sp>
+    <dsp:sp modelId="{DA8433F4-F680-4142-A962-D37DE41A4E20}">
+      <dsp:nvSpPr>
+        <dsp:cNvPr id="0" name=""/>
+        <dsp:cNvSpPr/>
+      </dsp:nvSpPr>
+      <dsp:spPr>
+        <a:xfrm>
+          <a:off x="0" y="4384573"/>
+          <a:ext cx="6832212" cy="876092"/>
+        </a:xfrm>
+        <a:prstGeom prst="roundRect">
+          <a:avLst>
+            <a:gd name="adj" fmla="val 10000"/>
+          </a:avLst>
+        </a:prstGeom>
+        <a:solidFill>
+          <a:schemeClr val="accent6">
+            <a:hueOff val="0"/>
+            <a:satOff val="0"/>
+            <a:lumOff val="0"/>
+            <a:alphaOff val="0"/>
+          </a:schemeClr>
+        </a:solidFill>
+        <a:ln>
+          <a:noFill/>
+        </a:ln>
+        <a:effectLst/>
+      </dsp:spPr>
+      <dsp:style>
+        <a:lnRef idx="0">
+          <a:scrgbClr r="0" g="0" b="0"/>
+        </a:lnRef>
+        <a:fillRef idx="1">
+          <a:scrgbClr r="0" g="0" b="0"/>
+        </a:fillRef>
+        <a:effectRef idx="0">
+          <a:scrgbClr r="0" g="0" b="0"/>
+        </a:effectRef>
+        <a:fontRef idx="minor"/>
+      </dsp:style>
+    </dsp:sp>
+    <dsp:sp modelId="{562515B0-6E24-4661-8197-F32FE92FADEE}">
+      <dsp:nvSpPr>
+        <dsp:cNvPr id="0" name=""/>
+        <dsp:cNvSpPr/>
+      </dsp:nvSpPr>
+      <dsp:spPr>
+        <a:xfrm>
+          <a:off x="265017" y="4581694"/>
+          <a:ext cx="481850" cy="481850"/>
+        </a:xfrm>
+        <a:prstGeom prst="rect">
+          <a:avLst/>
+        </a:prstGeom>
+        <a:blipFill>
+          <a:blip xmlns:r="http://schemas.openxmlformats.org/officeDocument/2006/relationships" r:embed="rId9">
+            <a:extLst>
+              <a:ext uri="{28A0092B-C50C-407E-A947-70E740481C1C}">
+                <a14:useLocalDpi xmlns:a14="http://schemas.microsoft.com/office/drawing/2010/main" val="0"/>
+              </a:ext>
+              <a:ext uri="{96DAC541-7B7A-43D3-8B79-37D633B846F1}">
+                <asvg:svgBlip xmlns:asvg="http://schemas.microsoft.com/office/drawing/2016/SVG/main" r:embed="rId10"/>
+              </a:ext>
+            </a:extLst>
+          </a:blip>
+          <a:stretch>
+            <a:fillRect/>
+          </a:stretch>
+        </a:blipFill>
+        <a:ln w="15875" cap="rnd" cmpd="sng" algn="ctr">
+          <a:noFill/>
+          <a:prstDash val="solid"/>
+        </a:ln>
+        <a:effectLst/>
+      </dsp:spPr>
+      <dsp:style>
+        <a:lnRef idx="2">
+          <a:scrgbClr r="0" g="0" b="0"/>
+        </a:lnRef>
+        <a:fillRef idx="1">
+          <a:scrgbClr r="0" g="0" b="0"/>
+        </a:fillRef>
+        <a:effectRef idx="0">
+          <a:scrgbClr r="0" g="0" b="0"/>
+        </a:effectRef>
+        <a:fontRef idx="minor">
+          <a:schemeClr val="lt1"/>
+        </a:fontRef>
+      </dsp:style>
+    </dsp:sp>
+    <dsp:sp modelId="{87636F8A-E25D-49BD-9038-1D7792EDCACA}">
+      <dsp:nvSpPr>
+        <dsp:cNvPr id="0" name=""/>
+        <dsp:cNvSpPr/>
+      </dsp:nvSpPr>
+      <dsp:spPr>
+        <a:xfrm>
+          <a:off x="1011886" y="4384573"/>
+          <a:ext cx="5820325" cy="876092"/>
+        </a:xfrm>
+        <a:prstGeom prst="rect">
+          <a:avLst/>
+        </a:prstGeom>
+        <a:noFill/>
+        <a:ln>
+          <a:noFill/>
+        </a:ln>
+        <a:effectLst/>
+      </dsp:spPr>
+      <dsp:style>
+        <a:lnRef idx="0">
+          <a:scrgbClr r="0" g="0" b="0"/>
+        </a:lnRef>
+        <a:fillRef idx="0">
+          <a:scrgbClr r="0" g="0" b="0"/>
+        </a:fillRef>
+        <a:effectRef idx="0">
+          <a:scrgbClr r="0" g="0" b="0"/>
+        </a:effectRef>
+        <a:fontRef idx="minor"/>
+      </dsp:style>
+      <dsp:txBody>
+        <a:bodyPr spcFirstLastPara="0" vert="horz" wrap="square" lIns="92720" tIns="92720" rIns="92720" bIns="92720" numCol="1" spcCol="1270" anchor="ctr" anchorCtr="0">
+          <a:noAutofit/>
+        </a:bodyPr>
+        <a:lstStyle/>
+        <a:p>
+          <a:pPr marL="0" lvl="0" indent="0" algn="l" defTabSz="844550">
+            <a:lnSpc>
+              <a:spcPct val="90000"/>
+            </a:lnSpc>
+            <a:spcBef>
+              <a:spcPct val="0"/>
+            </a:spcBef>
+            <a:spcAft>
+              <a:spcPct val="35000"/>
+            </a:spcAft>
+            <a:buNone/>
+          </a:pPr>
+          <a:r>
+            <a:rPr lang="fr-FR" sz="1900" kern="1200"/>
+            <a:t>Ajouter ou supprimer des vendeurs ou acheteurs (admin)</a:t>
+          </a:r>
+          <a:endParaRPr lang="en-US" sz="1900" kern="1200"/>
+        </a:p>
+      </dsp:txBody>
+      <dsp:txXfrm>
+        <a:off x="1011886" y="4384573"/>
+        <a:ext cx="5820325" cy="876092"/>
+      </dsp:txXfrm>
+    </dsp:sp>
+  </dsp:spTree>
+</dsp:drawing>
+</file>
+
+<file path=ppt/diagrams/layout1.xml><?xml version="1.0" encoding="utf-8"?>
+<dgm:layoutDef xmlns:dgm="http://schemas.openxmlformats.org/drawingml/2006/diagram" xmlns:a="http://schemas.openxmlformats.org/drawingml/2006/main" uniqueId="urn:microsoft.com/office/officeart/2018/2/layout/IconVerticalSolidList">
+  <dgm:title val="Icon Vertical Solid List"/>
+  <dgm:desc val="Use to show a series of visuals from top to bottom with Level 1 or Level 1 and Level 2 text grouped in a shape. Works best with icons or small pictures with lengthier descriptions."/>
+  <dgm:catLst>
+    <dgm:cat type="icon" pri="500"/>
+  </dgm:catLst>
+  <dgm:sampData useDef="1">
+    <dgm:dataModel>
+      <dgm:ptLst/>
+      <dgm:bg/>
+      <dgm:whole/>
+    </dgm:dataModel>
+  </dgm:sampData>
+  <dgm:styleData useDef="1">
+    <dgm:dataModel>
+      <dgm:ptLst/>
+      <dgm:bg/>
+      <dgm:whole/>
+    </dgm:dataModel>
+  </dgm:styleData>
+  <dgm:clrData useDef="1">
+    <dgm:dataModel>
+      <dgm:ptLst/>
+      <dgm:bg/>
+      <dgm:whole/>
+    </dgm:dataModel>
+  </dgm:clrData>
+  <dgm:layoutNode name="root">
+    <dgm:varLst>
+      <dgm:dir/>
+      <dgm:resizeHandles val="exact"/>
+    </dgm:varLst>
+    <dgm:choose name="Name0">
+      <dgm:if name="Name1" axis="self" func="var" arg="dir" op="equ" val="norm">
+        <dgm:alg type="lin">
+          <dgm:param type="linDir" val="fromT"/>
+          <dgm:param type="nodeHorzAlign" val="l"/>
+        </dgm:alg>
+      </dgm:if>
+      <dgm:else name="Name2">
+        <dgm:alg type="lin">
+          <dgm:param type="linDir" val="fromT"/>
+          <dgm:param type="nodeHorzAlign" val="r"/>
+        </dgm:alg>
+      </dgm:else>
+    </dgm:choose>
+    <dgm:shape xmlns:r="http://schemas.openxmlformats.org/officeDocument/2006/relationships" r:blip="">
+      <dgm:adjLst/>
+    </dgm:shape>
+    <dgm:presOf/>
+    <dgm:choose name="Name3">
+      <dgm:if name="Name4" axis="ch" ptType="node" func="cnt" op="lte" val="3">
+        <dgm:constrLst>
+          <dgm:constr type="h" for="ch" forName="compNode" refType="h" fact="0.3"/>
+          <dgm:constr type="w" for="ch" forName="compNode" refType="w"/>
+          <dgm:constr type="h" for="ch" forName="sibTrans" refType="h" refFor="ch" refForName="compNode" fact="0.25"/>
+          <dgm:constr type="primFontSz" for="des" forName="parTx" val="25"/>
+          <dgm:constr type="primFontSz" for="des" forName="desTx" refType="primFontSz" refFor="des" refForName="parTx" op="lte" fact="0.75"/>
+          <dgm:constr type="h" for="des" forName="compNode" op="equ"/>
+          <dgm:constr type="h" for="des" forName="bgRect" op="equ"/>
+          <dgm:constr type="h" for="des" forName="iconRect" op="equ"/>
+          <dgm:constr type="w" for="des" forName="iconRect" op="equ"/>
+          <dgm:constr type="h" for="des" forName="spaceRect" op="equ"/>
+          <dgm:constr type="h" for="des" forName="parTx" op="equ"/>
+          <dgm:constr type="h" for="des" forName="desTx" op="equ"/>
+        </dgm:constrLst>
+      </dgm:if>
+      <dgm:if name="Name5" axis="ch" ptType="node" func="cnt" op="lte" val="4">
+        <dgm:constrLst>
+          <dgm:constr type="h" for="ch" forName="compNode" refType="h" fact="0.3"/>
+          <dgm:constr type="w" for="ch" forName="compNode" refType="w"/>
+          <dgm:constr type="h" for="ch" forName="sibTrans" refType="h" refFor="ch" refForName="compNode" fact="0.25"/>
+          <dgm:constr type="primFontSz" for="des" forName="parTx" val="22"/>
+          <dgm:constr type="primFontSz" for="des" forName="desTx" refType="primFontSz" refFor="des" refForName="parTx" op="lte" fact="0.75"/>
+          <dgm:constr type="h" for="des" forName="compNode" op="equ"/>
+          <dgm:constr type="h" for="des" forName="bgRect" op="equ"/>
+          <dgm:constr type="h" for="des" forName="iconRect" op="equ"/>
+          <dgm:constr type="w" for="des" forName="iconRect" op="equ"/>
+          <dgm:constr type="h" for="des" forName="spaceRect" op="equ"/>
+          <dgm:constr type="h" for="des" forName="parTx" op="equ"/>
+          <dgm:constr type="h" for="des" forName="desTx" op="equ"/>
+        </dgm:constrLst>
+      </dgm:if>
+      <dgm:if name="Name6" axis="ch" ptType="node" func="cnt" op="lte" val="6">
+        <dgm:constrLst>
+          <dgm:constr type="h" for="ch" forName="compNode" refType="h" fact="0.3"/>
+          <dgm:constr type="w" for="ch" forName="compNode" refType="w"/>
+          <dgm:constr type="h" for="ch" forName="sibTrans" refType="h" refFor="ch" refForName="compNode" fact="0.25"/>
+          <dgm:constr type="primFontSz" for="des" forName="parTx" val="19"/>
+          <dgm:constr type="primFontSz" for="des" forName="desTx" refType="primFontSz" refFor="des" refForName="parTx" op="lte" fact="0.75"/>
+          <dgm:constr type="h" for="des" forName="compNode" op="equ"/>
+          <dgm:constr type="h" for="des" forName="bgRect" op="equ"/>
+          <dgm:constr type="h" for="des" forName="iconRect" op="equ"/>
+          <dgm:constr type="w" for="des" forName="iconRect" op="equ"/>
+          <dgm:constr type="h" for="des" forName="spaceRect" op="equ"/>
+          <dgm:constr type="h" for="des" forName="parTx" op="equ"/>
+          <dgm:constr type="h" for="des" forName="desTx" op="equ"/>
+        </dgm:constrLst>
+      </dgm:if>
+      <dgm:else name="Name7">
+        <dgm:constrLst>
+          <dgm:constr type="h" for="ch" forName="compNode" refType="h" fact="0.3"/>
+          <dgm:constr type="w" for="ch" forName="compNode" refType="w"/>
+          <dgm:constr type="h" for="ch" forName="sibTrans" refType="h" refFor="ch" refForName="compNode" fact="0.25"/>
+          <dgm:constr type="primFontSz" for="des" forName="parTx" val="16"/>
+          <dgm:constr type="primFontSz" for="des" forName="desTx" refType="primFontSz" refFor="des" refForName="parTx" op="lte" fact="0.75"/>
+          <dgm:constr type="h" for="des" forName="compNode" op="equ"/>
+          <dgm:constr type="h" for="des" forName="bgRect" op="equ"/>
+          <dgm:constr type="h" for="des" forName="iconRect" op="equ"/>
+          <dgm:constr type="w" for="des" forName="iconRect" op="equ"/>
+          <dgm:constr type="h" for="des" forName="spaceRect" op="equ"/>
+          <dgm:constr type="h" for="des" forName="parTx" op="equ"/>
+          <dgm:constr type="h" for="des" forName="desTx" op="equ"/>
+        </dgm:constrLst>
+      </dgm:else>
+    </dgm:choose>
+    <dgm:ruleLst>
+      <dgm:rule type="h" for="ch" forName="compNode" val="0" fact="NaN" max="NaN"/>
+    </dgm:ruleLst>
+    <dgm:forEach name="Name8" axis="ch" ptType="node">
+      <dgm:layoutNode name="compNode">
+        <dgm:alg type="composite"/>
+        <dgm:shape xmlns:r="http://schemas.openxmlformats.org/officeDocument/2006/relationships" r:blip="">
+          <dgm:adjLst/>
+        </dgm:shape>
+        <dgm:presOf axis="self"/>
+        <dgm:choose name="Name9">
+          <dgm:if name="Name10" axis="ch" ptType="node" func="cnt" op="gte" val="1">
+            <dgm:constrLst>
+              <dgm:constr type="w" for="ch" forName="bgRect" refType="w"/>
+              <dgm:constr type="h" for="ch" forName="bgRect" refType="h"/>
+              <dgm:constr type="l" for="ch" forName="bgRect"/>
+              <dgm:constr type="t" for="ch" forName="bgRect"/>
+              <dgm:constr type="h" for="ch" forName="iconRect" refType="h" fact="0.55"/>
+              <dgm:constr type="w" for="ch" forName="iconRect" refType="h" refFor="ch" refForName="iconRect"/>
+              <dgm:constr type="l" for="ch" forName="iconRect" refType="h" refFor="ch" refForName="iconRect" fact="0.55"/>
+              <dgm:constr type="ctrY" for="ch" forName="iconRect" refType="ctrY" refFor="ch" refForName="bgRect"/>
+              <dgm:constr type="w" for="ch" forName="spaceRect" refType="l" refFor="ch" refForName="iconRect"/>
+              <dgm:constr type="h" for="ch" forName="spaceRect" refType="h"/>
+              <dgm:constr type="l" for="ch" forName="spaceRect" refType="r" refFor="ch" refForName="iconRect"/>
+              <dgm:constr type="t" for="ch" forName="spaceRect"/>
+              <dgm:constr type="w" for="ch" forName="parTx" refType="w" fact="0.45"/>
+              <dgm:constr type="h" for="ch" forName="parTx" refType="h"/>
+              <dgm:constr type="l" for="ch" forName="parTx" refType="r" refFor="ch" refForName="spaceRect"/>
+              <dgm:constr type="t" for="ch" forName="parTx"/>
+              <dgm:constr type="h" for="ch" forName="desTx" refType="h"/>
+              <dgm:constr type="l" for="ch" forName="desTx" refType="r" refFor="ch" refForName="parTx"/>
+              <dgm:constr type="t" for="ch" forName="desTx"/>
+            </dgm:constrLst>
+          </dgm:if>
+          <dgm:else name="Name11">
+            <dgm:constrLst>
+              <dgm:constr type="w" for="ch" forName="bgRect" refType="w"/>
+              <dgm:constr type="h" for="ch" forName="bgRect" refType="h"/>
+              <dgm:constr type="l" for="ch" forName="bgRect"/>
+              <dgm:constr type="t" for="ch" forName="bgRect"/>
+              <dgm:constr type="h" for="ch" forName="iconRect" refType="h" fact="0.55"/>
+              <dgm:constr type="w" for="ch" forName="iconRect" refType="h" refFor="ch" refForName="iconRect"/>
+              <dgm:constr type="l" for="ch" forName="iconRect" refType="h" refFor="ch" refForName="iconRect" fact="0.55"/>
+              <dgm:constr type="ctrY" for="ch" forName="iconRect" refType="ctrY" refFor="ch" refForName="bgRect"/>
+              <dgm:constr type="w" for="ch" forName="spaceRect" refType="l" refFor="ch" refForName="iconRect"/>
+              <dgm:constr type="h" for="ch" forName="spaceRect" refType="h"/>
+              <dgm:constr type="l" for="ch" forName="spaceRect" refType="r" refFor="ch" refForName="iconRect"/>
+              <dgm:constr type="t" for="ch" forName="spaceRect"/>
+              <dgm:constr type="h" for="ch" forName="parTx" refType="h"/>
+              <dgm:constr type="l" for="ch" forName="parTx" refType="r" refFor="ch" refForName="spaceRect"/>
+              <dgm:constr type="t" for="ch" forName="parTx"/>
+            </dgm:constrLst>
+          </dgm:else>
+        </dgm:choose>
+        <dgm:ruleLst>
+          <dgm:rule type="h" val="INF" fact="NaN" max="NaN"/>
+        </dgm:ruleLst>
+        <dgm:layoutNode name="bgRect" styleLbl="bgShp">
+          <dgm:alg type="sp"/>
+          <dgm:shape xmlns:r="http://schemas.openxmlformats.org/officeDocument/2006/relationships" type="roundRect" r:blip="">
+            <dgm:adjLst>
+              <dgm:adj idx="1" val="0.1"/>
+            </dgm:adjLst>
+          </dgm:shape>
+          <dgm:presOf/>
+          <dgm:constrLst/>
+          <dgm:ruleLst/>
+        </dgm:layoutNode>
+        <dgm:layoutNode name="iconRect" styleLbl="node1">
+          <dgm:alg type="sp"/>
+          <dgm:shape xmlns:r="http://schemas.openxmlformats.org/officeDocument/2006/relationships" type="rect" r:blip="" blipPhldr="1">
+            <dgm:adjLst/>
+          </dgm:shape>
+          <dgm:presOf/>
+          <dgm:constrLst/>
+          <dgm:ruleLst/>
+        </dgm:layoutNode>
+        <dgm:layoutNode name="spaceRect">
+          <dgm:alg type="sp"/>
+          <dgm:shape xmlns:r="http://schemas.openxmlformats.org/officeDocument/2006/relationships" r:blip="">
+            <dgm:adjLst/>
+          </dgm:shape>
+          <dgm:presOf/>
+          <dgm:constrLst/>
+          <dgm:ruleLst/>
+        </dgm:layoutNode>
+        <dgm:layoutNode name="parTx" styleLbl="revTx">
+          <dgm:varLst>
+            <dgm:chMax val="0"/>
+            <dgm:chPref val="0"/>
+          </dgm:varLst>
+          <dgm:alg type="tx">
+            <dgm:param type="txAnchorVert" val="mid"/>
+            <dgm:param type="parTxLTRAlign" val="l"/>
+            <dgm:param type="shpTxLTRAlignCh" val="l"/>
+            <dgm:param type="parTxRTLAlign" val="r"/>
+            <dgm:param type="shpTxRTLAlignCh" val="r"/>
+          </dgm:alg>
+          <dgm:shape xmlns:r="http://schemas.openxmlformats.org/officeDocument/2006/relationships" type="rect" r:blip="">
+            <dgm:adjLst/>
+          </dgm:shape>
+          <dgm:presOf axis="self" ptType="node"/>
+          <dgm:constrLst>
+            <dgm:constr type="lMarg" refType="h" fact="0.3"/>
+            <dgm:constr type="rMarg" refType="h" fact="0.3"/>
+            <dgm:constr type="tMarg" refType="h" fact="0.3"/>
+            <dgm:constr type="bMarg" refType="h" fact="0.3"/>
+          </dgm:constrLst>
+          <dgm:ruleLst>
+            <dgm:rule type="primFontSz" val="14" fact="NaN" max="NaN"/>
+            <dgm:rule type="h" val="INF" fact="NaN" max="NaN"/>
+          </dgm:ruleLst>
+        </dgm:layoutNode>
+        <dgm:choose name="Name12">
+          <dgm:if name="Name13" axis="ch" ptType="node" func="cnt" op="gte" val="1">
+            <dgm:layoutNode name="desTx" styleLbl="revTx">
+              <dgm:varLst/>
+              <dgm:alg type="tx">
+                <dgm:param type="txAnchorVertCh" val="mid"/>
+                <dgm:param type="parTxLTRAlign" val="l"/>
+                <dgm:param type="shpTxLTRAlignCh" val="l"/>
+                <dgm:param type="parTxRTLAlign" val="r"/>
+                <dgm:param type="shpTxRTLAlignCh" val="r"/>
+                <dgm:param type="stBulletLvl" val="0"/>
+              </dgm:alg>
+              <dgm:shape xmlns:r="http://schemas.openxmlformats.org/officeDocument/2006/relationships" type="rect" r:blip="">
+                <dgm:adjLst/>
+              </dgm:shape>
+              <dgm:presOf axis="des" ptType="node"/>
+              <dgm:constrLst>
+                <dgm:constr type="primFontSz" val="18"/>
+                <dgm:constr type="secFontSz" refType="primFontSz"/>
+                <dgm:constr type="lMarg" refType="h" fact="0.3"/>
+                <dgm:constr type="rMarg" refType="h" fact="0.3"/>
+                <dgm:constr type="tMarg" refType="h" fact="0.3"/>
+                <dgm:constr type="bMarg" refType="h" fact="0.3"/>
+              </dgm:constrLst>
+              <dgm:ruleLst>
+                <dgm:rule type="primFontSz" val="11" fact="NaN" max="NaN"/>
+              </dgm:ruleLst>
+            </dgm:layoutNode>
+          </dgm:if>
+          <dgm:else name="Name14"/>
+        </dgm:choose>
+      </dgm:layoutNode>
+      <dgm:forEach name="Name15" axis="followSib" ptType="sibTrans" cnt="1">
+        <dgm:layoutNode name="sibTrans">
+          <dgm:alg type="sp"/>
+          <dgm:shape xmlns:r="http://schemas.openxmlformats.org/officeDocument/2006/relationships" r:blip="">
+            <dgm:adjLst/>
+          </dgm:shape>
+          <dgm:presOf axis="self"/>
+          <dgm:constrLst/>
+          <dgm:ruleLst/>
+        </dgm:layoutNode>
+      </dgm:forEach>
+    </dgm:forEach>
+  </dgm:layoutNode>
+  <dgm:extLst>
+    <a:ext uri="{68A01E43-0DF5-4B5B-8FA6-DAF915123BFB}">
+      <dgm1612:lstStyle xmlns:dgm1612="http://schemas.microsoft.com/office/drawing/2016/12/diagram">
+        <a:lvl1pPr>
+          <a:lnSpc>
+            <a:spcPct val="100000"/>
+          </a:lnSpc>
+        </a:lvl1pPr>
+        <a:lvl2pPr>
+          <a:lnSpc>
+            <a:spcPct val="100000"/>
+          </a:lnSpc>
+        </a:lvl2pPr>
+      </dgm1612:lstStyle>
+    </a:ext>
+  </dgm:extLst>
+</dgm:layoutDef>
+</file>
+
+<file path=ppt/diagrams/layout2.xml><?xml version="1.0" encoding="utf-8"?>
+<dgm:layoutDef xmlns:dgm="http://schemas.openxmlformats.org/drawingml/2006/diagram" xmlns:a="http://schemas.openxmlformats.org/drawingml/2006/main" uniqueId="urn:microsoft.com/office/officeart/2018/2/layout/IconVerticalSolidList">
+  <dgm:title val="Icon Vertical Solid List"/>
+  <dgm:desc val="Use to show a series of visuals from top to bottom with Level 1 or Level 1 and Level 2 text grouped in a shape. Works best with icons or small pictures with lengthier descriptions."/>
+  <dgm:catLst>
+    <dgm:cat type="icon" pri="500"/>
+  </dgm:catLst>
+  <dgm:sampData useDef="1">
+    <dgm:dataModel>
+      <dgm:ptLst/>
+      <dgm:bg/>
+      <dgm:whole/>
+    </dgm:dataModel>
+  </dgm:sampData>
+  <dgm:styleData useDef="1">
+    <dgm:dataModel>
+      <dgm:ptLst/>
+      <dgm:bg/>
+      <dgm:whole/>
+    </dgm:dataModel>
+  </dgm:styleData>
+  <dgm:clrData useDef="1">
+    <dgm:dataModel>
+      <dgm:ptLst/>
+      <dgm:bg/>
+      <dgm:whole/>
+    </dgm:dataModel>
+  </dgm:clrData>
+  <dgm:layoutNode name="root">
+    <dgm:varLst>
+      <dgm:dir/>
+      <dgm:resizeHandles val="exact"/>
+    </dgm:varLst>
+    <dgm:choose name="Name0">
+      <dgm:if name="Name1" axis="self" func="var" arg="dir" op="equ" val="norm">
+        <dgm:alg type="lin">
+          <dgm:param type="linDir" val="fromT"/>
+          <dgm:param type="nodeHorzAlign" val="l"/>
+        </dgm:alg>
+      </dgm:if>
+      <dgm:else name="Name2">
+        <dgm:alg type="lin">
+          <dgm:param type="linDir" val="fromT"/>
+          <dgm:param type="nodeHorzAlign" val="r"/>
+        </dgm:alg>
+      </dgm:else>
+    </dgm:choose>
+    <dgm:shape xmlns:r="http://schemas.openxmlformats.org/officeDocument/2006/relationships" r:blip="">
+      <dgm:adjLst/>
+    </dgm:shape>
+    <dgm:presOf/>
+    <dgm:choose name="Name3">
+      <dgm:if name="Name4" axis="ch" ptType="node" func="cnt" op="lte" val="3">
+        <dgm:constrLst>
+          <dgm:constr type="h" for="ch" forName="compNode" refType="h" fact="0.3"/>
+          <dgm:constr type="w" for="ch" forName="compNode" refType="w"/>
+          <dgm:constr type="h" for="ch" forName="sibTrans" refType="h" refFor="ch" refForName="compNode" fact="0.25"/>
+          <dgm:constr type="primFontSz" for="des" forName="parTx" val="25"/>
+          <dgm:constr type="primFontSz" for="des" forName="desTx" refType="primFontSz" refFor="des" refForName="parTx" op="lte" fact="0.75"/>
+          <dgm:constr type="h" for="des" forName="compNode" op="equ"/>
+          <dgm:constr type="h" for="des" forName="bgRect" op="equ"/>
+          <dgm:constr type="h" for="des" forName="iconRect" op="equ"/>
+          <dgm:constr type="w" for="des" forName="iconRect" op="equ"/>
+          <dgm:constr type="h" for="des" forName="spaceRect" op="equ"/>
+          <dgm:constr type="h" for="des" forName="parTx" op="equ"/>
+          <dgm:constr type="h" for="des" forName="desTx" op="equ"/>
+        </dgm:constrLst>
+      </dgm:if>
+      <dgm:if name="Name5" axis="ch" ptType="node" func="cnt" op="lte" val="4">
+        <dgm:constrLst>
+          <dgm:constr type="h" for="ch" forName="compNode" refType="h" fact="0.3"/>
+          <dgm:constr type="w" for="ch" forName="compNode" refType="w"/>
+          <dgm:constr type="h" for="ch" forName="sibTrans" refType="h" refFor="ch" refForName="compNode" fact="0.25"/>
+          <dgm:constr type="primFontSz" for="des" forName="parTx" val="22"/>
+          <dgm:constr type="primFontSz" for="des" forName="desTx" refType="primFontSz" refFor="des" refForName="parTx" op="lte" fact="0.75"/>
+          <dgm:constr type="h" for="des" forName="compNode" op="equ"/>
+          <dgm:constr type="h" for="des" forName="bgRect" op="equ"/>
+          <dgm:constr type="h" for="des" forName="iconRect" op="equ"/>
+          <dgm:constr type="w" for="des" forName="iconRect" op="equ"/>
+          <dgm:constr type="h" for="des" forName="spaceRect" op="equ"/>
+          <dgm:constr type="h" for="des" forName="parTx" op="equ"/>
+          <dgm:constr type="h" for="des" forName="desTx" op="equ"/>
+        </dgm:constrLst>
+      </dgm:if>
+      <dgm:if name="Name6" axis="ch" ptType="node" func="cnt" op="lte" val="6">
+        <dgm:constrLst>
+          <dgm:constr type="h" for="ch" forName="compNode" refType="h" fact="0.3"/>
+          <dgm:constr type="w" for="ch" forName="compNode" refType="w"/>
+          <dgm:constr type="h" for="ch" forName="sibTrans" refType="h" refFor="ch" refForName="compNode" fact="0.25"/>
+          <dgm:constr type="primFontSz" for="des" forName="parTx" val="19"/>
+          <dgm:constr type="primFontSz" for="des" forName="desTx" refType="primFontSz" refFor="des" refForName="parTx" op="lte" fact="0.75"/>
+          <dgm:constr type="h" for="des" forName="compNode" op="equ"/>
+          <dgm:constr type="h" for="des" forName="bgRect" op="equ"/>
+          <dgm:constr type="h" for="des" forName="iconRect" op="equ"/>
+          <dgm:constr type="w" for="des" forName="iconRect" op="equ"/>
+          <dgm:constr type="h" for="des" forName="spaceRect" op="equ"/>
+          <dgm:constr type="h" for="des" forName="parTx" op="equ"/>
+          <dgm:constr type="h" for="des" forName="desTx" op="equ"/>
+        </dgm:constrLst>
+      </dgm:if>
+      <dgm:else name="Name7">
+        <dgm:constrLst>
+          <dgm:constr type="h" for="ch" forName="compNode" refType="h" fact="0.3"/>
+          <dgm:constr type="w" for="ch" forName="compNode" refType="w"/>
+          <dgm:constr type="h" for="ch" forName="sibTrans" refType="h" refFor="ch" refForName="compNode" fact="0.25"/>
+          <dgm:constr type="primFontSz" for="des" forName="parTx" val="16"/>
+          <dgm:constr type="primFontSz" for="des" forName="desTx" refType="primFontSz" refFor="des" refForName="parTx" op="lte" fact="0.75"/>
+          <dgm:constr type="h" for="des" forName="compNode" op="equ"/>
+          <dgm:constr type="h" for="des" forName="bgRect" op="equ"/>
+          <dgm:constr type="h" for="des" forName="iconRect" op="equ"/>
+          <dgm:constr type="w" for="des" forName="iconRect" op="equ"/>
+          <dgm:constr type="h" for="des" forName="spaceRect" op="equ"/>
+          <dgm:constr type="h" for="des" forName="parTx" op="equ"/>
+          <dgm:constr type="h" for="des" forName="desTx" op="equ"/>
+        </dgm:constrLst>
+      </dgm:else>
+    </dgm:choose>
+    <dgm:ruleLst>
+      <dgm:rule type="h" for="ch" forName="compNode" val="0" fact="NaN" max="NaN"/>
+    </dgm:ruleLst>
+    <dgm:forEach name="Name8" axis="ch" ptType="node">
+      <dgm:layoutNode name="compNode">
+        <dgm:alg type="composite"/>
+        <dgm:shape xmlns:r="http://schemas.openxmlformats.org/officeDocument/2006/relationships" r:blip="">
+          <dgm:adjLst/>
+        </dgm:shape>
+        <dgm:presOf axis="self"/>
+        <dgm:choose name="Name9">
+          <dgm:if name="Name10" axis="ch" ptType="node" func="cnt" op="gte" val="1">
+            <dgm:constrLst>
+              <dgm:constr type="w" for="ch" forName="bgRect" refType="w"/>
+              <dgm:constr type="h" for="ch" forName="bgRect" refType="h"/>
+              <dgm:constr type="l" for="ch" forName="bgRect"/>
+              <dgm:constr type="t" for="ch" forName="bgRect"/>
+              <dgm:constr type="h" for="ch" forName="iconRect" refType="h" fact="0.55"/>
+              <dgm:constr type="w" for="ch" forName="iconRect" refType="h" refFor="ch" refForName="iconRect"/>
+              <dgm:constr type="l" for="ch" forName="iconRect" refType="h" refFor="ch" refForName="iconRect" fact="0.55"/>
+              <dgm:constr type="ctrY" for="ch" forName="iconRect" refType="ctrY" refFor="ch" refForName="bgRect"/>
+              <dgm:constr type="w" for="ch" forName="spaceRect" refType="l" refFor="ch" refForName="iconRect"/>
+              <dgm:constr type="h" for="ch" forName="spaceRect" refType="h"/>
+              <dgm:constr type="l" for="ch" forName="spaceRect" refType="r" refFor="ch" refForName="iconRect"/>
+              <dgm:constr type="t" for="ch" forName="spaceRect"/>
+              <dgm:constr type="w" for="ch" forName="parTx" refType="w" fact="0.45"/>
+              <dgm:constr type="h" for="ch" forName="parTx" refType="h"/>
+              <dgm:constr type="l" for="ch" forName="parTx" refType="r" refFor="ch" refForName="spaceRect"/>
+              <dgm:constr type="t" for="ch" forName="parTx"/>
+              <dgm:constr type="h" for="ch" forName="desTx" refType="h"/>
+              <dgm:constr type="l" for="ch" forName="desTx" refType="r" refFor="ch" refForName="parTx"/>
+              <dgm:constr type="t" for="ch" forName="desTx"/>
+            </dgm:constrLst>
+          </dgm:if>
+          <dgm:else name="Name11">
+            <dgm:constrLst>
+              <dgm:constr type="w" for="ch" forName="bgRect" refType="w"/>
+              <dgm:constr type="h" for="ch" forName="bgRect" refType="h"/>
+              <dgm:constr type="l" for="ch" forName="bgRect"/>
+              <dgm:constr type="t" for="ch" forName="bgRect"/>
+              <dgm:constr type="h" for="ch" forName="iconRect" refType="h" fact="0.55"/>
+              <dgm:constr type="w" for="ch" forName="iconRect" refType="h" refFor="ch" refForName="iconRect"/>
+              <dgm:constr type="l" for="ch" forName="iconRect" refType="h" refFor="ch" refForName="iconRect" fact="0.55"/>
+              <dgm:constr type="ctrY" for="ch" forName="iconRect" refType="ctrY" refFor="ch" refForName="bgRect"/>
+              <dgm:constr type="w" for="ch" forName="spaceRect" refType="l" refFor="ch" refForName="iconRect"/>
+              <dgm:constr type="h" for="ch" forName="spaceRect" refType="h"/>
+              <dgm:constr type="l" for="ch" forName="spaceRect" refType="r" refFor="ch" refForName="iconRect"/>
+              <dgm:constr type="t" for="ch" forName="spaceRect"/>
+              <dgm:constr type="h" for="ch" forName="parTx" refType="h"/>
+              <dgm:constr type="l" for="ch" forName="parTx" refType="r" refFor="ch" refForName="spaceRect"/>
+              <dgm:constr type="t" for="ch" forName="parTx"/>
+            </dgm:constrLst>
+          </dgm:else>
+        </dgm:choose>
+        <dgm:ruleLst>
+          <dgm:rule type="h" val="INF" fact="NaN" max="NaN"/>
+        </dgm:ruleLst>
+        <dgm:layoutNode name="bgRect" styleLbl="bgShp">
+          <dgm:alg type="sp"/>
+          <dgm:shape xmlns:r="http://schemas.openxmlformats.org/officeDocument/2006/relationships" type="roundRect" r:blip="">
+            <dgm:adjLst>
+              <dgm:adj idx="1" val="0.1"/>
+            </dgm:adjLst>
+          </dgm:shape>
+          <dgm:presOf/>
+          <dgm:constrLst/>
+          <dgm:ruleLst/>
+        </dgm:layoutNode>
+        <dgm:layoutNode name="iconRect" styleLbl="node1">
+          <dgm:alg type="sp"/>
+          <dgm:shape xmlns:r="http://schemas.openxmlformats.org/officeDocument/2006/relationships" type="rect" r:blip="" blipPhldr="1">
+            <dgm:adjLst/>
+          </dgm:shape>
+          <dgm:presOf/>
+          <dgm:constrLst/>
+          <dgm:ruleLst/>
+        </dgm:layoutNode>
+        <dgm:layoutNode name="spaceRect">
+          <dgm:alg type="sp"/>
+          <dgm:shape xmlns:r="http://schemas.openxmlformats.org/officeDocument/2006/relationships" r:blip="">
+            <dgm:adjLst/>
+          </dgm:shape>
+          <dgm:presOf/>
+          <dgm:constrLst/>
+          <dgm:ruleLst/>
+        </dgm:layoutNode>
+        <dgm:layoutNode name="parTx" styleLbl="revTx">
+          <dgm:varLst>
+            <dgm:chMax val="0"/>
+            <dgm:chPref val="0"/>
+          </dgm:varLst>
+          <dgm:alg type="tx">
+            <dgm:param type="txAnchorVert" val="mid"/>
+            <dgm:param type="parTxLTRAlign" val="l"/>
+            <dgm:param type="shpTxLTRAlignCh" val="l"/>
+            <dgm:param type="parTxRTLAlign" val="r"/>
+            <dgm:param type="shpTxRTLAlignCh" val="r"/>
+          </dgm:alg>
+          <dgm:shape xmlns:r="http://schemas.openxmlformats.org/officeDocument/2006/relationships" type="rect" r:blip="">
+            <dgm:adjLst/>
+          </dgm:shape>
+          <dgm:presOf axis="self" ptType="node"/>
+          <dgm:constrLst>
+            <dgm:constr type="lMarg" refType="h" fact="0.3"/>
+            <dgm:constr type="rMarg" refType="h" fact="0.3"/>
+            <dgm:constr type="tMarg" refType="h" fact="0.3"/>
+            <dgm:constr type="bMarg" refType="h" fact="0.3"/>
+          </dgm:constrLst>
+          <dgm:ruleLst>
+            <dgm:rule type="primFontSz" val="14" fact="NaN" max="NaN"/>
+            <dgm:rule type="h" val="INF" fact="NaN" max="NaN"/>
+          </dgm:ruleLst>
+        </dgm:layoutNode>
+        <dgm:choose name="Name12">
+          <dgm:if name="Name13" axis="ch" ptType="node" func="cnt" op="gte" val="1">
+            <dgm:layoutNode name="desTx" styleLbl="revTx">
+              <dgm:varLst/>
+              <dgm:alg type="tx">
+                <dgm:param type="txAnchorVertCh" val="mid"/>
+                <dgm:param type="parTxLTRAlign" val="l"/>
+                <dgm:param type="shpTxLTRAlignCh" val="l"/>
+                <dgm:param type="parTxRTLAlign" val="r"/>
+                <dgm:param type="shpTxRTLAlignCh" val="r"/>
+                <dgm:param type="stBulletLvl" val="0"/>
+              </dgm:alg>
+              <dgm:shape xmlns:r="http://schemas.openxmlformats.org/officeDocument/2006/relationships" type="rect" r:blip="">
+                <dgm:adjLst/>
+              </dgm:shape>
+              <dgm:presOf axis="des" ptType="node"/>
+              <dgm:constrLst>
+                <dgm:constr type="primFontSz" val="18"/>
+                <dgm:constr type="secFontSz" refType="primFontSz"/>
+                <dgm:constr type="lMarg" refType="h" fact="0.3"/>
+                <dgm:constr type="rMarg" refType="h" fact="0.3"/>
+                <dgm:constr type="tMarg" refType="h" fact="0.3"/>
+                <dgm:constr type="bMarg" refType="h" fact="0.3"/>
+              </dgm:constrLst>
+              <dgm:ruleLst>
+                <dgm:rule type="primFontSz" val="11" fact="NaN" max="NaN"/>
+              </dgm:ruleLst>
+            </dgm:layoutNode>
+          </dgm:if>
+          <dgm:else name="Name14"/>
+        </dgm:choose>
+      </dgm:layoutNode>
+      <dgm:forEach name="Name15" axis="followSib" ptType="sibTrans" cnt="1">
+        <dgm:layoutNode name="sibTrans">
+          <dgm:alg type="sp"/>
+          <dgm:shape xmlns:r="http://schemas.openxmlformats.org/officeDocument/2006/relationships" r:blip="">
+            <dgm:adjLst/>
+          </dgm:shape>
+          <dgm:presOf axis="self"/>
+          <dgm:constrLst/>
+          <dgm:ruleLst/>
+        </dgm:layoutNode>
+      </dgm:forEach>
+    </dgm:forEach>
+  </dgm:layoutNode>
+  <dgm:extLst>
+    <a:ext uri="{68A01E43-0DF5-4B5B-8FA6-DAF915123BFB}">
+      <dgm1612:lstStyle xmlns:dgm1612="http://schemas.microsoft.com/office/drawing/2016/12/diagram">
+        <a:lvl1pPr>
+          <a:lnSpc>
+            <a:spcPct val="100000"/>
+          </a:lnSpc>
+        </a:lvl1pPr>
+        <a:lvl2pPr>
+          <a:lnSpc>
+            <a:spcPct val="100000"/>
+          </a:lnSpc>
+        </a:lvl2pPr>
+      </dgm1612:lstStyle>
+    </a:ext>
+  </dgm:extLst>
+</dgm:layoutDef>
+</file>
+
+<file path=ppt/diagrams/quickStyle1.xml><?xml version="1.0" encoding="utf-8"?>
+<dgm:styleDef xmlns:dgm="http://schemas.openxmlformats.org/drawingml/2006/diagram" xmlns:a="http://schemas.openxmlformats.org/drawingml/2006/main" uniqueId="urn:microsoft.com/office/officeart/2005/8/quickstyle/simple1">
+  <dgm:title val=""/>
+  <dgm:desc val=""/>
+  <dgm:catLst>
+    <dgm:cat type="simple" pri="10100"/>
+  </dgm:catLst>
+  <dgm:scene3d>
+    <a:camera prst="orthographicFront"/>
+    <a:lightRig rig="threePt" dir="t"/>
+  </dgm:scene3d>
+  <dgm:styleLbl name="node0">
+    <dgm:scene3d>
+      <a:camera prst="orthographicFront"/>
+      <a:lightRig rig="threePt" dir="t"/>
+    </dgm:scene3d>
+    <dgm:sp3d/>
+    <dgm:txPr/>
+    <dgm:style>
+      <a:lnRef idx="2">
+        <a:scrgbClr r="0" g="0" b="0"/>
+      </a:lnRef>
+      <a:fillRef idx="1">
+        <a:scrgbClr r="0" g="0" b="0"/>
+      </a:fillRef>
+      <a:effectRef idx="0">
+        <a:scrgbClr r="0" g="0" b="0"/>
+      </a:effectRef>
+      <a:fontRef idx="minor">
+        <a:schemeClr val="lt1"/>
+      </a:fontRef>
+    </dgm:style>
+  </dgm:styleLbl>
+  <dgm:styleLbl name="lnNode1">
+    <dgm:scene3d>
+      <a:camera prst="orthographicFront"/>
+      <a:lightRig rig="threePt" dir="t"/>
+    </dgm:scene3d>
+    <dgm:sp3d/>
+    <dgm:txPr/>
+    <dgm:style>
+      <a:lnRef idx="2">
+        <a:scrgbClr r="0" g="0" b="0"/>
+      </a:lnRef>
+      <a:fillRef idx="1">
+        <a:scrgbClr r="0" g="0" b="0"/>
+      </a:fillRef>
+      <a:effectRef idx="0">
+        <a:scrgbClr r="0" g="0" b="0"/>
+      </a:effectRef>
+      <a:fontRef idx="minor">
+        <a:schemeClr val="lt1"/>
+      </a:fontRef>
+    </dgm:style>
+  </dgm:styleLbl>
+  <dgm:styleLbl name="vennNode1">
+    <dgm:scene3d>
+      <a:camera prst="orthographicFront"/>
+      <a:lightRig rig="threePt" dir="t"/>
+    </dgm:scene3d>
+    <dgm:sp3d/>
+    <dgm:txPr/>
+    <dgm:style>
+      <a:lnRef idx="2">
+        <a:scrgbClr r="0" g="0" b="0"/>
+      </a:lnRef>
+      <a:fillRef idx="1">
+        <a:scrgbClr r="0" g="0" b="0"/>
+      </a:fillRef>
+      <a:effectRef idx="0">
+        <a:scrgbClr r="0" g="0" b="0"/>
+      </a:effectRef>
+      <a:fontRef idx="minor">
+        <a:schemeClr val="tx1"/>
+      </a:fontRef>
+    </dgm:style>
+  </dgm:styleLbl>
+  <dgm:styleLbl name="alignNode1">
+    <dgm:scene3d>
+      <a:camera prst="orthographicFront"/>
+      <a:lightRig rig="threePt" dir="t"/>
+    </dgm:scene3d>
+    <dgm:sp3d/>
+    <dgm:txPr/>
+    <dgm:style>
+      <a:lnRef idx="2">
+        <a:scrgbClr r="0" g="0" b="0"/>
+      </a:lnRef>
+      <a:fillRef idx="1">
+        <a:scrgbClr r="0" g="0" b="0"/>
+      </a:fillRef>
+      <a:effectRef idx="0">
+        <a:scrgbClr r="0" g="0" b="0"/>
+      </a:effectRef>
+      <a:fontRef idx="minor">
+        <a:schemeClr val="lt1"/>
+      </a:fontRef>
+    </dgm:style>
+  </dgm:styleLbl>
+  <dgm:styleLbl name="node1">
+    <dgm:scene3d>
+      <a:camera prst="orthographicFront"/>
+      <a:lightRig rig="threePt" dir="t"/>
+    </dgm:scene3d>
+    <dgm:sp3d/>
+    <dgm:txPr/>
+    <dgm:style>
+      <a:lnRef idx="2">
+        <a:scrgbClr r="0" g="0" b="0"/>
+      </a:lnRef>
+      <a:fillRef idx="1">
+        <a:scrgbClr r="0" g="0" b="0"/>
+      </a:fillRef>
+      <a:effectRef idx="0">
+        <a:scrgbClr r="0" g="0" b="0"/>
+      </a:effectRef>
+      <a:fontRef idx="minor">
+        <a:schemeClr val="lt1"/>
+      </a:fontRef>
+    </dgm:style>
+  </dgm:styleLbl>
+  <dgm:styleLbl name="node2">
+    <dgm:scene3d>
+      <a:camera prst="orthographicFront"/>
+      <a:lightRig rig="threePt" dir="t"/>
+    </dgm:scene3d>
+    <dgm:sp3d/>
+    <dgm:txPr/>
+    <dgm:style>
+      <a:lnRef idx="2">
+        <a:scrgbClr r="0" g="0" b="0"/>
+      </a:lnRef>
+      <a:fillRef idx="1">
+        <a:scrgbClr r="0" g="0" b="0"/>
+      </a:fillRef>
+      <a:effectRef idx="0">
+        <a:scrgbClr r="0" g="0" b="0"/>
+      </a:effectRef>
+      <a:fontRef idx="minor">
+        <a:schemeClr val="lt1"/>
+      </a:fontRef>
+    </dgm:style>
+  </dgm:styleLbl>
+  <dgm:styleLbl name="node3">
+    <dgm:scene3d>
+      <a:camera prst="orthographicFront"/>
+      <a:lightRig rig="threePt" dir="t"/>
+    </dgm:scene3d>
+    <dgm:sp3d/>
+    <dgm:txPr/>
+    <dgm:style>
+      <a:lnRef idx="2">
+        <a:scrgbClr r="0" g="0" b="0"/>
+      </a:lnRef>
+      <a:fillRef idx="1">
+        <a:scrgbClr r="0" g="0" b="0"/>
+      </a:fillRef>
+      <a:effectRef idx="0">
+        <a:scrgbClr r="0" g="0" b="0"/>
+      </a:effectRef>
+      <a:fontRef idx="minor">
+        <a:schemeClr val="lt1"/>
+      </a:fontRef>
+    </dgm:style>
+  </dgm:styleLbl>
+  <dgm:styleLbl name="node4">
+    <dgm:scene3d>
+      <a:camera prst="orthographicFront"/>
+      <a:lightRig rig="threePt" dir="t"/>
+    </dgm:scene3d>
+    <dgm:sp3d/>
+    <dgm:txPr/>
+    <dgm:style>
+      <a:lnRef idx="2">
+        <a:scrgbClr r="0" g="0" b="0"/>
+      </a:lnRef>
+      <a:fillRef idx="1">
+        <a:scrgbClr r="0" g="0" b="0"/>
+      </a:fillRef>
+      <a:effectRef idx="0">
+        <a:scrgbClr r="0" g="0" b="0"/>
+      </a:effectRef>
+      <a:fontRef idx="minor">
+        <a:schemeClr val="lt1"/>
+      </a:fontRef>
+    </dgm:style>
+  </dgm:styleLbl>
+  <dgm:styleLbl name="fgImgPlace1">
+    <dgm:scene3d>
+      <a:camera prst="orthographicFront"/>
+      <a:lightRig rig="threePt" dir="t"/>
+    </dgm:scene3d>
+    <dgm:sp3d/>
+    <dgm:txPr/>
+    <dgm:style>
+      <a:lnRef idx="2">
+        <a:scrgbClr r="0" g="0" b="0"/>
+      </a:lnRef>
+      <a:fillRef idx="1">
+        <a:scrgbClr r="0" g="0" b="0"/>
+      </a:fillRef>
+      <a:effectRef idx="0">
+        <a:scrgbClr r="0" g="0" b="0"/>
+      </a:effectRef>
+      <a:fontRef idx="minor"/>
+    </dgm:style>
+  </dgm:styleLbl>
+  <dgm:styleLbl name="alignImgPlace1">
+    <dgm:scene3d>
+      <a:camera prst="orthographicFront"/>
+      <a:lightRig rig="threePt" dir="t"/>
+    </dgm:scene3d>
+    <dgm:sp3d/>
+    <dgm:txPr/>
+    <dgm:style>
+      <a:lnRef idx="2">
+        <a:scrgbClr r="0" g="0" b="0"/>
+      </a:lnRef>
+      <a:fillRef idx="1">
+        <a:scrgbClr r="0" g="0" b="0"/>
+      </a:fillRef>
+      <a:effectRef idx="0">
+        <a:scrgbClr r="0" g="0" b="0"/>
+      </a:effectRef>
+      <a:fontRef idx="minor"/>
+    </dgm:style>
+  </dgm:styleLbl>
+  <dgm:styleLbl name="bgImgPlace1">
+    <dgm:scene3d>
+      <a:camera prst="orthographicFront"/>
+      <a:lightRig rig="threePt" dir="t"/>
+    </dgm:scene3d>
+    <dgm:sp3d/>
+    <dgm:txPr/>
+    <dgm:style>
+      <a:lnRef idx="2">
+        <a:scrgbClr r="0" g="0" b="0"/>
+      </a:lnRef>
+      <a:fillRef idx="1">
+        <a:scrgbClr r="0" g="0" b="0"/>
+      </a:fillRef>
+      <a:effectRef idx="0">
+        <a:scrgbClr r="0" g="0" b="0"/>
+      </a:effectRef>
+      <a:fontRef idx="minor"/>
+    </dgm:style>
+  </dgm:styleLbl>
+  <dgm:styleLbl name="sibTrans2D1">
+    <dgm:scene3d>
+      <a:camera prst="orthographicFront"/>
+      <a:lightRig rig="threePt" dir="t"/>
+    </dgm:scene3d>
+    <dgm:sp3d/>
+    <dgm:txPr/>
+    <dgm:style>
+      <a:lnRef idx="0">
+        <a:scrgbClr r="0" g="0" b="0"/>
+      </a:lnRef>
+      <a:fillRef idx="1">
+        <a:scrgbClr r="0" g="0" b="0"/>
+      </a:fillRef>
+      <a:effectRef idx="0">
+        <a:scrgbClr r="0" g="0" b="0"/>
+      </a:effectRef>
+      <a:fontRef idx="minor">
+        <a:schemeClr val="lt1"/>
+      </a:fontRef>
+    </dgm:style>
+  </dgm:styleLbl>
+  <dgm:styleLbl name="fgSibTrans2D1">
+    <dgm:scene3d>
+      <a:camera prst="orthographicFront"/>
+      <a:lightRig rig="threePt" dir="t"/>
+    </dgm:scene3d>
+    <dgm:sp3d/>
+    <dgm:txPr/>
+    <dgm:style>
+      <a:lnRef idx="0">
+        <a:scrgbClr r="0" g="0" b="0"/>
+      </a:lnRef>
+      <a:fillRef idx="1">
+        <a:scrgbClr r="0" g="0" b="0"/>
+      </a:fillRef>
+      <a:effectRef idx="0">
+        <a:scrgbClr r="0" g="0" b="0"/>
+      </a:effectRef>
+      <a:fontRef idx="minor">
+        <a:schemeClr val="lt1"/>
+      </a:fontRef>
+    </dgm:style>
+  </dgm:styleLbl>
+  <dgm:styleLbl name="bgSibTrans2D1">
+    <dgm:scene3d>
+      <a:camera prst="orthographicFront"/>
+      <a:lightRig rig="threePt" dir="t"/>
+    </dgm:scene3d>
+    <dgm:sp3d/>
+    <dgm:txPr/>
+    <dgm:style>
+      <a:lnRef idx="0">
+        <a:scrgbClr r="0" g="0" b="0"/>
+      </a:lnRef>
+      <a:fillRef idx="1">
+        <a:scrgbClr r="0" g="0" b="0"/>
+      </a:fillRef>
+      <a:effectRef idx="0">
+        <a:scrgbClr r="0" g="0" b="0"/>
+      </a:effectRef>
+      <a:fontRef idx="minor">
+        <a:schemeClr val="lt1"/>
+      </a:fontRef>
+    </dgm:style>
+  </dgm:styleLbl>
+  <dgm:styleLbl name="sibTrans1D1">
+    <dgm:scene3d>
+      <a:camera prst="orthographicFront"/>
+      <a:lightRig rig="threePt" dir="t"/>
+    </dgm:scene3d>
+    <dgm:sp3d/>
+    <dgm:txPr/>
+    <dgm:style>
+      <a:lnRef idx="1">
+        <a:scrgbClr r="0" g="0" b="0"/>
+      </a:lnRef>
+      <a:fillRef idx="0">
+        <a:scrgbClr r="0" g="0" b="0"/>
+      </a:fillRef>
+      <a:effectRef idx="0">
+        <a:scrgbClr r="0" g="0" b="0"/>
+      </a:effectRef>
+      <a:fontRef idx="minor"/>
+    </dgm:style>
+  </dgm:styleLbl>
+  <dgm:styleLbl name="callout">
+    <dgm:scene3d>
+      <a:camera prst="orthographicFront"/>
+      <a:lightRig rig="threePt" dir="t"/>
+    </dgm:scene3d>
+    <dgm:sp3d/>
+    <dgm:txPr/>
+    <dgm:style>
+      <a:lnRef idx="2">
+        <a:scrgbClr r="0" g="0" b="0"/>
+      </a:lnRef>
+      <a:fillRef idx="1">
+        <a:scrgbClr r="0" g="0" b="0"/>
+      </a:fillRef>
+      <a:effectRef idx="0">
+        <a:scrgbClr r="0" g="0" b="0"/>
+      </a:effectRef>
+      <a:fontRef idx="minor"/>
+    </dgm:style>
+  </dgm:styleLbl>
+  <dgm:styleLbl name="asst0">
+    <dgm:scene3d>
+      <a:camera prst="orthographicFront"/>
+      <a:lightRig rig="threePt" dir="t"/>
+    </dgm:scene3d>
+    <dgm:sp3d/>
+    <dgm:txPr/>
+    <dgm:style>
+      <a:lnRef idx="2">
+        <a:scrgbClr r="0" g="0" b="0"/>
+      </a:lnRef>
+      <a:fillRef idx="1">
+        <a:scrgbClr r="0" g="0" b="0"/>
+      </a:fillRef>
+      <a:effectRef idx="0">
+        <a:scrgbClr r="0" g="0" b="0"/>
+      </a:effectRef>
+      <a:fontRef idx="minor">
+        <a:schemeClr val="lt1"/>
+      </a:fontRef>
+    </dgm:style>
+  </dgm:styleLbl>
+  <dgm:styleLbl name="asst1">
+    <dgm:scene3d>
+      <a:camera prst="orthographicFront"/>
+      <a:lightRig rig="threePt" dir="t"/>
+    </dgm:scene3d>
+    <dgm:sp3d/>
+    <dgm:txPr/>
+    <dgm:style>
+      <a:lnRef idx="2">
+        <a:scrgbClr r="0" g="0" b="0"/>
+      </a:lnRef>
+      <a:fillRef idx="1">
+        <a:scrgbClr r="0" g="0" b="0"/>
+      </a:fillRef>
+      <a:effectRef idx="0">
+        <a:scrgbClr r="0" g="0" b="0"/>
+      </a:effectRef>
+      <a:fontRef idx="minor">
+        <a:schemeClr val="lt1"/>
+      </a:fontRef>
+    </dgm:style>
+  </dgm:styleLbl>
+  <dgm:styleLbl name="asst2">
+    <dgm:scene3d>
+      <a:camera prst="orthographicFront"/>
+      <a:lightRig rig="threePt" dir="t"/>
+    </dgm:scene3d>
+    <dgm:sp3d/>
+    <dgm:txPr/>
+    <dgm:style>
+      <a:lnRef idx="2">
+        <a:scrgbClr r="0" g="0" b="0"/>
+      </a:lnRef>
+      <a:fillRef idx="1">
+        <a:scrgbClr r="0" g="0" b="0"/>
+      </a:fillRef>
+      <a:effectRef idx="0">
+        <a:scrgbClr r="0" g="0" b="0"/>
+      </a:effectRef>
+      <a:fontRef idx="minor">
+        <a:schemeClr val="lt1"/>
+      </a:fontRef>
+    </dgm:style>
+  </dgm:styleLbl>
+  <dgm:styleLbl name="asst3">
+    <dgm:scene3d>
+      <a:camera prst="orthographicFront"/>
+      <a:lightRig rig="threePt" dir="t"/>
+    </dgm:scene3d>
+    <dgm:sp3d/>
+    <dgm:txPr/>
+    <dgm:style>
+      <a:lnRef idx="2">
+        <a:scrgbClr r="0" g="0" b="0"/>
+      </a:lnRef>
+      <a:fillRef idx="1">
+        <a:scrgbClr r="0" g="0" b="0"/>
+      </a:fillRef>
+      <a:effectRef idx="0">
+        <a:scrgbClr r="0" g="0" b="0"/>
+      </a:effectRef>
+      <a:fontRef idx="minor">
+        <a:schemeClr val="lt1"/>
+      </a:fontRef>
+    </dgm:style>
+  </dgm:styleLbl>
+  <dgm:styleLbl name="asst4">
+    <dgm:scene3d>
+      <a:camera prst="orthographicFront"/>
+      <a:lightRig rig="threePt" dir="t"/>
+    </dgm:scene3d>
+    <dgm:sp3d/>
+    <dgm:txPr/>
+    <dgm:style>
+      <a:lnRef idx="2">
+        <a:scrgbClr r="0" g="0" b="0"/>
+      </a:lnRef>
+      <a:fillRef idx="1">
+        <a:scrgbClr r="0" g="0" b="0"/>
+      </a:fillRef>
+      <a:effectRef idx="0">
+        <a:scrgbClr r="0" g="0" b="0"/>
+      </a:effectRef>
+      <a:fontRef idx="minor">
+        <a:schemeClr val="lt1"/>
+      </a:fontRef>
+    </dgm:style>
+  </dgm:styleLbl>
+  <dgm:styleLbl name="parChTrans2D1">
+    <dgm:scene3d>
+      <a:camera prst="orthographicFront"/>
+      <a:lightRig rig="threePt" dir="t"/>
+    </dgm:scene3d>
+    <dgm:sp3d/>
+    <dgm:txPr/>
+    <dgm:style>
+      <a:lnRef idx="2">
+        <a:scrgbClr r="0" g="0" b="0"/>
+      </a:lnRef>
+      <a:fillRef idx="1">
+        <a:scrgbClr r="0" g="0" b="0"/>
+      </a:fillRef>
+      <a:effectRef idx="0">
+        <a:scrgbClr r="0" g="0" b="0"/>
+      </a:effectRef>
+      <a:fontRef idx="minor">
+        <a:schemeClr val="lt1"/>
+      </a:fontRef>
+    </dgm:style>
+  </dgm:styleLbl>
+  <dgm:styleLbl name="parChTrans2D2">
+    <dgm:scene3d>
+      <a:camera prst="orthographicFront"/>
+      <a:lightRig rig="threePt" dir="t"/>
+    </dgm:scene3d>
+    <dgm:sp3d/>
+    <dgm:txPr/>
+    <dgm:style>
+      <a:lnRef idx="2">
+        <a:scrgbClr r="0" g="0" b="0"/>
+      </a:lnRef>
+      <a:fillRef idx="1">
+        <a:scrgbClr r="0" g="0" b="0"/>
+      </a:fillRef>
+      <a:effectRef idx="0">
+        <a:scrgbClr r="0" g="0" b="0"/>
+      </a:effectRef>
+      <a:fontRef idx="minor">
+        <a:schemeClr val="lt1"/>
+      </a:fontRef>
+    </dgm:style>
+  </dgm:styleLbl>
+  <dgm:styleLbl name="parChTrans2D3">
+    <dgm:scene3d>
+      <a:camera prst="orthographicFront"/>
+      <a:lightRig rig="threePt" dir="t"/>
+    </dgm:scene3d>
+    <dgm:sp3d/>
+    <dgm:txPr/>
+    <dgm:style>
+      <a:lnRef idx="2">
+        <a:scrgbClr r="0" g="0" b="0"/>
+      </a:lnRef>
+      <a:fillRef idx="1">
+        <a:scrgbClr r="0" g="0" b="0"/>
+      </a:fillRef>
+      <a:effectRef idx="0">
+        <a:scrgbClr r="0" g="0" b="0"/>
+      </a:effectRef>
+      <a:fontRef idx="minor">
+        <a:schemeClr val="lt1"/>
+      </a:fontRef>
+    </dgm:style>
+  </dgm:styleLbl>
+  <dgm:styleLbl name="parChTrans2D4">
+    <dgm:scene3d>
+      <a:camera prst="orthographicFront"/>
+      <a:lightRig rig="threePt" dir="t"/>
+    </dgm:scene3d>
+    <dgm:sp3d/>
+    <dgm:txPr/>
+    <dgm:style>
+      <a:lnRef idx="2">
+        <a:scrgbClr r="0" g="0" b="0"/>
+      </a:lnRef>
+      <a:fillRef idx="1">
+        <a:scrgbClr r="0" g="0" b="0"/>
+      </a:fillRef>
+      <a:effectRef idx="0">
+        <a:scrgbClr r="0" g="0" b="0"/>
+      </a:effectRef>
+      <a:fontRef idx="minor">
+        <a:schemeClr val="lt1"/>
+      </a:fontRef>
+    </dgm:style>
+  </dgm:styleLbl>
+  <dgm:styleLbl name="parChTrans1D1">
+    <dgm:scene3d>
+      <a:camera prst="orthographicFront"/>
+      <a:lightRig rig="threePt" dir="t"/>
+    </dgm:scene3d>
+    <dgm:sp3d/>
+    <dgm:txPr/>
+    <dgm:style>
+      <a:lnRef idx="2">
+        <a:scrgbClr r="0" g="0" b="0"/>
+      </a:lnRef>
+      <a:fillRef idx="0">
+        <a:scrgbClr r="0" g="0" b="0"/>
+      </a:fillRef>
+      <a:effectRef idx="0">
+        <a:scrgbClr r="0" g="0" b="0"/>
+      </a:effectRef>
+      <a:fontRef idx="minor"/>
+    </dgm:style>
+  </dgm:styleLbl>
+  <dgm:styleLbl name="parChTrans1D2">
+    <dgm:scene3d>
+      <a:camera prst="orthographicFront"/>
+      <a:lightRig rig="threePt" dir="t"/>
+    </dgm:scene3d>
+    <dgm:sp3d/>
+    <dgm:txPr/>
+    <dgm:style>
+      <a:lnRef idx="2">
+        <a:scrgbClr r="0" g="0" b="0"/>
+      </a:lnRef>
+      <a:fillRef idx="0">
+        <a:scrgbClr r="0" g="0" b="0"/>
+      </a:fillRef>
+      <a:effectRef idx="0">
+        <a:scrgbClr r="0" g="0" b="0"/>
+      </a:effectRef>
+      <a:fontRef idx="minor"/>
+    </dgm:style>
+  </dgm:styleLbl>
+  <dgm:styleLbl name="parChTrans1D3">
+    <dgm:scene3d>
+      <a:camera prst="orthographicFront"/>
+      <a:lightRig rig="threePt" dir="t"/>
+    </dgm:scene3d>
+    <dgm:sp3d/>
+    <dgm:txPr/>
+    <dgm:style>
+      <a:lnRef idx="2">
+        <a:scrgbClr r="0" g="0" b="0"/>
+      </a:lnRef>
+      <a:fillRef idx="0">
+        <a:scrgbClr r="0" g="0" b="0"/>
+      </a:fillRef>
+      <a:effectRef idx="0">
+        <a:scrgbClr r="0" g="0" b="0"/>
+      </a:effectRef>
+      <a:fontRef idx="minor"/>
+    </dgm:style>
+  </dgm:styleLbl>
+  <dgm:styleLbl name="parChTrans1D4">
+    <dgm:scene3d>
+      <a:camera prst="orthographicFront"/>
+      <a:lightRig rig="threePt" dir="t"/>
+    </dgm:scene3d>
+    <dgm:sp3d/>
+    <dgm:txPr/>
+    <dgm:style>
+      <a:lnRef idx="2">
+        <a:scrgbClr r="0" g="0" b="0"/>
+      </a:lnRef>
+      <a:fillRef idx="0">
+        <a:scrgbClr r="0" g="0" b="0"/>
+      </a:fillRef>
+      <a:effectRef idx="0">
+        <a:scrgbClr r="0" g="0" b="0"/>
+      </a:effectRef>
+      <a:fontRef idx="minor"/>
+    </dgm:style>
+  </dgm:styleLbl>
+  <dgm:styleLbl name="fgAcc1">
+    <dgm:scene3d>
+      <a:camera prst="orthographicFront"/>
+      <a:lightRig rig="threePt" dir="t"/>
+    </dgm:scene3d>
+    <dgm:sp3d/>
+    <dgm:txPr/>
+    <dgm:style>
+      <a:lnRef idx="2">
+        <a:scrgbClr r="0" g="0" b="0"/>
+      </a:lnRef>
+      <a:fillRef idx="1">
+        <a:scrgbClr r="0" g="0" b="0"/>
+      </a:fillRef>
+      <a:effectRef idx="0">
+        <a:scrgbClr r="0" g="0" b="0"/>
+      </a:effectRef>
+      <a:fontRef idx="minor"/>
+    </dgm:style>
+  </dgm:styleLbl>
+  <dgm:styleLbl name="conFgAcc1">
+    <dgm:scene3d>
+      <a:camera prst="orthographicFront"/>
+      <a:lightRig rig="threePt" dir="t"/>
+    </dgm:scene3d>
+    <dgm:sp3d/>
+    <dgm:txPr/>
+    <dgm:style>
+      <a:lnRef idx="2">
+        <a:scrgbClr r="0" g="0" b="0"/>
+      </a:lnRef>
+      <a:fillRef idx="1">
+        <a:scrgbClr r="0" g="0" b="0"/>
+      </a:fillRef>
+      <a:effectRef idx="0">
+        <a:scrgbClr r="0" g="0" b="0"/>
+      </a:effectRef>
+      <a:fontRef idx="minor"/>
+    </dgm:style>
+  </dgm:styleLbl>
+  <dgm:styleLbl name="alignAcc1">
+    <dgm:scene3d>
+      <a:camera prst="orthographicFront"/>
+      <a:lightRig rig="threePt" dir="t"/>
+    </dgm:scene3d>
+    <dgm:sp3d/>
+    <dgm:txPr/>
+    <dgm:style>
+      <a:lnRef idx="2">
+        <a:scrgbClr r="0" g="0" b="0"/>
+      </a:lnRef>
+      <a:fillRef idx="1">
+        <a:scrgbClr r="0" g="0" b="0"/>
+      </a:fillRef>
+      <a:effectRef idx="0">
+        <a:scrgbClr r="0" g="0" b="0"/>
+      </a:effectRef>
+      <a:fontRef idx="minor"/>
+    </dgm:style>
+  </dgm:styleLbl>
+  <dgm:styleLbl name="trAlignAcc1">
+    <dgm:scene3d>
+      <a:camera prst="orthographicFront"/>
+      <a:lightRig rig="threePt" dir="t"/>
+    </dgm:scene3d>
+    <dgm:sp3d/>
+    <dgm:txPr/>
+    <dgm:style>
+      <a:lnRef idx="1">
+        <a:scrgbClr r="0" g="0" b="0"/>
+      </a:lnRef>
+      <a:fillRef idx="1">
+        <a:scrgbClr r="0" g="0" b="0"/>
+      </a:fillRef>
+      <a:effectRef idx="0">
+        <a:scrgbClr r="0" g="0" b="0"/>
+      </a:effectRef>
+      <a:fontRef idx="minor"/>
+    </dgm:style>
+  </dgm:styleLbl>
+  <dgm:styleLbl name="bgAcc1">
+    <dgm:scene3d>
+      <a:camera prst="orthographicFront"/>
+      <a:lightRig rig="threePt" dir="t"/>
+    </dgm:scene3d>
+    <dgm:sp3d/>
+    <dgm:txPr/>
+    <dgm:style>
+      <a:lnRef idx="2">
+        <a:scrgbClr r="0" g="0" b="0"/>
+      </a:lnRef>
+      <a:fillRef idx="1">
+        <a:scrgbClr r="0" g="0" b="0"/>
+      </a:fillRef>
+      <a:effectRef idx="0">
+        <a:scrgbClr r="0" g="0" b="0"/>
+      </a:effectRef>
+      <a:fontRef idx="minor"/>
+    </dgm:style>
+  </dgm:styleLbl>
+  <dgm:styleLbl name="solidFgAcc1">
+    <dgm:scene3d>
+      <a:camera prst="orthographicFront"/>
+      <a:lightRig rig="threePt" dir="t"/>
+    </dgm:scene3d>
+    <dgm:sp3d/>
+    <dgm:txPr/>
+    <dgm:style>
+      <a:lnRef idx="2">
+        <a:scrgbClr r="0" g="0" b="0"/>
+      </a:lnRef>
+      <a:fillRef idx="1">
+        <a:scrgbClr r="0" g="0" b="0"/>
+      </a:fillRef>
+      <a:effectRef idx="0">
+        <a:scrgbClr r="0" g="0" b="0"/>
+      </a:effectRef>
+      <a:fontRef idx="minor"/>
+    </dgm:style>
+  </dgm:styleLbl>
+  <dgm:styleLbl name="solidAlignAcc1">
+    <dgm:scene3d>
+      <a:camera prst="orthographicFront"/>
+      <a:lightRig rig="threePt" dir="t"/>
+    </dgm:scene3d>
+    <dgm:sp3d/>
+    <dgm:txPr/>
+    <dgm:style>
+      <a:lnRef idx="2">
+        <a:scrgbClr r="0" g="0" b="0"/>
+      </a:lnRef>
+      <a:fillRef idx="1">
+        <a:scrgbClr r="0" g="0" b="0"/>
+      </a:fillRef>
+      <a:effectRef idx="0">
+        <a:scrgbClr r="0" g="0" b="0"/>
+      </a:effectRef>
+      <a:fontRef idx="minor"/>
+    </dgm:style>
+  </dgm:styleLbl>
+  <dgm:styleLbl name="solidBgAcc1">
+    <dgm:scene3d>
+      <a:camera prst="orthographicFront"/>
+      <a:lightRig rig="threePt" dir="t"/>
+    </dgm:scene3d>
+    <dgm:sp3d/>
+    <dgm:txPr/>
+    <dgm:style>
+      <a:lnRef idx="2">
+        <a:scrgbClr r="0" g="0" b="0"/>
+      </a:lnRef>
+      <a:fillRef idx="1">
+        <a:scrgbClr r="0" g="0" b="0"/>
+      </a:fillRef>
+      <a:effectRef idx="0">
+        <a:scrgbClr r="0" g="0" b="0"/>
+      </a:effectRef>
+      <a:fontRef idx="minor"/>
+    </dgm:style>
+  </dgm:styleLbl>
+  <dgm:styleLbl name="fgAccFollowNode1">
+    <dgm:scene3d>
+      <a:camera prst="orthographicFront"/>
+      <a:lightRig rig="threePt" dir="t"/>
+    </dgm:scene3d>
+    <dgm:sp3d/>
+    <dgm:txPr/>
+    <dgm:style>
+      <a:lnRef idx="2">
+        <a:scrgbClr r="0" g="0" b="0"/>
+      </a:lnRef>
+      <a:fillRef idx="1">
+        <a:scrgbClr r="0" g="0" b="0"/>
+      </a:fillRef>
+      <a:effectRef idx="0">
+        <a:scrgbClr r="0" g="0" b="0"/>
+      </a:effectRef>
+      <a:fontRef idx="minor"/>
+    </dgm:style>
+  </dgm:styleLbl>
+  <dgm:styleLbl name="alignAccFollowNode1">
+    <dgm:scene3d>
+      <a:camera prst="orthographicFront"/>
+      <a:lightRig rig="threePt" dir="t"/>
+    </dgm:scene3d>
+    <dgm:sp3d/>
+    <dgm:txPr/>
+    <dgm:style>
+      <a:lnRef idx="2">
+        <a:scrgbClr r="0" g="0" b="0"/>
+      </a:lnRef>
+      <a:fillRef idx="1">
+        <a:scrgbClr r="0" g="0" b="0"/>
+      </a:fillRef>
+      <a:effectRef idx="0">
+        <a:scrgbClr r="0" g="0" b="0"/>
+      </a:effectRef>
+      <a:fontRef idx="minor"/>
+    </dgm:style>
+  </dgm:styleLbl>
+  <dgm:styleLbl name="bgAccFollowNode1">
+    <dgm:scene3d>
+      <a:camera prst="orthographicFront"/>
+      <a:lightRig rig="threePt" dir="t"/>
+    </dgm:scene3d>
+    <dgm:sp3d/>
+    <dgm:txPr/>
+    <dgm:style>
+      <a:lnRef idx="2">
+        <a:scrgbClr r="0" g="0" b="0"/>
+      </a:lnRef>
+      <a:fillRef idx="1">
+        <a:scrgbClr r="0" g="0" b="0"/>
+      </a:fillRef>
+      <a:effectRef idx="0">
+        <a:scrgbClr r="0" g="0" b="0"/>
+      </a:effectRef>
+      <a:fontRef idx="minor"/>
+    </dgm:style>
+  </dgm:styleLbl>
+  <dgm:styleLbl name="fgAcc0">
+    <dgm:scene3d>
+      <a:camera prst="orthographicFront"/>
+      <a:lightRig rig="threePt" dir="t"/>
+    </dgm:scene3d>
+    <dgm:sp3d/>
+    <dgm:txPr/>
+    <dgm:style>
+      <a:lnRef idx="2">
+        <a:scrgbClr r="0" g="0" b="0"/>
+      </a:lnRef>
+      <a:fillRef idx="1">
+        <a:scrgbClr r="0" g="0" b="0"/>
+      </a:fillRef>
+      <a:effectRef idx="0">
+        <a:scrgbClr r="0" g="0" b="0"/>
+      </a:effectRef>
+      <a:fontRef idx="minor"/>
+    </dgm:style>
+  </dgm:styleLbl>
+  <dgm:styleLbl name="fgAcc2">
+    <dgm:scene3d>
+      <a:camera prst="orthographicFront"/>
+      <a:lightRig rig="threePt" dir="t"/>
+    </dgm:scene3d>
+    <dgm:sp3d/>
+    <dgm:txPr/>
+    <dgm:style>
+      <a:lnRef idx="2">
+        <a:scrgbClr r="0" g="0" b="0"/>
+      </a:lnRef>
+      <a:fillRef idx="1">
+        <a:scrgbClr r="0" g="0" b="0"/>
+      </a:fillRef>
+      <a:effectRef idx="0">
+        <a:scrgbClr r="0" g="0" b="0"/>
+      </a:effectRef>
+      <a:fontRef idx="minor"/>
+    </dgm:style>
+  </dgm:styleLbl>
+  <dgm:styleLbl name="fgAcc3">
+    <dgm:scene3d>
+      <a:camera prst="orthographicFront"/>
+      <a:lightRig rig="threePt" dir="t"/>
+    </dgm:scene3d>
+    <dgm:sp3d/>
+    <dgm:txPr/>
+    <dgm:style>
+      <a:lnRef idx="2">
+        <a:scrgbClr r="0" g="0" b="0"/>
+      </a:lnRef>
+      <a:fillRef idx="1">
+        <a:scrgbClr r="0" g="0" b="0"/>
+      </a:fillRef>
+      <a:effectRef idx="0">
+        <a:scrgbClr r="0" g="0" b="0"/>
+      </a:effectRef>
+      <a:fontRef idx="minor"/>
+    </dgm:style>
+  </dgm:styleLbl>
+  <dgm:styleLbl name="fgAcc4">
+    <dgm:scene3d>
+      <a:camera prst="orthographicFront"/>
+      <a:lightRig rig="threePt" dir="t"/>
+    </dgm:scene3d>
+    <dgm:sp3d/>
+    <dgm:txPr/>
+    <dgm:style>
+      <a:lnRef idx="2">
+        <a:scrgbClr r="0" g="0" b="0"/>
+      </a:lnRef>
+      <a:fillRef idx="1">
+        <a:scrgbClr r="0" g="0" b="0"/>
+      </a:fillRef>
+      <a:effectRef idx="0">
+        <a:scrgbClr r="0" g="0" b="0"/>
+      </a:effectRef>
+      <a:fontRef idx="minor"/>
+    </dgm:style>
+  </dgm:styleLbl>
+  <dgm:styleLbl name="bgShp">
+    <dgm:scene3d>
+      <a:camera prst="orthographicFront"/>
+      <a:lightRig rig="threePt" dir="t"/>
+    </dgm:scene3d>
+    <dgm:sp3d/>
+    <dgm:txPr/>
+    <dgm:style>
+      <a:lnRef idx="0">
+        <a:scrgbClr r="0" g="0" b="0"/>
+      </a:lnRef>
+      <a:fillRef idx="1">
+        <a:scrgbClr r="0" g="0" b="0"/>
+      </a:fillRef>
+      <a:effectRef idx="0">
+        <a:scrgbClr r="0" g="0" b="0"/>
+      </a:effectRef>
+      <a:fontRef idx="minor"/>
+    </dgm:style>
+  </dgm:styleLbl>
+  <dgm:styleLbl name="dkBgShp">
+    <dgm:scene3d>
+      <a:camera prst="orthographicFront"/>
+      <a:lightRig rig="threePt" dir="t"/>
+    </dgm:scene3d>
+    <dgm:sp3d/>
+    <dgm:txPr/>
+    <dgm:style>
+      <a:lnRef idx="0">
+        <a:scrgbClr r="0" g="0" b="0"/>
+      </a:lnRef>
+      <a:fillRef idx="1">
+        <a:scrgbClr r="0" g="0" b="0"/>
+      </a:fillRef>
+      <a:effectRef idx="0">
+        <a:scrgbClr r="0" g="0" b="0"/>
+      </a:effectRef>
+      <a:fontRef idx="minor"/>
+    </dgm:style>
+  </dgm:styleLbl>
+  <dgm:styleLbl name="trBgShp">
+    <dgm:scene3d>
+      <a:camera prst="orthographicFront"/>
+      <a:lightRig rig="threePt" dir="t"/>
+    </dgm:scene3d>
+    <dgm:sp3d/>
+    <dgm:txPr/>
+    <dgm:style>
+      <a:lnRef idx="0">
+        <a:scrgbClr r="0" g="0" b="0"/>
+      </a:lnRef>
+      <a:fillRef idx="1">
+        <a:scrgbClr r="0" g="0" b="0"/>
+      </a:fillRef>
+      <a:effectRef idx="0">
+        <a:scrgbClr r="0" g="0" b="0"/>
+      </a:effectRef>
+      <a:fontRef idx="minor"/>
+    </dgm:style>
+  </dgm:styleLbl>
+  <dgm:styleLbl name="fgShp">
+    <dgm:scene3d>
+      <a:camera prst="orthographicFront"/>
+      <a:lightRig rig="threePt" dir="t"/>
+    </dgm:scene3d>
+    <dgm:sp3d/>
+    <dgm:txPr/>
+    <dgm:style>
+      <a:lnRef idx="2">
+        <a:scrgbClr r="0" g="0" b="0"/>
+      </a:lnRef>
+      <a:fillRef idx="1">
+        <a:scrgbClr r="0" g="0" b="0"/>
+      </a:fillRef>
+      <a:effectRef idx="0">
+        <a:scrgbClr r="0" g="0" b="0"/>
+      </a:effectRef>
+      <a:fontRef idx="minor"/>
+    </dgm:style>
+  </dgm:styleLbl>
+  <dgm:styleLbl name="revTx">
+    <dgm:scene3d>
+      <a:camera prst="orthographicFront"/>
+      <a:lightRig rig="threePt" dir="t"/>
+    </dgm:scene3d>
+    <dgm:sp3d/>
+    <dgm:txPr/>
+    <dgm:style>
+      <a:lnRef idx="0">
+        <a:scrgbClr r="0" g="0" b="0"/>
+      </a:lnRef>
+      <a:fillRef idx="0">
+        <a:scrgbClr r="0" g="0" b="0"/>
+      </a:fillRef>
+      <a:effectRef idx="0">
+        <a:scrgbClr r="0" g="0" b="0"/>
+      </a:effectRef>
+      <a:fontRef idx="minor"/>
+    </dgm:style>
+  </dgm:styleLbl>
+</dgm:styleDef>
+</file>
+
+<file path=ppt/diagrams/quickStyle2.xml><?xml version="1.0" encoding="utf-8"?>
+<dgm:styleDef xmlns:dgm="http://schemas.openxmlformats.org/drawingml/2006/diagram" xmlns:a="http://schemas.openxmlformats.org/drawingml/2006/main" uniqueId="urn:microsoft.com/office/officeart/2005/8/quickstyle/simple1">
+  <dgm:title val=""/>
+  <dgm:desc val=""/>
+  <dgm:catLst>
+    <dgm:cat type="simple" pri="10100"/>
+  </dgm:catLst>
+  <dgm:scene3d>
+    <a:camera prst="orthographicFront"/>
+    <a:lightRig rig="threePt" dir="t"/>
+  </dgm:scene3d>
+  <dgm:styleLbl name="node0">
+    <dgm:scene3d>
+      <a:camera prst="orthographicFront"/>
+      <a:lightRig rig="threePt" dir="t"/>
+    </dgm:scene3d>
+    <dgm:sp3d/>
+    <dgm:txPr/>
+    <dgm:style>
+      <a:lnRef idx="2">
+        <a:scrgbClr r="0" g="0" b="0"/>
+      </a:lnRef>
+      <a:fillRef idx="1">
+        <a:scrgbClr r="0" g="0" b="0"/>
+      </a:fillRef>
+      <a:effectRef idx="0">
+        <a:scrgbClr r="0" g="0" b="0"/>
+      </a:effectRef>
+      <a:fontRef idx="minor">
+        <a:schemeClr val="lt1"/>
+      </a:fontRef>
+    </dgm:style>
+  </dgm:styleLbl>
+  <dgm:styleLbl name="lnNode1">
+    <dgm:scene3d>
+      <a:camera prst="orthographicFront"/>
+      <a:lightRig rig="threePt" dir="t"/>
+    </dgm:scene3d>
+    <dgm:sp3d/>
+    <dgm:txPr/>
+    <dgm:style>
+      <a:lnRef idx="2">
+        <a:scrgbClr r="0" g="0" b="0"/>
+      </a:lnRef>
+      <a:fillRef idx="1">
+        <a:scrgbClr r="0" g="0" b="0"/>
+      </a:fillRef>
+      <a:effectRef idx="0">
+        <a:scrgbClr r="0" g="0" b="0"/>
+      </a:effectRef>
+      <a:fontRef idx="minor">
+        <a:schemeClr val="lt1"/>
+      </a:fontRef>
+    </dgm:style>
+  </dgm:styleLbl>
+  <dgm:styleLbl name="vennNode1">
+    <dgm:scene3d>
+      <a:camera prst="orthographicFront"/>
+      <a:lightRig rig="threePt" dir="t"/>
+    </dgm:scene3d>
+    <dgm:sp3d/>
+    <dgm:txPr/>
+    <dgm:style>
+      <a:lnRef idx="2">
+        <a:scrgbClr r="0" g="0" b="0"/>
+      </a:lnRef>
+      <a:fillRef idx="1">
+        <a:scrgbClr r="0" g="0" b="0"/>
+      </a:fillRef>
+      <a:effectRef idx="0">
+        <a:scrgbClr r="0" g="0" b="0"/>
+      </a:effectRef>
+      <a:fontRef idx="minor">
+        <a:schemeClr val="tx1"/>
+      </a:fontRef>
+    </dgm:style>
+  </dgm:styleLbl>
+  <dgm:styleLbl name="alignNode1">
+    <dgm:scene3d>
+      <a:camera prst="orthographicFront"/>
+      <a:lightRig rig="threePt" dir="t"/>
+    </dgm:scene3d>
+    <dgm:sp3d/>
+    <dgm:txPr/>
+    <dgm:style>
+      <a:lnRef idx="2">
+        <a:scrgbClr r="0" g="0" b="0"/>
+      </a:lnRef>
+      <a:fillRef idx="1">
+        <a:scrgbClr r="0" g="0" b="0"/>
+      </a:fillRef>
+      <a:effectRef idx="0">
+        <a:scrgbClr r="0" g="0" b="0"/>
+      </a:effectRef>
+      <a:fontRef idx="minor">
+        <a:schemeClr val="lt1"/>
+      </a:fontRef>
+    </dgm:style>
+  </dgm:styleLbl>
+  <dgm:styleLbl name="node1">
+    <dgm:scene3d>
+      <a:camera prst="orthographicFront"/>
+      <a:lightRig rig="threePt" dir="t"/>
+    </dgm:scene3d>
+    <dgm:sp3d/>
+    <dgm:txPr/>
+    <dgm:style>
+      <a:lnRef idx="2">
+        <a:scrgbClr r="0" g="0" b="0"/>
+      </a:lnRef>
+      <a:fillRef idx="1">
+        <a:scrgbClr r="0" g="0" b="0"/>
+      </a:fillRef>
+      <a:effectRef idx="0">
+        <a:scrgbClr r="0" g="0" b="0"/>
+      </a:effectRef>
+      <a:fontRef idx="minor">
+        <a:schemeClr val="lt1"/>
+      </a:fontRef>
+    </dgm:style>
+  </dgm:styleLbl>
+  <dgm:styleLbl name="node2">
+    <dgm:scene3d>
+      <a:camera prst="orthographicFront"/>
+      <a:lightRig rig="threePt" dir="t"/>
+    </dgm:scene3d>
+    <dgm:sp3d/>
+    <dgm:txPr/>
+    <dgm:style>
+      <a:lnRef idx="2">
+        <a:scrgbClr r="0" g="0" b="0"/>
+      </a:lnRef>
+      <a:fillRef idx="1">
+        <a:scrgbClr r="0" g="0" b="0"/>
+      </a:fillRef>
+      <a:effectRef idx="0">
+        <a:scrgbClr r="0" g="0" b="0"/>
+      </a:effectRef>
+      <a:fontRef idx="minor">
+        <a:schemeClr val="lt1"/>
+      </a:fontRef>
+    </dgm:style>
+  </dgm:styleLbl>
+  <dgm:styleLbl name="node3">
+    <dgm:scene3d>
+      <a:camera prst="orthographicFront"/>
+      <a:lightRig rig="threePt" dir="t"/>
+    </dgm:scene3d>
+    <dgm:sp3d/>
+    <dgm:txPr/>
+    <dgm:style>
+      <a:lnRef idx="2">
+        <a:scrgbClr r="0" g="0" b="0"/>
+      </a:lnRef>
+      <a:fillRef idx="1">
+        <a:scrgbClr r="0" g="0" b="0"/>
+      </a:fillRef>
+      <a:effectRef idx="0">
+        <a:scrgbClr r="0" g="0" b="0"/>
+      </a:effectRef>
+      <a:fontRef idx="minor">
+        <a:schemeClr val="lt1"/>
+      </a:fontRef>
+    </dgm:style>
+  </dgm:styleLbl>
+  <dgm:styleLbl name="node4">
+    <dgm:scene3d>
+      <a:camera prst="orthographicFront"/>
+      <a:lightRig rig="threePt" dir="t"/>
+    </dgm:scene3d>
+    <dgm:sp3d/>
+    <dgm:txPr/>
+    <dgm:style>
+      <a:lnRef idx="2">
+        <a:scrgbClr r="0" g="0" b="0"/>
+      </a:lnRef>
+      <a:fillRef idx="1">
+        <a:scrgbClr r="0" g="0" b="0"/>
+      </a:fillRef>
+      <a:effectRef idx="0">
+        <a:scrgbClr r="0" g="0" b="0"/>
+      </a:effectRef>
+      <a:fontRef idx="minor">
+        <a:schemeClr val="lt1"/>
+      </a:fontRef>
+    </dgm:style>
+  </dgm:styleLbl>
+  <dgm:styleLbl name="fgImgPlace1">
+    <dgm:scene3d>
+      <a:camera prst="orthographicFront"/>
+      <a:lightRig rig="threePt" dir="t"/>
+    </dgm:scene3d>
+    <dgm:sp3d/>
+    <dgm:txPr/>
+    <dgm:style>
+      <a:lnRef idx="2">
+        <a:scrgbClr r="0" g="0" b="0"/>
+      </a:lnRef>
+      <a:fillRef idx="1">
+        <a:scrgbClr r="0" g="0" b="0"/>
+      </a:fillRef>
+      <a:effectRef idx="0">
+        <a:scrgbClr r="0" g="0" b="0"/>
+      </a:effectRef>
+      <a:fontRef idx="minor"/>
+    </dgm:style>
+  </dgm:styleLbl>
+  <dgm:styleLbl name="alignImgPlace1">
+    <dgm:scene3d>
+      <a:camera prst="orthographicFront"/>
+      <a:lightRig rig="threePt" dir="t"/>
+    </dgm:scene3d>
+    <dgm:sp3d/>
+    <dgm:txPr/>
+    <dgm:style>
+      <a:lnRef idx="2">
+        <a:scrgbClr r="0" g="0" b="0"/>
+      </a:lnRef>
+      <a:fillRef idx="1">
+        <a:scrgbClr r="0" g="0" b="0"/>
+      </a:fillRef>
+      <a:effectRef idx="0">
+        <a:scrgbClr r="0" g="0" b="0"/>
+      </a:effectRef>
+      <a:fontRef idx="minor"/>
+    </dgm:style>
+  </dgm:styleLbl>
+  <dgm:styleLbl name="bgImgPlace1">
+    <dgm:scene3d>
+      <a:camera prst="orthographicFront"/>
+      <a:lightRig rig="threePt" dir="t"/>
+    </dgm:scene3d>
+    <dgm:sp3d/>
+    <dgm:txPr/>
+    <dgm:style>
+      <a:lnRef idx="2">
+        <a:scrgbClr r="0" g="0" b="0"/>
+      </a:lnRef>
+      <a:fillRef idx="1">
+        <a:scrgbClr r="0" g="0" b="0"/>
+      </a:fillRef>
+      <a:effectRef idx="0">
+        <a:scrgbClr r="0" g="0" b="0"/>
+      </a:effectRef>
+      <a:fontRef idx="minor"/>
+    </dgm:style>
+  </dgm:styleLbl>
+  <dgm:styleLbl name="sibTrans2D1">
+    <dgm:scene3d>
+      <a:camera prst="orthographicFront"/>
+      <a:lightRig rig="threePt" dir="t"/>
+    </dgm:scene3d>
+    <dgm:sp3d/>
+    <dgm:txPr/>
+    <dgm:style>
+      <a:lnRef idx="0">
+        <a:scrgbClr r="0" g="0" b="0"/>
+      </a:lnRef>
+      <a:fillRef idx="1">
+        <a:scrgbClr r="0" g="0" b="0"/>
+      </a:fillRef>
+      <a:effectRef idx="0">
+        <a:scrgbClr r="0" g="0" b="0"/>
+      </a:effectRef>
+      <a:fontRef idx="minor">
+        <a:schemeClr val="lt1"/>
+      </a:fontRef>
+    </dgm:style>
+  </dgm:styleLbl>
+  <dgm:styleLbl name="fgSibTrans2D1">
+    <dgm:scene3d>
+      <a:camera prst="orthographicFront"/>
+      <a:lightRig rig="threePt" dir="t"/>
+    </dgm:scene3d>
+    <dgm:sp3d/>
+    <dgm:txPr/>
+    <dgm:style>
+      <a:lnRef idx="0">
+        <a:scrgbClr r="0" g="0" b="0"/>
+      </a:lnRef>
+      <a:fillRef idx="1">
+        <a:scrgbClr r="0" g="0" b="0"/>
+      </a:fillRef>
+      <a:effectRef idx="0">
+        <a:scrgbClr r="0" g="0" b="0"/>
+      </a:effectRef>
+      <a:fontRef idx="minor">
+        <a:schemeClr val="lt1"/>
+      </a:fontRef>
+    </dgm:style>
+  </dgm:styleLbl>
+  <dgm:styleLbl name="bgSibTrans2D1">
+    <dgm:scene3d>
+      <a:camera prst="orthographicFront"/>
+      <a:lightRig rig="threePt" dir="t"/>
+    </dgm:scene3d>
+    <dgm:sp3d/>
+    <dgm:txPr/>
+    <dgm:style>
+      <a:lnRef idx="0">
+        <a:scrgbClr r="0" g="0" b="0"/>
+      </a:lnRef>
+      <a:fillRef idx="1">
+        <a:scrgbClr r="0" g="0" b="0"/>
+      </a:fillRef>
+      <a:effectRef idx="0">
+        <a:scrgbClr r="0" g="0" b="0"/>
+      </a:effectRef>
+      <a:fontRef idx="minor">
+        <a:schemeClr val="lt1"/>
+      </a:fontRef>
+    </dgm:style>
+  </dgm:styleLbl>
+  <dgm:styleLbl name="sibTrans1D1">
+    <dgm:scene3d>
+      <a:camera prst="orthographicFront"/>
+      <a:lightRig rig="threePt" dir="t"/>
+    </dgm:scene3d>
+    <dgm:sp3d/>
+    <dgm:txPr/>
+    <dgm:style>
+      <a:lnRef idx="1">
+        <a:scrgbClr r="0" g="0" b="0"/>
+      </a:lnRef>
+      <a:fillRef idx="0">
+        <a:scrgbClr r="0" g="0" b="0"/>
+      </a:fillRef>
+      <a:effectRef idx="0">
+        <a:scrgbClr r="0" g="0" b="0"/>
+      </a:effectRef>
+      <a:fontRef idx="minor"/>
+    </dgm:style>
+  </dgm:styleLbl>
+  <dgm:styleLbl name="callout">
+    <dgm:scene3d>
+      <a:camera prst="orthographicFront"/>
+      <a:lightRig rig="threePt" dir="t"/>
+    </dgm:scene3d>
+    <dgm:sp3d/>
+    <dgm:txPr/>
+    <dgm:style>
+      <a:lnRef idx="2">
+        <a:scrgbClr r="0" g="0" b="0"/>
+      </a:lnRef>
+      <a:fillRef idx="1">
+        <a:scrgbClr r="0" g="0" b="0"/>
+      </a:fillRef>
+      <a:effectRef idx="0">
+        <a:scrgbClr r="0" g="0" b="0"/>
+      </a:effectRef>
+      <a:fontRef idx="minor"/>
+    </dgm:style>
+  </dgm:styleLbl>
+  <dgm:styleLbl name="asst0">
+    <dgm:scene3d>
+      <a:camera prst="orthographicFront"/>
+      <a:lightRig rig="threePt" dir="t"/>
+    </dgm:scene3d>
+    <dgm:sp3d/>
+    <dgm:txPr/>
+    <dgm:style>
+      <a:lnRef idx="2">
+        <a:scrgbClr r="0" g="0" b="0"/>
+      </a:lnRef>
+      <a:fillRef idx="1">
+        <a:scrgbClr r="0" g="0" b="0"/>
+      </a:fillRef>
+      <a:effectRef idx="0">
+        <a:scrgbClr r="0" g="0" b="0"/>
+      </a:effectRef>
+      <a:fontRef idx="minor">
+        <a:schemeClr val="lt1"/>
+      </a:fontRef>
+    </dgm:style>
+  </dgm:styleLbl>
+  <dgm:styleLbl name="asst1">
+    <dgm:scene3d>
+      <a:camera prst="orthographicFront"/>
+      <a:lightRig rig="threePt" dir="t"/>
+    </dgm:scene3d>
+    <dgm:sp3d/>
+    <dgm:txPr/>
+    <dgm:style>
+      <a:lnRef idx="2">
+        <a:scrgbClr r="0" g="0" b="0"/>
+      </a:lnRef>
+      <a:fillRef idx="1">
+        <a:scrgbClr r="0" g="0" b="0"/>
+      </a:fillRef>
+      <a:effectRef idx="0">
+        <a:scrgbClr r="0" g="0" b="0"/>
+      </a:effectRef>
+      <a:fontRef idx="minor">
+        <a:schemeClr val="lt1"/>
+      </a:fontRef>
+    </dgm:style>
+  </dgm:styleLbl>
+  <dgm:styleLbl name="asst2">
+    <dgm:scene3d>
+      <a:camera prst="orthographicFront"/>
+      <a:lightRig rig="threePt" dir="t"/>
+    </dgm:scene3d>
+    <dgm:sp3d/>
+    <dgm:txPr/>
+    <dgm:style>
+      <a:lnRef idx="2">
+        <a:scrgbClr r="0" g="0" b="0"/>
+      </a:lnRef>
+      <a:fillRef idx="1">
+        <a:scrgbClr r="0" g="0" b="0"/>
+      </a:fillRef>
+      <a:effectRef idx="0">
+        <a:scrgbClr r="0" g="0" b="0"/>
+      </a:effectRef>
+      <a:fontRef idx="minor">
+        <a:schemeClr val="lt1"/>
+      </a:fontRef>
+    </dgm:style>
+  </dgm:styleLbl>
+  <dgm:styleLbl name="asst3">
+    <dgm:scene3d>
+      <a:camera prst="orthographicFront"/>
+      <a:lightRig rig="threePt" dir="t"/>
+    </dgm:scene3d>
+    <dgm:sp3d/>
+    <dgm:txPr/>
+    <dgm:style>
+      <a:lnRef idx="2">
+        <a:scrgbClr r="0" g="0" b="0"/>
+      </a:lnRef>
+      <a:fillRef idx="1">
+        <a:scrgbClr r="0" g="0" b="0"/>
+      </a:fillRef>
+      <a:effectRef idx="0">
+        <a:scrgbClr r="0" g="0" b="0"/>
+      </a:effectRef>
+      <a:fontRef idx="minor">
+        <a:schemeClr val="lt1"/>
+      </a:fontRef>
+    </dgm:style>
+  </dgm:styleLbl>
+  <dgm:styleLbl name="asst4">
+    <dgm:scene3d>
+      <a:camera prst="orthographicFront"/>
+      <a:lightRig rig="threePt" dir="t"/>
+    </dgm:scene3d>
+    <dgm:sp3d/>
+    <dgm:txPr/>
+    <dgm:style>
+      <a:lnRef idx="2">
+        <a:scrgbClr r="0" g="0" b="0"/>
+      </a:lnRef>
+      <a:fillRef idx="1">
+        <a:scrgbClr r="0" g="0" b="0"/>
+      </a:fillRef>
+      <a:effectRef idx="0">
+        <a:scrgbClr r="0" g="0" b="0"/>
+      </a:effectRef>
+      <a:fontRef idx="minor">
+        <a:schemeClr val="lt1"/>
+      </a:fontRef>
+    </dgm:style>
+  </dgm:styleLbl>
+  <dgm:styleLbl name="parChTrans2D1">
+    <dgm:scene3d>
+      <a:camera prst="orthographicFront"/>
+      <a:lightRig rig="threePt" dir="t"/>
+    </dgm:scene3d>
+    <dgm:sp3d/>
+    <dgm:txPr/>
+    <dgm:style>
+      <a:lnRef idx="2">
+        <a:scrgbClr r="0" g="0" b="0"/>
+      </a:lnRef>
+      <a:fillRef idx="1">
+        <a:scrgbClr r="0" g="0" b="0"/>
+      </a:fillRef>
+      <a:effectRef idx="0">
+        <a:scrgbClr r="0" g="0" b="0"/>
+      </a:effectRef>
+      <a:fontRef idx="minor">
+        <a:schemeClr val="lt1"/>
+      </a:fontRef>
+    </dgm:style>
+  </dgm:styleLbl>
+  <dgm:styleLbl name="parChTrans2D2">
+    <dgm:scene3d>
+      <a:camera prst="orthographicFront"/>
+      <a:lightRig rig="threePt" dir="t"/>
+    </dgm:scene3d>
+    <dgm:sp3d/>
+    <dgm:txPr/>
+    <dgm:style>
+      <a:lnRef idx="2">
+        <a:scrgbClr r="0" g="0" b="0"/>
+      </a:lnRef>
+      <a:fillRef idx="1">
+        <a:scrgbClr r="0" g="0" b="0"/>
+      </a:fillRef>
+      <a:effectRef idx="0">
+        <a:scrgbClr r="0" g="0" b="0"/>
+      </a:effectRef>
+      <a:fontRef idx="minor">
+        <a:schemeClr val="lt1"/>
+      </a:fontRef>
+    </dgm:style>
+  </dgm:styleLbl>
+  <dgm:styleLbl name="parChTrans2D3">
+    <dgm:scene3d>
+      <a:camera prst="orthographicFront"/>
+      <a:lightRig rig="threePt" dir="t"/>
+    </dgm:scene3d>
+    <dgm:sp3d/>
+    <dgm:txPr/>
+    <dgm:style>
+      <a:lnRef idx="2">
+        <a:scrgbClr r="0" g="0" b="0"/>
+      </a:lnRef>
+      <a:fillRef idx="1">
+        <a:scrgbClr r="0" g="0" b="0"/>
+      </a:fillRef>
+      <a:effectRef idx="0">
+        <a:scrgbClr r="0" g="0" b="0"/>
+      </a:effectRef>
+      <a:fontRef idx="minor">
+        <a:schemeClr val="lt1"/>
+      </a:fontRef>
+    </dgm:style>
+  </dgm:styleLbl>
+  <dgm:styleLbl name="parChTrans2D4">
+    <dgm:scene3d>
+      <a:camera prst="orthographicFront"/>
+      <a:lightRig rig="threePt" dir="t"/>
+    </dgm:scene3d>
+    <dgm:sp3d/>
+    <dgm:txPr/>
+    <dgm:style>
+      <a:lnRef idx="2">
+        <a:scrgbClr r="0" g="0" b="0"/>
+      </a:lnRef>
+      <a:fillRef idx="1">
+        <a:scrgbClr r="0" g="0" b="0"/>
+      </a:fillRef>
+      <a:effectRef idx="0">
+        <a:scrgbClr r="0" g="0" b="0"/>
+      </a:effectRef>
+      <a:fontRef idx="minor">
+        <a:schemeClr val="lt1"/>
+      </a:fontRef>
+    </dgm:style>
+  </dgm:styleLbl>
+  <dgm:styleLbl name="parChTrans1D1">
+    <dgm:scene3d>
+      <a:camera prst="orthographicFront"/>
+      <a:lightRig rig="threePt" dir="t"/>
+    </dgm:scene3d>
+    <dgm:sp3d/>
+    <dgm:txPr/>
+    <dgm:style>
+      <a:lnRef idx="2">
+        <a:scrgbClr r="0" g="0" b="0"/>
+      </a:lnRef>
+      <a:fillRef idx="0">
+        <a:scrgbClr r="0" g="0" b="0"/>
+      </a:fillRef>
+      <a:effectRef idx="0">
+        <a:scrgbClr r="0" g="0" b="0"/>
+      </a:effectRef>
+      <a:fontRef idx="minor"/>
+    </dgm:style>
+  </dgm:styleLbl>
+  <dgm:styleLbl name="parChTrans1D2">
+    <dgm:scene3d>
+      <a:camera prst="orthographicFront"/>
+      <a:lightRig rig="threePt" dir="t"/>
+    </dgm:scene3d>
+    <dgm:sp3d/>
+    <dgm:txPr/>
+    <dgm:style>
+      <a:lnRef idx="2">
+        <a:scrgbClr r="0" g="0" b="0"/>
+      </a:lnRef>
+      <a:fillRef idx="0">
+        <a:scrgbClr r="0" g="0" b="0"/>
+      </a:fillRef>
+      <a:effectRef idx="0">
+        <a:scrgbClr r="0" g="0" b="0"/>
+      </a:effectRef>
+      <a:fontRef idx="minor"/>
+    </dgm:style>
+  </dgm:styleLbl>
+  <dgm:styleLbl name="parChTrans1D3">
+    <dgm:scene3d>
+      <a:camera prst="orthographicFront"/>
+      <a:lightRig rig="threePt" dir="t"/>
+    </dgm:scene3d>
+    <dgm:sp3d/>
+    <dgm:txPr/>
+    <dgm:style>
+      <a:lnRef idx="2">
+        <a:scrgbClr r="0" g="0" b="0"/>
+      </a:lnRef>
+      <a:fillRef idx="0">
+        <a:scrgbClr r="0" g="0" b="0"/>
+      </a:fillRef>
+      <a:effectRef idx="0">
+        <a:scrgbClr r="0" g="0" b="0"/>
+      </a:effectRef>
+      <a:fontRef idx="minor"/>
+    </dgm:style>
+  </dgm:styleLbl>
+  <dgm:styleLbl name="parChTrans1D4">
+    <dgm:scene3d>
+      <a:camera prst="orthographicFront"/>
+      <a:lightRig rig="threePt" dir="t"/>
+    </dgm:scene3d>
+    <dgm:sp3d/>
+    <dgm:txPr/>
+    <dgm:style>
+      <a:lnRef idx="2">
+        <a:scrgbClr r="0" g="0" b="0"/>
+      </a:lnRef>
+      <a:fillRef idx="0">
+        <a:scrgbClr r="0" g="0" b="0"/>
+      </a:fillRef>
+      <a:effectRef idx="0">
+        <a:scrgbClr r="0" g="0" b="0"/>
+      </a:effectRef>
+      <a:fontRef idx="minor"/>
+    </dgm:style>
+  </dgm:styleLbl>
+  <dgm:styleLbl name="fgAcc1">
+    <dgm:scene3d>
+      <a:camera prst="orthographicFront"/>
+      <a:lightRig rig="threePt" dir="t"/>
+    </dgm:scene3d>
+    <dgm:sp3d/>
+    <dgm:txPr/>
+    <dgm:style>
+      <a:lnRef idx="2">
+        <a:scrgbClr r="0" g="0" b="0"/>
+      </a:lnRef>
+      <a:fillRef idx="1">
+        <a:scrgbClr r="0" g="0" b="0"/>
+      </a:fillRef>
+      <a:effectRef idx="0">
+        <a:scrgbClr r="0" g="0" b="0"/>
+      </a:effectRef>
+      <a:fontRef idx="minor"/>
+    </dgm:style>
+  </dgm:styleLbl>
+  <dgm:styleLbl name="conFgAcc1">
+    <dgm:scene3d>
+      <a:camera prst="orthographicFront"/>
+      <a:lightRig rig="threePt" dir="t"/>
+    </dgm:scene3d>
+    <dgm:sp3d/>
+    <dgm:txPr/>
+    <dgm:style>
+      <a:lnRef idx="2">
+        <a:scrgbClr r="0" g="0" b="0"/>
+      </a:lnRef>
+      <a:fillRef idx="1">
+        <a:scrgbClr r="0" g="0" b="0"/>
+      </a:fillRef>
+      <a:effectRef idx="0">
+        <a:scrgbClr r="0" g="0" b="0"/>
+      </a:effectRef>
+      <a:fontRef idx="minor"/>
+    </dgm:style>
+  </dgm:styleLbl>
+  <dgm:styleLbl name="alignAcc1">
+    <dgm:scene3d>
+      <a:camera prst="orthographicFront"/>
+      <a:lightRig rig="threePt" dir="t"/>
+    </dgm:scene3d>
+    <dgm:sp3d/>
+    <dgm:txPr/>
+    <dgm:style>
+      <a:lnRef idx="2">
+        <a:scrgbClr r="0" g="0" b="0"/>
+      </a:lnRef>
+      <a:fillRef idx="1">
+        <a:scrgbClr r="0" g="0" b="0"/>
+      </a:fillRef>
+      <a:effectRef idx="0">
+        <a:scrgbClr r="0" g="0" b="0"/>
+      </a:effectRef>
+      <a:fontRef idx="minor"/>
+    </dgm:style>
+  </dgm:styleLbl>
+  <dgm:styleLbl name="trAlignAcc1">
+    <dgm:scene3d>
+      <a:camera prst="orthographicFront"/>
+      <a:lightRig rig="threePt" dir="t"/>
+    </dgm:scene3d>
+    <dgm:sp3d/>
+    <dgm:txPr/>
+    <dgm:style>
+      <a:lnRef idx="1">
+        <a:scrgbClr r="0" g="0" b="0"/>
+      </a:lnRef>
+      <a:fillRef idx="1">
+        <a:scrgbClr r="0" g="0" b="0"/>
+      </a:fillRef>
+      <a:effectRef idx="0">
+        <a:scrgbClr r="0" g="0" b="0"/>
+      </a:effectRef>
+      <a:fontRef idx="minor"/>
+    </dgm:style>
+  </dgm:styleLbl>
+  <dgm:styleLbl name="bgAcc1">
+    <dgm:scene3d>
+      <a:camera prst="orthographicFront"/>
+      <a:lightRig rig="threePt" dir="t"/>
+    </dgm:scene3d>
+    <dgm:sp3d/>
+    <dgm:txPr/>
+    <dgm:style>
+      <a:lnRef idx="2">
+        <a:scrgbClr r="0" g="0" b="0"/>
+      </a:lnRef>
+      <a:fillRef idx="1">
+        <a:scrgbClr r="0" g="0" b="0"/>
+      </a:fillRef>
+      <a:effectRef idx="0">
+        <a:scrgbClr r="0" g="0" b="0"/>
+      </a:effectRef>
+      <a:fontRef idx="minor"/>
+    </dgm:style>
+  </dgm:styleLbl>
+  <dgm:styleLbl name="solidFgAcc1">
+    <dgm:scene3d>
+      <a:camera prst="orthographicFront"/>
+      <a:lightRig rig="threePt" dir="t"/>
+    </dgm:scene3d>
+    <dgm:sp3d/>
+    <dgm:txPr/>
+    <dgm:style>
+      <a:lnRef idx="2">
+        <a:scrgbClr r="0" g="0" b="0"/>
+      </a:lnRef>
+      <a:fillRef idx="1">
+        <a:scrgbClr r="0" g="0" b="0"/>
+      </a:fillRef>
+      <a:effectRef idx="0">
+        <a:scrgbClr r="0" g="0" b="0"/>
+      </a:effectRef>
+      <a:fontRef idx="minor"/>
+    </dgm:style>
+  </dgm:styleLbl>
+  <dgm:styleLbl name="solidAlignAcc1">
+    <dgm:scene3d>
+      <a:camera prst="orthographicFront"/>
+      <a:lightRig rig="threePt" dir="t"/>
+    </dgm:scene3d>
+    <dgm:sp3d/>
+    <dgm:txPr/>
+    <dgm:style>
+      <a:lnRef idx="2">
+        <a:scrgbClr r="0" g="0" b="0"/>
+      </a:lnRef>
+      <a:fillRef idx="1">
+        <a:scrgbClr r="0" g="0" b="0"/>
+      </a:fillRef>
+      <a:effectRef idx="0">
+        <a:scrgbClr r="0" g="0" b="0"/>
+      </a:effectRef>
+      <a:fontRef idx="minor"/>
+    </dgm:style>
+  </dgm:styleLbl>
+  <dgm:styleLbl name="solidBgAcc1">
+    <dgm:scene3d>
+      <a:camera prst="orthographicFront"/>
+      <a:lightRig rig="threePt" dir="t"/>
+    </dgm:scene3d>
+    <dgm:sp3d/>
+    <dgm:txPr/>
+    <dgm:style>
+      <a:lnRef idx="2">
+        <a:scrgbClr r="0" g="0" b="0"/>
+      </a:lnRef>
+      <a:fillRef idx="1">
+        <a:scrgbClr r="0" g="0" b="0"/>
+      </a:fillRef>
+      <a:effectRef idx="0">
+        <a:scrgbClr r="0" g="0" b="0"/>
+      </a:effectRef>
+      <a:fontRef idx="minor"/>
+    </dgm:style>
+  </dgm:styleLbl>
+  <dgm:styleLbl name="fgAccFollowNode1">
+    <dgm:scene3d>
+      <a:camera prst="orthographicFront"/>
+      <a:lightRig rig="threePt" dir="t"/>
+    </dgm:scene3d>
+    <dgm:sp3d/>
+    <dgm:txPr/>
+    <dgm:style>
+      <a:lnRef idx="2">
+        <a:scrgbClr r="0" g="0" b="0"/>
+      </a:lnRef>
+      <a:fillRef idx="1">
+        <a:scrgbClr r="0" g="0" b="0"/>
+      </a:fillRef>
+      <a:effectRef idx="0">
+        <a:scrgbClr r="0" g="0" b="0"/>
+      </a:effectRef>
+      <a:fontRef idx="minor"/>
+    </dgm:style>
+  </dgm:styleLbl>
+  <dgm:styleLbl name="alignAccFollowNode1">
+    <dgm:scene3d>
+      <a:camera prst="orthographicFront"/>
+      <a:lightRig rig="threePt" dir="t"/>
+    </dgm:scene3d>
+    <dgm:sp3d/>
+    <dgm:txPr/>
+    <dgm:style>
+      <a:lnRef idx="2">
+        <a:scrgbClr r="0" g="0" b="0"/>
+      </a:lnRef>
+      <a:fillRef idx="1">
+        <a:scrgbClr r="0" g="0" b="0"/>
+      </a:fillRef>
+      <a:effectRef idx="0">
+        <a:scrgbClr r="0" g="0" b="0"/>
+      </a:effectRef>
+      <a:fontRef idx="minor"/>
+    </dgm:style>
+  </dgm:styleLbl>
+  <dgm:styleLbl name="bgAccFollowNode1">
+    <dgm:scene3d>
+      <a:camera prst="orthographicFront"/>
+      <a:lightRig rig="threePt" dir="t"/>
+    </dgm:scene3d>
+    <dgm:sp3d/>
+    <dgm:txPr/>
+    <dgm:style>
+      <a:lnRef idx="2">
+        <a:scrgbClr r="0" g="0" b="0"/>
+      </a:lnRef>
+      <a:fillRef idx="1">
+        <a:scrgbClr r="0" g="0" b="0"/>
+      </a:fillRef>
+      <a:effectRef idx="0">
+        <a:scrgbClr r="0" g="0" b="0"/>
+      </a:effectRef>
+      <a:fontRef idx="minor"/>
+    </dgm:style>
+  </dgm:styleLbl>
+  <dgm:styleLbl name="fgAcc0">
+    <dgm:scene3d>
+      <a:camera prst="orthographicFront"/>
+      <a:lightRig rig="threePt" dir="t"/>
+    </dgm:scene3d>
+    <dgm:sp3d/>
+    <dgm:txPr/>
+    <dgm:style>
+      <a:lnRef idx="2">
+        <a:scrgbClr r="0" g="0" b="0"/>
+      </a:lnRef>
+      <a:fillRef idx="1">
+        <a:scrgbClr r="0" g="0" b="0"/>
+      </a:fillRef>
+      <a:effectRef idx="0">
+        <a:scrgbClr r="0" g="0" b="0"/>
+      </a:effectRef>
+      <a:fontRef idx="minor"/>
+    </dgm:style>
+  </dgm:styleLbl>
+  <dgm:styleLbl name="fgAcc2">
+    <dgm:scene3d>
+      <a:camera prst="orthographicFront"/>
+      <a:lightRig rig="threePt" dir="t"/>
+    </dgm:scene3d>
+    <dgm:sp3d/>
+    <dgm:txPr/>
+    <dgm:style>
+      <a:lnRef idx="2">
+        <a:scrgbClr r="0" g="0" b="0"/>
+      </a:lnRef>
+      <a:fillRef idx="1">
+        <a:scrgbClr r="0" g="0" b="0"/>
+      </a:fillRef>
+      <a:effectRef idx="0">
+        <a:scrgbClr r="0" g="0" b="0"/>
+      </a:effectRef>
+      <a:fontRef idx="minor"/>
+    </dgm:style>
+  </dgm:styleLbl>
+  <dgm:styleLbl name="fgAcc3">
+    <dgm:scene3d>
+      <a:camera prst="orthographicFront"/>
+      <a:lightRig rig="threePt" dir="t"/>
+    </dgm:scene3d>
+    <dgm:sp3d/>
+    <dgm:txPr/>
+    <dgm:style>
+      <a:lnRef idx="2">
+        <a:scrgbClr r="0" g="0" b="0"/>
+      </a:lnRef>
+      <a:fillRef idx="1">
+        <a:scrgbClr r="0" g="0" b="0"/>
+      </a:fillRef>
+      <a:effectRef idx="0">
+        <a:scrgbClr r="0" g="0" b="0"/>
+      </a:effectRef>
+      <a:fontRef idx="minor"/>
+    </dgm:style>
+  </dgm:styleLbl>
+  <dgm:styleLbl name="fgAcc4">
+    <dgm:scene3d>
+      <a:camera prst="orthographicFront"/>
+      <a:lightRig rig="threePt" dir="t"/>
+    </dgm:scene3d>
+    <dgm:sp3d/>
+    <dgm:txPr/>
+    <dgm:style>
+      <a:lnRef idx="2">
+        <a:scrgbClr r="0" g="0" b="0"/>
+      </a:lnRef>
+      <a:fillRef idx="1">
+        <a:scrgbClr r="0" g="0" b="0"/>
+      </a:fillRef>
+      <a:effectRef idx="0">
+        <a:scrgbClr r="0" g="0" b="0"/>
+      </a:effectRef>
+      <a:fontRef idx="minor"/>
+    </dgm:style>
+  </dgm:styleLbl>
+  <dgm:styleLbl name="bgShp">
+    <dgm:scene3d>
+      <a:camera prst="orthographicFront"/>
+      <a:lightRig rig="threePt" dir="t"/>
+    </dgm:scene3d>
+    <dgm:sp3d/>
+    <dgm:txPr/>
+    <dgm:style>
+      <a:lnRef idx="0">
+        <a:scrgbClr r="0" g="0" b="0"/>
+      </a:lnRef>
+      <a:fillRef idx="1">
+        <a:scrgbClr r="0" g="0" b="0"/>
+      </a:fillRef>
+      <a:effectRef idx="0">
+        <a:scrgbClr r="0" g="0" b="0"/>
+      </a:effectRef>
+      <a:fontRef idx="minor"/>
+    </dgm:style>
+  </dgm:styleLbl>
+  <dgm:styleLbl name="dkBgShp">
+    <dgm:scene3d>
+      <a:camera prst="orthographicFront"/>
+      <a:lightRig rig="threePt" dir="t"/>
+    </dgm:scene3d>
+    <dgm:sp3d/>
+    <dgm:txPr/>
+    <dgm:style>
+      <a:lnRef idx="0">
+        <a:scrgbClr r="0" g="0" b="0"/>
+      </a:lnRef>
+      <a:fillRef idx="1">
+        <a:scrgbClr r="0" g="0" b="0"/>
+      </a:fillRef>
+      <a:effectRef idx="0">
+        <a:scrgbClr r="0" g="0" b="0"/>
+      </a:effectRef>
+      <a:fontRef idx="minor"/>
+    </dgm:style>
+  </dgm:styleLbl>
+  <dgm:styleLbl name="trBgShp">
+    <dgm:scene3d>
+      <a:camera prst="orthographicFront"/>
+      <a:lightRig rig="threePt" dir="t"/>
+    </dgm:scene3d>
+    <dgm:sp3d/>
+    <dgm:txPr/>
+    <dgm:style>
+      <a:lnRef idx="0">
+        <a:scrgbClr r="0" g="0" b="0"/>
+      </a:lnRef>
+      <a:fillRef idx="1">
+        <a:scrgbClr r="0" g="0" b="0"/>
+      </a:fillRef>
+      <a:effectRef idx="0">
+        <a:scrgbClr r="0" g="0" b="0"/>
+      </a:effectRef>
+      <a:fontRef idx="minor"/>
+    </dgm:style>
+  </dgm:styleLbl>
+  <dgm:styleLbl name="fgShp">
+    <dgm:scene3d>
+      <a:camera prst="orthographicFront"/>
+      <a:lightRig rig="threePt" dir="t"/>
+    </dgm:scene3d>
+    <dgm:sp3d/>
+    <dgm:txPr/>
+    <dgm:style>
+      <a:lnRef idx="2">
+        <a:scrgbClr r="0" g="0" b="0"/>
+      </a:lnRef>
+      <a:fillRef idx="1">
+        <a:scrgbClr r="0" g="0" b="0"/>
+      </a:fillRef>
+      <a:effectRef idx="0">
+        <a:scrgbClr r="0" g="0" b="0"/>
+      </a:effectRef>
+      <a:fontRef idx="minor"/>
+    </dgm:style>
+  </dgm:styleLbl>
+  <dgm:styleLbl name="revTx">
+    <dgm:scene3d>
+      <a:camera prst="orthographicFront"/>
+      <a:lightRig rig="threePt" dir="t"/>
+    </dgm:scene3d>
+    <dgm:sp3d/>
+    <dgm:txPr/>
+    <dgm:style>
+      <a:lnRef idx="0">
+        <a:scrgbClr r="0" g="0" b="0"/>
+      </a:lnRef>
+      <a:fillRef idx="0">
+        <a:scrgbClr r="0" g="0" b="0"/>
+      </a:fillRef>
+      <a:effectRef idx="0">
+        <a:scrgbClr r="0" g="0" b="0"/>
+      </a:effectRef>
+      <a:fontRef idx="minor"/>
+    </dgm:style>
+  </dgm:styleLbl>
+</dgm:styleDef>
+</file>
+
 <file path=ppt/slideLayouts/slideLayout1.xml><?xml version="1.0" encoding="utf-8"?>
 <p:sldLayout xmlns:a="http://schemas.openxmlformats.org/drawingml/2006/main" xmlns:r="http://schemas.openxmlformats.org/officeDocument/2006/relationships" xmlns:p="http://schemas.openxmlformats.org/presentationml/2006/main" type="title" preserve="1">
   <p:cSld name="Diapositive de titre">
@@ -311,7 +6889,7 @@
             <a:fld id="{B61BEF0D-F0BB-DE4B-95CE-6DB70DBA9567}" type="datetimeFigureOut">
               <a:rPr lang="en-US" dirty="0"/>
               <a:pPr/>
-              <a:t>5/4/2019</a:t>
+              <a:t>5/5/2019</a:t>
             </a:fld>
             <a:endParaRPr lang="en-US" dirty="0"/>
           </a:p>
@@ -646,7 +7224,7 @@
             <a:fld id="{B61BEF0D-F0BB-DE4B-95CE-6DB70DBA9567}" type="datetimeFigureOut">
               <a:rPr lang="en-US" dirty="0"/>
               <a:pPr/>
-              <a:t>5/4/2019</a:t>
+              <a:t>5/5/2019</a:t>
             </a:fld>
             <a:endParaRPr lang="en-US" dirty="0"/>
           </a:p>
@@ -1044,7 +7622,7 @@
             <a:fld id="{B61BEF0D-F0BB-DE4B-95CE-6DB70DBA9567}" type="datetimeFigureOut">
               <a:rPr lang="en-US" dirty="0"/>
               <a:pPr/>
-              <a:t>5/4/2019</a:t>
+              <a:t>5/5/2019</a:t>
             </a:fld>
             <a:endParaRPr lang="en-US" dirty="0"/>
           </a:p>
@@ -1376,7 +7954,7 @@
             <a:fld id="{B61BEF0D-F0BB-DE4B-95CE-6DB70DBA9567}" type="datetimeFigureOut">
               <a:rPr lang="en-US" dirty="0"/>
               <a:pPr/>
-              <a:t>5/4/2019</a:t>
+              <a:t>5/5/2019</a:t>
             </a:fld>
             <a:endParaRPr lang="en-US" dirty="0"/>
           </a:p>
@@ -1693,7 +8271,7 @@
             <a:fld id="{B61BEF0D-F0BB-DE4B-95CE-6DB70DBA9567}" type="datetimeFigureOut">
               <a:rPr lang="en-US" dirty="0"/>
               <a:pPr/>
-              <a:t>5/4/2019</a:t>
+              <a:t>5/5/2019</a:t>
             </a:fld>
             <a:endParaRPr lang="en-US" dirty="0"/>
           </a:p>
@@ -2086,7 +8664,7 @@
             <a:fld id="{B61BEF0D-F0BB-DE4B-95CE-6DB70DBA9567}" type="datetimeFigureOut">
               <a:rPr lang="en-US" dirty="0"/>
               <a:pPr/>
-              <a:t>5/4/2019</a:t>
+              <a:t>5/5/2019</a:t>
             </a:fld>
             <a:endParaRPr lang="en-US" dirty="0"/>
           </a:p>
@@ -2340,7 +8918,7 @@
             <a:fld id="{B61BEF0D-F0BB-DE4B-95CE-6DB70DBA9567}" type="datetimeFigureOut">
               <a:rPr lang="en-US" dirty="0"/>
               <a:pPr/>
-              <a:t>5/4/2019</a:t>
+              <a:t>5/5/2019</a:t>
             </a:fld>
             <a:endParaRPr lang="en-US" dirty="0"/>
           </a:p>
@@ -2599,7 +9177,7 @@
             <a:fld id="{B61BEF0D-F0BB-DE4B-95CE-6DB70DBA9567}" type="datetimeFigureOut">
               <a:rPr lang="en-US" dirty="0"/>
               <a:pPr/>
-              <a:t>5/4/2019</a:t>
+              <a:t>5/5/2019</a:t>
             </a:fld>
             <a:endParaRPr lang="en-US" dirty="0"/>
           </a:p>
@@ -2858,7 +9436,7 @@
             <a:fld id="{B61BEF0D-F0BB-DE4B-95CE-6DB70DBA9567}" type="datetimeFigureOut">
               <a:rPr lang="en-US" dirty="0"/>
               <a:pPr/>
-              <a:t>5/4/2019</a:t>
+              <a:t>5/5/2019</a:t>
             </a:fld>
             <a:endParaRPr lang="en-US" dirty="0"/>
           </a:p>
@@ -3184,7 +9762,7 @@
             <a:fld id="{B61BEF0D-F0BB-DE4B-95CE-6DB70DBA9567}" type="datetimeFigureOut">
               <a:rPr lang="en-US" dirty="0"/>
               <a:pPr/>
-              <a:t>5/4/2019</a:t>
+              <a:t>5/5/2019</a:t>
             </a:fld>
             <a:endParaRPr lang="en-US" dirty="0"/>
           </a:p>
@@ -3504,7 +10082,7 @@
             <a:fld id="{B61BEF0D-F0BB-DE4B-95CE-6DB70DBA9567}" type="datetimeFigureOut">
               <a:rPr lang="en-US" dirty="0"/>
               <a:pPr/>
-              <a:t>5/4/2019</a:t>
+              <a:t>5/5/2019</a:t>
             </a:fld>
             <a:endParaRPr lang="en-US" dirty="0"/>
           </a:p>
@@ -3958,7 +10536,7 @@
             <a:fld id="{B61BEF0D-F0BB-DE4B-95CE-6DB70DBA9567}" type="datetimeFigureOut">
               <a:rPr lang="en-US" dirty="0"/>
               <a:pPr/>
-              <a:t>5/4/2019</a:t>
+              <a:t>5/5/2019</a:t>
             </a:fld>
             <a:endParaRPr lang="en-US" dirty="0"/>
           </a:p>
@@ -4160,7 +10738,7 @@
             <a:fld id="{B61BEF0D-F0BB-DE4B-95CE-6DB70DBA9567}" type="datetimeFigureOut">
               <a:rPr lang="en-US" dirty="0"/>
               <a:pPr/>
-              <a:t>5/4/2019</a:t>
+              <a:t>5/5/2019</a:t>
             </a:fld>
             <a:endParaRPr lang="en-US" dirty="0"/>
           </a:p>
@@ -4334,7 +10912,7 @@
             <a:fld id="{B61BEF0D-F0BB-DE4B-95CE-6DB70DBA9567}" type="datetimeFigureOut">
               <a:rPr lang="en-US" dirty="0"/>
               <a:pPr/>
-              <a:t>5/4/2019</a:t>
+              <a:t>5/5/2019</a:t>
             </a:fld>
             <a:endParaRPr lang="en-US" dirty="0"/>
           </a:p>
@@ -4664,7 +11242,7 @@
             <a:fld id="{B61BEF0D-F0BB-DE4B-95CE-6DB70DBA9567}" type="datetimeFigureOut">
               <a:rPr lang="en-US" dirty="0"/>
               <a:pPr/>
-              <a:t>5/4/2019</a:t>
+              <a:t>5/5/2019</a:t>
             </a:fld>
             <a:endParaRPr lang="en-US" dirty="0"/>
           </a:p>
@@ -5006,7 +11584,7 @@
             <a:fld id="{B61BEF0D-F0BB-DE4B-95CE-6DB70DBA9567}" type="datetimeFigureOut">
               <a:rPr lang="en-US" dirty="0"/>
               <a:pPr/>
-              <a:t>5/4/2019</a:t>
+              <a:t>5/5/2019</a:t>
             </a:fld>
             <a:endParaRPr lang="en-US" dirty="0"/>
           </a:p>
@@ -7120,7 +13698,7 @@
             <a:fld id="{B61BEF0D-F0BB-DE4B-95CE-6DB70DBA9567}" type="datetimeFigureOut">
               <a:rPr lang="en-US" dirty="0"/>
               <a:pPr/>
-              <a:t>5/4/2019</a:t>
+              <a:t>5/5/2019</a:t>
             </a:fld>
             <a:endParaRPr lang="en-US" dirty="0"/>
           </a:p>
@@ -7846,6 +14424,32 @@
 <file path=ppt/slides/slide10.xml><?xml version="1.0" encoding="utf-8"?>
 <p:sld xmlns:a="http://schemas.openxmlformats.org/drawingml/2006/main" xmlns:r="http://schemas.openxmlformats.org/officeDocument/2006/relationships" xmlns:p="http://schemas.openxmlformats.org/presentationml/2006/main">
   <p:cSld>
+    <p:bg>
+      <p:bgPr>
+        <a:gradFill rotWithShape="1">
+          <a:gsLst>
+            <a:gs pos="0">
+              <a:schemeClr val="bg2">
+                <a:tint val="90000"/>
+                <a:satMod val="92000"/>
+                <a:lumMod val="120000"/>
+              </a:schemeClr>
+            </a:gs>
+            <a:gs pos="100000">
+              <a:schemeClr val="bg2">
+                <a:shade val="98000"/>
+                <a:satMod val="120000"/>
+                <a:lumMod val="98000"/>
+              </a:schemeClr>
+            </a:gs>
+          </a:gsLst>
+          <a:path path="circle">
+            <a:fillToRect l="50000" t="50000" r="100000" b="100000"/>
+          </a:path>
+        </a:gradFill>
+        <a:effectLst/>
+      </p:bgPr>
+    </p:bg>
     <p:spTree>
       <p:nvGrpSpPr>
         <p:cNvPr id="1" name=""/>
@@ -7862,6 +14466,69 @@
       </p:grpSpPr>
       <p:sp>
         <p:nvSpPr>
+          <p:cNvPr id="10" name="Rectangle 9">
+            <a:extLst>
+              <a:ext uri="{FF2B5EF4-FFF2-40B4-BE49-F238E27FC236}">
+                <a16:creationId xmlns:a16="http://schemas.microsoft.com/office/drawing/2014/main" id="{B5E4CBEC-18A2-4509-A45D-D5E653582CED}"/>
+              </a:ext>
+              <a:ext uri="{C183D7F6-B498-43B3-948B-1728B52AA6E4}">
+                <adec:decorative xmlns:adec="http://schemas.microsoft.com/office/drawing/2017/decorative" val="1"/>
+              </a:ext>
+            </a:extLst>
+          </p:cNvPr>
+          <p:cNvSpPr>
+            <a:spLocks noGrp="1" noRot="1" noChangeAspect="1" noMove="1" noResize="1" noEditPoints="1" noAdjustHandles="1" noChangeArrowheads="1" noChangeShapeType="1" noTextEdit="1"/>
+          </p:cNvSpPr>
+          <p:nvPr>
+            <p:extLst>
+              <p:ext uri="{386F3935-93C4-4BCD-93E2-E3B085C9AB24}">
+                <p16:designElem xmlns:p16="http://schemas.microsoft.com/office/powerpoint/2015/main" val="1"/>
+              </p:ext>
+            </p:extLst>
+          </p:nvPr>
+        </p:nvSpPr>
+        <p:spPr>
+          <a:xfrm>
+            <a:off x="1" y="0"/>
+            <a:ext cx="4059079" cy="6858000"/>
+          </a:xfrm>
+          <a:prstGeom prst="rect">
+            <a:avLst/>
+          </a:prstGeom>
+          <a:solidFill>
+            <a:schemeClr val="tx2"/>
+          </a:solidFill>
+          <a:ln>
+            <a:noFill/>
+          </a:ln>
+        </p:spPr>
+        <p:style>
+          <a:lnRef idx="2">
+            <a:schemeClr val="accent1">
+              <a:shade val="50000"/>
+            </a:schemeClr>
+          </a:lnRef>
+          <a:fillRef idx="1">
+            <a:schemeClr val="accent1"/>
+          </a:fillRef>
+          <a:effectRef idx="0">
+            <a:schemeClr val="accent1"/>
+          </a:effectRef>
+          <a:fontRef idx="minor">
+            <a:schemeClr val="lt1"/>
+          </a:fontRef>
+        </p:style>
+        <p:txBody>
+          <a:bodyPr rtlCol="0" anchor="ctr"/>
+          <a:lstStyle/>
+          <a:p>
+            <a:pPr algn="ctr"/>
+            <a:endParaRPr lang="en-US"/>
+          </a:p>
+        </p:txBody>
+      </p:sp>
+      <p:sp>
+        <p:nvSpPr>
           <p:cNvPr id="2" name="Titre 1">
             <a:extLst>
               <a:ext uri="{FF2B5EF4-FFF2-40B4-BE49-F238E27FC236}">
@@ -7876,13 +14543,24 @@
             <p:ph type="title"/>
           </p:nvPr>
         </p:nvSpPr>
-        <p:spPr/>
+        <p:spPr>
+          <a:xfrm>
+            <a:off x="1259893" y="3101093"/>
+            <a:ext cx="2454052" cy="3029344"/>
+          </a:xfrm>
+        </p:spPr>
         <p:txBody>
-          <a:bodyPr/>
+          <a:bodyPr>
+            <a:normAutofit/>
+          </a:bodyPr>
           <a:lstStyle/>
           <a:p>
             <a:r>
-              <a:rPr lang="fr-FR" dirty="0"/>
+              <a:rPr lang="fr-FR" sz="3200">
+                <a:solidFill>
+                  <a:schemeClr val="bg1"/>
+                </a:solidFill>
+              </a:rPr>
               <a:t>Bilan: l’état du travail réalisé</a:t>
             </a:r>
           </a:p>
@@ -7890,72 +14568,287 @@
       </p:sp>
       <p:sp>
         <p:nvSpPr>
-          <p:cNvPr id="3" name="Espace réservé du contenu 2">
+          <p:cNvPr id="12" name="Freeform 11">
             <a:extLst>
               <a:ext uri="{FF2B5EF4-FFF2-40B4-BE49-F238E27FC236}">
-                <a16:creationId xmlns:a16="http://schemas.microsoft.com/office/drawing/2014/main" id="{9127CFD1-748A-4BB2-BE46-4CF580374D63}"/>
+                <a16:creationId xmlns:a16="http://schemas.microsoft.com/office/drawing/2014/main" id="{0A5EA4A7-4381-4FC6-AA9A-C9EA77B84F8A}"/>
+              </a:ext>
+              <a:ext uri="{C183D7F6-B498-43B3-948B-1728B52AA6E4}">
+                <adec:decorative xmlns:adec="http://schemas.microsoft.com/office/drawing/2017/decorative" val="1"/>
               </a:ext>
             </a:extLst>
           </p:cNvPr>
           <p:cNvSpPr>
-            <a:spLocks noGrp="1"/>
+            <a:spLocks noGrp="1" noRot="1" noChangeAspect="1" noMove="1" noResize="1" noEditPoints="1" noAdjustHandles="1" noChangeArrowheads="1" noChangeShapeType="1" noTextEdit="1"/>
           </p:cNvSpPr>
           <p:nvPr>
-            <p:ph idx="1"/>
+            <p:extLst>
+              <p:ext uri="{386F3935-93C4-4BCD-93E2-E3B085C9AB24}">
+                <p16:designElem xmlns:p16="http://schemas.microsoft.com/office/powerpoint/2015/main" val="1"/>
+              </p:ext>
+            </p:extLst>
+          </p:nvPr>
+        </p:nvSpPr>
+        <p:spPr bwMode="auto">
+          <a:xfrm flipV="1">
+            <a:off x="-159" y="3179901"/>
+            <a:ext cx="1098194" cy="514066"/>
+          </a:xfrm>
+          <a:custGeom>
+            <a:avLst/>
+            <a:gdLst>
+              <a:gd name="connsiteX0" fmla="*/ 10000 w 10044"/>
+              <a:gd name="connsiteY0" fmla="*/ 4701 h 9966"/>
+              <a:gd name="connsiteX1" fmla="*/ 8559 w 10044"/>
+              <a:gd name="connsiteY1" fmla="*/ 188 h 9966"/>
+              <a:gd name="connsiteX2" fmla="*/ 8527 w 10044"/>
+              <a:gd name="connsiteY2" fmla="*/ 94 h 9966"/>
+              <a:gd name="connsiteX3" fmla="*/ 8438 w 10044"/>
+              <a:gd name="connsiteY3" fmla="*/ 0 h 9966"/>
+              <a:gd name="connsiteX4" fmla="*/ 7867 w 10044"/>
+              <a:gd name="connsiteY4" fmla="*/ 0 h 9966"/>
+              <a:gd name="connsiteX5" fmla="*/ 0 w 10044"/>
+              <a:gd name="connsiteY5" fmla="*/ 70 h 9966"/>
+              <a:gd name="connsiteX6" fmla="*/ 3132 w 10044"/>
+              <a:gd name="connsiteY6" fmla="*/ 9763 h 9966"/>
+              <a:gd name="connsiteX7" fmla="*/ 7867 w 10044"/>
+              <a:gd name="connsiteY7" fmla="*/ 9966 h 9966"/>
+              <a:gd name="connsiteX8" fmla="*/ 8438 w 10044"/>
+              <a:gd name="connsiteY8" fmla="*/ 9966 h 9966"/>
+              <a:gd name="connsiteX9" fmla="*/ 8527 w 10044"/>
+              <a:gd name="connsiteY9" fmla="*/ 9872 h 9966"/>
+              <a:gd name="connsiteX10" fmla="*/ 8559 w 10044"/>
+              <a:gd name="connsiteY10" fmla="*/ 9778 h 9966"/>
+              <a:gd name="connsiteX11" fmla="*/ 10000 w 10044"/>
+              <a:gd name="connsiteY11" fmla="*/ 5265 h 9966"/>
+              <a:gd name="connsiteX12" fmla="*/ 10000 w 10044"/>
+              <a:gd name="connsiteY12" fmla="*/ 4701 h 9966"/>
+              <a:gd name="connsiteX0" fmla="*/ 6839 w 6883"/>
+              <a:gd name="connsiteY0" fmla="*/ 4885 h 10168"/>
+              <a:gd name="connsiteX1" fmla="*/ 5405 w 6883"/>
+              <a:gd name="connsiteY1" fmla="*/ 357 h 10168"/>
+              <a:gd name="connsiteX2" fmla="*/ 5373 w 6883"/>
+              <a:gd name="connsiteY2" fmla="*/ 262 h 10168"/>
+              <a:gd name="connsiteX3" fmla="*/ 5284 w 6883"/>
+              <a:gd name="connsiteY3" fmla="*/ 168 h 10168"/>
+              <a:gd name="connsiteX4" fmla="*/ 4716 w 6883"/>
+              <a:gd name="connsiteY4" fmla="*/ 168 h 10168"/>
+              <a:gd name="connsiteX5" fmla="*/ 50 w 6883"/>
+              <a:gd name="connsiteY5" fmla="*/ 0 h 10168"/>
+              <a:gd name="connsiteX6" fmla="*/ 1 w 6883"/>
+              <a:gd name="connsiteY6" fmla="*/ 9964 h 10168"/>
+              <a:gd name="connsiteX7" fmla="*/ 4716 w 6883"/>
+              <a:gd name="connsiteY7" fmla="*/ 10168 h 10168"/>
+              <a:gd name="connsiteX8" fmla="*/ 5284 w 6883"/>
+              <a:gd name="connsiteY8" fmla="*/ 10168 h 10168"/>
+              <a:gd name="connsiteX9" fmla="*/ 5373 w 6883"/>
+              <a:gd name="connsiteY9" fmla="*/ 10074 h 10168"/>
+              <a:gd name="connsiteX10" fmla="*/ 5405 w 6883"/>
+              <a:gd name="connsiteY10" fmla="*/ 9979 h 10168"/>
+              <a:gd name="connsiteX11" fmla="*/ 6839 w 6883"/>
+              <a:gd name="connsiteY11" fmla="*/ 5451 h 10168"/>
+              <a:gd name="connsiteX12" fmla="*/ 6839 w 6883"/>
+              <a:gd name="connsiteY12" fmla="*/ 4885 h 10168"/>
+            </a:gdLst>
+            <a:ahLst/>
+            <a:cxnLst>
+              <a:cxn ang="0">
+                <a:pos x="connsiteX0" y="connsiteY0"/>
+              </a:cxn>
+              <a:cxn ang="0">
+                <a:pos x="connsiteX1" y="connsiteY1"/>
+              </a:cxn>
+              <a:cxn ang="0">
+                <a:pos x="connsiteX2" y="connsiteY2"/>
+              </a:cxn>
+              <a:cxn ang="0">
+                <a:pos x="connsiteX3" y="connsiteY3"/>
+              </a:cxn>
+              <a:cxn ang="0">
+                <a:pos x="connsiteX4" y="connsiteY4"/>
+              </a:cxn>
+              <a:cxn ang="0">
+                <a:pos x="connsiteX5" y="connsiteY5"/>
+              </a:cxn>
+              <a:cxn ang="0">
+                <a:pos x="connsiteX6" y="connsiteY6"/>
+              </a:cxn>
+              <a:cxn ang="0">
+                <a:pos x="connsiteX7" y="connsiteY7"/>
+              </a:cxn>
+              <a:cxn ang="0">
+                <a:pos x="connsiteX8" y="connsiteY8"/>
+              </a:cxn>
+              <a:cxn ang="0">
+                <a:pos x="connsiteX9" y="connsiteY9"/>
+              </a:cxn>
+              <a:cxn ang="0">
+                <a:pos x="connsiteX10" y="connsiteY10"/>
+              </a:cxn>
+              <a:cxn ang="0">
+                <a:pos x="connsiteX11" y="connsiteY11"/>
+              </a:cxn>
+              <a:cxn ang="0">
+                <a:pos x="connsiteX12" y="connsiteY12"/>
+              </a:cxn>
+            </a:cxnLst>
+            <a:rect l="l" t="t" r="r" b="b"/>
+            <a:pathLst>
+              <a:path w="6883" h="10168">
+                <a:moveTo>
+                  <a:pt x="6839" y="4885"/>
+                </a:moveTo>
+                <a:lnTo>
+                  <a:pt x="5405" y="357"/>
+                </a:lnTo>
+                <a:cubicBezTo>
+                  <a:pt x="5395" y="325"/>
+                  <a:pt x="5383" y="294"/>
+                  <a:pt x="5373" y="262"/>
+                </a:cubicBezTo>
+                <a:cubicBezTo>
+                  <a:pt x="5344" y="168"/>
+                  <a:pt x="5314" y="168"/>
+                  <a:pt x="5284" y="168"/>
+                </a:cubicBezTo>
+                <a:lnTo>
+                  <a:pt x="4716" y="168"/>
+                </a:lnTo>
+                <a:lnTo>
+                  <a:pt x="50" y="0"/>
+                </a:lnTo>
+                <a:cubicBezTo>
+                  <a:pt x="59" y="3322"/>
+                  <a:pt x="-8" y="6643"/>
+                  <a:pt x="1" y="9964"/>
+                </a:cubicBezTo>
+                <a:lnTo>
+                  <a:pt x="4716" y="10168"/>
+                </a:lnTo>
+                <a:lnTo>
+                  <a:pt x="5284" y="10168"/>
+                </a:lnTo>
+                <a:cubicBezTo>
+                  <a:pt x="5314" y="10168"/>
+                  <a:pt x="5344" y="10074"/>
+                  <a:pt x="5373" y="10074"/>
+                </a:cubicBezTo>
+                <a:cubicBezTo>
+                  <a:pt x="5373" y="9979"/>
+                  <a:pt x="5405" y="9979"/>
+                  <a:pt x="5405" y="9979"/>
+                </a:cubicBezTo>
+                <a:lnTo>
+                  <a:pt x="6839" y="5451"/>
+                </a:lnTo>
+                <a:cubicBezTo>
+                  <a:pt x="6898" y="5262"/>
+                  <a:pt x="6898" y="5074"/>
+                  <a:pt x="6839" y="4885"/>
+                </a:cubicBezTo>
+                <a:close/>
+              </a:path>
+            </a:pathLst>
+          </a:custGeom>
+          <a:solidFill>
+            <a:schemeClr val="accent1"/>
+          </a:solidFill>
+          <a:ln>
+            <a:noFill/>
+          </a:ln>
+        </p:spPr>
+      </p:sp>
+      <p:sp useBgFill="1">
+        <p:nvSpPr>
+          <p:cNvPr id="14" name="Rectangle 13">
+            <a:extLst>
+              <a:ext uri="{FF2B5EF4-FFF2-40B4-BE49-F238E27FC236}">
+                <a16:creationId xmlns:a16="http://schemas.microsoft.com/office/drawing/2014/main" id="{E6295D53-0474-4725-85BE-1F15FCC2D97F}"/>
+              </a:ext>
+              <a:ext uri="{C183D7F6-B498-43B3-948B-1728B52AA6E4}">
+                <adec:decorative xmlns:adec="http://schemas.microsoft.com/office/drawing/2017/decorative" val="1"/>
+              </a:ext>
+            </a:extLst>
+          </p:cNvPr>
+          <p:cNvSpPr>
+            <a:spLocks noGrp="1" noRot="1" noChangeAspect="1" noMove="1" noResize="1" noEditPoints="1" noAdjustHandles="1" noChangeArrowheads="1" noChangeShapeType="1" noTextEdit="1"/>
+          </p:cNvSpPr>
+          <p:nvPr>
+            <p:extLst>
+              <p:ext uri="{386F3935-93C4-4BCD-93E2-E3B085C9AB24}">
+                <p16:designElem xmlns:p16="http://schemas.microsoft.com/office/powerpoint/2015/main" val="1"/>
+              </p:ext>
+            </p:extLst>
           </p:nvPr>
         </p:nvSpPr>
         <p:spPr>
           <a:xfrm>
-            <a:off x="1638300" y="1540189"/>
-            <a:ext cx="8915400" cy="3777622"/>
+            <a:off x="4795736" y="0"/>
+            <a:ext cx="7396264" cy="6858000"/>
           </a:xfrm>
+          <a:prstGeom prst="rect">
+            <a:avLst/>
+          </a:prstGeom>
+          <a:ln>
+            <a:noFill/>
+          </a:ln>
         </p:spPr>
+        <p:style>
+          <a:lnRef idx="2">
+            <a:schemeClr val="accent1">
+              <a:shade val="50000"/>
+            </a:schemeClr>
+          </a:lnRef>
+          <a:fillRef idx="1">
+            <a:schemeClr val="accent1"/>
+          </a:fillRef>
+          <a:effectRef idx="0">
+            <a:schemeClr val="accent1"/>
+          </a:effectRef>
+          <a:fontRef idx="minor">
+            <a:schemeClr val="lt1"/>
+          </a:fontRef>
+        </p:style>
         <p:txBody>
-          <a:bodyPr/>
+          <a:bodyPr rtlCol="0" anchor="ctr"/>
           <a:lstStyle/>
           <a:p>
-            <a:r>
-              <a:rPr lang="fr-FR" dirty="0"/>
-              <a:t>Page d’accueil </a:t>
-            </a:r>
-          </a:p>
-          <a:p>
-            <a:r>
-              <a:rPr lang="fr-FR" dirty="0"/>
-              <a:t>S’</a:t>
-            </a:r>
-            <a:r>
-              <a:rPr lang="fr-FR" dirty="0" err="1"/>
-              <a:t>idendifier</a:t>
-            </a:r>
-            <a:r>
-              <a:rPr lang="fr-FR" dirty="0"/>
-              <a:t> en tant que admin ou acheteur</a:t>
-            </a:r>
-          </a:p>
-          <a:p>
-            <a:r>
-              <a:rPr lang="fr-FR" dirty="0"/>
-              <a:t>Ajouter des articles selon la catégorie au panier</a:t>
-            </a:r>
-          </a:p>
-          <a:p>
-            <a:r>
-              <a:rPr lang="fr-FR" dirty="0"/>
-              <a:t>Acheter des articles</a:t>
-            </a:r>
-          </a:p>
-          <a:p>
-            <a:r>
-              <a:rPr lang="fr-FR" dirty="0"/>
-              <a:t>Ajouter ou supprimer des vendeurs ou acheteurs (admin)</a:t>
-            </a:r>
-          </a:p>
-          <a:p>
-            <a:endParaRPr lang="fr-FR" dirty="0"/>
+            <a:pPr algn="ctr"/>
+            <a:endParaRPr lang="en-US"/>
           </a:p>
         </p:txBody>
       </p:sp>
+      <p:graphicFrame>
+        <p:nvGraphicFramePr>
+          <p:cNvPr id="5" name="Espace réservé du contenu 2">
+            <a:extLst>
+              <a:ext uri="{FF2B5EF4-FFF2-40B4-BE49-F238E27FC236}">
+                <a16:creationId xmlns:a16="http://schemas.microsoft.com/office/drawing/2014/main" id="{F1B80F27-8A41-4818-AC4A-B0A6ED996020}"/>
+              </a:ext>
+            </a:extLst>
+          </p:cNvPr>
+          <p:cNvGraphicFramePr>
+            <a:graphicFrameLocks noGrp="1"/>
+          </p:cNvGraphicFramePr>
+          <p:nvPr>
+            <p:ph idx="1"/>
+            <p:extLst>
+              <p:ext uri="{D42A27DB-BD31-4B8C-83A1-F6EECF244321}">
+                <p14:modId xmlns:p14="http://schemas.microsoft.com/office/powerpoint/2010/main" val="1780479550"/>
+              </p:ext>
+            </p:extLst>
+          </p:nvPr>
+        </p:nvGraphicFramePr>
+        <p:xfrm>
+          <a:off x="4713144" y="641551"/>
+          <a:ext cx="6832212" cy="5264779"/>
+        </p:xfrm>
+        <a:graphic>
+          <a:graphicData uri="http://schemas.openxmlformats.org/drawingml/2006/diagram">
+            <dgm:relIds xmlns:dgm="http://schemas.openxmlformats.org/drawingml/2006/diagram" xmlns:r="http://schemas.openxmlformats.org/officeDocument/2006/relationships" r:dm="rId2" r:lo="rId3" r:qs="rId4" r:cs="rId5"/>
+          </a:graphicData>
+        </a:graphic>
+      </p:graphicFrame>
     </p:spTree>
     <p:extLst>
       <p:ext uri="{BB962C8B-B14F-4D97-AF65-F5344CB8AC3E}">
@@ -7972,6 +14865,32 @@
 <file path=ppt/slides/slide11.xml><?xml version="1.0" encoding="utf-8"?>
 <p:sld xmlns:a="http://schemas.openxmlformats.org/drawingml/2006/main" xmlns:r="http://schemas.openxmlformats.org/officeDocument/2006/relationships" xmlns:p="http://schemas.openxmlformats.org/presentationml/2006/main">
   <p:cSld>
+    <p:bg>
+      <p:bgPr>
+        <a:gradFill rotWithShape="1">
+          <a:gsLst>
+            <a:gs pos="0">
+              <a:schemeClr val="bg2">
+                <a:tint val="90000"/>
+                <a:satMod val="92000"/>
+                <a:lumMod val="120000"/>
+              </a:schemeClr>
+            </a:gs>
+            <a:gs pos="100000">
+              <a:schemeClr val="bg2">
+                <a:shade val="98000"/>
+                <a:satMod val="120000"/>
+                <a:lumMod val="98000"/>
+              </a:schemeClr>
+            </a:gs>
+          </a:gsLst>
+          <a:path path="circle">
+            <a:fillToRect l="50000" t="50000" r="100000" b="100000"/>
+          </a:path>
+        </a:gradFill>
+        <a:effectLst/>
+      </p:bgPr>
+    </p:bg>
     <p:spTree>
       <p:nvGrpSpPr>
         <p:cNvPr id="1" name=""/>
@@ -7988,6 +14907,69 @@
       </p:grpSpPr>
       <p:sp>
         <p:nvSpPr>
+          <p:cNvPr id="8" name="Rectangle 7">
+            <a:extLst>
+              <a:ext uri="{FF2B5EF4-FFF2-40B4-BE49-F238E27FC236}">
+                <a16:creationId xmlns:a16="http://schemas.microsoft.com/office/drawing/2014/main" id="{19FE08D8-CEA0-461E-870A-02CD15D9B9D2}"/>
+              </a:ext>
+              <a:ext uri="{C183D7F6-B498-43B3-948B-1728B52AA6E4}">
+                <adec:decorative xmlns:adec="http://schemas.microsoft.com/office/drawing/2017/decorative" val="1"/>
+              </a:ext>
+            </a:extLst>
+          </p:cNvPr>
+          <p:cNvSpPr>
+            <a:spLocks noGrp="1" noRot="1" noChangeAspect="1" noMove="1" noResize="1" noEditPoints="1" noAdjustHandles="1" noChangeArrowheads="1" noChangeShapeType="1" noTextEdit="1"/>
+          </p:cNvSpPr>
+          <p:nvPr>
+            <p:extLst>
+              <p:ext uri="{386F3935-93C4-4BCD-93E2-E3B085C9AB24}">
+                <p16:designElem xmlns:p16="http://schemas.microsoft.com/office/powerpoint/2015/main" val="1"/>
+              </p:ext>
+            </p:extLst>
+          </p:nvPr>
+        </p:nvSpPr>
+        <p:spPr>
+          <a:xfrm>
+            <a:off x="1" y="0"/>
+            <a:ext cx="4059079" cy="6858000"/>
+          </a:xfrm>
+          <a:prstGeom prst="rect">
+            <a:avLst/>
+          </a:prstGeom>
+          <a:solidFill>
+            <a:schemeClr val="tx2"/>
+          </a:solidFill>
+          <a:ln>
+            <a:noFill/>
+          </a:ln>
+        </p:spPr>
+        <p:style>
+          <a:lnRef idx="2">
+            <a:schemeClr val="accent1">
+              <a:shade val="50000"/>
+            </a:schemeClr>
+          </a:lnRef>
+          <a:fillRef idx="1">
+            <a:schemeClr val="accent1"/>
+          </a:fillRef>
+          <a:effectRef idx="0">
+            <a:schemeClr val="accent1"/>
+          </a:effectRef>
+          <a:fontRef idx="minor">
+            <a:schemeClr val="lt1"/>
+          </a:fontRef>
+        </p:style>
+        <p:txBody>
+          <a:bodyPr rtlCol="0" anchor="ctr"/>
+          <a:lstStyle/>
+          <a:p>
+            <a:pPr algn="ctr"/>
+            <a:endParaRPr lang="en-US"/>
+          </a:p>
+        </p:txBody>
+      </p:sp>
+      <p:sp>
+        <p:nvSpPr>
           <p:cNvPr id="2" name="Titre 1">
             <a:extLst>
               <a:ext uri="{FF2B5EF4-FFF2-40B4-BE49-F238E27FC236}">
@@ -8002,15 +14984,278 @@
             <p:ph type="title"/>
           </p:nvPr>
         </p:nvSpPr>
-        <p:spPr/>
+        <p:spPr>
+          <a:xfrm>
+            <a:off x="1259893" y="3101093"/>
+            <a:ext cx="2454052" cy="3029344"/>
+          </a:xfrm>
+        </p:spPr>
         <p:txBody>
-          <a:bodyPr/>
+          <a:bodyPr>
+            <a:normAutofit/>
+          </a:bodyPr>
           <a:lstStyle/>
           <a:p>
             <a:r>
-              <a:rPr lang="fr-FR" dirty="0"/>
+              <a:rPr lang="fr-FR" sz="3200">
+                <a:solidFill>
+                  <a:schemeClr val="bg1"/>
+                </a:solidFill>
+              </a:rPr>
               <a:t>Sitographie</a:t>
             </a:r>
+          </a:p>
+        </p:txBody>
+      </p:sp>
+      <p:sp>
+        <p:nvSpPr>
+          <p:cNvPr id="10" name="Freeform 11">
+            <a:extLst>
+              <a:ext uri="{FF2B5EF4-FFF2-40B4-BE49-F238E27FC236}">
+                <a16:creationId xmlns:a16="http://schemas.microsoft.com/office/drawing/2014/main" id="{2B982904-A46E-41DF-BA98-61E2300C7DCB}"/>
+              </a:ext>
+              <a:ext uri="{C183D7F6-B498-43B3-948B-1728B52AA6E4}">
+                <adec:decorative xmlns:adec="http://schemas.microsoft.com/office/drawing/2017/decorative" val="1"/>
+              </a:ext>
+            </a:extLst>
+          </p:cNvPr>
+          <p:cNvSpPr>
+            <a:spLocks noGrp="1" noRot="1" noChangeAspect="1" noMove="1" noResize="1" noEditPoints="1" noAdjustHandles="1" noChangeArrowheads="1" noChangeShapeType="1" noTextEdit="1"/>
+          </p:cNvSpPr>
+          <p:nvPr>
+            <p:extLst>
+              <p:ext uri="{386F3935-93C4-4BCD-93E2-E3B085C9AB24}">
+                <p16:designElem xmlns:p16="http://schemas.microsoft.com/office/powerpoint/2015/main" val="1"/>
+              </p:ext>
+            </p:extLst>
+          </p:nvPr>
+        </p:nvSpPr>
+        <p:spPr bwMode="auto">
+          <a:xfrm flipV="1">
+            <a:off x="-159" y="3179901"/>
+            <a:ext cx="1098194" cy="514066"/>
+          </a:xfrm>
+          <a:custGeom>
+            <a:avLst/>
+            <a:gdLst>
+              <a:gd name="connsiteX0" fmla="*/ 10000 w 10044"/>
+              <a:gd name="connsiteY0" fmla="*/ 4701 h 9966"/>
+              <a:gd name="connsiteX1" fmla="*/ 8559 w 10044"/>
+              <a:gd name="connsiteY1" fmla="*/ 188 h 9966"/>
+              <a:gd name="connsiteX2" fmla="*/ 8527 w 10044"/>
+              <a:gd name="connsiteY2" fmla="*/ 94 h 9966"/>
+              <a:gd name="connsiteX3" fmla="*/ 8438 w 10044"/>
+              <a:gd name="connsiteY3" fmla="*/ 0 h 9966"/>
+              <a:gd name="connsiteX4" fmla="*/ 7867 w 10044"/>
+              <a:gd name="connsiteY4" fmla="*/ 0 h 9966"/>
+              <a:gd name="connsiteX5" fmla="*/ 0 w 10044"/>
+              <a:gd name="connsiteY5" fmla="*/ 70 h 9966"/>
+              <a:gd name="connsiteX6" fmla="*/ 3132 w 10044"/>
+              <a:gd name="connsiteY6" fmla="*/ 9763 h 9966"/>
+              <a:gd name="connsiteX7" fmla="*/ 7867 w 10044"/>
+              <a:gd name="connsiteY7" fmla="*/ 9966 h 9966"/>
+              <a:gd name="connsiteX8" fmla="*/ 8438 w 10044"/>
+              <a:gd name="connsiteY8" fmla="*/ 9966 h 9966"/>
+              <a:gd name="connsiteX9" fmla="*/ 8527 w 10044"/>
+              <a:gd name="connsiteY9" fmla="*/ 9872 h 9966"/>
+              <a:gd name="connsiteX10" fmla="*/ 8559 w 10044"/>
+              <a:gd name="connsiteY10" fmla="*/ 9778 h 9966"/>
+              <a:gd name="connsiteX11" fmla="*/ 10000 w 10044"/>
+              <a:gd name="connsiteY11" fmla="*/ 5265 h 9966"/>
+              <a:gd name="connsiteX12" fmla="*/ 10000 w 10044"/>
+              <a:gd name="connsiteY12" fmla="*/ 4701 h 9966"/>
+              <a:gd name="connsiteX0" fmla="*/ 6839 w 6883"/>
+              <a:gd name="connsiteY0" fmla="*/ 4885 h 10168"/>
+              <a:gd name="connsiteX1" fmla="*/ 5405 w 6883"/>
+              <a:gd name="connsiteY1" fmla="*/ 357 h 10168"/>
+              <a:gd name="connsiteX2" fmla="*/ 5373 w 6883"/>
+              <a:gd name="connsiteY2" fmla="*/ 262 h 10168"/>
+              <a:gd name="connsiteX3" fmla="*/ 5284 w 6883"/>
+              <a:gd name="connsiteY3" fmla="*/ 168 h 10168"/>
+              <a:gd name="connsiteX4" fmla="*/ 4716 w 6883"/>
+              <a:gd name="connsiteY4" fmla="*/ 168 h 10168"/>
+              <a:gd name="connsiteX5" fmla="*/ 50 w 6883"/>
+              <a:gd name="connsiteY5" fmla="*/ 0 h 10168"/>
+              <a:gd name="connsiteX6" fmla="*/ 1 w 6883"/>
+              <a:gd name="connsiteY6" fmla="*/ 9964 h 10168"/>
+              <a:gd name="connsiteX7" fmla="*/ 4716 w 6883"/>
+              <a:gd name="connsiteY7" fmla="*/ 10168 h 10168"/>
+              <a:gd name="connsiteX8" fmla="*/ 5284 w 6883"/>
+              <a:gd name="connsiteY8" fmla="*/ 10168 h 10168"/>
+              <a:gd name="connsiteX9" fmla="*/ 5373 w 6883"/>
+              <a:gd name="connsiteY9" fmla="*/ 10074 h 10168"/>
+              <a:gd name="connsiteX10" fmla="*/ 5405 w 6883"/>
+              <a:gd name="connsiteY10" fmla="*/ 9979 h 10168"/>
+              <a:gd name="connsiteX11" fmla="*/ 6839 w 6883"/>
+              <a:gd name="connsiteY11" fmla="*/ 5451 h 10168"/>
+              <a:gd name="connsiteX12" fmla="*/ 6839 w 6883"/>
+              <a:gd name="connsiteY12" fmla="*/ 4885 h 10168"/>
+            </a:gdLst>
+            <a:ahLst/>
+            <a:cxnLst>
+              <a:cxn ang="0">
+                <a:pos x="connsiteX0" y="connsiteY0"/>
+              </a:cxn>
+              <a:cxn ang="0">
+                <a:pos x="connsiteX1" y="connsiteY1"/>
+              </a:cxn>
+              <a:cxn ang="0">
+                <a:pos x="connsiteX2" y="connsiteY2"/>
+              </a:cxn>
+              <a:cxn ang="0">
+                <a:pos x="connsiteX3" y="connsiteY3"/>
+              </a:cxn>
+              <a:cxn ang="0">
+                <a:pos x="connsiteX4" y="connsiteY4"/>
+              </a:cxn>
+              <a:cxn ang="0">
+                <a:pos x="connsiteX5" y="connsiteY5"/>
+              </a:cxn>
+              <a:cxn ang="0">
+                <a:pos x="connsiteX6" y="connsiteY6"/>
+              </a:cxn>
+              <a:cxn ang="0">
+                <a:pos x="connsiteX7" y="connsiteY7"/>
+              </a:cxn>
+              <a:cxn ang="0">
+                <a:pos x="connsiteX8" y="connsiteY8"/>
+              </a:cxn>
+              <a:cxn ang="0">
+                <a:pos x="connsiteX9" y="connsiteY9"/>
+              </a:cxn>
+              <a:cxn ang="0">
+                <a:pos x="connsiteX10" y="connsiteY10"/>
+              </a:cxn>
+              <a:cxn ang="0">
+                <a:pos x="connsiteX11" y="connsiteY11"/>
+              </a:cxn>
+              <a:cxn ang="0">
+                <a:pos x="connsiteX12" y="connsiteY12"/>
+              </a:cxn>
+            </a:cxnLst>
+            <a:rect l="l" t="t" r="r" b="b"/>
+            <a:pathLst>
+              <a:path w="6883" h="10168">
+                <a:moveTo>
+                  <a:pt x="6839" y="4885"/>
+                </a:moveTo>
+                <a:lnTo>
+                  <a:pt x="5405" y="357"/>
+                </a:lnTo>
+                <a:cubicBezTo>
+                  <a:pt x="5395" y="325"/>
+                  <a:pt x="5383" y="294"/>
+                  <a:pt x="5373" y="262"/>
+                </a:cubicBezTo>
+                <a:cubicBezTo>
+                  <a:pt x="5344" y="168"/>
+                  <a:pt x="5314" y="168"/>
+                  <a:pt x="5284" y="168"/>
+                </a:cubicBezTo>
+                <a:lnTo>
+                  <a:pt x="4716" y="168"/>
+                </a:lnTo>
+                <a:lnTo>
+                  <a:pt x="50" y="0"/>
+                </a:lnTo>
+                <a:cubicBezTo>
+                  <a:pt x="59" y="3322"/>
+                  <a:pt x="-8" y="6643"/>
+                  <a:pt x="1" y="9964"/>
+                </a:cubicBezTo>
+                <a:lnTo>
+                  <a:pt x="4716" y="10168"/>
+                </a:lnTo>
+                <a:lnTo>
+                  <a:pt x="5284" y="10168"/>
+                </a:lnTo>
+                <a:cubicBezTo>
+                  <a:pt x="5314" y="10168"/>
+                  <a:pt x="5344" y="10074"/>
+                  <a:pt x="5373" y="10074"/>
+                </a:cubicBezTo>
+                <a:cubicBezTo>
+                  <a:pt x="5373" y="9979"/>
+                  <a:pt x="5405" y="9979"/>
+                  <a:pt x="5405" y="9979"/>
+                </a:cubicBezTo>
+                <a:lnTo>
+                  <a:pt x="6839" y="5451"/>
+                </a:lnTo>
+                <a:cubicBezTo>
+                  <a:pt x="6898" y="5262"/>
+                  <a:pt x="6898" y="5074"/>
+                  <a:pt x="6839" y="4885"/>
+                </a:cubicBezTo>
+                <a:close/>
+              </a:path>
+            </a:pathLst>
+          </a:custGeom>
+          <a:solidFill>
+            <a:schemeClr val="accent1"/>
+          </a:solidFill>
+          <a:ln>
+            <a:noFill/>
+          </a:ln>
+        </p:spPr>
+      </p:sp>
+      <p:sp useBgFill="1">
+        <p:nvSpPr>
+          <p:cNvPr id="12" name="Rectangle 11">
+            <a:extLst>
+              <a:ext uri="{FF2B5EF4-FFF2-40B4-BE49-F238E27FC236}">
+                <a16:creationId xmlns:a16="http://schemas.microsoft.com/office/drawing/2014/main" id="{27018161-547E-48F7-A0D9-272C9EA5B379}"/>
+              </a:ext>
+              <a:ext uri="{C183D7F6-B498-43B3-948B-1728B52AA6E4}">
+                <adec:decorative xmlns:adec="http://schemas.microsoft.com/office/drawing/2017/decorative" val="1"/>
+              </a:ext>
+            </a:extLst>
+          </p:cNvPr>
+          <p:cNvSpPr>
+            <a:spLocks noGrp="1" noRot="1" noChangeAspect="1" noMove="1" noResize="1" noEditPoints="1" noAdjustHandles="1" noChangeArrowheads="1" noChangeShapeType="1" noTextEdit="1"/>
+          </p:cNvSpPr>
+          <p:nvPr>
+            <p:extLst>
+              <p:ext uri="{386F3935-93C4-4BCD-93E2-E3B085C9AB24}">
+                <p16:designElem xmlns:p16="http://schemas.microsoft.com/office/powerpoint/2015/main" val="1"/>
+              </p:ext>
+            </p:extLst>
+          </p:nvPr>
+        </p:nvSpPr>
+        <p:spPr>
+          <a:xfrm>
+            <a:off x="4795736" y="0"/>
+            <a:ext cx="7396264" cy="6858000"/>
+          </a:xfrm>
+          <a:prstGeom prst="rect">
+            <a:avLst/>
+          </a:prstGeom>
+          <a:ln>
+            <a:noFill/>
+          </a:ln>
+        </p:spPr>
+        <p:style>
+          <a:lnRef idx="2">
+            <a:schemeClr val="accent1">
+              <a:shade val="50000"/>
+            </a:schemeClr>
+          </a:lnRef>
+          <a:fillRef idx="1">
+            <a:schemeClr val="accent1"/>
+          </a:fillRef>
+          <a:effectRef idx="0">
+            <a:schemeClr val="accent1"/>
+          </a:effectRef>
+          <a:fontRef idx="minor">
+            <a:schemeClr val="lt1"/>
+          </a:fontRef>
+        </p:style>
+        <p:txBody>
+          <a:bodyPr rtlCol="0" anchor="ctr"/>
+          <a:lstStyle/>
+          <a:p>
+            <a:pPr algn="ctr"/>
+            <a:endParaRPr lang="en-US"/>
           </a:p>
         </p:txBody>
       </p:sp>
@@ -8032,12 +15277,14 @@
         </p:nvSpPr>
         <p:spPr>
           <a:xfrm>
-            <a:off x="2075504" y="1455506"/>
-            <a:ext cx="8915400" cy="3777622"/>
+            <a:off x="4706578" y="589722"/>
+            <a:ext cx="6798033" cy="5321500"/>
           </a:xfrm>
         </p:spPr>
         <p:txBody>
-          <a:bodyPr/>
+          <a:bodyPr anchor="ctr">
+            <a:normAutofit/>
+          </a:bodyPr>
           <a:lstStyle/>
           <a:p>
             <a:r>
@@ -8099,6 +15346,32 @@
 <file path=ppt/slides/slide2.xml><?xml version="1.0" encoding="utf-8"?>
 <p:sld xmlns:a="http://schemas.openxmlformats.org/drawingml/2006/main" xmlns:r="http://schemas.openxmlformats.org/officeDocument/2006/relationships" xmlns:p="http://schemas.openxmlformats.org/presentationml/2006/main">
   <p:cSld>
+    <p:bg>
+      <p:bgPr>
+        <a:gradFill rotWithShape="1">
+          <a:gsLst>
+            <a:gs pos="0">
+              <a:schemeClr val="bg2">
+                <a:tint val="90000"/>
+                <a:satMod val="92000"/>
+                <a:lumMod val="120000"/>
+              </a:schemeClr>
+            </a:gs>
+            <a:gs pos="100000">
+              <a:schemeClr val="bg2">
+                <a:shade val="98000"/>
+                <a:satMod val="120000"/>
+                <a:lumMod val="98000"/>
+              </a:schemeClr>
+            </a:gs>
+          </a:gsLst>
+          <a:path path="circle">
+            <a:fillToRect l="50000" t="50000" r="100000" b="100000"/>
+          </a:path>
+        </a:gradFill>
+        <a:effectLst/>
+      </p:bgPr>
+    </p:bg>
     <p:spTree>
       <p:nvGrpSpPr>
         <p:cNvPr id="1" name=""/>
@@ -8113,6 +15386,69 @@
           <a:chExt cx="0" cy="0"/>
         </a:xfrm>
       </p:grpSpPr>
+      <p:sp>
+        <p:nvSpPr>
+          <p:cNvPr id="53" name="Rectangle 9">
+            <a:extLst>
+              <a:ext uri="{FF2B5EF4-FFF2-40B4-BE49-F238E27FC236}">
+                <a16:creationId xmlns:a16="http://schemas.microsoft.com/office/drawing/2014/main" id="{B5E4CBEC-18A2-4509-A45D-D5E653582CED}"/>
+              </a:ext>
+              <a:ext uri="{C183D7F6-B498-43B3-948B-1728B52AA6E4}">
+                <adec:decorative xmlns:adec="http://schemas.microsoft.com/office/drawing/2017/decorative" val="1"/>
+              </a:ext>
+            </a:extLst>
+          </p:cNvPr>
+          <p:cNvSpPr>
+            <a:spLocks noGrp="1" noRot="1" noChangeAspect="1" noMove="1" noResize="1" noEditPoints="1" noAdjustHandles="1" noChangeArrowheads="1" noChangeShapeType="1" noTextEdit="1"/>
+          </p:cNvSpPr>
+          <p:nvPr>
+            <p:extLst>
+              <p:ext uri="{386F3935-93C4-4BCD-93E2-E3B085C9AB24}">
+                <p16:designElem xmlns:p16="http://schemas.microsoft.com/office/powerpoint/2015/main" val="1"/>
+              </p:ext>
+            </p:extLst>
+          </p:nvPr>
+        </p:nvSpPr>
+        <p:spPr>
+          <a:xfrm>
+            <a:off x="1" y="0"/>
+            <a:ext cx="4059079" cy="6858000"/>
+          </a:xfrm>
+          <a:prstGeom prst="rect">
+            <a:avLst/>
+          </a:prstGeom>
+          <a:solidFill>
+            <a:schemeClr val="tx2"/>
+          </a:solidFill>
+          <a:ln>
+            <a:noFill/>
+          </a:ln>
+        </p:spPr>
+        <p:style>
+          <a:lnRef idx="2">
+            <a:schemeClr val="accent1">
+              <a:shade val="50000"/>
+            </a:schemeClr>
+          </a:lnRef>
+          <a:fillRef idx="1">
+            <a:schemeClr val="accent1"/>
+          </a:fillRef>
+          <a:effectRef idx="0">
+            <a:schemeClr val="accent1"/>
+          </a:effectRef>
+          <a:fontRef idx="minor">
+            <a:schemeClr val="lt1"/>
+          </a:fontRef>
+        </p:style>
+        <p:txBody>
+          <a:bodyPr rtlCol="0" anchor="ctr"/>
+          <a:lstStyle/>
+          <a:p>
+            <a:pPr algn="ctr"/>
+            <a:endParaRPr lang="en-US"/>
+          </a:p>
+        </p:txBody>
+      </p:sp>
       <p:sp>
         <p:nvSpPr>
           <p:cNvPr id="2" name="Titre 1">
@@ -8131,16 +15467,22 @@
         </p:nvSpPr>
         <p:spPr>
           <a:xfrm>
-            <a:off x="2757312" y="521369"/>
-            <a:ext cx="8911687" cy="1280890"/>
+            <a:off x="1259893" y="3101093"/>
+            <a:ext cx="2454052" cy="3029344"/>
           </a:xfrm>
         </p:spPr>
         <p:txBody>
-          <a:bodyPr/>
+          <a:bodyPr>
+            <a:normAutofit/>
+          </a:bodyPr>
           <a:lstStyle/>
           <a:p>
             <a:r>
-              <a:rPr lang="fr-FR" dirty="0"/>
+              <a:rPr lang="fr-FR" sz="3200">
+                <a:solidFill>
+                  <a:schemeClr val="bg1"/>
+                </a:solidFill>
+              </a:rPr>
               <a:t>Sommaire</a:t>
             </a:r>
           </a:p>
@@ -8148,29 +15490,280 @@
       </p:sp>
       <p:sp>
         <p:nvSpPr>
-          <p:cNvPr id="3" name="Espace réservé du contenu 2">
+          <p:cNvPr id="12" name="Freeform 11">
             <a:extLst>
               <a:ext uri="{FF2B5EF4-FFF2-40B4-BE49-F238E27FC236}">
-                <a16:creationId xmlns:a16="http://schemas.microsoft.com/office/drawing/2014/main" id="{E87D1C38-0EFB-471A-8A45-0F62CEEF4F6E}"/>
+                <a16:creationId xmlns:a16="http://schemas.microsoft.com/office/drawing/2014/main" id="{0A5EA4A7-4381-4FC6-AA9A-C9EA77B84F8A}"/>
+              </a:ext>
+              <a:ext uri="{C183D7F6-B498-43B3-948B-1728B52AA6E4}">
+                <adec:decorative xmlns:adec="http://schemas.microsoft.com/office/drawing/2017/decorative" val="1"/>
               </a:ext>
             </a:extLst>
           </p:cNvPr>
           <p:cNvSpPr>
-            <a:spLocks noGrp="1"/>
+            <a:spLocks noGrp="1" noRot="1" noChangeAspect="1" noMove="1" noResize="1" noEditPoints="1" noAdjustHandles="1" noChangeArrowheads="1" noChangeShapeType="1" noTextEdit="1"/>
           </p:cNvSpPr>
           <p:nvPr>
-            <p:ph idx="1"/>
+            <p:extLst>
+              <p:ext uri="{386F3935-93C4-4BCD-93E2-E3B085C9AB24}">
+                <p16:designElem xmlns:p16="http://schemas.microsoft.com/office/powerpoint/2015/main" val="1"/>
+              </p:ext>
+            </p:extLst>
+          </p:nvPr>
+        </p:nvSpPr>
+        <p:spPr bwMode="auto">
+          <a:xfrm flipV="1">
+            <a:off x="-159" y="3179901"/>
+            <a:ext cx="1098194" cy="514066"/>
+          </a:xfrm>
+          <a:custGeom>
+            <a:avLst/>
+            <a:gdLst>
+              <a:gd name="connsiteX0" fmla="*/ 10000 w 10044"/>
+              <a:gd name="connsiteY0" fmla="*/ 4701 h 9966"/>
+              <a:gd name="connsiteX1" fmla="*/ 8559 w 10044"/>
+              <a:gd name="connsiteY1" fmla="*/ 188 h 9966"/>
+              <a:gd name="connsiteX2" fmla="*/ 8527 w 10044"/>
+              <a:gd name="connsiteY2" fmla="*/ 94 h 9966"/>
+              <a:gd name="connsiteX3" fmla="*/ 8438 w 10044"/>
+              <a:gd name="connsiteY3" fmla="*/ 0 h 9966"/>
+              <a:gd name="connsiteX4" fmla="*/ 7867 w 10044"/>
+              <a:gd name="connsiteY4" fmla="*/ 0 h 9966"/>
+              <a:gd name="connsiteX5" fmla="*/ 0 w 10044"/>
+              <a:gd name="connsiteY5" fmla="*/ 70 h 9966"/>
+              <a:gd name="connsiteX6" fmla="*/ 3132 w 10044"/>
+              <a:gd name="connsiteY6" fmla="*/ 9763 h 9966"/>
+              <a:gd name="connsiteX7" fmla="*/ 7867 w 10044"/>
+              <a:gd name="connsiteY7" fmla="*/ 9966 h 9966"/>
+              <a:gd name="connsiteX8" fmla="*/ 8438 w 10044"/>
+              <a:gd name="connsiteY8" fmla="*/ 9966 h 9966"/>
+              <a:gd name="connsiteX9" fmla="*/ 8527 w 10044"/>
+              <a:gd name="connsiteY9" fmla="*/ 9872 h 9966"/>
+              <a:gd name="connsiteX10" fmla="*/ 8559 w 10044"/>
+              <a:gd name="connsiteY10" fmla="*/ 9778 h 9966"/>
+              <a:gd name="connsiteX11" fmla="*/ 10000 w 10044"/>
+              <a:gd name="connsiteY11" fmla="*/ 5265 h 9966"/>
+              <a:gd name="connsiteX12" fmla="*/ 10000 w 10044"/>
+              <a:gd name="connsiteY12" fmla="*/ 4701 h 9966"/>
+              <a:gd name="connsiteX0" fmla="*/ 6839 w 6883"/>
+              <a:gd name="connsiteY0" fmla="*/ 4885 h 10168"/>
+              <a:gd name="connsiteX1" fmla="*/ 5405 w 6883"/>
+              <a:gd name="connsiteY1" fmla="*/ 357 h 10168"/>
+              <a:gd name="connsiteX2" fmla="*/ 5373 w 6883"/>
+              <a:gd name="connsiteY2" fmla="*/ 262 h 10168"/>
+              <a:gd name="connsiteX3" fmla="*/ 5284 w 6883"/>
+              <a:gd name="connsiteY3" fmla="*/ 168 h 10168"/>
+              <a:gd name="connsiteX4" fmla="*/ 4716 w 6883"/>
+              <a:gd name="connsiteY4" fmla="*/ 168 h 10168"/>
+              <a:gd name="connsiteX5" fmla="*/ 50 w 6883"/>
+              <a:gd name="connsiteY5" fmla="*/ 0 h 10168"/>
+              <a:gd name="connsiteX6" fmla="*/ 1 w 6883"/>
+              <a:gd name="connsiteY6" fmla="*/ 9964 h 10168"/>
+              <a:gd name="connsiteX7" fmla="*/ 4716 w 6883"/>
+              <a:gd name="connsiteY7" fmla="*/ 10168 h 10168"/>
+              <a:gd name="connsiteX8" fmla="*/ 5284 w 6883"/>
+              <a:gd name="connsiteY8" fmla="*/ 10168 h 10168"/>
+              <a:gd name="connsiteX9" fmla="*/ 5373 w 6883"/>
+              <a:gd name="connsiteY9" fmla="*/ 10074 h 10168"/>
+              <a:gd name="connsiteX10" fmla="*/ 5405 w 6883"/>
+              <a:gd name="connsiteY10" fmla="*/ 9979 h 10168"/>
+              <a:gd name="connsiteX11" fmla="*/ 6839 w 6883"/>
+              <a:gd name="connsiteY11" fmla="*/ 5451 h 10168"/>
+              <a:gd name="connsiteX12" fmla="*/ 6839 w 6883"/>
+              <a:gd name="connsiteY12" fmla="*/ 4885 h 10168"/>
+            </a:gdLst>
+            <a:ahLst/>
+            <a:cxnLst>
+              <a:cxn ang="0">
+                <a:pos x="connsiteX0" y="connsiteY0"/>
+              </a:cxn>
+              <a:cxn ang="0">
+                <a:pos x="connsiteX1" y="connsiteY1"/>
+              </a:cxn>
+              <a:cxn ang="0">
+                <a:pos x="connsiteX2" y="connsiteY2"/>
+              </a:cxn>
+              <a:cxn ang="0">
+                <a:pos x="connsiteX3" y="connsiteY3"/>
+              </a:cxn>
+              <a:cxn ang="0">
+                <a:pos x="connsiteX4" y="connsiteY4"/>
+              </a:cxn>
+              <a:cxn ang="0">
+                <a:pos x="connsiteX5" y="connsiteY5"/>
+              </a:cxn>
+              <a:cxn ang="0">
+                <a:pos x="connsiteX6" y="connsiteY6"/>
+              </a:cxn>
+              <a:cxn ang="0">
+                <a:pos x="connsiteX7" y="connsiteY7"/>
+              </a:cxn>
+              <a:cxn ang="0">
+                <a:pos x="connsiteX8" y="connsiteY8"/>
+              </a:cxn>
+              <a:cxn ang="0">
+                <a:pos x="connsiteX9" y="connsiteY9"/>
+              </a:cxn>
+              <a:cxn ang="0">
+                <a:pos x="connsiteX10" y="connsiteY10"/>
+              </a:cxn>
+              <a:cxn ang="0">
+                <a:pos x="connsiteX11" y="connsiteY11"/>
+              </a:cxn>
+              <a:cxn ang="0">
+                <a:pos x="connsiteX12" y="connsiteY12"/>
+              </a:cxn>
+            </a:cxnLst>
+            <a:rect l="l" t="t" r="r" b="b"/>
+            <a:pathLst>
+              <a:path w="6883" h="10168">
+                <a:moveTo>
+                  <a:pt x="6839" y="4885"/>
+                </a:moveTo>
+                <a:lnTo>
+                  <a:pt x="5405" y="357"/>
+                </a:lnTo>
+                <a:cubicBezTo>
+                  <a:pt x="5395" y="325"/>
+                  <a:pt x="5383" y="294"/>
+                  <a:pt x="5373" y="262"/>
+                </a:cubicBezTo>
+                <a:cubicBezTo>
+                  <a:pt x="5344" y="168"/>
+                  <a:pt x="5314" y="168"/>
+                  <a:pt x="5284" y="168"/>
+                </a:cubicBezTo>
+                <a:lnTo>
+                  <a:pt x="4716" y="168"/>
+                </a:lnTo>
+                <a:lnTo>
+                  <a:pt x="50" y="0"/>
+                </a:lnTo>
+                <a:cubicBezTo>
+                  <a:pt x="59" y="3322"/>
+                  <a:pt x="-8" y="6643"/>
+                  <a:pt x="1" y="9964"/>
+                </a:cubicBezTo>
+                <a:lnTo>
+                  <a:pt x="4716" y="10168"/>
+                </a:lnTo>
+                <a:lnTo>
+                  <a:pt x="5284" y="10168"/>
+                </a:lnTo>
+                <a:cubicBezTo>
+                  <a:pt x="5314" y="10168"/>
+                  <a:pt x="5344" y="10074"/>
+                  <a:pt x="5373" y="10074"/>
+                </a:cubicBezTo>
+                <a:cubicBezTo>
+                  <a:pt x="5373" y="9979"/>
+                  <a:pt x="5405" y="9979"/>
+                  <a:pt x="5405" y="9979"/>
+                </a:cubicBezTo>
+                <a:lnTo>
+                  <a:pt x="6839" y="5451"/>
+                </a:lnTo>
+                <a:cubicBezTo>
+                  <a:pt x="6898" y="5262"/>
+                  <a:pt x="6898" y="5074"/>
+                  <a:pt x="6839" y="4885"/>
+                </a:cubicBezTo>
+                <a:close/>
+              </a:path>
+            </a:pathLst>
+          </a:custGeom>
+          <a:solidFill>
+            <a:schemeClr val="accent1"/>
+          </a:solidFill>
+          <a:ln>
+            <a:noFill/>
+          </a:ln>
+        </p:spPr>
+      </p:sp>
+      <p:sp useBgFill="1">
+        <p:nvSpPr>
+          <p:cNvPr id="14" name="Rectangle 13">
+            <a:extLst>
+              <a:ext uri="{FF2B5EF4-FFF2-40B4-BE49-F238E27FC236}">
+                <a16:creationId xmlns:a16="http://schemas.microsoft.com/office/drawing/2014/main" id="{E6295D53-0474-4725-85BE-1F15FCC2D97F}"/>
+              </a:ext>
+              <a:ext uri="{C183D7F6-B498-43B3-948B-1728B52AA6E4}">
+                <adec:decorative xmlns:adec="http://schemas.microsoft.com/office/drawing/2017/decorative" val="1"/>
+              </a:ext>
+            </a:extLst>
+          </p:cNvPr>
+          <p:cNvSpPr>
+            <a:spLocks noGrp="1" noRot="1" noChangeAspect="1" noMove="1" noResize="1" noEditPoints="1" noAdjustHandles="1" noChangeArrowheads="1" noChangeShapeType="1" noTextEdit="1"/>
+          </p:cNvSpPr>
+          <p:nvPr>
+            <p:extLst>
+              <p:ext uri="{386F3935-93C4-4BCD-93E2-E3B085C9AB24}">
+                <p16:designElem xmlns:p16="http://schemas.microsoft.com/office/powerpoint/2015/main" val="1"/>
+              </p:ext>
+            </p:extLst>
           </p:nvPr>
         </p:nvSpPr>
         <p:spPr>
           <a:xfrm>
-            <a:off x="2589212" y="2020585"/>
-            <a:ext cx="8915400" cy="3777622"/>
+            <a:off x="4795736" y="0"/>
+            <a:ext cx="7396264" cy="6858000"/>
           </a:xfrm>
+          <a:prstGeom prst="rect">
+            <a:avLst/>
+          </a:prstGeom>
+          <a:ln>
+            <a:noFill/>
+          </a:ln>
+        </p:spPr>
+        <p:style>
+          <a:lnRef idx="2">
+            <a:schemeClr val="accent1">
+              <a:shade val="50000"/>
+            </a:schemeClr>
+          </a:lnRef>
+          <a:fillRef idx="1">
+            <a:schemeClr val="accent1"/>
+          </a:fillRef>
+          <a:effectRef idx="0">
+            <a:schemeClr val="accent1"/>
+          </a:effectRef>
+          <a:fontRef idx="minor">
+            <a:schemeClr val="lt1"/>
+          </a:fontRef>
+        </p:style>
+        <p:txBody>
+          <a:bodyPr rtlCol="0" anchor="ctr"/>
+          <a:lstStyle/>
+          <a:p>
+            <a:pPr algn="ctr"/>
+            <a:endParaRPr lang="en-US"/>
+          </a:p>
+        </p:txBody>
+      </p:sp>
+      <p:sp>
+        <p:nvSpPr>
+          <p:cNvPr id="6" name="Rectangle 5">
+            <a:extLst>
+              <a:ext uri="{FF2B5EF4-FFF2-40B4-BE49-F238E27FC236}">
+                <a16:creationId xmlns:a16="http://schemas.microsoft.com/office/drawing/2014/main" id="{E7B1F022-CDDA-4F71-8A55-2AB2D6453B6F}"/>
+              </a:ext>
+            </a:extLst>
+          </p:cNvPr>
+          <p:cNvSpPr/>
+          <p:nvPr/>
+        </p:nvSpPr>
+        <p:spPr>
+          <a:xfrm>
+            <a:off x="4431990" y="979298"/>
+            <a:ext cx="7760009" cy="3970318"/>
+          </a:xfrm>
+          <a:prstGeom prst="rect">
+            <a:avLst/>
+          </a:prstGeom>
         </p:spPr>
         <p:txBody>
-          <a:bodyPr>
-            <a:normAutofit fontScale="92500" lnSpcReduction="10000"/>
+          <a:bodyPr wrap="square">
+            <a:spAutoFit/>
           </a:bodyPr>
           <a:lstStyle/>
           <a:p>
@@ -8179,7 +15772,13 @@
               <a:buAutoNum type="romanUcPeriod"/>
             </a:pPr>
             <a:r>
-              <a:rPr lang="fr-FR" sz="4000" dirty="0"/>
+              <a:rPr lang="fr-FR" sz="3600" dirty="0">
+                <a:solidFill>
+                  <a:schemeClr val="tx2">
+                    <a:lumMod val="75000"/>
+                  </a:schemeClr>
+                </a:solidFill>
+              </a:rPr>
               <a:t>Conception du back </a:t>
             </a:r>
           </a:p>
@@ -8189,7 +15788,13 @@
               <a:buAutoNum type="romanUcPeriod"/>
             </a:pPr>
             <a:r>
-              <a:rPr lang="fr-FR" sz="4000" dirty="0"/>
+              <a:rPr lang="fr-FR" sz="3600" dirty="0">
+                <a:solidFill>
+                  <a:schemeClr val="tx2">
+                    <a:lumMod val="75000"/>
+                  </a:schemeClr>
+                </a:solidFill>
+              </a:rPr>
               <a:t>Design du front </a:t>
             </a:r>
           </a:p>
@@ -8199,8 +15804,14 @@
               <a:buAutoNum type="romanUcPeriod"/>
             </a:pPr>
             <a:r>
-              <a:rPr lang="fr-FR" sz="4000" dirty="0"/>
-              <a:t>Conception du back</a:t>
+              <a:rPr lang="fr-FR" sz="3600" dirty="0">
+                <a:solidFill>
+                  <a:schemeClr val="tx2">
+                    <a:lumMod val="75000"/>
+                  </a:schemeClr>
+                </a:solidFill>
+              </a:rPr>
+              <a:t>Spécifications fonctionnelles des pages web</a:t>
             </a:r>
           </a:p>
           <a:p>
@@ -8209,7 +15820,13 @@
               <a:buAutoNum type="romanUcPeriod"/>
             </a:pPr>
             <a:r>
-              <a:rPr lang="fr-FR" sz="4000" dirty="0"/>
+              <a:rPr lang="fr-FR" sz="3600" dirty="0">
+                <a:solidFill>
+                  <a:schemeClr val="tx2">
+                    <a:lumMod val="75000"/>
+                  </a:schemeClr>
+                </a:solidFill>
+              </a:rPr>
               <a:t>L’utilisation de GIT</a:t>
             </a:r>
           </a:p>
@@ -8219,7 +15836,13 @@
               <a:buAutoNum type="romanUcPeriod"/>
             </a:pPr>
             <a:r>
-              <a:rPr lang="fr-FR" sz="4000" dirty="0"/>
+              <a:rPr lang="fr-FR" sz="3600" dirty="0">
+                <a:solidFill>
+                  <a:schemeClr val="tx2">
+                    <a:lumMod val="75000"/>
+                  </a:schemeClr>
+                </a:solidFill>
+              </a:rPr>
               <a:t>Bilans</a:t>
             </a:r>
           </a:p>
@@ -8229,7 +15852,13 @@
               <a:buAutoNum type="romanUcPeriod"/>
             </a:pPr>
             <a:r>
-              <a:rPr lang="fr-FR" sz="4000" dirty="0"/>
+              <a:rPr lang="fr-FR" sz="3600" dirty="0">
+                <a:solidFill>
+                  <a:schemeClr val="tx2">
+                    <a:lumMod val="75000"/>
+                  </a:schemeClr>
+                </a:solidFill>
+              </a:rPr>
               <a:t>Sitographie</a:t>
             </a:r>
           </a:p>
@@ -8294,9 +15923,10 @@
           <a:lstStyle/>
           <a:p>
             <a:r>
-              <a:rPr lang="fr-FR" dirty="0"/>
+              <a:rPr lang="fr-FR"/>
               <a:t>Conception du back: le modèle entité association</a:t>
             </a:r>
+            <a:endParaRPr lang="fr-FR" dirty="0"/>
           </a:p>
         </p:txBody>
       </p:sp>
@@ -8451,7 +16081,7 @@
           <a:graphicData uri="http://schemas.openxmlformats.org/presentationml/2006/ole">
             <mc:AlternateContent xmlns:mc="http://schemas.openxmlformats.org/markup-compatibility/2006">
               <mc:Choice xmlns:v="urn:schemas-microsoft-com:vml" Requires="v">
-                <p:oleObj spid="_x0000_s1028" name="Acrobat Document" r:id="rId3" imgW="11191783" imgH="7448264" progId="AcroExch.Document.DC">
+                <p:oleObj spid="_x0000_s1031" name="Acrobat Document" r:id="rId3" imgW="11191783" imgH="7448264" progId="AcroExch.Document.DC">
                   <p:embed/>
                 </p:oleObj>
               </mc:Choice>
@@ -8839,6 +16469,32 @@
 <file path=ppt/slides/slide8.xml><?xml version="1.0" encoding="utf-8"?>
 <p:sld xmlns:a="http://schemas.openxmlformats.org/drawingml/2006/main" xmlns:r="http://schemas.openxmlformats.org/officeDocument/2006/relationships" xmlns:p="http://schemas.openxmlformats.org/presentationml/2006/main">
   <p:cSld>
+    <p:bg>
+      <p:bgPr>
+        <a:gradFill rotWithShape="1">
+          <a:gsLst>
+            <a:gs pos="0">
+              <a:schemeClr val="bg2">
+                <a:tint val="90000"/>
+                <a:satMod val="92000"/>
+                <a:lumMod val="120000"/>
+              </a:schemeClr>
+            </a:gs>
+            <a:gs pos="100000">
+              <a:schemeClr val="bg2">
+                <a:shade val="98000"/>
+                <a:satMod val="120000"/>
+                <a:lumMod val="98000"/>
+              </a:schemeClr>
+            </a:gs>
+          </a:gsLst>
+          <a:path path="circle">
+            <a:fillToRect l="50000" t="50000" r="100000" b="100000"/>
+          </a:path>
+        </a:gradFill>
+        <a:effectLst/>
+      </p:bgPr>
+    </p:bg>
     <p:spTree>
       <p:nvGrpSpPr>
         <p:cNvPr id="1" name=""/>
@@ -8853,6 +16509,69 @@
           <a:chExt cx="0" cy="0"/>
         </a:xfrm>
       </p:grpSpPr>
+      <p:sp>
+        <p:nvSpPr>
+          <p:cNvPr id="16" name="Rectangle 9">
+            <a:extLst>
+              <a:ext uri="{FF2B5EF4-FFF2-40B4-BE49-F238E27FC236}">
+                <a16:creationId xmlns:a16="http://schemas.microsoft.com/office/drawing/2014/main" id="{B5E4CBEC-18A2-4509-A45D-D5E653582CED}"/>
+              </a:ext>
+              <a:ext uri="{C183D7F6-B498-43B3-948B-1728B52AA6E4}">
+                <adec:decorative xmlns:adec="http://schemas.microsoft.com/office/drawing/2017/decorative" val="1"/>
+              </a:ext>
+            </a:extLst>
+          </p:cNvPr>
+          <p:cNvSpPr>
+            <a:spLocks noGrp="1" noRot="1" noChangeAspect="1" noMove="1" noResize="1" noEditPoints="1" noAdjustHandles="1" noChangeArrowheads="1" noChangeShapeType="1" noTextEdit="1"/>
+          </p:cNvSpPr>
+          <p:nvPr>
+            <p:extLst>
+              <p:ext uri="{386F3935-93C4-4BCD-93E2-E3B085C9AB24}">
+                <p16:designElem xmlns:p16="http://schemas.microsoft.com/office/powerpoint/2015/main" val="1"/>
+              </p:ext>
+            </p:extLst>
+          </p:nvPr>
+        </p:nvSpPr>
+        <p:spPr>
+          <a:xfrm>
+            <a:off x="1" y="0"/>
+            <a:ext cx="4059079" cy="6858000"/>
+          </a:xfrm>
+          <a:prstGeom prst="rect">
+            <a:avLst/>
+          </a:prstGeom>
+          <a:solidFill>
+            <a:schemeClr val="tx2"/>
+          </a:solidFill>
+          <a:ln>
+            <a:noFill/>
+          </a:ln>
+        </p:spPr>
+        <p:style>
+          <a:lnRef idx="2">
+            <a:schemeClr val="accent1">
+              <a:shade val="50000"/>
+            </a:schemeClr>
+          </a:lnRef>
+          <a:fillRef idx="1">
+            <a:schemeClr val="accent1"/>
+          </a:fillRef>
+          <a:effectRef idx="0">
+            <a:schemeClr val="accent1"/>
+          </a:effectRef>
+          <a:fontRef idx="minor">
+            <a:schemeClr val="lt1"/>
+          </a:fontRef>
+        </p:style>
+        <p:txBody>
+          <a:bodyPr rtlCol="0" anchor="ctr"/>
+          <a:lstStyle/>
+          <a:p>
+            <a:pPr algn="ctr"/>
+            <a:endParaRPr lang="en-US"/>
+          </a:p>
+        </p:txBody>
+      </p:sp>
       <p:sp>
         <p:nvSpPr>
           <p:cNvPr id="2" name="Titre 1">
@@ -8871,16 +16590,22 @@
         </p:nvSpPr>
         <p:spPr>
           <a:xfrm>
-            <a:off x="2589212" y="306333"/>
-            <a:ext cx="8911687" cy="1280890"/>
+            <a:off x="1259893" y="3101093"/>
+            <a:ext cx="2454052" cy="3029344"/>
           </a:xfrm>
         </p:spPr>
         <p:txBody>
-          <a:bodyPr/>
+          <a:bodyPr>
+            <a:normAutofit/>
+          </a:bodyPr>
           <a:lstStyle/>
           <a:p>
             <a:r>
-              <a:rPr lang="fr-FR" dirty="0"/>
+              <a:rPr lang="fr-FR" sz="2500">
+                <a:solidFill>
+                  <a:schemeClr val="bg1"/>
+                </a:solidFill>
+              </a:rPr>
               <a:t>Spécifications fonctionnelles des pages web</a:t>
             </a:r>
           </a:p>
@@ -8888,64 +16613,287 @@
       </p:sp>
       <p:sp>
         <p:nvSpPr>
-          <p:cNvPr id="3" name="Espace réservé du contenu 2">
+          <p:cNvPr id="17" name="Freeform 11">
             <a:extLst>
               <a:ext uri="{FF2B5EF4-FFF2-40B4-BE49-F238E27FC236}">
-                <a16:creationId xmlns:a16="http://schemas.microsoft.com/office/drawing/2014/main" id="{AE518728-9F5F-4AA4-8A0D-FE9687A2F8A8}"/>
+                <a16:creationId xmlns:a16="http://schemas.microsoft.com/office/drawing/2014/main" id="{0A5EA4A7-4381-4FC6-AA9A-C9EA77B84F8A}"/>
+              </a:ext>
+              <a:ext uri="{C183D7F6-B498-43B3-948B-1728B52AA6E4}">
+                <adec:decorative xmlns:adec="http://schemas.microsoft.com/office/drawing/2017/decorative" val="1"/>
               </a:ext>
             </a:extLst>
           </p:cNvPr>
           <p:cNvSpPr>
-            <a:spLocks noGrp="1"/>
+            <a:spLocks noGrp="1" noRot="1" noChangeAspect="1" noMove="1" noResize="1" noEditPoints="1" noAdjustHandles="1" noChangeArrowheads="1" noChangeShapeType="1" noTextEdit="1"/>
           </p:cNvSpPr>
           <p:nvPr>
-            <p:ph idx="1"/>
+            <p:extLst>
+              <p:ext uri="{386F3935-93C4-4BCD-93E2-E3B085C9AB24}">
+                <p16:designElem xmlns:p16="http://schemas.microsoft.com/office/powerpoint/2015/main" val="1"/>
+              </p:ext>
+            </p:extLst>
           </p:nvPr>
         </p:nvSpPr>
-        <p:spPr/>
+        <p:spPr bwMode="auto">
+          <a:xfrm flipV="1">
+            <a:off x="-159" y="3179901"/>
+            <a:ext cx="1098194" cy="514066"/>
+          </a:xfrm>
+          <a:custGeom>
+            <a:avLst/>
+            <a:gdLst>
+              <a:gd name="connsiteX0" fmla="*/ 10000 w 10044"/>
+              <a:gd name="connsiteY0" fmla="*/ 4701 h 9966"/>
+              <a:gd name="connsiteX1" fmla="*/ 8559 w 10044"/>
+              <a:gd name="connsiteY1" fmla="*/ 188 h 9966"/>
+              <a:gd name="connsiteX2" fmla="*/ 8527 w 10044"/>
+              <a:gd name="connsiteY2" fmla="*/ 94 h 9966"/>
+              <a:gd name="connsiteX3" fmla="*/ 8438 w 10044"/>
+              <a:gd name="connsiteY3" fmla="*/ 0 h 9966"/>
+              <a:gd name="connsiteX4" fmla="*/ 7867 w 10044"/>
+              <a:gd name="connsiteY4" fmla="*/ 0 h 9966"/>
+              <a:gd name="connsiteX5" fmla="*/ 0 w 10044"/>
+              <a:gd name="connsiteY5" fmla="*/ 70 h 9966"/>
+              <a:gd name="connsiteX6" fmla="*/ 3132 w 10044"/>
+              <a:gd name="connsiteY6" fmla="*/ 9763 h 9966"/>
+              <a:gd name="connsiteX7" fmla="*/ 7867 w 10044"/>
+              <a:gd name="connsiteY7" fmla="*/ 9966 h 9966"/>
+              <a:gd name="connsiteX8" fmla="*/ 8438 w 10044"/>
+              <a:gd name="connsiteY8" fmla="*/ 9966 h 9966"/>
+              <a:gd name="connsiteX9" fmla="*/ 8527 w 10044"/>
+              <a:gd name="connsiteY9" fmla="*/ 9872 h 9966"/>
+              <a:gd name="connsiteX10" fmla="*/ 8559 w 10044"/>
+              <a:gd name="connsiteY10" fmla="*/ 9778 h 9966"/>
+              <a:gd name="connsiteX11" fmla="*/ 10000 w 10044"/>
+              <a:gd name="connsiteY11" fmla="*/ 5265 h 9966"/>
+              <a:gd name="connsiteX12" fmla="*/ 10000 w 10044"/>
+              <a:gd name="connsiteY12" fmla="*/ 4701 h 9966"/>
+              <a:gd name="connsiteX0" fmla="*/ 6839 w 6883"/>
+              <a:gd name="connsiteY0" fmla="*/ 4885 h 10168"/>
+              <a:gd name="connsiteX1" fmla="*/ 5405 w 6883"/>
+              <a:gd name="connsiteY1" fmla="*/ 357 h 10168"/>
+              <a:gd name="connsiteX2" fmla="*/ 5373 w 6883"/>
+              <a:gd name="connsiteY2" fmla="*/ 262 h 10168"/>
+              <a:gd name="connsiteX3" fmla="*/ 5284 w 6883"/>
+              <a:gd name="connsiteY3" fmla="*/ 168 h 10168"/>
+              <a:gd name="connsiteX4" fmla="*/ 4716 w 6883"/>
+              <a:gd name="connsiteY4" fmla="*/ 168 h 10168"/>
+              <a:gd name="connsiteX5" fmla="*/ 50 w 6883"/>
+              <a:gd name="connsiteY5" fmla="*/ 0 h 10168"/>
+              <a:gd name="connsiteX6" fmla="*/ 1 w 6883"/>
+              <a:gd name="connsiteY6" fmla="*/ 9964 h 10168"/>
+              <a:gd name="connsiteX7" fmla="*/ 4716 w 6883"/>
+              <a:gd name="connsiteY7" fmla="*/ 10168 h 10168"/>
+              <a:gd name="connsiteX8" fmla="*/ 5284 w 6883"/>
+              <a:gd name="connsiteY8" fmla="*/ 10168 h 10168"/>
+              <a:gd name="connsiteX9" fmla="*/ 5373 w 6883"/>
+              <a:gd name="connsiteY9" fmla="*/ 10074 h 10168"/>
+              <a:gd name="connsiteX10" fmla="*/ 5405 w 6883"/>
+              <a:gd name="connsiteY10" fmla="*/ 9979 h 10168"/>
+              <a:gd name="connsiteX11" fmla="*/ 6839 w 6883"/>
+              <a:gd name="connsiteY11" fmla="*/ 5451 h 10168"/>
+              <a:gd name="connsiteX12" fmla="*/ 6839 w 6883"/>
+              <a:gd name="connsiteY12" fmla="*/ 4885 h 10168"/>
+            </a:gdLst>
+            <a:ahLst/>
+            <a:cxnLst>
+              <a:cxn ang="0">
+                <a:pos x="connsiteX0" y="connsiteY0"/>
+              </a:cxn>
+              <a:cxn ang="0">
+                <a:pos x="connsiteX1" y="connsiteY1"/>
+              </a:cxn>
+              <a:cxn ang="0">
+                <a:pos x="connsiteX2" y="connsiteY2"/>
+              </a:cxn>
+              <a:cxn ang="0">
+                <a:pos x="connsiteX3" y="connsiteY3"/>
+              </a:cxn>
+              <a:cxn ang="0">
+                <a:pos x="connsiteX4" y="connsiteY4"/>
+              </a:cxn>
+              <a:cxn ang="0">
+                <a:pos x="connsiteX5" y="connsiteY5"/>
+              </a:cxn>
+              <a:cxn ang="0">
+                <a:pos x="connsiteX6" y="connsiteY6"/>
+              </a:cxn>
+              <a:cxn ang="0">
+                <a:pos x="connsiteX7" y="connsiteY7"/>
+              </a:cxn>
+              <a:cxn ang="0">
+                <a:pos x="connsiteX8" y="connsiteY8"/>
+              </a:cxn>
+              <a:cxn ang="0">
+                <a:pos x="connsiteX9" y="connsiteY9"/>
+              </a:cxn>
+              <a:cxn ang="0">
+                <a:pos x="connsiteX10" y="connsiteY10"/>
+              </a:cxn>
+              <a:cxn ang="0">
+                <a:pos x="connsiteX11" y="connsiteY11"/>
+              </a:cxn>
+              <a:cxn ang="0">
+                <a:pos x="connsiteX12" y="connsiteY12"/>
+              </a:cxn>
+            </a:cxnLst>
+            <a:rect l="l" t="t" r="r" b="b"/>
+            <a:pathLst>
+              <a:path w="6883" h="10168">
+                <a:moveTo>
+                  <a:pt x="6839" y="4885"/>
+                </a:moveTo>
+                <a:lnTo>
+                  <a:pt x="5405" y="357"/>
+                </a:lnTo>
+                <a:cubicBezTo>
+                  <a:pt x="5395" y="325"/>
+                  <a:pt x="5383" y="294"/>
+                  <a:pt x="5373" y="262"/>
+                </a:cubicBezTo>
+                <a:cubicBezTo>
+                  <a:pt x="5344" y="168"/>
+                  <a:pt x="5314" y="168"/>
+                  <a:pt x="5284" y="168"/>
+                </a:cubicBezTo>
+                <a:lnTo>
+                  <a:pt x="4716" y="168"/>
+                </a:lnTo>
+                <a:lnTo>
+                  <a:pt x="50" y="0"/>
+                </a:lnTo>
+                <a:cubicBezTo>
+                  <a:pt x="59" y="3322"/>
+                  <a:pt x="-8" y="6643"/>
+                  <a:pt x="1" y="9964"/>
+                </a:cubicBezTo>
+                <a:lnTo>
+                  <a:pt x="4716" y="10168"/>
+                </a:lnTo>
+                <a:lnTo>
+                  <a:pt x="5284" y="10168"/>
+                </a:lnTo>
+                <a:cubicBezTo>
+                  <a:pt x="5314" y="10168"/>
+                  <a:pt x="5344" y="10074"/>
+                  <a:pt x="5373" y="10074"/>
+                </a:cubicBezTo>
+                <a:cubicBezTo>
+                  <a:pt x="5373" y="9979"/>
+                  <a:pt x="5405" y="9979"/>
+                  <a:pt x="5405" y="9979"/>
+                </a:cubicBezTo>
+                <a:lnTo>
+                  <a:pt x="6839" y="5451"/>
+                </a:lnTo>
+                <a:cubicBezTo>
+                  <a:pt x="6898" y="5262"/>
+                  <a:pt x="6898" y="5074"/>
+                  <a:pt x="6839" y="4885"/>
+                </a:cubicBezTo>
+                <a:close/>
+              </a:path>
+            </a:pathLst>
+          </a:custGeom>
+          <a:solidFill>
+            <a:schemeClr val="accent1"/>
+          </a:solidFill>
+          <a:ln>
+            <a:noFill/>
+          </a:ln>
+        </p:spPr>
+      </p:sp>
+      <p:sp useBgFill="1">
+        <p:nvSpPr>
+          <p:cNvPr id="18" name="Rectangle 13">
+            <a:extLst>
+              <a:ext uri="{FF2B5EF4-FFF2-40B4-BE49-F238E27FC236}">
+                <a16:creationId xmlns:a16="http://schemas.microsoft.com/office/drawing/2014/main" id="{E6295D53-0474-4725-85BE-1F15FCC2D97F}"/>
+              </a:ext>
+              <a:ext uri="{C183D7F6-B498-43B3-948B-1728B52AA6E4}">
+                <adec:decorative xmlns:adec="http://schemas.microsoft.com/office/drawing/2017/decorative" val="1"/>
+              </a:ext>
+            </a:extLst>
+          </p:cNvPr>
+          <p:cNvSpPr>
+            <a:spLocks noGrp="1" noRot="1" noChangeAspect="1" noMove="1" noResize="1" noEditPoints="1" noAdjustHandles="1" noChangeArrowheads="1" noChangeShapeType="1" noTextEdit="1"/>
+          </p:cNvSpPr>
+          <p:nvPr>
+            <p:extLst>
+              <p:ext uri="{386F3935-93C4-4BCD-93E2-E3B085C9AB24}">
+                <p16:designElem xmlns:p16="http://schemas.microsoft.com/office/powerpoint/2015/main" val="1"/>
+              </p:ext>
+            </p:extLst>
+          </p:nvPr>
+        </p:nvSpPr>
+        <p:spPr>
+          <a:xfrm>
+            <a:off x="4795736" y="0"/>
+            <a:ext cx="7396264" cy="6858000"/>
+          </a:xfrm>
+          <a:prstGeom prst="rect">
+            <a:avLst/>
+          </a:prstGeom>
+          <a:ln>
+            <a:noFill/>
+          </a:ln>
+        </p:spPr>
+        <p:style>
+          <a:lnRef idx="2">
+            <a:schemeClr val="accent1">
+              <a:shade val="50000"/>
+            </a:schemeClr>
+          </a:lnRef>
+          <a:fillRef idx="1">
+            <a:schemeClr val="accent1"/>
+          </a:fillRef>
+          <a:effectRef idx="0">
+            <a:schemeClr val="accent1"/>
+          </a:effectRef>
+          <a:fontRef idx="minor">
+            <a:schemeClr val="lt1"/>
+          </a:fontRef>
+        </p:style>
         <p:txBody>
-          <a:bodyPr/>
+          <a:bodyPr rtlCol="0" anchor="ctr"/>
           <a:lstStyle/>
           <a:p>
-            <a:r>
-              <a:rPr lang="fr-FR" dirty="0"/>
-              <a:t>Utilisation de PHP et SQL pour gérer les bases de données (récupérer les informations ou en ajouter)</a:t>
-            </a:r>
-          </a:p>
-          <a:p>
-            <a:r>
-              <a:rPr lang="fr-FR" dirty="0"/>
-              <a:t>Utilisation de HTML</a:t>
-            </a:r>
-          </a:p>
-          <a:p>
-            <a:r>
-              <a:rPr lang="fr-FR" dirty="0"/>
-              <a:t>Utilisation de CSS, </a:t>
-            </a:r>
-            <a:r>
-              <a:rPr lang="fr-FR" dirty="0" err="1"/>
-              <a:t>bootstrap</a:t>
-            </a:r>
-            <a:r>
-              <a:rPr lang="fr-FR" dirty="0"/>
-              <a:t> et </a:t>
-            </a:r>
-            <a:r>
-              <a:rPr lang="fr-FR" dirty="0" err="1"/>
-              <a:t>Jquery</a:t>
-            </a:r>
-            <a:r>
-              <a:rPr lang="fr-FR"/>
-              <a:t> pour </a:t>
-            </a:r>
-            <a:r>
-              <a:rPr lang="fr-FR" dirty="0"/>
-              <a:t>le style</a:t>
-            </a:r>
+            <a:pPr algn="ctr"/>
+            <a:endParaRPr lang="en-US"/>
           </a:p>
         </p:txBody>
       </p:sp>
+      <p:graphicFrame>
+        <p:nvGraphicFramePr>
+          <p:cNvPr id="19" name="Espace réservé du contenu 2">
+            <a:extLst>
+              <a:ext uri="{FF2B5EF4-FFF2-40B4-BE49-F238E27FC236}">
+                <a16:creationId xmlns:a16="http://schemas.microsoft.com/office/drawing/2014/main" id="{CF5930FB-A846-4B6E-8B03-6706F8A08F26}"/>
+              </a:ext>
+            </a:extLst>
+          </p:cNvPr>
+          <p:cNvGraphicFramePr>
+            <a:graphicFrameLocks noGrp="1"/>
+          </p:cNvGraphicFramePr>
+          <p:nvPr>
+            <p:ph idx="1"/>
+            <p:extLst>
+              <p:ext uri="{D42A27DB-BD31-4B8C-83A1-F6EECF244321}">
+                <p14:modId xmlns:p14="http://schemas.microsoft.com/office/powerpoint/2010/main" val="1531494688"/>
+              </p:ext>
+            </p:extLst>
+          </p:nvPr>
+        </p:nvGraphicFramePr>
+        <p:xfrm>
+          <a:off x="4713144" y="641551"/>
+          <a:ext cx="6832212" cy="5264779"/>
+        </p:xfrm>
+        <a:graphic>
+          <a:graphicData uri="http://schemas.openxmlformats.org/drawingml/2006/diagram">
+            <dgm:relIds xmlns:dgm="http://schemas.openxmlformats.org/drawingml/2006/diagram" xmlns:r="http://schemas.openxmlformats.org/officeDocument/2006/relationships" r:dm="rId2" r:lo="rId3" r:qs="rId4" r:cs="rId5"/>
+          </a:graphicData>
+        </a:graphic>
+      </p:graphicFrame>
     </p:spTree>
     <p:extLst>
       <p:ext uri="{BB962C8B-B14F-4D97-AF65-F5344CB8AC3E}">
@@ -8962,6 +16910,32 @@
 <file path=ppt/slides/slide9.xml><?xml version="1.0" encoding="utf-8"?>
 <p:sld xmlns:a="http://schemas.openxmlformats.org/drawingml/2006/main" xmlns:r="http://schemas.openxmlformats.org/officeDocument/2006/relationships" xmlns:p="http://schemas.openxmlformats.org/presentationml/2006/main">
   <p:cSld>
+    <p:bg>
+      <p:bgPr>
+        <a:gradFill rotWithShape="1">
+          <a:gsLst>
+            <a:gs pos="0">
+              <a:schemeClr val="bg2">
+                <a:tint val="90000"/>
+                <a:satMod val="92000"/>
+                <a:lumMod val="120000"/>
+              </a:schemeClr>
+            </a:gs>
+            <a:gs pos="100000">
+              <a:schemeClr val="bg2">
+                <a:shade val="98000"/>
+                <a:satMod val="120000"/>
+                <a:lumMod val="98000"/>
+              </a:schemeClr>
+            </a:gs>
+          </a:gsLst>
+          <a:path path="circle">
+            <a:fillToRect l="50000" t="50000" r="100000" b="100000"/>
+          </a:path>
+        </a:gradFill>
+        <a:effectLst/>
+      </p:bgPr>
+    </p:bg>
     <p:spTree>
       <p:nvGrpSpPr>
         <p:cNvPr id="1" name=""/>
@@ -8992,15 +16966,23 @@
             <p:ph type="title"/>
           </p:nvPr>
         </p:nvSpPr>
-        <p:spPr/>
+        <p:spPr>
+          <a:xfrm>
+            <a:off x="2592925" y="624110"/>
+            <a:ext cx="8911687" cy="1280890"/>
+          </a:xfrm>
+        </p:spPr>
         <p:txBody>
-          <a:bodyPr/>
+          <a:bodyPr>
+            <a:normAutofit/>
+          </a:bodyPr>
           <a:lstStyle/>
           <a:p>
             <a:r>
-              <a:rPr lang="fr-FR" dirty="0"/>
+              <a:rPr lang="fr-FR"/>
               <a:t>L’utilisation de GIT</a:t>
             </a:r>
+            <a:endParaRPr lang="fr-FR" dirty="0"/>
           </a:p>
         </p:txBody>
       </p:sp>
@@ -9022,12 +17004,14 @@
         </p:nvSpPr>
         <p:spPr>
           <a:xfrm>
-            <a:off x="842606" y="1681538"/>
-            <a:ext cx="8915400" cy="3777622"/>
+            <a:off x="2589212" y="2125362"/>
+            <a:ext cx="5835121" cy="3785860"/>
           </a:xfrm>
         </p:spPr>
         <p:txBody>
-          <a:bodyPr/>
+          <a:bodyPr>
+            <a:normAutofit/>
+          </a:bodyPr>
           <a:lstStyle/>
           <a:p>
             <a:r>
@@ -9098,6 +17082,35 @@
           </a:p>
         </p:txBody>
       </p:sp>
+      <p:pic>
+        <p:nvPicPr>
+          <p:cNvPr id="5" name="Image 4">
+            <a:extLst>
+              <a:ext uri="{FF2B5EF4-FFF2-40B4-BE49-F238E27FC236}">
+                <a16:creationId xmlns:a16="http://schemas.microsoft.com/office/drawing/2014/main" id="{B13E8FEB-E0AD-43F6-B91F-FCE642C81FF2}"/>
+              </a:ext>
+            </a:extLst>
+          </p:cNvPr>
+          <p:cNvPicPr>
+            <a:picLocks noChangeAspect="1"/>
+          </p:cNvPicPr>
+          <p:nvPr/>
+        </p:nvPicPr>
+        <p:blipFill rotWithShape="1">
+          <a:blip r:embed="rId3"/>
+          <a:srcRect l="3269" r="66151" b="-2"/>
+          <a:stretch/>
+        </p:blipFill>
+        <p:spPr>
+          <a:xfrm>
+            <a:off x="8631452" y="2129586"/>
+            <a:ext cx="2873159" cy="3737814"/>
+          </a:xfrm>
+          <a:prstGeom prst="rect">
+            <a:avLst/>
+          </a:prstGeom>
+        </p:spPr>
+      </p:pic>
     </p:spTree>
     <p:extLst>
       <p:ext uri="{BB962C8B-B14F-4D97-AF65-F5344CB8AC3E}">
